--- a/bishops/cs321/resources/CS321_Lecture_12.pptx
+++ b/bishops/cs321/resources/CS321_Lecture_12.pptx
@@ -150,7 +150,7 @@
   </p:defaultTextStyle>
   <p:extLst>
     <p:ext uri="{EFAFB233-063F-42B5-8137-9DF3F51BA10A}">
-      <p15:sldGuideLst xmlns:p15="http://schemas.microsoft.com/office/powerpoint/2012/main"/>
+      <p15:sldGuideLst xmlns:p15="http://schemas.microsoft.com/office/powerpoint/2012/main" xmlns=""/>
     </p:ext>
   </p:extLst>
 </p:presentation>
@@ -161,7 +161,7 @@
   <p:cmAuthor id="1" name="Gregory" initials="G" lastIdx="1" clrIdx="0">
     <p:extLst>
       <p:ext uri="{19B8F6BF-5375-455C-9EA6-DF929625EA0E}">
-        <p15:presenceInfo xmlns:p15="http://schemas.microsoft.com/office/powerpoint/2012/main" userId="Gregory" providerId="None"/>
+        <p15:presenceInfo xmlns:p15="http://schemas.microsoft.com/office/powerpoint/2012/main" xmlns="" userId="Gregory" providerId="None"/>
       </p:ext>
     </p:extLst>
   </p:cmAuthor>
@@ -250,7 +250,8 @@
           <a:p>
             <a:fld id="{A6583E9D-07AB-4C6D-BFD0-47E805C6B3D4}" type="datetimeFigureOut">
               <a:rPr lang="en-CA" smtClean="0"/>
-              <a:t>2022-02-22</a:t>
+              <a:pPr/>
+              <a:t>2024-02-24</a:t>
             </a:fld>
             <a:endParaRPr lang="en-CA"/>
           </a:p>
@@ -409,6 +410,7 @@
           <a:p>
             <a:fld id="{8F20841C-25C9-4C0C-A7FA-C4A363D14F5A}" type="slidenum">
               <a:rPr lang="en-CA" smtClean="0"/>
+              <a:pPr/>
               <a:t>‹#›</a:t>
             </a:fld>
             <a:endParaRPr lang="en-CA"/>
@@ -418,7 +420,7 @@
     </p:spTree>
     <p:extLst>
       <p:ext uri="{BB962C8B-B14F-4D97-AF65-F5344CB8AC3E}">
-        <p14:creationId xmlns:p14="http://schemas.microsoft.com/office/powerpoint/2010/main" val="4237529172"/>
+        <p14:creationId xmlns:p14="http://schemas.microsoft.com/office/powerpoint/2010/main" xmlns="" val="4237529172"/>
       </p:ext>
     </p:extLst>
   </p:cSld>
@@ -562,14 +564,6 @@
           <a:bodyPr/>
           <a:lstStyle/>
           <a:p>
-            <a:r>
-              <a:rPr lang="en-CA" dirty="0"/>
-              <a:t>Multi-instrument</a:t>
-            </a:r>
-            <a:r>
-              <a:rPr lang="en-CA" baseline="0" dirty="0"/>
-              <a:t> / Multi-instrument Inter-process (minus the)-with Eye Trackers-</a:t>
-            </a:r>
             <a:endParaRPr lang="en-CA" dirty="0"/>
           </a:p>
         </p:txBody>
@@ -591,6 +585,7 @@
           <a:p>
             <a:fld id="{8F20841C-25C9-4C0C-A7FA-C4A363D14F5A}" type="slidenum">
               <a:rPr lang="en-CA" smtClean="0"/>
+              <a:pPr/>
               <a:t>1</a:t>
             </a:fld>
             <a:endParaRPr lang="en-CA"/>
@@ -600,7 +595,7 @@
     </p:spTree>
     <p:extLst>
       <p:ext uri="{BB962C8B-B14F-4D97-AF65-F5344CB8AC3E}">
-        <p14:creationId xmlns:p14="http://schemas.microsoft.com/office/powerpoint/2010/main" val="2340334442"/>
+        <p14:creationId xmlns:p14="http://schemas.microsoft.com/office/powerpoint/2010/main" xmlns="" val="2340334442"/>
       </p:ext>
     </p:extLst>
   </p:cSld>
@@ -675,6 +670,7 @@
           <a:p>
             <a:fld id="{8F20841C-25C9-4C0C-A7FA-C4A363D14F5A}" type="slidenum">
               <a:rPr lang="en-CA" smtClean="0"/>
+              <a:pPr/>
               <a:t>19</a:t>
             </a:fld>
             <a:endParaRPr lang="en-CA"/>
@@ -684,7 +680,7 @@
     </p:spTree>
     <p:extLst>
       <p:ext uri="{BB962C8B-B14F-4D97-AF65-F5344CB8AC3E}">
-        <p14:creationId xmlns:p14="http://schemas.microsoft.com/office/powerpoint/2010/main" val="1863914651"/>
+        <p14:creationId xmlns:p14="http://schemas.microsoft.com/office/powerpoint/2010/main" xmlns="" val="1863914651"/>
       </p:ext>
     </p:extLst>
   </p:cSld>
@@ -878,6 +874,7 @@
           <a:p>
             <a:fld id="{5174927E-2439-42C0-9720-7BBCA09BF46F}" type="slidenum">
               <a:rPr lang="en-CA" smtClean="0"/>
+              <a:pPr/>
               <a:t>‹#›</a:t>
             </a:fld>
             <a:endParaRPr lang="en-CA"/>
@@ -887,7 +884,7 @@
     </p:spTree>
     <p:extLst>
       <p:ext uri="{BB962C8B-B14F-4D97-AF65-F5344CB8AC3E}">
-        <p14:creationId xmlns:p14="http://schemas.microsoft.com/office/powerpoint/2010/main" val="1900560834"/>
+        <p14:creationId xmlns:p14="http://schemas.microsoft.com/office/powerpoint/2010/main" xmlns="" val="1900560834"/>
       </p:ext>
     </p:extLst>
   </p:cSld>
@@ -1051,6 +1048,7 @@
           <a:p>
             <a:fld id="{5174927E-2439-42C0-9720-7BBCA09BF46F}" type="slidenum">
               <a:rPr lang="en-CA" smtClean="0"/>
+              <a:pPr/>
               <a:t>‹#›</a:t>
             </a:fld>
             <a:endParaRPr lang="en-CA"/>
@@ -1060,7 +1058,7 @@
     </p:spTree>
     <p:extLst>
       <p:ext uri="{BB962C8B-B14F-4D97-AF65-F5344CB8AC3E}">
-        <p14:creationId xmlns:p14="http://schemas.microsoft.com/office/powerpoint/2010/main" val="3722958745"/>
+        <p14:creationId xmlns:p14="http://schemas.microsoft.com/office/powerpoint/2010/main" xmlns="" val="3722958745"/>
       </p:ext>
     </p:extLst>
   </p:cSld>
@@ -1296,7 +1294,7 @@
     </p:spTree>
     <p:extLst>
       <p:ext uri="{BB962C8B-B14F-4D97-AF65-F5344CB8AC3E}">
-        <p14:creationId xmlns:p14="http://schemas.microsoft.com/office/powerpoint/2010/main" val="1822376042"/>
+        <p14:creationId xmlns:p14="http://schemas.microsoft.com/office/powerpoint/2010/main" xmlns="" val="1822376042"/>
       </p:ext>
     </p:extLst>
   </p:cSld>
@@ -1536,6 +1534,7 @@
           <a:p>
             <a:fld id="{5174927E-2439-42C0-9720-7BBCA09BF46F}" type="slidenum">
               <a:rPr lang="en-CA" smtClean="0"/>
+              <a:pPr/>
               <a:t>‹#›</a:t>
             </a:fld>
             <a:endParaRPr lang="en-CA"/>
@@ -1545,7 +1544,7 @@
     </p:spTree>
     <p:extLst>
       <p:ext uri="{BB962C8B-B14F-4D97-AF65-F5344CB8AC3E}">
-        <p14:creationId xmlns:p14="http://schemas.microsoft.com/office/powerpoint/2010/main" val="3411672561"/>
+        <p14:creationId xmlns:p14="http://schemas.microsoft.com/office/powerpoint/2010/main" xmlns="" val="3411672561"/>
       </p:ext>
     </p:extLst>
   </p:cSld>
@@ -1771,6 +1770,7 @@
           <a:p>
             <a:fld id="{5174927E-2439-42C0-9720-7BBCA09BF46F}" type="slidenum">
               <a:rPr lang="en-CA" smtClean="0"/>
+              <a:pPr/>
               <a:t>‹#›</a:t>
             </a:fld>
             <a:endParaRPr lang="en-CA"/>
@@ -1780,7 +1780,7 @@
     </p:spTree>
     <p:extLst>
       <p:ext uri="{BB962C8B-B14F-4D97-AF65-F5344CB8AC3E}">
-        <p14:creationId xmlns:p14="http://schemas.microsoft.com/office/powerpoint/2010/main" val="1093008526"/>
+        <p14:creationId xmlns:p14="http://schemas.microsoft.com/office/powerpoint/2010/main" xmlns="" val="1093008526"/>
       </p:ext>
     </p:extLst>
   </p:cSld>
@@ -2141,6 +2141,7 @@
           <a:p>
             <a:fld id="{5174927E-2439-42C0-9720-7BBCA09BF46F}" type="slidenum">
               <a:rPr lang="en-CA" smtClean="0"/>
+              <a:pPr/>
               <a:t>‹#›</a:t>
             </a:fld>
             <a:endParaRPr lang="en-CA"/>
@@ -2150,7 +2151,7 @@
     </p:spTree>
     <p:extLst>
       <p:ext uri="{BB962C8B-B14F-4D97-AF65-F5344CB8AC3E}">
-        <p14:creationId xmlns:p14="http://schemas.microsoft.com/office/powerpoint/2010/main" val="1087924878"/>
+        <p14:creationId xmlns:p14="http://schemas.microsoft.com/office/powerpoint/2010/main" xmlns="" val="1087924878"/>
       </p:ext>
     </p:extLst>
   </p:cSld>
@@ -2262,6 +2263,7 @@
           <a:p>
             <a:fld id="{5174927E-2439-42C0-9720-7BBCA09BF46F}" type="slidenum">
               <a:rPr lang="en-CA" smtClean="0"/>
+              <a:pPr/>
               <a:t>‹#›</a:t>
             </a:fld>
             <a:endParaRPr lang="en-CA"/>
@@ -2271,7 +2273,7 @@
     </p:spTree>
     <p:extLst>
       <p:ext uri="{BB962C8B-B14F-4D97-AF65-F5344CB8AC3E}">
-        <p14:creationId xmlns:p14="http://schemas.microsoft.com/office/powerpoint/2010/main" val="3802387408"/>
+        <p14:creationId xmlns:p14="http://schemas.microsoft.com/office/powerpoint/2010/main" xmlns="" val="3802387408"/>
       </p:ext>
     </p:extLst>
   </p:cSld>
@@ -2360,6 +2362,7 @@
           <a:p>
             <a:fld id="{5174927E-2439-42C0-9720-7BBCA09BF46F}" type="slidenum">
               <a:rPr lang="en-CA" smtClean="0"/>
+              <a:pPr/>
               <a:t>‹#›</a:t>
             </a:fld>
             <a:endParaRPr lang="en-CA"/>
@@ -2369,7 +2372,7 @@
     </p:spTree>
     <p:extLst>
       <p:ext uri="{BB962C8B-B14F-4D97-AF65-F5344CB8AC3E}">
-        <p14:creationId xmlns:p14="http://schemas.microsoft.com/office/powerpoint/2010/main" val="4234091411"/>
+        <p14:creationId xmlns:p14="http://schemas.microsoft.com/office/powerpoint/2010/main" xmlns="" val="4234091411"/>
       </p:ext>
     </p:extLst>
   </p:cSld>
@@ -2640,6 +2643,7 @@
           <a:p>
             <a:fld id="{5174927E-2439-42C0-9720-7BBCA09BF46F}" type="slidenum">
               <a:rPr lang="en-CA" smtClean="0"/>
+              <a:pPr/>
               <a:t>‹#›</a:t>
             </a:fld>
             <a:endParaRPr lang="en-CA"/>
@@ -2649,7 +2653,7 @@
     </p:spTree>
     <p:extLst>
       <p:ext uri="{BB962C8B-B14F-4D97-AF65-F5344CB8AC3E}">
-        <p14:creationId xmlns:p14="http://schemas.microsoft.com/office/powerpoint/2010/main" val="4189422420"/>
+        <p14:creationId xmlns:p14="http://schemas.microsoft.com/office/powerpoint/2010/main" xmlns="" val="4189422420"/>
       </p:ext>
     </p:extLst>
   </p:cSld>
@@ -2896,6 +2900,7 @@
           <a:p>
             <a:fld id="{5174927E-2439-42C0-9720-7BBCA09BF46F}" type="slidenum">
               <a:rPr lang="en-CA" smtClean="0"/>
+              <a:pPr/>
               <a:t>‹#›</a:t>
             </a:fld>
             <a:endParaRPr lang="en-CA"/>
@@ -2905,7 +2910,7 @@
     </p:spTree>
     <p:extLst>
       <p:ext uri="{BB962C8B-B14F-4D97-AF65-F5344CB8AC3E}">
-        <p14:creationId xmlns:p14="http://schemas.microsoft.com/office/powerpoint/2010/main" val="3252977898"/>
+        <p14:creationId xmlns:p14="http://schemas.microsoft.com/office/powerpoint/2010/main" xmlns="" val="3252977898"/>
       </p:ext>
     </p:extLst>
   </p:cSld>
@@ -3171,10 +3176,10 @@
           <p:nvPr userDrawn="1"/>
         </p:nvPicPr>
         <p:blipFill>
-          <a:blip r:embed="rId13">
+          <a:blip r:embed="rId13" cstate="print">
             <a:extLst>
               <a:ext uri="{28A0092B-C50C-407E-A947-70E740481C1C}">
-                <a14:useLocalDpi xmlns:a14="http://schemas.microsoft.com/office/drawing/2010/main" val="0"/>
+                <a14:useLocalDpi xmlns:a14="http://schemas.microsoft.com/office/drawing/2010/main" xmlns="" val="0"/>
               </a:ext>
             </a:extLst>
           </a:blip>
@@ -3195,7 +3200,7 @@
     </p:spTree>
     <p:extLst>
       <p:ext uri="{BB962C8B-B14F-4D97-AF65-F5344CB8AC3E}">
-        <p14:creationId xmlns:p14="http://schemas.microsoft.com/office/powerpoint/2010/main" val="4230061028"/>
+        <p14:creationId xmlns:p14="http://schemas.microsoft.com/office/powerpoint/2010/main" xmlns="" val="4230061028"/>
       </p:ext>
     </p:extLst>
   </p:cSld>
@@ -3647,7 +3652,7 @@
           <p:cNvPr id="13" name="Picture 8" descr="http://osiris.ubishops.ca/~alussier/images/transparentlogo_bu.png">
             <a:extLst>
               <a:ext uri="{FF2B5EF4-FFF2-40B4-BE49-F238E27FC236}">
-                <a16:creationId xmlns:a16="http://schemas.microsoft.com/office/drawing/2014/main" id="{CCB9A035-2F1C-4B96-A5DB-70B72D6E4AD8}"/>
+                <a16:creationId xmlns:a16="http://schemas.microsoft.com/office/drawing/2014/main" xmlns="" id="{CCB9A035-2F1C-4B96-A5DB-70B72D6E4AD8}"/>
               </a:ext>
             </a:extLst>
           </p:cNvPr>
@@ -3657,10 +3662,10 @@
           <p:nvPr/>
         </p:nvPicPr>
         <p:blipFill>
-          <a:blip r:embed="rId3">
+          <a:blip r:embed="rId3" cstate="print">
             <a:extLst>
               <a:ext uri="{28A0092B-C50C-407E-A947-70E740481C1C}">
-                <a14:useLocalDpi xmlns:a14="http://schemas.microsoft.com/office/drawing/2010/main" val="0"/>
+                <a14:useLocalDpi xmlns:a14="http://schemas.microsoft.com/office/drawing/2010/main" xmlns="" val="0"/>
               </a:ext>
             </a:extLst>
           </a:blip>
@@ -3680,7 +3685,7 @@
           <a:noFill/>
           <a:extLst>
             <a:ext uri="{909E8E84-426E-40DD-AFC4-6F175D3DCCD1}">
-              <a14:hiddenFill xmlns:a14="http://schemas.microsoft.com/office/drawing/2010/main">
+              <a14:hiddenFill xmlns:a14="http://schemas.microsoft.com/office/drawing/2010/main" xmlns="">
                 <a:solidFill>
                   <a:srgbClr val="FFFFFF"/>
                 </a:solidFill>
@@ -3692,7 +3697,7 @@
     </p:spTree>
     <p:extLst>
       <p:ext uri="{BB962C8B-B14F-4D97-AF65-F5344CB8AC3E}">
-        <p14:creationId xmlns:p14="http://schemas.microsoft.com/office/powerpoint/2010/main" val="4177077622"/>
+        <p14:creationId xmlns:p14="http://schemas.microsoft.com/office/powerpoint/2010/main" xmlns="" val="4177077622"/>
       </p:ext>
     </p:extLst>
   </p:cSld>
@@ -3775,28 +3780,6 @@
       </p:sp>
       <p:sp>
         <p:nvSpPr>
-          <p:cNvPr id="6" name="Date Placeholder 5"/>
-          <p:cNvSpPr>
-            <a:spLocks noGrp="1"/>
-          </p:cNvSpPr>
-          <p:nvPr>
-            <p:ph type="dt" sz="half" idx="2"/>
-          </p:nvPr>
-        </p:nvSpPr>
-        <p:spPr/>
-        <p:txBody>
-          <a:bodyPr/>
-          <a:lstStyle/>
-          <a:p>
-            <a:r>
-              <a:rPr lang="en-CA" dirty="0"/>
-              <a:t>Winter 2022</a:t>
-            </a:r>
-          </a:p>
-        </p:txBody>
-      </p:sp>
-      <p:sp>
-        <p:nvSpPr>
           <p:cNvPr id="10" name="Footer Placeholder 9"/>
           <p:cNvSpPr>
             <a:spLocks noGrp="1"/>
@@ -3849,7 +3832,7 @@
           <p:cNvPr id="15" name="Picture 14">
             <a:extLst>
               <a:ext uri="{FF2B5EF4-FFF2-40B4-BE49-F238E27FC236}">
-                <a16:creationId xmlns:a16="http://schemas.microsoft.com/office/drawing/2014/main" id="{61C04142-3366-49EB-9FEC-88FF5368D17D}"/>
+                <a16:creationId xmlns:a16="http://schemas.microsoft.com/office/drawing/2014/main" xmlns="" id="{61C04142-3366-49EB-9FEC-88FF5368D17D}"/>
               </a:ext>
             </a:extLst>
           </p:cNvPr>
@@ -3859,13 +3842,13 @@
           <p:nvPr/>
         </p:nvPicPr>
         <p:blipFill>
-          <a:blip r:embed="rId2">
+          <a:blip r:embed="rId2" cstate="print">
             <a:extLst>
               <a:ext uri="{28A0092B-C50C-407E-A947-70E740481C1C}">
-                <a14:useLocalDpi xmlns:a14="http://schemas.microsoft.com/office/drawing/2010/main" val="0"/>
+                <a14:useLocalDpi xmlns:a14="http://schemas.microsoft.com/office/drawing/2010/main" xmlns="" val="0"/>
               </a:ext>
               <a:ext uri="{837473B0-CC2E-450A-ABE3-18F120FF3D39}">
-                <a1611:picAttrSrcUrl xmlns:a1611="http://schemas.microsoft.com/office/drawing/2016/11/main" r:id="rId3"/>
+                <a1611:picAttrSrcUrl xmlns:a1611="http://schemas.microsoft.com/office/drawing/2016/11/main" xmlns="" r:id="rId3"/>
               </a:ext>
             </a:extLst>
           </a:blip>
@@ -3888,7 +3871,7 @@
           <p:cNvPr id="4" name="TextBox 3">
             <a:extLst>
               <a:ext uri="{FF2B5EF4-FFF2-40B4-BE49-F238E27FC236}">
-                <a16:creationId xmlns:a16="http://schemas.microsoft.com/office/drawing/2014/main" id="{065F8F52-C484-420F-8838-9BA9EB24F06F}"/>
+                <a16:creationId xmlns:a16="http://schemas.microsoft.com/office/drawing/2014/main" xmlns="" id="{065F8F52-C484-420F-8838-9BA9EB24F06F}"/>
               </a:ext>
             </a:extLst>
           </p:cNvPr>
@@ -3923,7 +3906,7 @@
           <p:cNvPr id="14" name="TextBox 13">
             <a:extLst>
               <a:ext uri="{FF2B5EF4-FFF2-40B4-BE49-F238E27FC236}">
-                <a16:creationId xmlns:a16="http://schemas.microsoft.com/office/drawing/2014/main" id="{545FB07B-3C17-49FB-8188-00D3D635E234}"/>
+                <a16:creationId xmlns:a16="http://schemas.microsoft.com/office/drawing/2014/main" xmlns="" id="{545FB07B-3C17-49FB-8188-00D3D635E234}"/>
               </a:ext>
             </a:extLst>
           </p:cNvPr>
@@ -3958,7 +3941,7 @@
           <p:cNvPr id="16" name="TextBox 15">
             <a:extLst>
               <a:ext uri="{FF2B5EF4-FFF2-40B4-BE49-F238E27FC236}">
-                <a16:creationId xmlns:a16="http://schemas.microsoft.com/office/drawing/2014/main" id="{FE719AD3-1761-492D-823C-0AA513693A5E}"/>
+                <a16:creationId xmlns:a16="http://schemas.microsoft.com/office/drawing/2014/main" xmlns="" id="{FE719AD3-1761-492D-823C-0AA513693A5E}"/>
               </a:ext>
             </a:extLst>
           </p:cNvPr>
@@ -3993,7 +3976,7 @@
           <p:cNvPr id="17" name="TextBox 16">
             <a:extLst>
               <a:ext uri="{FF2B5EF4-FFF2-40B4-BE49-F238E27FC236}">
-                <a16:creationId xmlns:a16="http://schemas.microsoft.com/office/drawing/2014/main" id="{0AECDDDD-9C69-4208-AA1C-905C5B95F22C}"/>
+                <a16:creationId xmlns:a16="http://schemas.microsoft.com/office/drawing/2014/main" xmlns="" id="{0AECDDDD-9C69-4208-AA1C-905C5B95F22C}"/>
               </a:ext>
             </a:extLst>
           </p:cNvPr>
@@ -4028,7 +4011,7 @@
           <p:cNvPr id="8" name="Straight Arrow Connector 7">
             <a:extLst>
               <a:ext uri="{FF2B5EF4-FFF2-40B4-BE49-F238E27FC236}">
-                <a16:creationId xmlns:a16="http://schemas.microsoft.com/office/drawing/2014/main" id="{8DDBEF33-54E1-493E-BF2F-6C758455DB2F}"/>
+                <a16:creationId xmlns:a16="http://schemas.microsoft.com/office/drawing/2014/main" xmlns="" id="{8DDBEF33-54E1-493E-BF2F-6C758455DB2F}"/>
               </a:ext>
             </a:extLst>
           </p:cNvPr>
@@ -4073,7 +4056,7 @@
           <p:cNvPr id="18" name="Straight Arrow Connector 17">
             <a:extLst>
               <a:ext uri="{FF2B5EF4-FFF2-40B4-BE49-F238E27FC236}">
-                <a16:creationId xmlns:a16="http://schemas.microsoft.com/office/drawing/2014/main" id="{F1E47557-78F8-4490-9DC2-B232D55FD35C}"/>
+                <a16:creationId xmlns:a16="http://schemas.microsoft.com/office/drawing/2014/main" xmlns="" id="{F1E47557-78F8-4490-9DC2-B232D55FD35C}"/>
               </a:ext>
             </a:extLst>
           </p:cNvPr>
@@ -4117,7 +4100,7 @@
           <p:cNvPr id="22" name="Straight Arrow Connector 21">
             <a:extLst>
               <a:ext uri="{FF2B5EF4-FFF2-40B4-BE49-F238E27FC236}">
-                <a16:creationId xmlns:a16="http://schemas.microsoft.com/office/drawing/2014/main" id="{54728F14-6E5A-45E2-AC4A-EFD14011F60B}"/>
+                <a16:creationId xmlns:a16="http://schemas.microsoft.com/office/drawing/2014/main" xmlns="" id="{54728F14-6E5A-45E2-AC4A-EFD14011F60B}"/>
               </a:ext>
             </a:extLst>
           </p:cNvPr>
@@ -4162,7 +4145,7 @@
           <p:cNvPr id="25" name="Straight Arrow Connector 24">
             <a:extLst>
               <a:ext uri="{FF2B5EF4-FFF2-40B4-BE49-F238E27FC236}">
-                <a16:creationId xmlns:a16="http://schemas.microsoft.com/office/drawing/2014/main" id="{D54D66D9-20DA-42BE-9E8F-546A8ED2AA32}"/>
+                <a16:creationId xmlns:a16="http://schemas.microsoft.com/office/drawing/2014/main" xmlns="" id="{D54D66D9-20DA-42BE-9E8F-546A8ED2AA32}"/>
               </a:ext>
             </a:extLst>
           </p:cNvPr>
@@ -4207,7 +4190,7 @@
           <p:cNvPr id="27" name="Straight Arrow Connector 26">
             <a:extLst>
               <a:ext uri="{FF2B5EF4-FFF2-40B4-BE49-F238E27FC236}">
-                <a16:creationId xmlns:a16="http://schemas.microsoft.com/office/drawing/2014/main" id="{104F6FC2-E13D-4097-9667-8F4A154A8D80}"/>
+                <a16:creationId xmlns:a16="http://schemas.microsoft.com/office/drawing/2014/main" xmlns="" id="{104F6FC2-E13D-4097-9667-8F4A154A8D80}"/>
               </a:ext>
             </a:extLst>
           </p:cNvPr>
@@ -4251,7 +4234,7 @@
           <p:cNvPr id="28" name="Straight Arrow Connector 27">
             <a:extLst>
               <a:ext uri="{FF2B5EF4-FFF2-40B4-BE49-F238E27FC236}">
-                <a16:creationId xmlns:a16="http://schemas.microsoft.com/office/drawing/2014/main" id="{29780F90-A07F-4BB0-9F2F-AAC340DC9D38}"/>
+                <a16:creationId xmlns:a16="http://schemas.microsoft.com/office/drawing/2014/main" xmlns="" id="{29780F90-A07F-4BB0-9F2F-AAC340DC9D38}"/>
               </a:ext>
             </a:extLst>
           </p:cNvPr>
@@ -4295,7 +4278,7 @@
           <p:cNvPr id="31" name="TextBox 30">
             <a:extLst>
               <a:ext uri="{FF2B5EF4-FFF2-40B4-BE49-F238E27FC236}">
-                <a16:creationId xmlns:a16="http://schemas.microsoft.com/office/drawing/2014/main" id="{4C6058E9-F453-4FCC-9697-02D88A979F2A}"/>
+                <a16:creationId xmlns:a16="http://schemas.microsoft.com/office/drawing/2014/main" xmlns="" id="{4C6058E9-F453-4FCC-9697-02D88A979F2A}"/>
               </a:ext>
             </a:extLst>
           </p:cNvPr>
@@ -4331,7 +4314,7 @@
           <p:cNvPr id="32" name="TextBox 31">
             <a:extLst>
               <a:ext uri="{FF2B5EF4-FFF2-40B4-BE49-F238E27FC236}">
-                <a16:creationId xmlns:a16="http://schemas.microsoft.com/office/drawing/2014/main" id="{78EDB91B-C071-4D7E-B239-6F5257BFA37A}"/>
+                <a16:creationId xmlns:a16="http://schemas.microsoft.com/office/drawing/2014/main" xmlns="" id="{78EDB91B-C071-4D7E-B239-6F5257BFA37A}"/>
               </a:ext>
             </a:extLst>
           </p:cNvPr>
@@ -4367,7 +4350,7 @@
           <p:cNvPr id="19" name="Group 18">
             <a:extLst>
               <a:ext uri="{FF2B5EF4-FFF2-40B4-BE49-F238E27FC236}">
-                <a16:creationId xmlns:a16="http://schemas.microsoft.com/office/drawing/2014/main" id="{6F513CEE-2FED-431E-B171-29AD4FD8073D}"/>
+                <a16:creationId xmlns:a16="http://schemas.microsoft.com/office/drawing/2014/main" xmlns="" id="{6F513CEE-2FED-431E-B171-29AD4FD8073D}"/>
               </a:ext>
             </a:extLst>
           </p:cNvPr>
@@ -4387,7 +4370,7 @@
             <p:cNvPr id="33" name="Straight Arrow Connector 32">
               <a:extLst>
                 <a:ext uri="{FF2B5EF4-FFF2-40B4-BE49-F238E27FC236}">
-                  <a16:creationId xmlns:a16="http://schemas.microsoft.com/office/drawing/2014/main" id="{760F0522-E927-4EF6-875E-2DADA29693AC}"/>
+                  <a16:creationId xmlns:a16="http://schemas.microsoft.com/office/drawing/2014/main" xmlns="" id="{760F0522-E927-4EF6-875E-2DADA29693AC}"/>
                 </a:ext>
               </a:extLst>
             </p:cNvPr>
@@ -4431,7 +4414,7 @@
             <p:cNvPr id="34" name="TextBox 33">
               <a:extLst>
                 <a:ext uri="{FF2B5EF4-FFF2-40B4-BE49-F238E27FC236}">
-                  <a16:creationId xmlns:a16="http://schemas.microsoft.com/office/drawing/2014/main" id="{E096BC95-CF89-477C-A149-CADD8535D70D}"/>
+                  <a16:creationId xmlns:a16="http://schemas.microsoft.com/office/drawing/2014/main" xmlns="" id="{E096BC95-CF89-477C-A149-CADD8535D70D}"/>
                 </a:ext>
               </a:extLst>
             </p:cNvPr>
@@ -4467,7 +4450,7 @@
             <p:cNvPr id="35" name="Straight Arrow Connector 34">
               <a:extLst>
                 <a:ext uri="{FF2B5EF4-FFF2-40B4-BE49-F238E27FC236}">
-                  <a16:creationId xmlns:a16="http://schemas.microsoft.com/office/drawing/2014/main" id="{16A5DB64-6D02-469B-8ECF-1AC120A06DE3}"/>
+                  <a16:creationId xmlns:a16="http://schemas.microsoft.com/office/drawing/2014/main" xmlns="" id="{16A5DB64-6D02-469B-8ECF-1AC120A06DE3}"/>
                 </a:ext>
               </a:extLst>
             </p:cNvPr>
@@ -4511,7 +4494,7 @@
             <p:cNvPr id="37" name="TextBox 36">
               <a:extLst>
                 <a:ext uri="{FF2B5EF4-FFF2-40B4-BE49-F238E27FC236}">
-                  <a16:creationId xmlns:a16="http://schemas.microsoft.com/office/drawing/2014/main" id="{85C4C53D-D5CB-4E7F-937C-C49212F44A70}"/>
+                  <a16:creationId xmlns:a16="http://schemas.microsoft.com/office/drawing/2014/main" xmlns="" id="{85C4C53D-D5CB-4E7F-937C-C49212F44A70}"/>
                 </a:ext>
               </a:extLst>
             </p:cNvPr>
@@ -4548,7 +4531,7 @@
           <p:cNvPr id="38" name="Straight Arrow Connector 37">
             <a:extLst>
               <a:ext uri="{FF2B5EF4-FFF2-40B4-BE49-F238E27FC236}">
-                <a16:creationId xmlns:a16="http://schemas.microsoft.com/office/drawing/2014/main" id="{5D867792-63F2-4767-BC8D-917B88AC05E1}"/>
+                <a16:creationId xmlns:a16="http://schemas.microsoft.com/office/drawing/2014/main" xmlns="" id="{5D867792-63F2-4767-BC8D-917B88AC05E1}"/>
               </a:ext>
             </a:extLst>
           </p:cNvPr>
@@ -4592,7 +4575,7 @@
           <p:cNvPr id="39" name="TextBox 38">
             <a:extLst>
               <a:ext uri="{FF2B5EF4-FFF2-40B4-BE49-F238E27FC236}">
-                <a16:creationId xmlns:a16="http://schemas.microsoft.com/office/drawing/2014/main" id="{94708DE2-B64C-48F4-8076-59A108D618A6}"/>
+                <a16:creationId xmlns:a16="http://schemas.microsoft.com/office/drawing/2014/main" xmlns="" id="{94708DE2-B64C-48F4-8076-59A108D618A6}"/>
               </a:ext>
             </a:extLst>
           </p:cNvPr>
@@ -4628,7 +4611,7 @@
           <p:cNvPr id="40" name="Straight Arrow Connector 39">
             <a:extLst>
               <a:ext uri="{FF2B5EF4-FFF2-40B4-BE49-F238E27FC236}">
-                <a16:creationId xmlns:a16="http://schemas.microsoft.com/office/drawing/2014/main" id="{5CA8617A-911B-4C68-B5F4-CED221D4F758}"/>
+                <a16:creationId xmlns:a16="http://schemas.microsoft.com/office/drawing/2014/main" xmlns="" id="{5CA8617A-911B-4C68-B5F4-CED221D4F758}"/>
               </a:ext>
             </a:extLst>
           </p:cNvPr>
@@ -4672,7 +4655,7 @@
           <p:cNvPr id="42" name="TextBox 41">
             <a:extLst>
               <a:ext uri="{FF2B5EF4-FFF2-40B4-BE49-F238E27FC236}">
-                <a16:creationId xmlns:a16="http://schemas.microsoft.com/office/drawing/2014/main" id="{10573C7C-31D3-4491-9B05-DACBB0B02145}"/>
+                <a16:creationId xmlns:a16="http://schemas.microsoft.com/office/drawing/2014/main" xmlns="" id="{10573C7C-31D3-4491-9B05-DACBB0B02145}"/>
               </a:ext>
             </a:extLst>
           </p:cNvPr>
@@ -4707,7 +4690,7 @@
           <p:cNvPr id="43" name="Straight Arrow Connector 42">
             <a:extLst>
               <a:ext uri="{FF2B5EF4-FFF2-40B4-BE49-F238E27FC236}">
-                <a16:creationId xmlns:a16="http://schemas.microsoft.com/office/drawing/2014/main" id="{BF01DE0F-75F5-4498-A057-FE68F1F8E4FB}"/>
+                <a16:creationId xmlns:a16="http://schemas.microsoft.com/office/drawing/2014/main" xmlns="" id="{BF01DE0F-75F5-4498-A057-FE68F1F8E4FB}"/>
               </a:ext>
             </a:extLst>
           </p:cNvPr>
@@ -4751,7 +4734,7 @@
           <p:cNvPr id="44" name="TextBox 43">
             <a:extLst>
               <a:ext uri="{FF2B5EF4-FFF2-40B4-BE49-F238E27FC236}">
-                <a16:creationId xmlns:a16="http://schemas.microsoft.com/office/drawing/2014/main" id="{21D961B1-8920-45A2-B7B6-24C52F68A83D}"/>
+                <a16:creationId xmlns:a16="http://schemas.microsoft.com/office/drawing/2014/main" xmlns="" id="{21D961B1-8920-45A2-B7B6-24C52F68A83D}"/>
               </a:ext>
             </a:extLst>
           </p:cNvPr>
@@ -4787,7 +4770,7 @@
           <p:cNvPr id="45" name="Straight Arrow Connector 44">
             <a:extLst>
               <a:ext uri="{FF2B5EF4-FFF2-40B4-BE49-F238E27FC236}">
-                <a16:creationId xmlns:a16="http://schemas.microsoft.com/office/drawing/2014/main" id="{C1FAEF9C-B2F6-4215-9812-69CE9F14BAFC}"/>
+                <a16:creationId xmlns:a16="http://schemas.microsoft.com/office/drawing/2014/main" xmlns="" id="{C1FAEF9C-B2F6-4215-9812-69CE9F14BAFC}"/>
               </a:ext>
             </a:extLst>
           </p:cNvPr>
@@ -4831,7 +4814,7 @@
           <p:cNvPr id="47" name="TextBox 46">
             <a:extLst>
               <a:ext uri="{FF2B5EF4-FFF2-40B4-BE49-F238E27FC236}">
-                <a16:creationId xmlns:a16="http://schemas.microsoft.com/office/drawing/2014/main" id="{5B05E545-DCBA-4D82-8B24-9CA55C349478}"/>
+                <a16:creationId xmlns:a16="http://schemas.microsoft.com/office/drawing/2014/main" xmlns="" id="{5B05E545-DCBA-4D82-8B24-9CA55C349478}"/>
               </a:ext>
             </a:extLst>
           </p:cNvPr>
@@ -4866,7 +4849,7 @@
           <p:cNvPr id="48" name="Straight Arrow Connector 47">
             <a:extLst>
               <a:ext uri="{FF2B5EF4-FFF2-40B4-BE49-F238E27FC236}">
-                <a16:creationId xmlns:a16="http://schemas.microsoft.com/office/drawing/2014/main" id="{3598B223-2123-426C-8451-717BE628A163}"/>
+                <a16:creationId xmlns:a16="http://schemas.microsoft.com/office/drawing/2014/main" xmlns="" id="{3598B223-2123-426C-8451-717BE628A163}"/>
               </a:ext>
             </a:extLst>
           </p:cNvPr>
@@ -4911,7 +4894,7 @@
           <p:cNvPr id="50" name="TextBox 49">
             <a:extLst>
               <a:ext uri="{FF2B5EF4-FFF2-40B4-BE49-F238E27FC236}">
-                <a16:creationId xmlns:a16="http://schemas.microsoft.com/office/drawing/2014/main" id="{548A5FC5-8E8D-4334-94CA-553E93958E21}"/>
+                <a16:creationId xmlns:a16="http://schemas.microsoft.com/office/drawing/2014/main" xmlns="" id="{548A5FC5-8E8D-4334-94CA-553E93958E21}"/>
               </a:ext>
             </a:extLst>
           </p:cNvPr>
@@ -4946,7 +4929,7 @@
           <p:cNvPr id="53" name="Straight Arrow Connector 52">
             <a:extLst>
               <a:ext uri="{FF2B5EF4-FFF2-40B4-BE49-F238E27FC236}">
-                <a16:creationId xmlns:a16="http://schemas.microsoft.com/office/drawing/2014/main" id="{90BB1FB3-601E-4C1C-B25F-639594D36DF0}"/>
+                <a16:creationId xmlns:a16="http://schemas.microsoft.com/office/drawing/2014/main" xmlns="" id="{90BB1FB3-601E-4C1C-B25F-639594D36DF0}"/>
               </a:ext>
             </a:extLst>
           </p:cNvPr>
@@ -4990,7 +4973,7 @@
           <p:cNvPr id="56" name="TextBox 55">
             <a:extLst>
               <a:ext uri="{FF2B5EF4-FFF2-40B4-BE49-F238E27FC236}">
-                <a16:creationId xmlns:a16="http://schemas.microsoft.com/office/drawing/2014/main" id="{126170BE-DBB8-41CA-A9D4-23D0210E7F14}"/>
+                <a16:creationId xmlns:a16="http://schemas.microsoft.com/office/drawing/2014/main" xmlns="" id="{126170BE-DBB8-41CA-A9D4-23D0210E7F14}"/>
               </a:ext>
             </a:extLst>
           </p:cNvPr>
@@ -5025,7 +5008,7 @@
           <p:cNvPr id="57" name="Straight Arrow Connector 56">
             <a:extLst>
               <a:ext uri="{FF2B5EF4-FFF2-40B4-BE49-F238E27FC236}">
-                <a16:creationId xmlns:a16="http://schemas.microsoft.com/office/drawing/2014/main" id="{B0C578F6-714B-4824-9ECE-5015FB620964}"/>
+                <a16:creationId xmlns:a16="http://schemas.microsoft.com/office/drawing/2014/main" xmlns="" id="{B0C578F6-714B-4824-9ECE-5015FB620964}"/>
               </a:ext>
             </a:extLst>
           </p:cNvPr>
@@ -5069,7 +5052,7 @@
           <p:cNvPr id="58" name="Straight Arrow Connector 57">
             <a:extLst>
               <a:ext uri="{FF2B5EF4-FFF2-40B4-BE49-F238E27FC236}">
-                <a16:creationId xmlns:a16="http://schemas.microsoft.com/office/drawing/2014/main" id="{850D419C-9C5F-43B0-9494-8C763B70C8D8}"/>
+                <a16:creationId xmlns:a16="http://schemas.microsoft.com/office/drawing/2014/main" xmlns="" id="{850D419C-9C5F-43B0-9494-8C763B70C8D8}"/>
               </a:ext>
             </a:extLst>
           </p:cNvPr>
@@ -5113,7 +5096,7 @@
           <p:cNvPr id="60" name="TextBox 59">
             <a:extLst>
               <a:ext uri="{FF2B5EF4-FFF2-40B4-BE49-F238E27FC236}">
-                <a16:creationId xmlns:a16="http://schemas.microsoft.com/office/drawing/2014/main" id="{00FCB261-BF63-40FC-B508-C6E3BDD9E269}"/>
+                <a16:creationId xmlns:a16="http://schemas.microsoft.com/office/drawing/2014/main" xmlns="" id="{00FCB261-BF63-40FC-B508-C6E3BDD9E269}"/>
               </a:ext>
             </a:extLst>
           </p:cNvPr>
@@ -5148,7 +5131,7 @@
           <p:cNvPr id="61" name="TextBox 60">
             <a:extLst>
               <a:ext uri="{FF2B5EF4-FFF2-40B4-BE49-F238E27FC236}">
-                <a16:creationId xmlns:a16="http://schemas.microsoft.com/office/drawing/2014/main" id="{9F61E270-C94A-40B7-A722-8E8BDDC11047}"/>
+                <a16:creationId xmlns:a16="http://schemas.microsoft.com/office/drawing/2014/main" xmlns="" id="{9F61E270-C94A-40B7-A722-8E8BDDC11047}"/>
               </a:ext>
             </a:extLst>
           </p:cNvPr>
@@ -5184,7 +5167,7 @@
           <p:cNvPr id="62" name="Straight Arrow Connector 61">
             <a:extLst>
               <a:ext uri="{FF2B5EF4-FFF2-40B4-BE49-F238E27FC236}">
-                <a16:creationId xmlns:a16="http://schemas.microsoft.com/office/drawing/2014/main" id="{CFF82DD4-5FF5-4264-902D-D7599D1875D6}"/>
+                <a16:creationId xmlns:a16="http://schemas.microsoft.com/office/drawing/2014/main" xmlns="" id="{CFF82DD4-5FF5-4264-902D-D7599D1875D6}"/>
               </a:ext>
             </a:extLst>
           </p:cNvPr>
@@ -5228,7 +5211,7 @@
           <p:cNvPr id="63" name="Straight Arrow Connector 62">
             <a:extLst>
               <a:ext uri="{FF2B5EF4-FFF2-40B4-BE49-F238E27FC236}">
-                <a16:creationId xmlns:a16="http://schemas.microsoft.com/office/drawing/2014/main" id="{D0F66810-2AF9-4236-95FB-FFBF82C4FD8E}"/>
+                <a16:creationId xmlns:a16="http://schemas.microsoft.com/office/drawing/2014/main" xmlns="" id="{D0F66810-2AF9-4236-95FB-FFBF82C4FD8E}"/>
               </a:ext>
             </a:extLst>
           </p:cNvPr>
@@ -5272,7 +5255,7 @@
           <p:cNvPr id="65" name="TextBox 64">
             <a:extLst>
               <a:ext uri="{FF2B5EF4-FFF2-40B4-BE49-F238E27FC236}">
-                <a16:creationId xmlns:a16="http://schemas.microsoft.com/office/drawing/2014/main" id="{83B2A0EA-96AE-46DE-9582-415750498B5B}"/>
+                <a16:creationId xmlns:a16="http://schemas.microsoft.com/office/drawing/2014/main" xmlns="" id="{83B2A0EA-96AE-46DE-9582-415750498B5B}"/>
               </a:ext>
             </a:extLst>
           </p:cNvPr>
@@ -5308,7 +5291,7 @@
           <p:cNvPr id="66" name="TextBox 65">
             <a:extLst>
               <a:ext uri="{FF2B5EF4-FFF2-40B4-BE49-F238E27FC236}">
-                <a16:creationId xmlns:a16="http://schemas.microsoft.com/office/drawing/2014/main" id="{D520A455-DE89-4DDE-8FC6-85DD4E5E4D49}"/>
+                <a16:creationId xmlns:a16="http://schemas.microsoft.com/office/drawing/2014/main" xmlns="" id="{D520A455-DE89-4DDE-8FC6-85DD4E5E4D49}"/>
               </a:ext>
             </a:extLst>
           </p:cNvPr>
@@ -5344,7 +5327,7 @@
           <p:cNvPr id="46" name="TextBox 45">
             <a:extLst>
               <a:ext uri="{FF2B5EF4-FFF2-40B4-BE49-F238E27FC236}">
-                <a16:creationId xmlns:a16="http://schemas.microsoft.com/office/drawing/2014/main" id="{AED62D3E-1C93-4BB9-81AF-99B4E63BC8E3}"/>
+                <a16:creationId xmlns:a16="http://schemas.microsoft.com/office/drawing/2014/main" xmlns="" id="{AED62D3E-1C93-4BB9-81AF-99B4E63BC8E3}"/>
               </a:ext>
             </a:extLst>
           </p:cNvPr>
@@ -5381,7 +5364,7 @@
     </p:spTree>
     <p:extLst>
       <p:ext uri="{BB962C8B-B14F-4D97-AF65-F5344CB8AC3E}">
-        <p14:creationId xmlns:p14="http://schemas.microsoft.com/office/powerpoint/2010/main" val="2779966150"/>
+        <p14:creationId xmlns:p14="http://schemas.microsoft.com/office/powerpoint/2010/main" xmlns="" val="2779966150"/>
       </p:ext>
     </p:extLst>
   </p:cSld>
@@ -5413,7 +5396,7 @@
           <p:cNvPr id="7" name="Picture 6">
             <a:extLst>
               <a:ext uri="{FF2B5EF4-FFF2-40B4-BE49-F238E27FC236}">
-                <a16:creationId xmlns:a16="http://schemas.microsoft.com/office/drawing/2014/main" id="{CBE07435-6B16-411D-BE0D-FB61038A8F09}"/>
+                <a16:creationId xmlns:a16="http://schemas.microsoft.com/office/drawing/2014/main" xmlns="" id="{CBE07435-6B16-411D-BE0D-FB61038A8F09}"/>
               </a:ext>
             </a:extLst>
           </p:cNvPr>
@@ -5423,13 +5406,13 @@
           <p:nvPr/>
         </p:nvPicPr>
         <p:blipFill>
-          <a:blip r:embed="rId2">
+          <a:blip r:embed="rId2" cstate="print">
             <a:extLst>
               <a:ext uri="{28A0092B-C50C-407E-A947-70E740481C1C}">
-                <a14:useLocalDpi xmlns:a14="http://schemas.microsoft.com/office/drawing/2010/main" val="0"/>
+                <a14:useLocalDpi xmlns:a14="http://schemas.microsoft.com/office/drawing/2010/main" xmlns="" val="0"/>
               </a:ext>
               <a:ext uri="{837473B0-CC2E-450A-ABE3-18F120FF3D39}">
-                <a1611:picAttrSrcUrl xmlns:a1611="http://schemas.microsoft.com/office/drawing/2016/11/main" r:id="rId3"/>
+                <a1611:picAttrSrcUrl xmlns:a1611="http://schemas.microsoft.com/office/drawing/2016/11/main" xmlns="" r:id="rId3"/>
               </a:ext>
             </a:extLst>
           </a:blip>
@@ -5503,28 +5486,6 @@
       </p:sp>
       <p:sp>
         <p:nvSpPr>
-          <p:cNvPr id="6" name="Date Placeholder 5"/>
-          <p:cNvSpPr>
-            <a:spLocks noGrp="1"/>
-          </p:cNvSpPr>
-          <p:nvPr>
-            <p:ph type="dt" sz="half" idx="2"/>
-          </p:nvPr>
-        </p:nvSpPr>
-        <p:spPr/>
-        <p:txBody>
-          <a:bodyPr/>
-          <a:lstStyle/>
-          <a:p>
-            <a:r>
-              <a:rPr lang="en-CA" dirty="0"/>
-              <a:t>Winter 2022</a:t>
-            </a:r>
-          </a:p>
-        </p:txBody>
-      </p:sp>
-      <p:sp>
-        <p:nvSpPr>
           <p:cNvPr id="10" name="Footer Placeholder 9"/>
           <p:cNvSpPr>
             <a:spLocks noGrp="1"/>
@@ -5577,7 +5538,7 @@
           <p:cNvPr id="4" name="TextBox 3">
             <a:extLst>
               <a:ext uri="{FF2B5EF4-FFF2-40B4-BE49-F238E27FC236}">
-                <a16:creationId xmlns:a16="http://schemas.microsoft.com/office/drawing/2014/main" id="{065F8F52-C484-420F-8838-9BA9EB24F06F}"/>
+                <a16:creationId xmlns:a16="http://schemas.microsoft.com/office/drawing/2014/main" xmlns="" id="{065F8F52-C484-420F-8838-9BA9EB24F06F}"/>
               </a:ext>
             </a:extLst>
           </p:cNvPr>
@@ -5612,7 +5573,7 @@
           <p:cNvPr id="14" name="TextBox 13">
             <a:extLst>
               <a:ext uri="{FF2B5EF4-FFF2-40B4-BE49-F238E27FC236}">
-                <a16:creationId xmlns:a16="http://schemas.microsoft.com/office/drawing/2014/main" id="{545FB07B-3C17-49FB-8188-00D3D635E234}"/>
+                <a16:creationId xmlns:a16="http://schemas.microsoft.com/office/drawing/2014/main" xmlns="" id="{545FB07B-3C17-49FB-8188-00D3D635E234}"/>
               </a:ext>
             </a:extLst>
           </p:cNvPr>
@@ -5648,7 +5609,7 @@
           <p:cNvPr id="16" name="TextBox 15">
             <a:extLst>
               <a:ext uri="{FF2B5EF4-FFF2-40B4-BE49-F238E27FC236}">
-                <a16:creationId xmlns:a16="http://schemas.microsoft.com/office/drawing/2014/main" id="{FE719AD3-1761-492D-823C-0AA513693A5E}"/>
+                <a16:creationId xmlns:a16="http://schemas.microsoft.com/office/drawing/2014/main" xmlns="" id="{FE719AD3-1761-492D-823C-0AA513693A5E}"/>
               </a:ext>
             </a:extLst>
           </p:cNvPr>
@@ -5683,7 +5644,7 @@
           <p:cNvPr id="18" name="Straight Arrow Connector 17">
             <a:extLst>
               <a:ext uri="{FF2B5EF4-FFF2-40B4-BE49-F238E27FC236}">
-                <a16:creationId xmlns:a16="http://schemas.microsoft.com/office/drawing/2014/main" id="{F1E47557-78F8-4490-9DC2-B232D55FD35C}"/>
+                <a16:creationId xmlns:a16="http://schemas.microsoft.com/office/drawing/2014/main" xmlns="" id="{F1E47557-78F8-4490-9DC2-B232D55FD35C}"/>
               </a:ext>
             </a:extLst>
           </p:cNvPr>
@@ -5727,7 +5688,7 @@
           <p:cNvPr id="22" name="Straight Arrow Connector 21">
             <a:extLst>
               <a:ext uri="{FF2B5EF4-FFF2-40B4-BE49-F238E27FC236}">
-                <a16:creationId xmlns:a16="http://schemas.microsoft.com/office/drawing/2014/main" id="{54728F14-6E5A-45E2-AC4A-EFD14011F60B}"/>
+                <a16:creationId xmlns:a16="http://schemas.microsoft.com/office/drawing/2014/main" xmlns="" id="{54728F14-6E5A-45E2-AC4A-EFD14011F60B}"/>
               </a:ext>
             </a:extLst>
           </p:cNvPr>
@@ -5772,7 +5733,7 @@
           <p:cNvPr id="25" name="Straight Arrow Connector 24">
             <a:extLst>
               <a:ext uri="{FF2B5EF4-FFF2-40B4-BE49-F238E27FC236}">
-                <a16:creationId xmlns:a16="http://schemas.microsoft.com/office/drawing/2014/main" id="{D54D66D9-20DA-42BE-9E8F-546A8ED2AA32}"/>
+                <a16:creationId xmlns:a16="http://schemas.microsoft.com/office/drawing/2014/main" xmlns="" id="{D54D66D9-20DA-42BE-9E8F-546A8ED2AA32}"/>
               </a:ext>
             </a:extLst>
           </p:cNvPr>
@@ -5817,7 +5778,7 @@
           <p:cNvPr id="19" name="Group 18">
             <a:extLst>
               <a:ext uri="{FF2B5EF4-FFF2-40B4-BE49-F238E27FC236}">
-                <a16:creationId xmlns:a16="http://schemas.microsoft.com/office/drawing/2014/main" id="{6F513CEE-2FED-431E-B171-29AD4FD8073D}"/>
+                <a16:creationId xmlns:a16="http://schemas.microsoft.com/office/drawing/2014/main" xmlns="" id="{6F513CEE-2FED-431E-B171-29AD4FD8073D}"/>
               </a:ext>
             </a:extLst>
           </p:cNvPr>
@@ -5837,7 +5798,7 @@
             <p:cNvPr id="33" name="Straight Arrow Connector 32">
               <a:extLst>
                 <a:ext uri="{FF2B5EF4-FFF2-40B4-BE49-F238E27FC236}">
-                  <a16:creationId xmlns:a16="http://schemas.microsoft.com/office/drawing/2014/main" id="{760F0522-E927-4EF6-875E-2DADA29693AC}"/>
+                  <a16:creationId xmlns:a16="http://schemas.microsoft.com/office/drawing/2014/main" xmlns="" id="{760F0522-E927-4EF6-875E-2DADA29693AC}"/>
                 </a:ext>
               </a:extLst>
             </p:cNvPr>
@@ -5881,7 +5842,7 @@
             <p:cNvPr id="34" name="TextBox 33">
               <a:extLst>
                 <a:ext uri="{FF2B5EF4-FFF2-40B4-BE49-F238E27FC236}">
-                  <a16:creationId xmlns:a16="http://schemas.microsoft.com/office/drawing/2014/main" id="{E096BC95-CF89-477C-A149-CADD8535D70D}"/>
+                  <a16:creationId xmlns:a16="http://schemas.microsoft.com/office/drawing/2014/main" xmlns="" id="{E096BC95-CF89-477C-A149-CADD8535D70D}"/>
                 </a:ext>
               </a:extLst>
             </p:cNvPr>
@@ -5916,7 +5877,7 @@
             <p:cNvPr id="35" name="Straight Arrow Connector 34">
               <a:extLst>
                 <a:ext uri="{FF2B5EF4-FFF2-40B4-BE49-F238E27FC236}">
-                  <a16:creationId xmlns:a16="http://schemas.microsoft.com/office/drawing/2014/main" id="{16A5DB64-6D02-469B-8ECF-1AC120A06DE3}"/>
+                  <a16:creationId xmlns:a16="http://schemas.microsoft.com/office/drawing/2014/main" xmlns="" id="{16A5DB64-6D02-469B-8ECF-1AC120A06DE3}"/>
                 </a:ext>
               </a:extLst>
             </p:cNvPr>
@@ -5960,7 +5921,7 @@
             <p:cNvPr id="37" name="TextBox 36">
               <a:extLst>
                 <a:ext uri="{FF2B5EF4-FFF2-40B4-BE49-F238E27FC236}">
-                  <a16:creationId xmlns:a16="http://schemas.microsoft.com/office/drawing/2014/main" id="{85C4C53D-D5CB-4E7F-937C-C49212F44A70}"/>
+                  <a16:creationId xmlns:a16="http://schemas.microsoft.com/office/drawing/2014/main" xmlns="" id="{85C4C53D-D5CB-4E7F-937C-C49212F44A70}"/>
                 </a:ext>
               </a:extLst>
             </p:cNvPr>
@@ -5996,7 +5957,7 @@
           <p:cNvPr id="49" name="TextBox 48">
             <a:extLst>
               <a:ext uri="{FF2B5EF4-FFF2-40B4-BE49-F238E27FC236}">
-                <a16:creationId xmlns:a16="http://schemas.microsoft.com/office/drawing/2014/main" id="{AD4E479C-C7D3-4FA7-8EE4-DA3F6846CEBF}"/>
+                <a16:creationId xmlns:a16="http://schemas.microsoft.com/office/drawing/2014/main" xmlns="" id="{AD4E479C-C7D3-4FA7-8EE4-DA3F6846CEBF}"/>
               </a:ext>
             </a:extLst>
           </p:cNvPr>
@@ -6031,7 +5992,7 @@
           <p:cNvPr id="51" name="Straight Arrow Connector 50">
             <a:extLst>
               <a:ext uri="{FF2B5EF4-FFF2-40B4-BE49-F238E27FC236}">
-                <a16:creationId xmlns:a16="http://schemas.microsoft.com/office/drawing/2014/main" id="{B7A35247-303C-440E-9EF8-CFF4A62CB795}"/>
+                <a16:creationId xmlns:a16="http://schemas.microsoft.com/office/drawing/2014/main" xmlns="" id="{B7A35247-303C-440E-9EF8-CFF4A62CB795}"/>
               </a:ext>
             </a:extLst>
           </p:cNvPr>
@@ -6075,7 +6036,7 @@
           <p:cNvPr id="52" name="TextBox 51">
             <a:extLst>
               <a:ext uri="{FF2B5EF4-FFF2-40B4-BE49-F238E27FC236}">
-                <a16:creationId xmlns:a16="http://schemas.microsoft.com/office/drawing/2014/main" id="{D2456DF6-62CB-4E4B-B3FA-997F2B3B16E6}"/>
+                <a16:creationId xmlns:a16="http://schemas.microsoft.com/office/drawing/2014/main" xmlns="" id="{D2456DF6-62CB-4E4B-B3FA-997F2B3B16E6}"/>
               </a:ext>
             </a:extLst>
           </p:cNvPr>
@@ -6110,7 +6071,7 @@
           <p:cNvPr id="54" name="Straight Arrow Connector 53">
             <a:extLst>
               <a:ext uri="{FF2B5EF4-FFF2-40B4-BE49-F238E27FC236}">
-                <a16:creationId xmlns:a16="http://schemas.microsoft.com/office/drawing/2014/main" id="{1958F21B-DD9D-4F87-A9FC-CBF5255F1B3C}"/>
+                <a16:creationId xmlns:a16="http://schemas.microsoft.com/office/drawing/2014/main" xmlns="" id="{1958F21B-DD9D-4F87-A9FC-CBF5255F1B3C}"/>
               </a:ext>
             </a:extLst>
           </p:cNvPr>
@@ -6155,7 +6116,7 @@
           <p:cNvPr id="55" name="TextBox 54">
             <a:extLst>
               <a:ext uri="{FF2B5EF4-FFF2-40B4-BE49-F238E27FC236}">
-                <a16:creationId xmlns:a16="http://schemas.microsoft.com/office/drawing/2014/main" id="{E7E4DA4C-EC3A-4ACF-8EBB-A00C0F8FF55E}"/>
+                <a16:creationId xmlns:a16="http://schemas.microsoft.com/office/drawing/2014/main" xmlns="" id="{E7E4DA4C-EC3A-4ACF-8EBB-A00C0F8FF55E}"/>
               </a:ext>
             </a:extLst>
           </p:cNvPr>
@@ -6190,7 +6151,7 @@
           <p:cNvPr id="59" name="Straight Arrow Connector 58">
             <a:extLst>
               <a:ext uri="{FF2B5EF4-FFF2-40B4-BE49-F238E27FC236}">
-                <a16:creationId xmlns:a16="http://schemas.microsoft.com/office/drawing/2014/main" id="{0CC8607E-5F22-4E9F-A601-DE0D6E1F20A4}"/>
+                <a16:creationId xmlns:a16="http://schemas.microsoft.com/office/drawing/2014/main" xmlns="" id="{0CC8607E-5F22-4E9F-A601-DE0D6E1F20A4}"/>
               </a:ext>
             </a:extLst>
           </p:cNvPr>
@@ -6235,7 +6196,7 @@
           <p:cNvPr id="64" name="Straight Arrow Connector 63">
             <a:extLst>
               <a:ext uri="{FF2B5EF4-FFF2-40B4-BE49-F238E27FC236}">
-                <a16:creationId xmlns:a16="http://schemas.microsoft.com/office/drawing/2014/main" id="{71FB8733-BFA2-4CDB-98C3-F2442114AFB8}"/>
+                <a16:creationId xmlns:a16="http://schemas.microsoft.com/office/drawing/2014/main" xmlns="" id="{71FB8733-BFA2-4CDB-98C3-F2442114AFB8}"/>
               </a:ext>
             </a:extLst>
           </p:cNvPr>
@@ -6280,7 +6241,7 @@
           <p:cNvPr id="67" name="TextBox 66">
             <a:extLst>
               <a:ext uri="{FF2B5EF4-FFF2-40B4-BE49-F238E27FC236}">
-                <a16:creationId xmlns:a16="http://schemas.microsoft.com/office/drawing/2014/main" id="{DC0BFD13-F3B3-4BCC-8F72-4820D3CA3F2F}"/>
+                <a16:creationId xmlns:a16="http://schemas.microsoft.com/office/drawing/2014/main" xmlns="" id="{DC0BFD13-F3B3-4BCC-8F72-4820D3CA3F2F}"/>
               </a:ext>
             </a:extLst>
           </p:cNvPr>
@@ -6315,7 +6276,7 @@
           <p:cNvPr id="78" name="Group 77">
             <a:extLst>
               <a:ext uri="{FF2B5EF4-FFF2-40B4-BE49-F238E27FC236}">
-                <a16:creationId xmlns:a16="http://schemas.microsoft.com/office/drawing/2014/main" id="{B0D8A55A-C35F-4DD8-A7AC-42C2A2C91E9E}"/>
+                <a16:creationId xmlns:a16="http://schemas.microsoft.com/office/drawing/2014/main" xmlns="" id="{B0D8A55A-C35F-4DD8-A7AC-42C2A2C91E9E}"/>
               </a:ext>
             </a:extLst>
           </p:cNvPr>
@@ -6335,7 +6296,7 @@
             <p:cNvPr id="17" name="TextBox 16">
               <a:extLst>
                 <a:ext uri="{FF2B5EF4-FFF2-40B4-BE49-F238E27FC236}">
-                  <a16:creationId xmlns:a16="http://schemas.microsoft.com/office/drawing/2014/main" id="{0AECDDDD-9C69-4208-AA1C-905C5B95F22C}"/>
+                  <a16:creationId xmlns:a16="http://schemas.microsoft.com/office/drawing/2014/main" xmlns="" id="{0AECDDDD-9C69-4208-AA1C-905C5B95F22C}"/>
                 </a:ext>
               </a:extLst>
             </p:cNvPr>
@@ -6370,7 +6331,7 @@
             <p:cNvPr id="8" name="Straight Arrow Connector 7">
               <a:extLst>
                 <a:ext uri="{FF2B5EF4-FFF2-40B4-BE49-F238E27FC236}">
-                  <a16:creationId xmlns:a16="http://schemas.microsoft.com/office/drawing/2014/main" id="{8DDBEF33-54E1-493E-BF2F-6C758455DB2F}"/>
+                  <a16:creationId xmlns:a16="http://schemas.microsoft.com/office/drawing/2014/main" xmlns="" id="{8DDBEF33-54E1-493E-BF2F-6C758455DB2F}"/>
                 </a:ext>
               </a:extLst>
             </p:cNvPr>
@@ -6415,7 +6376,7 @@
             <p:cNvPr id="29" name="Group 28">
               <a:extLst>
                 <a:ext uri="{FF2B5EF4-FFF2-40B4-BE49-F238E27FC236}">
-                  <a16:creationId xmlns:a16="http://schemas.microsoft.com/office/drawing/2014/main" id="{E0A9ECB2-F47D-41E6-A396-253B7A4ED88E}"/>
+                  <a16:creationId xmlns:a16="http://schemas.microsoft.com/office/drawing/2014/main" xmlns="" id="{E0A9ECB2-F47D-41E6-A396-253B7A4ED88E}"/>
                 </a:ext>
               </a:extLst>
             </p:cNvPr>
@@ -6435,7 +6396,7 @@
               <p:cNvPr id="27" name="Straight Arrow Connector 26">
                 <a:extLst>
                   <a:ext uri="{FF2B5EF4-FFF2-40B4-BE49-F238E27FC236}">
-                    <a16:creationId xmlns:a16="http://schemas.microsoft.com/office/drawing/2014/main" id="{104F6FC2-E13D-4097-9667-8F4A154A8D80}"/>
+                    <a16:creationId xmlns:a16="http://schemas.microsoft.com/office/drawing/2014/main" xmlns="" id="{104F6FC2-E13D-4097-9667-8F4A154A8D80}"/>
                   </a:ext>
                 </a:extLst>
               </p:cNvPr>
@@ -6479,7 +6440,7 @@
               <p:cNvPr id="28" name="Straight Arrow Connector 27">
                 <a:extLst>
                   <a:ext uri="{FF2B5EF4-FFF2-40B4-BE49-F238E27FC236}">
-                    <a16:creationId xmlns:a16="http://schemas.microsoft.com/office/drawing/2014/main" id="{29780F90-A07F-4BB0-9F2F-AAC340DC9D38}"/>
+                    <a16:creationId xmlns:a16="http://schemas.microsoft.com/office/drawing/2014/main" xmlns="" id="{29780F90-A07F-4BB0-9F2F-AAC340DC9D38}"/>
                   </a:ext>
                 </a:extLst>
               </p:cNvPr>
@@ -6523,7 +6484,7 @@
               <p:cNvPr id="32" name="TextBox 31">
                 <a:extLst>
                   <a:ext uri="{FF2B5EF4-FFF2-40B4-BE49-F238E27FC236}">
-                    <a16:creationId xmlns:a16="http://schemas.microsoft.com/office/drawing/2014/main" id="{78EDB91B-C071-4D7E-B239-6F5257BFA37A}"/>
+                    <a16:creationId xmlns:a16="http://schemas.microsoft.com/office/drawing/2014/main" xmlns="" id="{78EDB91B-C071-4D7E-B239-6F5257BFA37A}"/>
                   </a:ext>
                 </a:extLst>
               </p:cNvPr>
@@ -6559,7 +6520,7 @@
             <p:cNvPr id="68" name="TextBox 67">
               <a:extLst>
                 <a:ext uri="{FF2B5EF4-FFF2-40B4-BE49-F238E27FC236}">
-                  <a16:creationId xmlns:a16="http://schemas.microsoft.com/office/drawing/2014/main" id="{0A60C194-FFE9-4535-BDE8-2F20E4E57547}"/>
+                  <a16:creationId xmlns:a16="http://schemas.microsoft.com/office/drawing/2014/main" xmlns="" id="{0A60C194-FFE9-4535-BDE8-2F20E4E57547}"/>
                 </a:ext>
               </a:extLst>
             </p:cNvPr>
@@ -6594,7 +6555,7 @@
             <p:cNvPr id="69" name="Straight Arrow Connector 68">
               <a:extLst>
                 <a:ext uri="{FF2B5EF4-FFF2-40B4-BE49-F238E27FC236}">
-                  <a16:creationId xmlns:a16="http://schemas.microsoft.com/office/drawing/2014/main" id="{47E19BB3-F762-4D66-86F3-4DF00CE8304A}"/>
+                  <a16:creationId xmlns:a16="http://schemas.microsoft.com/office/drawing/2014/main" xmlns="" id="{47E19BB3-F762-4D66-86F3-4DF00CE8304A}"/>
                 </a:ext>
               </a:extLst>
             </p:cNvPr>
@@ -6638,7 +6599,7 @@
             <p:cNvPr id="70" name="TextBox 69">
               <a:extLst>
                 <a:ext uri="{FF2B5EF4-FFF2-40B4-BE49-F238E27FC236}">
-                  <a16:creationId xmlns:a16="http://schemas.microsoft.com/office/drawing/2014/main" id="{3B75113D-26B4-4A15-9FFC-2D447FA3EC79}"/>
+                  <a16:creationId xmlns:a16="http://schemas.microsoft.com/office/drawing/2014/main" xmlns="" id="{3B75113D-26B4-4A15-9FFC-2D447FA3EC79}"/>
                 </a:ext>
               </a:extLst>
             </p:cNvPr>
@@ -6673,7 +6634,7 @@
             <p:cNvPr id="71" name="Straight Arrow Connector 70">
               <a:extLst>
                 <a:ext uri="{FF2B5EF4-FFF2-40B4-BE49-F238E27FC236}">
-                  <a16:creationId xmlns:a16="http://schemas.microsoft.com/office/drawing/2014/main" id="{EBF545C9-EA5A-4CE0-A939-9A1C6615DDD5}"/>
+                  <a16:creationId xmlns:a16="http://schemas.microsoft.com/office/drawing/2014/main" xmlns="" id="{EBF545C9-EA5A-4CE0-A939-9A1C6615DDD5}"/>
                 </a:ext>
               </a:extLst>
             </p:cNvPr>
@@ -6717,7 +6678,7 @@
             <p:cNvPr id="72" name="TextBox 71">
               <a:extLst>
                 <a:ext uri="{FF2B5EF4-FFF2-40B4-BE49-F238E27FC236}">
-                  <a16:creationId xmlns:a16="http://schemas.microsoft.com/office/drawing/2014/main" id="{4C9035C0-A0A4-430A-91A1-6C4219863EDE}"/>
+                  <a16:creationId xmlns:a16="http://schemas.microsoft.com/office/drawing/2014/main" xmlns="" id="{4C9035C0-A0A4-430A-91A1-6C4219863EDE}"/>
                 </a:ext>
               </a:extLst>
             </p:cNvPr>
@@ -6753,7 +6714,7 @@
           <p:cNvPr id="74" name="TextBox 73">
             <a:extLst>
               <a:ext uri="{FF2B5EF4-FFF2-40B4-BE49-F238E27FC236}">
-                <a16:creationId xmlns:a16="http://schemas.microsoft.com/office/drawing/2014/main" id="{50741080-9C80-4250-AC0F-FFD661CBFA1F}"/>
+                <a16:creationId xmlns:a16="http://schemas.microsoft.com/office/drawing/2014/main" xmlns="" id="{50741080-9C80-4250-AC0F-FFD661CBFA1F}"/>
               </a:ext>
             </a:extLst>
           </p:cNvPr>
@@ -6789,7 +6750,7 @@
           <p:cNvPr id="75" name="Straight Arrow Connector 74">
             <a:extLst>
               <a:ext uri="{FF2B5EF4-FFF2-40B4-BE49-F238E27FC236}">
-                <a16:creationId xmlns:a16="http://schemas.microsoft.com/office/drawing/2014/main" id="{6B3F6054-C557-4674-912C-7B62D069A0A5}"/>
+                <a16:creationId xmlns:a16="http://schemas.microsoft.com/office/drawing/2014/main" xmlns="" id="{6B3F6054-C557-4674-912C-7B62D069A0A5}"/>
               </a:ext>
             </a:extLst>
           </p:cNvPr>
@@ -6834,7 +6795,7 @@
           <p:cNvPr id="81" name="TextBox 80">
             <a:extLst>
               <a:ext uri="{FF2B5EF4-FFF2-40B4-BE49-F238E27FC236}">
-                <a16:creationId xmlns:a16="http://schemas.microsoft.com/office/drawing/2014/main" id="{1544325F-61CC-4767-9E91-0BFCAF00FECD}"/>
+                <a16:creationId xmlns:a16="http://schemas.microsoft.com/office/drawing/2014/main" xmlns="" id="{1544325F-61CC-4767-9E91-0BFCAF00FECD}"/>
               </a:ext>
             </a:extLst>
           </p:cNvPr>
@@ -6870,7 +6831,7 @@
           <p:cNvPr id="82" name="Straight Arrow Connector 81">
             <a:extLst>
               <a:ext uri="{FF2B5EF4-FFF2-40B4-BE49-F238E27FC236}">
-                <a16:creationId xmlns:a16="http://schemas.microsoft.com/office/drawing/2014/main" id="{3DC0B780-9162-4D43-8BD5-694331D969B9}"/>
+                <a16:creationId xmlns:a16="http://schemas.microsoft.com/office/drawing/2014/main" xmlns="" id="{3DC0B780-9162-4D43-8BD5-694331D969B9}"/>
               </a:ext>
             </a:extLst>
           </p:cNvPr>
@@ -6914,7 +6875,7 @@
           <p:cNvPr id="44" name="TextBox 43">
             <a:extLst>
               <a:ext uri="{FF2B5EF4-FFF2-40B4-BE49-F238E27FC236}">
-                <a16:creationId xmlns:a16="http://schemas.microsoft.com/office/drawing/2014/main" id="{5D331EED-21ED-4FC2-B7DC-83316B7E165D}"/>
+                <a16:creationId xmlns:a16="http://schemas.microsoft.com/office/drawing/2014/main" xmlns="" id="{5D331EED-21ED-4FC2-B7DC-83316B7E165D}"/>
               </a:ext>
             </a:extLst>
           </p:cNvPr>
@@ -6952,7 +6913,7 @@
     </p:spTree>
     <p:extLst>
       <p:ext uri="{BB962C8B-B14F-4D97-AF65-F5344CB8AC3E}">
-        <p14:creationId xmlns:p14="http://schemas.microsoft.com/office/powerpoint/2010/main" val="1256710779"/>
+        <p14:creationId xmlns:p14="http://schemas.microsoft.com/office/powerpoint/2010/main" xmlns="" val="1256710779"/>
       </p:ext>
     </p:extLst>
   </p:cSld>
@@ -7041,28 +7002,6 @@
       </p:sp>
       <p:sp>
         <p:nvSpPr>
-          <p:cNvPr id="6" name="Date Placeholder 5"/>
-          <p:cNvSpPr>
-            <a:spLocks noGrp="1"/>
-          </p:cNvSpPr>
-          <p:nvPr>
-            <p:ph type="dt" sz="half" idx="2"/>
-          </p:nvPr>
-        </p:nvSpPr>
-        <p:spPr/>
-        <p:txBody>
-          <a:bodyPr/>
-          <a:lstStyle/>
-          <a:p>
-            <a:r>
-              <a:rPr lang="en-CA" dirty="0"/>
-              <a:t>Winter 2022</a:t>
-            </a:r>
-          </a:p>
-        </p:txBody>
-      </p:sp>
-      <p:sp>
-        <p:nvSpPr>
           <p:cNvPr id="10" name="Footer Placeholder 9"/>
           <p:cNvSpPr>
             <a:spLocks noGrp="1"/>
@@ -7115,7 +7054,7 @@
           <p:cNvPr id="7" name="Picture 6">
             <a:extLst>
               <a:ext uri="{FF2B5EF4-FFF2-40B4-BE49-F238E27FC236}">
-                <a16:creationId xmlns:a16="http://schemas.microsoft.com/office/drawing/2014/main" id="{8BAB5EDB-C339-4658-978D-CB7B86C318C8}"/>
+                <a16:creationId xmlns:a16="http://schemas.microsoft.com/office/drawing/2014/main" xmlns="" id="{8BAB5EDB-C339-4658-978D-CB7B86C318C8}"/>
               </a:ext>
             </a:extLst>
           </p:cNvPr>
@@ -7125,13 +7064,13 @@
           <p:nvPr/>
         </p:nvPicPr>
         <p:blipFill>
-          <a:blip r:embed="rId2">
+          <a:blip r:embed="rId2" cstate="print">
             <a:extLst>
               <a:ext uri="{28A0092B-C50C-407E-A947-70E740481C1C}">
-                <a14:useLocalDpi xmlns:a14="http://schemas.microsoft.com/office/drawing/2010/main" val="0"/>
+                <a14:useLocalDpi xmlns:a14="http://schemas.microsoft.com/office/drawing/2010/main" xmlns="" val="0"/>
               </a:ext>
               <a:ext uri="{837473B0-CC2E-450A-ABE3-18F120FF3D39}">
-                <a1611:picAttrSrcUrl xmlns:a1611="http://schemas.microsoft.com/office/drawing/2016/11/main" r:id="rId3"/>
+                <a1611:picAttrSrcUrl xmlns:a1611="http://schemas.microsoft.com/office/drawing/2016/11/main" xmlns="" r:id="rId3"/>
               </a:ext>
             </a:extLst>
           </a:blip>
@@ -7154,7 +7093,7 @@
           <p:cNvPr id="9" name="Picture 8">
             <a:extLst>
               <a:ext uri="{FF2B5EF4-FFF2-40B4-BE49-F238E27FC236}">
-                <a16:creationId xmlns:a16="http://schemas.microsoft.com/office/drawing/2014/main" id="{217DD399-6BEC-42B0-8C8F-80C05C13BB8F}"/>
+                <a16:creationId xmlns:a16="http://schemas.microsoft.com/office/drawing/2014/main" xmlns="" id="{217DD399-6BEC-42B0-8C8F-80C05C13BB8F}"/>
               </a:ext>
             </a:extLst>
           </p:cNvPr>
@@ -7164,13 +7103,13 @@
           <p:nvPr/>
         </p:nvPicPr>
         <p:blipFill>
-          <a:blip r:embed="rId4">
+          <a:blip r:embed="rId4" cstate="print">
             <a:extLst>
               <a:ext uri="{28A0092B-C50C-407E-A947-70E740481C1C}">
-                <a14:useLocalDpi xmlns:a14="http://schemas.microsoft.com/office/drawing/2010/main" val="0"/>
+                <a14:useLocalDpi xmlns:a14="http://schemas.microsoft.com/office/drawing/2010/main" xmlns="" val="0"/>
               </a:ext>
               <a:ext uri="{837473B0-CC2E-450A-ABE3-18F120FF3D39}">
-                <a1611:picAttrSrcUrl xmlns:a1611="http://schemas.microsoft.com/office/drawing/2016/11/main" r:id="rId5"/>
+                <a1611:picAttrSrcUrl xmlns:a1611="http://schemas.microsoft.com/office/drawing/2016/11/main" xmlns="" r:id="rId5"/>
               </a:ext>
             </a:extLst>
           </a:blip>
@@ -7193,7 +7132,7 @@
           <p:cNvPr id="5" name="Straight Arrow Connector 4">
             <a:extLst>
               <a:ext uri="{FF2B5EF4-FFF2-40B4-BE49-F238E27FC236}">
-                <a16:creationId xmlns:a16="http://schemas.microsoft.com/office/drawing/2014/main" id="{807C7073-511B-46BE-8CEC-CAFF15AD79B2}"/>
+                <a16:creationId xmlns:a16="http://schemas.microsoft.com/office/drawing/2014/main" xmlns="" id="{807C7073-511B-46BE-8CEC-CAFF15AD79B2}"/>
               </a:ext>
             </a:extLst>
           </p:cNvPr>
@@ -7237,7 +7176,7 @@
           <p:cNvPr id="13" name="TextBox 12">
             <a:extLst>
               <a:ext uri="{FF2B5EF4-FFF2-40B4-BE49-F238E27FC236}">
-                <a16:creationId xmlns:a16="http://schemas.microsoft.com/office/drawing/2014/main" id="{E056EDE4-8844-4846-B0A1-BE530F4D7466}"/>
+                <a16:creationId xmlns:a16="http://schemas.microsoft.com/office/drawing/2014/main" xmlns="" id="{E056EDE4-8844-4846-B0A1-BE530F4D7466}"/>
               </a:ext>
             </a:extLst>
           </p:cNvPr>
@@ -7279,7 +7218,7 @@
           <p:cNvPr id="14" name="TextBox 13">
             <a:extLst>
               <a:ext uri="{FF2B5EF4-FFF2-40B4-BE49-F238E27FC236}">
-                <a16:creationId xmlns:a16="http://schemas.microsoft.com/office/drawing/2014/main" id="{16109C71-5DB7-418B-ACC6-6B9C83D6F5BB}"/>
+                <a16:creationId xmlns:a16="http://schemas.microsoft.com/office/drawing/2014/main" xmlns="" id="{16109C71-5DB7-418B-ACC6-6B9C83D6F5BB}"/>
               </a:ext>
             </a:extLst>
           </p:cNvPr>
@@ -7329,7 +7268,7 @@
           <p:cNvPr id="15" name="Straight Arrow Connector 14">
             <a:extLst>
               <a:ext uri="{FF2B5EF4-FFF2-40B4-BE49-F238E27FC236}">
-                <a16:creationId xmlns:a16="http://schemas.microsoft.com/office/drawing/2014/main" id="{005BF5B4-EE3E-4309-A841-F9E134AE9FC1}"/>
+                <a16:creationId xmlns:a16="http://schemas.microsoft.com/office/drawing/2014/main" xmlns="" id="{005BF5B4-EE3E-4309-A841-F9E134AE9FC1}"/>
               </a:ext>
             </a:extLst>
           </p:cNvPr>
@@ -7371,7 +7310,7 @@
     </p:spTree>
     <p:extLst>
       <p:ext uri="{BB962C8B-B14F-4D97-AF65-F5344CB8AC3E}">
-        <p14:creationId xmlns:p14="http://schemas.microsoft.com/office/powerpoint/2010/main" val="100707161"/>
+        <p14:creationId xmlns:p14="http://schemas.microsoft.com/office/powerpoint/2010/main" xmlns="" val="100707161"/>
       </p:ext>
     </p:extLst>
   </p:cSld>
@@ -7460,28 +7399,6 @@
       </p:sp>
       <p:sp>
         <p:nvSpPr>
-          <p:cNvPr id="6" name="Date Placeholder 5"/>
-          <p:cNvSpPr>
-            <a:spLocks noGrp="1"/>
-          </p:cNvSpPr>
-          <p:nvPr>
-            <p:ph type="dt" sz="half" idx="2"/>
-          </p:nvPr>
-        </p:nvSpPr>
-        <p:spPr/>
-        <p:txBody>
-          <a:bodyPr/>
-          <a:lstStyle/>
-          <a:p>
-            <a:r>
-              <a:rPr lang="en-CA" dirty="0"/>
-              <a:t>Winter 2022</a:t>
-            </a:r>
-          </a:p>
-        </p:txBody>
-      </p:sp>
-      <p:sp>
-        <p:nvSpPr>
           <p:cNvPr id="10" name="Footer Placeholder 9"/>
           <p:cNvSpPr>
             <a:spLocks noGrp="1"/>
@@ -7534,7 +7451,7 @@
           <p:cNvPr id="7" name="Picture 6">
             <a:extLst>
               <a:ext uri="{FF2B5EF4-FFF2-40B4-BE49-F238E27FC236}">
-                <a16:creationId xmlns:a16="http://schemas.microsoft.com/office/drawing/2014/main" id="{8BAB5EDB-C339-4658-978D-CB7B86C318C8}"/>
+                <a16:creationId xmlns:a16="http://schemas.microsoft.com/office/drawing/2014/main" xmlns="" id="{8BAB5EDB-C339-4658-978D-CB7B86C318C8}"/>
               </a:ext>
             </a:extLst>
           </p:cNvPr>
@@ -7544,13 +7461,13 @@
           <p:nvPr/>
         </p:nvPicPr>
         <p:blipFill>
-          <a:blip r:embed="rId2">
+          <a:blip r:embed="rId2" cstate="print">
             <a:extLst>
               <a:ext uri="{28A0092B-C50C-407E-A947-70E740481C1C}">
-                <a14:useLocalDpi xmlns:a14="http://schemas.microsoft.com/office/drawing/2010/main" val="0"/>
+                <a14:useLocalDpi xmlns:a14="http://schemas.microsoft.com/office/drawing/2010/main" xmlns="" val="0"/>
               </a:ext>
               <a:ext uri="{837473B0-CC2E-450A-ABE3-18F120FF3D39}">
-                <a1611:picAttrSrcUrl xmlns:a1611="http://schemas.microsoft.com/office/drawing/2016/11/main" r:id="rId3"/>
+                <a1611:picAttrSrcUrl xmlns:a1611="http://schemas.microsoft.com/office/drawing/2016/11/main" xmlns="" r:id="rId3"/>
               </a:ext>
             </a:extLst>
           </a:blip>
@@ -7573,7 +7490,7 @@
           <p:cNvPr id="9" name="Picture 8">
             <a:extLst>
               <a:ext uri="{FF2B5EF4-FFF2-40B4-BE49-F238E27FC236}">
-                <a16:creationId xmlns:a16="http://schemas.microsoft.com/office/drawing/2014/main" id="{217DD399-6BEC-42B0-8C8F-80C05C13BB8F}"/>
+                <a16:creationId xmlns:a16="http://schemas.microsoft.com/office/drawing/2014/main" xmlns="" id="{217DD399-6BEC-42B0-8C8F-80C05C13BB8F}"/>
               </a:ext>
             </a:extLst>
           </p:cNvPr>
@@ -7583,13 +7500,13 @@
           <p:nvPr/>
         </p:nvPicPr>
         <p:blipFill>
-          <a:blip r:embed="rId4">
+          <a:blip r:embed="rId4" cstate="print">
             <a:extLst>
               <a:ext uri="{28A0092B-C50C-407E-A947-70E740481C1C}">
-                <a14:useLocalDpi xmlns:a14="http://schemas.microsoft.com/office/drawing/2010/main" val="0"/>
+                <a14:useLocalDpi xmlns:a14="http://schemas.microsoft.com/office/drawing/2010/main" xmlns="" val="0"/>
               </a:ext>
               <a:ext uri="{837473B0-CC2E-450A-ABE3-18F120FF3D39}">
-                <a1611:picAttrSrcUrl xmlns:a1611="http://schemas.microsoft.com/office/drawing/2016/11/main" r:id="rId5"/>
+                <a1611:picAttrSrcUrl xmlns:a1611="http://schemas.microsoft.com/office/drawing/2016/11/main" xmlns="" r:id="rId5"/>
               </a:ext>
             </a:extLst>
           </a:blip>
@@ -7612,7 +7529,7 @@
           <p:cNvPr id="5" name="Straight Arrow Connector 4">
             <a:extLst>
               <a:ext uri="{FF2B5EF4-FFF2-40B4-BE49-F238E27FC236}">
-                <a16:creationId xmlns:a16="http://schemas.microsoft.com/office/drawing/2014/main" id="{807C7073-511B-46BE-8CEC-CAFF15AD79B2}"/>
+                <a16:creationId xmlns:a16="http://schemas.microsoft.com/office/drawing/2014/main" xmlns="" id="{807C7073-511B-46BE-8CEC-CAFF15AD79B2}"/>
               </a:ext>
             </a:extLst>
           </p:cNvPr>
@@ -7656,7 +7573,7 @@
           <p:cNvPr id="13" name="TextBox 12">
             <a:extLst>
               <a:ext uri="{FF2B5EF4-FFF2-40B4-BE49-F238E27FC236}">
-                <a16:creationId xmlns:a16="http://schemas.microsoft.com/office/drawing/2014/main" id="{E056EDE4-8844-4846-B0A1-BE530F4D7466}"/>
+                <a16:creationId xmlns:a16="http://schemas.microsoft.com/office/drawing/2014/main" xmlns="" id="{E056EDE4-8844-4846-B0A1-BE530F4D7466}"/>
               </a:ext>
             </a:extLst>
           </p:cNvPr>
@@ -7698,7 +7615,7 @@
           <p:cNvPr id="14" name="TextBox 13">
             <a:extLst>
               <a:ext uri="{FF2B5EF4-FFF2-40B4-BE49-F238E27FC236}">
-                <a16:creationId xmlns:a16="http://schemas.microsoft.com/office/drawing/2014/main" id="{16109C71-5DB7-418B-ACC6-6B9C83D6F5BB}"/>
+                <a16:creationId xmlns:a16="http://schemas.microsoft.com/office/drawing/2014/main" xmlns="" id="{16109C71-5DB7-418B-ACC6-6B9C83D6F5BB}"/>
               </a:ext>
             </a:extLst>
           </p:cNvPr>
@@ -7748,7 +7665,7 @@
           <p:cNvPr id="15" name="Straight Arrow Connector 14">
             <a:extLst>
               <a:ext uri="{FF2B5EF4-FFF2-40B4-BE49-F238E27FC236}">
-                <a16:creationId xmlns:a16="http://schemas.microsoft.com/office/drawing/2014/main" id="{005BF5B4-EE3E-4309-A841-F9E134AE9FC1}"/>
+                <a16:creationId xmlns:a16="http://schemas.microsoft.com/office/drawing/2014/main" xmlns="" id="{005BF5B4-EE3E-4309-A841-F9E134AE9FC1}"/>
               </a:ext>
             </a:extLst>
           </p:cNvPr>
@@ -7792,7 +7709,7 @@
           <p:cNvPr id="17" name="Oval 16">
             <a:extLst>
               <a:ext uri="{FF2B5EF4-FFF2-40B4-BE49-F238E27FC236}">
-                <a16:creationId xmlns:a16="http://schemas.microsoft.com/office/drawing/2014/main" id="{DBA27E3B-CE81-443B-8B7B-F3E80DB22152}"/>
+                <a16:creationId xmlns:a16="http://schemas.microsoft.com/office/drawing/2014/main" xmlns="" id="{DBA27E3B-CE81-443B-8B7B-F3E80DB22152}"/>
               </a:ext>
             </a:extLst>
           </p:cNvPr>
@@ -7840,7 +7757,7 @@
           <p:cNvPr id="19" name="Oval 18">
             <a:extLst>
               <a:ext uri="{FF2B5EF4-FFF2-40B4-BE49-F238E27FC236}">
-                <a16:creationId xmlns:a16="http://schemas.microsoft.com/office/drawing/2014/main" id="{059E428F-9429-45DA-A48E-0CC5482E0B5D}"/>
+                <a16:creationId xmlns:a16="http://schemas.microsoft.com/office/drawing/2014/main" xmlns="" id="{059E428F-9429-45DA-A48E-0CC5482E0B5D}"/>
               </a:ext>
             </a:extLst>
           </p:cNvPr>
@@ -7890,7 +7807,7 @@
     </p:spTree>
     <p:extLst>
       <p:ext uri="{BB962C8B-B14F-4D97-AF65-F5344CB8AC3E}">
-        <p14:creationId xmlns:p14="http://schemas.microsoft.com/office/powerpoint/2010/main" val="3902734336"/>
+        <p14:creationId xmlns:p14="http://schemas.microsoft.com/office/powerpoint/2010/main" xmlns="" val="3902734336"/>
       </p:ext>
     </p:extLst>
   </p:cSld>
@@ -7979,28 +7896,6 @@
       </p:sp>
       <p:sp>
         <p:nvSpPr>
-          <p:cNvPr id="6" name="Date Placeholder 5"/>
-          <p:cNvSpPr>
-            <a:spLocks noGrp="1"/>
-          </p:cNvSpPr>
-          <p:nvPr>
-            <p:ph type="dt" sz="half" idx="2"/>
-          </p:nvPr>
-        </p:nvSpPr>
-        <p:spPr/>
-        <p:txBody>
-          <a:bodyPr/>
-          <a:lstStyle/>
-          <a:p>
-            <a:r>
-              <a:rPr lang="en-CA" dirty="0"/>
-              <a:t>Winter 2022</a:t>
-            </a:r>
-          </a:p>
-        </p:txBody>
-      </p:sp>
-      <p:sp>
-        <p:nvSpPr>
           <p:cNvPr id="10" name="Footer Placeholder 9"/>
           <p:cNvSpPr>
             <a:spLocks noGrp="1"/>
@@ -8053,7 +7948,7 @@
           <p:cNvPr id="7" name="Picture 6">
             <a:extLst>
               <a:ext uri="{FF2B5EF4-FFF2-40B4-BE49-F238E27FC236}">
-                <a16:creationId xmlns:a16="http://schemas.microsoft.com/office/drawing/2014/main" id="{8BAB5EDB-C339-4658-978D-CB7B86C318C8}"/>
+                <a16:creationId xmlns:a16="http://schemas.microsoft.com/office/drawing/2014/main" xmlns="" id="{8BAB5EDB-C339-4658-978D-CB7B86C318C8}"/>
               </a:ext>
             </a:extLst>
           </p:cNvPr>
@@ -8063,13 +7958,13 @@
           <p:nvPr/>
         </p:nvPicPr>
         <p:blipFill>
-          <a:blip r:embed="rId2">
+          <a:blip r:embed="rId2" cstate="print">
             <a:extLst>
               <a:ext uri="{28A0092B-C50C-407E-A947-70E740481C1C}">
-                <a14:useLocalDpi xmlns:a14="http://schemas.microsoft.com/office/drawing/2010/main" val="0"/>
+                <a14:useLocalDpi xmlns:a14="http://schemas.microsoft.com/office/drawing/2010/main" xmlns="" val="0"/>
               </a:ext>
               <a:ext uri="{837473B0-CC2E-450A-ABE3-18F120FF3D39}">
-                <a1611:picAttrSrcUrl xmlns:a1611="http://schemas.microsoft.com/office/drawing/2016/11/main" r:id="rId3"/>
+                <a1611:picAttrSrcUrl xmlns:a1611="http://schemas.microsoft.com/office/drawing/2016/11/main" xmlns="" r:id="rId3"/>
               </a:ext>
             </a:extLst>
           </a:blip>
@@ -8092,7 +7987,7 @@
           <p:cNvPr id="9" name="Picture 8">
             <a:extLst>
               <a:ext uri="{FF2B5EF4-FFF2-40B4-BE49-F238E27FC236}">
-                <a16:creationId xmlns:a16="http://schemas.microsoft.com/office/drawing/2014/main" id="{217DD399-6BEC-42B0-8C8F-80C05C13BB8F}"/>
+                <a16:creationId xmlns:a16="http://schemas.microsoft.com/office/drawing/2014/main" xmlns="" id="{217DD399-6BEC-42B0-8C8F-80C05C13BB8F}"/>
               </a:ext>
             </a:extLst>
           </p:cNvPr>
@@ -8102,13 +7997,13 @@
           <p:nvPr/>
         </p:nvPicPr>
         <p:blipFill>
-          <a:blip r:embed="rId4">
+          <a:blip r:embed="rId4" cstate="print">
             <a:extLst>
               <a:ext uri="{28A0092B-C50C-407E-A947-70E740481C1C}">
-                <a14:useLocalDpi xmlns:a14="http://schemas.microsoft.com/office/drawing/2010/main" val="0"/>
+                <a14:useLocalDpi xmlns:a14="http://schemas.microsoft.com/office/drawing/2010/main" xmlns="" val="0"/>
               </a:ext>
               <a:ext uri="{837473B0-CC2E-450A-ABE3-18F120FF3D39}">
-                <a1611:picAttrSrcUrl xmlns:a1611="http://schemas.microsoft.com/office/drawing/2016/11/main" r:id="rId5"/>
+                <a1611:picAttrSrcUrl xmlns:a1611="http://schemas.microsoft.com/office/drawing/2016/11/main" xmlns="" r:id="rId5"/>
               </a:ext>
             </a:extLst>
           </a:blip>
@@ -8131,7 +8026,7 @@
           <p:cNvPr id="5" name="Straight Arrow Connector 4">
             <a:extLst>
               <a:ext uri="{FF2B5EF4-FFF2-40B4-BE49-F238E27FC236}">
-                <a16:creationId xmlns:a16="http://schemas.microsoft.com/office/drawing/2014/main" id="{807C7073-511B-46BE-8CEC-CAFF15AD79B2}"/>
+                <a16:creationId xmlns:a16="http://schemas.microsoft.com/office/drawing/2014/main" xmlns="" id="{807C7073-511B-46BE-8CEC-CAFF15AD79B2}"/>
               </a:ext>
             </a:extLst>
           </p:cNvPr>
@@ -8175,7 +8070,7 @@
           <p:cNvPr id="13" name="TextBox 12">
             <a:extLst>
               <a:ext uri="{FF2B5EF4-FFF2-40B4-BE49-F238E27FC236}">
-                <a16:creationId xmlns:a16="http://schemas.microsoft.com/office/drawing/2014/main" id="{E056EDE4-8844-4846-B0A1-BE530F4D7466}"/>
+                <a16:creationId xmlns:a16="http://schemas.microsoft.com/office/drawing/2014/main" xmlns="" id="{E056EDE4-8844-4846-B0A1-BE530F4D7466}"/>
               </a:ext>
             </a:extLst>
           </p:cNvPr>
@@ -8217,7 +8112,7 @@
           <p:cNvPr id="14" name="TextBox 13">
             <a:extLst>
               <a:ext uri="{FF2B5EF4-FFF2-40B4-BE49-F238E27FC236}">
-                <a16:creationId xmlns:a16="http://schemas.microsoft.com/office/drawing/2014/main" id="{16109C71-5DB7-418B-ACC6-6B9C83D6F5BB}"/>
+                <a16:creationId xmlns:a16="http://schemas.microsoft.com/office/drawing/2014/main" xmlns="" id="{16109C71-5DB7-418B-ACC6-6B9C83D6F5BB}"/>
               </a:ext>
             </a:extLst>
           </p:cNvPr>
@@ -8267,7 +8162,7 @@
           <p:cNvPr id="15" name="Straight Arrow Connector 14">
             <a:extLst>
               <a:ext uri="{FF2B5EF4-FFF2-40B4-BE49-F238E27FC236}">
-                <a16:creationId xmlns:a16="http://schemas.microsoft.com/office/drawing/2014/main" id="{005BF5B4-EE3E-4309-A841-F9E134AE9FC1}"/>
+                <a16:creationId xmlns:a16="http://schemas.microsoft.com/office/drawing/2014/main" xmlns="" id="{005BF5B4-EE3E-4309-A841-F9E134AE9FC1}"/>
               </a:ext>
             </a:extLst>
           </p:cNvPr>
@@ -8311,7 +8206,7 @@
           <p:cNvPr id="8" name="Straight Connector 7">
             <a:extLst>
               <a:ext uri="{FF2B5EF4-FFF2-40B4-BE49-F238E27FC236}">
-                <a16:creationId xmlns:a16="http://schemas.microsoft.com/office/drawing/2014/main" id="{3B59536B-137F-41E4-BA0A-2C4C1A71E1C1}"/>
+                <a16:creationId xmlns:a16="http://schemas.microsoft.com/office/drawing/2014/main" xmlns="" id="{3B59536B-137F-41E4-BA0A-2C4C1A71E1C1}"/>
               </a:ext>
             </a:extLst>
           </p:cNvPr>
@@ -8352,7 +8247,7 @@
           <p:cNvPr id="16" name="Straight Connector 15">
             <a:extLst>
               <a:ext uri="{FF2B5EF4-FFF2-40B4-BE49-F238E27FC236}">
-                <a16:creationId xmlns:a16="http://schemas.microsoft.com/office/drawing/2014/main" id="{D5F83E8C-4962-4D60-9C76-2445177C0A91}"/>
+                <a16:creationId xmlns:a16="http://schemas.microsoft.com/office/drawing/2014/main" xmlns="" id="{D5F83E8C-4962-4D60-9C76-2445177C0A91}"/>
               </a:ext>
             </a:extLst>
           </p:cNvPr>
@@ -8393,7 +8288,7 @@
     </p:spTree>
     <p:extLst>
       <p:ext uri="{BB962C8B-B14F-4D97-AF65-F5344CB8AC3E}">
-        <p14:creationId xmlns:p14="http://schemas.microsoft.com/office/powerpoint/2010/main" val="3140037942"/>
+        <p14:creationId xmlns:p14="http://schemas.microsoft.com/office/powerpoint/2010/main" xmlns="" val="3140037942"/>
       </p:ext>
     </p:extLst>
   </p:cSld>
@@ -8482,28 +8377,6 @@
       </p:sp>
       <p:sp>
         <p:nvSpPr>
-          <p:cNvPr id="6" name="Date Placeholder 5"/>
-          <p:cNvSpPr>
-            <a:spLocks noGrp="1"/>
-          </p:cNvSpPr>
-          <p:nvPr>
-            <p:ph type="dt" sz="half" idx="2"/>
-          </p:nvPr>
-        </p:nvSpPr>
-        <p:spPr/>
-        <p:txBody>
-          <a:bodyPr/>
-          <a:lstStyle/>
-          <a:p>
-            <a:r>
-              <a:rPr lang="en-CA" dirty="0"/>
-              <a:t>Winter 2022</a:t>
-            </a:r>
-          </a:p>
-        </p:txBody>
-      </p:sp>
-      <p:sp>
-        <p:nvSpPr>
           <p:cNvPr id="10" name="Footer Placeholder 9"/>
           <p:cNvSpPr>
             <a:spLocks noGrp="1"/>
@@ -8556,7 +8429,7 @@
           <p:cNvPr id="7" name="Picture 6">
             <a:extLst>
               <a:ext uri="{FF2B5EF4-FFF2-40B4-BE49-F238E27FC236}">
-                <a16:creationId xmlns:a16="http://schemas.microsoft.com/office/drawing/2014/main" id="{8BAB5EDB-C339-4658-978D-CB7B86C318C8}"/>
+                <a16:creationId xmlns:a16="http://schemas.microsoft.com/office/drawing/2014/main" xmlns="" id="{8BAB5EDB-C339-4658-978D-CB7B86C318C8}"/>
               </a:ext>
             </a:extLst>
           </p:cNvPr>
@@ -8566,13 +8439,13 @@
           <p:nvPr/>
         </p:nvPicPr>
         <p:blipFill>
-          <a:blip r:embed="rId2">
+          <a:blip r:embed="rId2" cstate="print">
             <a:extLst>
               <a:ext uri="{28A0092B-C50C-407E-A947-70E740481C1C}">
-                <a14:useLocalDpi xmlns:a14="http://schemas.microsoft.com/office/drawing/2010/main" val="0"/>
+                <a14:useLocalDpi xmlns:a14="http://schemas.microsoft.com/office/drawing/2010/main" xmlns="" val="0"/>
               </a:ext>
               <a:ext uri="{837473B0-CC2E-450A-ABE3-18F120FF3D39}">
-                <a1611:picAttrSrcUrl xmlns:a1611="http://schemas.microsoft.com/office/drawing/2016/11/main" r:id="rId3"/>
+                <a1611:picAttrSrcUrl xmlns:a1611="http://schemas.microsoft.com/office/drawing/2016/11/main" xmlns="" r:id="rId3"/>
               </a:ext>
             </a:extLst>
           </a:blip>
@@ -8595,7 +8468,7 @@
           <p:cNvPr id="9" name="Picture 8">
             <a:extLst>
               <a:ext uri="{FF2B5EF4-FFF2-40B4-BE49-F238E27FC236}">
-                <a16:creationId xmlns:a16="http://schemas.microsoft.com/office/drawing/2014/main" id="{217DD399-6BEC-42B0-8C8F-80C05C13BB8F}"/>
+                <a16:creationId xmlns:a16="http://schemas.microsoft.com/office/drawing/2014/main" xmlns="" id="{217DD399-6BEC-42B0-8C8F-80C05C13BB8F}"/>
               </a:ext>
             </a:extLst>
           </p:cNvPr>
@@ -8605,13 +8478,13 @@
           <p:nvPr/>
         </p:nvPicPr>
         <p:blipFill>
-          <a:blip r:embed="rId4">
+          <a:blip r:embed="rId4" cstate="print">
             <a:extLst>
               <a:ext uri="{28A0092B-C50C-407E-A947-70E740481C1C}">
-                <a14:useLocalDpi xmlns:a14="http://schemas.microsoft.com/office/drawing/2010/main" val="0"/>
+                <a14:useLocalDpi xmlns:a14="http://schemas.microsoft.com/office/drawing/2010/main" xmlns="" val="0"/>
               </a:ext>
               <a:ext uri="{837473B0-CC2E-450A-ABE3-18F120FF3D39}">
-                <a1611:picAttrSrcUrl xmlns:a1611="http://schemas.microsoft.com/office/drawing/2016/11/main" r:id="rId5"/>
+                <a1611:picAttrSrcUrl xmlns:a1611="http://schemas.microsoft.com/office/drawing/2016/11/main" xmlns="" r:id="rId5"/>
               </a:ext>
             </a:extLst>
           </a:blip>
@@ -8634,7 +8507,7 @@
           <p:cNvPr id="5" name="Straight Arrow Connector 4">
             <a:extLst>
               <a:ext uri="{FF2B5EF4-FFF2-40B4-BE49-F238E27FC236}">
-                <a16:creationId xmlns:a16="http://schemas.microsoft.com/office/drawing/2014/main" id="{807C7073-511B-46BE-8CEC-CAFF15AD79B2}"/>
+                <a16:creationId xmlns:a16="http://schemas.microsoft.com/office/drawing/2014/main" xmlns="" id="{807C7073-511B-46BE-8CEC-CAFF15AD79B2}"/>
               </a:ext>
             </a:extLst>
           </p:cNvPr>
@@ -8678,7 +8551,7 @@
           <p:cNvPr id="13" name="TextBox 12">
             <a:extLst>
               <a:ext uri="{FF2B5EF4-FFF2-40B4-BE49-F238E27FC236}">
-                <a16:creationId xmlns:a16="http://schemas.microsoft.com/office/drawing/2014/main" id="{E056EDE4-8844-4846-B0A1-BE530F4D7466}"/>
+                <a16:creationId xmlns:a16="http://schemas.microsoft.com/office/drawing/2014/main" xmlns="" id="{E056EDE4-8844-4846-B0A1-BE530F4D7466}"/>
               </a:ext>
             </a:extLst>
           </p:cNvPr>
@@ -8720,7 +8593,7 @@
           <p:cNvPr id="14" name="TextBox 13">
             <a:extLst>
               <a:ext uri="{FF2B5EF4-FFF2-40B4-BE49-F238E27FC236}">
-                <a16:creationId xmlns:a16="http://schemas.microsoft.com/office/drawing/2014/main" id="{16109C71-5DB7-418B-ACC6-6B9C83D6F5BB}"/>
+                <a16:creationId xmlns:a16="http://schemas.microsoft.com/office/drawing/2014/main" xmlns="" id="{16109C71-5DB7-418B-ACC6-6B9C83D6F5BB}"/>
               </a:ext>
             </a:extLst>
           </p:cNvPr>
@@ -8770,7 +8643,7 @@
           <p:cNvPr id="15" name="Straight Arrow Connector 14">
             <a:extLst>
               <a:ext uri="{FF2B5EF4-FFF2-40B4-BE49-F238E27FC236}">
-                <a16:creationId xmlns:a16="http://schemas.microsoft.com/office/drawing/2014/main" id="{005BF5B4-EE3E-4309-A841-F9E134AE9FC1}"/>
+                <a16:creationId xmlns:a16="http://schemas.microsoft.com/office/drawing/2014/main" xmlns="" id="{005BF5B4-EE3E-4309-A841-F9E134AE9FC1}"/>
               </a:ext>
             </a:extLst>
           </p:cNvPr>
@@ -8814,7 +8687,7 @@
           <p:cNvPr id="4" name="Freeform: Shape 3">
             <a:extLst>
               <a:ext uri="{FF2B5EF4-FFF2-40B4-BE49-F238E27FC236}">
-                <a16:creationId xmlns:a16="http://schemas.microsoft.com/office/drawing/2014/main" id="{D0BEC306-7EB5-4B09-8E8E-D0C74D8CB22E}"/>
+                <a16:creationId xmlns:a16="http://schemas.microsoft.com/office/drawing/2014/main" xmlns="" id="{D0BEC306-7EB5-4B09-8E8E-D0C74D8CB22E}"/>
               </a:ext>
             </a:extLst>
           </p:cNvPr>
@@ -8967,7 +8840,7 @@
           <p:cNvPr id="11" name="Rectangle 10">
             <a:extLst>
               <a:ext uri="{FF2B5EF4-FFF2-40B4-BE49-F238E27FC236}">
-                <a16:creationId xmlns:a16="http://schemas.microsoft.com/office/drawing/2014/main" id="{9C0FB370-DD8C-4F2B-AF04-E541C7C8FFFB}"/>
+                <a16:creationId xmlns:a16="http://schemas.microsoft.com/office/drawing/2014/main" xmlns="" id="{9C0FB370-DD8C-4F2B-AF04-E541C7C8FFFB}"/>
               </a:ext>
             </a:extLst>
           </p:cNvPr>
@@ -9015,7 +8888,7 @@
           <p:cNvPr id="17" name="Rectangle 16">
             <a:extLst>
               <a:ext uri="{FF2B5EF4-FFF2-40B4-BE49-F238E27FC236}">
-                <a16:creationId xmlns:a16="http://schemas.microsoft.com/office/drawing/2014/main" id="{1291B997-CF72-4B83-8055-5AAA79536704}"/>
+                <a16:creationId xmlns:a16="http://schemas.microsoft.com/office/drawing/2014/main" xmlns="" id="{1291B997-CF72-4B83-8055-5AAA79536704}"/>
               </a:ext>
             </a:extLst>
           </p:cNvPr>
@@ -9065,7 +8938,7 @@
     </p:spTree>
     <p:extLst>
       <p:ext uri="{BB962C8B-B14F-4D97-AF65-F5344CB8AC3E}">
-        <p14:creationId xmlns:p14="http://schemas.microsoft.com/office/powerpoint/2010/main" val="2557757287"/>
+        <p14:creationId xmlns:p14="http://schemas.microsoft.com/office/powerpoint/2010/main" xmlns="" val="2557757287"/>
       </p:ext>
     </p:extLst>
   </p:cSld>
@@ -9226,28 +9099,6 @@
       </p:sp>
       <p:sp>
         <p:nvSpPr>
-          <p:cNvPr id="6" name="Date Placeholder 5"/>
-          <p:cNvSpPr>
-            <a:spLocks noGrp="1"/>
-          </p:cNvSpPr>
-          <p:nvPr>
-            <p:ph type="dt" sz="half" idx="2"/>
-          </p:nvPr>
-        </p:nvSpPr>
-        <p:spPr/>
-        <p:txBody>
-          <a:bodyPr/>
-          <a:lstStyle/>
-          <a:p>
-            <a:r>
-              <a:rPr lang="en-CA" dirty="0"/>
-              <a:t>Winter 2022</a:t>
-            </a:r>
-          </a:p>
-        </p:txBody>
-      </p:sp>
-      <p:sp>
-        <p:nvSpPr>
           <p:cNvPr id="10" name="Footer Placeholder 9"/>
           <p:cNvSpPr>
             <a:spLocks noGrp="1"/>
@@ -9298,7 +9149,7 @@
     </p:spTree>
     <p:extLst>
       <p:ext uri="{BB962C8B-B14F-4D97-AF65-F5344CB8AC3E}">
-        <p14:creationId xmlns:p14="http://schemas.microsoft.com/office/powerpoint/2010/main" val="3365457725"/>
+        <p14:creationId xmlns:p14="http://schemas.microsoft.com/office/powerpoint/2010/main" xmlns="" val="3365457725"/>
       </p:ext>
     </p:extLst>
   </p:cSld>
@@ -9446,28 +9297,6 @@
       </p:sp>
       <p:sp>
         <p:nvSpPr>
-          <p:cNvPr id="6" name="Date Placeholder 5"/>
-          <p:cNvSpPr>
-            <a:spLocks noGrp="1"/>
-          </p:cNvSpPr>
-          <p:nvPr>
-            <p:ph type="dt" sz="half" idx="2"/>
-          </p:nvPr>
-        </p:nvSpPr>
-        <p:spPr/>
-        <p:txBody>
-          <a:bodyPr/>
-          <a:lstStyle/>
-          <a:p>
-            <a:r>
-              <a:rPr lang="en-CA" dirty="0"/>
-              <a:t>Winter 2022</a:t>
-            </a:r>
-          </a:p>
-        </p:txBody>
-      </p:sp>
-      <p:sp>
-        <p:nvSpPr>
           <p:cNvPr id="10" name="Footer Placeholder 9"/>
           <p:cNvSpPr>
             <a:spLocks noGrp="1"/>
@@ -9518,7 +9347,7 @@
     </p:spTree>
     <p:extLst>
       <p:ext uri="{BB962C8B-B14F-4D97-AF65-F5344CB8AC3E}">
-        <p14:creationId xmlns:p14="http://schemas.microsoft.com/office/powerpoint/2010/main" val="2737390811"/>
+        <p14:creationId xmlns:p14="http://schemas.microsoft.com/office/powerpoint/2010/main" xmlns="" val="2737390811"/>
       </p:ext>
     </p:extLst>
   </p:cSld>
@@ -9650,28 +9479,6 @@
       </p:sp>
       <p:sp>
         <p:nvSpPr>
-          <p:cNvPr id="6" name="Date Placeholder 5"/>
-          <p:cNvSpPr>
-            <a:spLocks noGrp="1"/>
-          </p:cNvSpPr>
-          <p:nvPr>
-            <p:ph type="dt" sz="half" idx="2"/>
-          </p:nvPr>
-        </p:nvSpPr>
-        <p:spPr/>
-        <p:txBody>
-          <a:bodyPr/>
-          <a:lstStyle/>
-          <a:p>
-            <a:r>
-              <a:rPr lang="en-CA" dirty="0"/>
-              <a:t>Winter 2022</a:t>
-            </a:r>
-          </a:p>
-        </p:txBody>
-      </p:sp>
-      <p:sp>
-        <p:nvSpPr>
           <p:cNvPr id="10" name="Footer Placeholder 9"/>
           <p:cNvSpPr>
             <a:spLocks noGrp="1"/>
@@ -9722,7 +9529,7 @@
     </p:spTree>
     <p:extLst>
       <p:ext uri="{BB962C8B-B14F-4D97-AF65-F5344CB8AC3E}">
-        <p14:creationId xmlns:p14="http://schemas.microsoft.com/office/powerpoint/2010/main" val="3470026828"/>
+        <p14:creationId xmlns:p14="http://schemas.microsoft.com/office/powerpoint/2010/main" xmlns="" val="3470026828"/>
       </p:ext>
     </p:extLst>
   </p:cSld>
@@ -9912,28 +9719,6 @@
       </p:sp>
       <p:sp>
         <p:nvSpPr>
-          <p:cNvPr id="6" name="Date Placeholder 5"/>
-          <p:cNvSpPr>
-            <a:spLocks noGrp="1"/>
-          </p:cNvSpPr>
-          <p:nvPr>
-            <p:ph type="dt" sz="half" idx="2"/>
-          </p:nvPr>
-        </p:nvSpPr>
-        <p:spPr/>
-        <p:txBody>
-          <a:bodyPr/>
-          <a:lstStyle/>
-          <a:p>
-            <a:r>
-              <a:rPr lang="en-CA" dirty="0"/>
-              <a:t>Winter 2022</a:t>
-            </a:r>
-          </a:p>
-        </p:txBody>
-      </p:sp>
-      <p:sp>
-        <p:nvSpPr>
           <p:cNvPr id="10" name="Footer Placeholder 9"/>
           <p:cNvSpPr>
             <a:spLocks noGrp="1"/>
@@ -9984,7 +9769,7 @@
     </p:spTree>
     <p:extLst>
       <p:ext uri="{BB962C8B-B14F-4D97-AF65-F5344CB8AC3E}">
-        <p14:creationId xmlns:p14="http://schemas.microsoft.com/office/powerpoint/2010/main" val="1157039037"/>
+        <p14:creationId xmlns:p14="http://schemas.microsoft.com/office/powerpoint/2010/main" xmlns="" val="1157039037"/>
       </p:ext>
     </p:extLst>
   </p:cSld>
@@ -10159,28 +9944,6 @@
       </p:sp>
       <p:sp>
         <p:nvSpPr>
-          <p:cNvPr id="6" name="Date Placeholder 5"/>
-          <p:cNvSpPr>
-            <a:spLocks noGrp="1"/>
-          </p:cNvSpPr>
-          <p:nvPr>
-            <p:ph type="dt" sz="half" idx="2"/>
-          </p:nvPr>
-        </p:nvSpPr>
-        <p:spPr/>
-        <p:txBody>
-          <a:bodyPr/>
-          <a:lstStyle/>
-          <a:p>
-            <a:r>
-              <a:rPr lang="en-CA" dirty="0"/>
-              <a:t>Winter 2022</a:t>
-            </a:r>
-          </a:p>
-        </p:txBody>
-      </p:sp>
-      <p:sp>
-        <p:nvSpPr>
           <p:cNvPr id="10" name="Footer Placeholder 9"/>
           <p:cNvSpPr>
             <a:spLocks noGrp="1"/>
@@ -10231,7 +9994,7 @@
     </p:spTree>
     <p:extLst>
       <p:ext uri="{BB962C8B-B14F-4D97-AF65-F5344CB8AC3E}">
-        <p14:creationId xmlns:p14="http://schemas.microsoft.com/office/powerpoint/2010/main" val="3107128514"/>
+        <p14:creationId xmlns:p14="http://schemas.microsoft.com/office/powerpoint/2010/main" xmlns="" val="3107128514"/>
       </p:ext>
     </p:extLst>
   </p:cSld>
@@ -10433,28 +10196,6 @@
       </p:sp>
       <p:sp>
         <p:nvSpPr>
-          <p:cNvPr id="6" name="Date Placeholder 5"/>
-          <p:cNvSpPr>
-            <a:spLocks noGrp="1"/>
-          </p:cNvSpPr>
-          <p:nvPr>
-            <p:ph type="dt" sz="half" idx="2"/>
-          </p:nvPr>
-        </p:nvSpPr>
-        <p:spPr/>
-        <p:txBody>
-          <a:bodyPr/>
-          <a:lstStyle/>
-          <a:p>
-            <a:r>
-              <a:rPr lang="en-CA" dirty="0"/>
-              <a:t>Winter 2022</a:t>
-            </a:r>
-          </a:p>
-        </p:txBody>
-      </p:sp>
-      <p:sp>
-        <p:nvSpPr>
           <p:cNvPr id="10" name="Footer Placeholder 9"/>
           <p:cNvSpPr>
             <a:spLocks noGrp="1"/>
@@ -10505,7 +10246,7 @@
     </p:spTree>
     <p:extLst>
       <p:ext uri="{BB962C8B-B14F-4D97-AF65-F5344CB8AC3E}">
-        <p14:creationId xmlns:p14="http://schemas.microsoft.com/office/powerpoint/2010/main" val="1161006655"/>
+        <p14:creationId xmlns:p14="http://schemas.microsoft.com/office/powerpoint/2010/main" xmlns="" val="1161006655"/>
       </p:ext>
     </p:extLst>
   </p:cSld>
@@ -10624,28 +10365,6 @@
       </p:sp>
       <p:sp>
         <p:nvSpPr>
-          <p:cNvPr id="6" name="Date Placeholder 5"/>
-          <p:cNvSpPr>
-            <a:spLocks noGrp="1"/>
-          </p:cNvSpPr>
-          <p:nvPr>
-            <p:ph type="dt" sz="half" idx="2"/>
-          </p:nvPr>
-        </p:nvSpPr>
-        <p:spPr/>
-        <p:txBody>
-          <a:bodyPr/>
-          <a:lstStyle/>
-          <a:p>
-            <a:r>
-              <a:rPr lang="en-CA" dirty="0"/>
-              <a:t>Winter 2022</a:t>
-            </a:r>
-          </a:p>
-        </p:txBody>
-      </p:sp>
-      <p:sp>
-        <p:nvSpPr>
           <p:cNvPr id="10" name="Footer Placeholder 9"/>
           <p:cNvSpPr>
             <a:spLocks noGrp="1"/>
@@ -10696,7 +10415,7 @@
     </p:spTree>
     <p:extLst>
       <p:ext uri="{BB962C8B-B14F-4D97-AF65-F5344CB8AC3E}">
-        <p14:creationId xmlns:p14="http://schemas.microsoft.com/office/powerpoint/2010/main" val="202686773"/>
+        <p14:creationId xmlns:p14="http://schemas.microsoft.com/office/powerpoint/2010/main" xmlns="" val="202686773"/>
       </p:ext>
     </p:extLst>
   </p:cSld>
@@ -10821,28 +10540,6 @@
       </p:sp>
       <p:sp>
         <p:nvSpPr>
-          <p:cNvPr id="6" name="Date Placeholder 5"/>
-          <p:cNvSpPr>
-            <a:spLocks noGrp="1"/>
-          </p:cNvSpPr>
-          <p:nvPr>
-            <p:ph type="dt" sz="half" idx="2"/>
-          </p:nvPr>
-        </p:nvSpPr>
-        <p:spPr/>
-        <p:txBody>
-          <a:bodyPr/>
-          <a:lstStyle/>
-          <a:p>
-            <a:r>
-              <a:rPr lang="en-CA" dirty="0"/>
-              <a:t>Winter 2022</a:t>
-            </a:r>
-          </a:p>
-        </p:txBody>
-      </p:sp>
-      <p:sp>
-        <p:nvSpPr>
           <p:cNvPr id="10" name="Footer Placeholder 9"/>
           <p:cNvSpPr>
             <a:spLocks noGrp="1"/>
@@ -10893,7 +10590,7 @@
     </p:spTree>
     <p:extLst>
       <p:ext uri="{BB962C8B-B14F-4D97-AF65-F5344CB8AC3E}">
-        <p14:creationId xmlns:p14="http://schemas.microsoft.com/office/powerpoint/2010/main" val="1490306992"/>
+        <p14:creationId xmlns:p14="http://schemas.microsoft.com/office/powerpoint/2010/main" xmlns="" val="1490306992"/>
       </p:ext>
     </p:extLst>
   </p:cSld>
@@ -11080,28 +10777,6 @@
       </p:sp>
       <p:sp>
         <p:nvSpPr>
-          <p:cNvPr id="6" name="Date Placeholder 5"/>
-          <p:cNvSpPr>
-            <a:spLocks noGrp="1"/>
-          </p:cNvSpPr>
-          <p:nvPr>
-            <p:ph type="dt" sz="half" idx="2"/>
-          </p:nvPr>
-        </p:nvSpPr>
-        <p:spPr/>
-        <p:txBody>
-          <a:bodyPr/>
-          <a:lstStyle/>
-          <a:p>
-            <a:r>
-              <a:rPr lang="en-CA" dirty="0"/>
-              <a:t>Winter 2022</a:t>
-            </a:r>
-          </a:p>
-        </p:txBody>
-      </p:sp>
-      <p:sp>
-        <p:nvSpPr>
           <p:cNvPr id="10" name="Footer Placeholder 9"/>
           <p:cNvSpPr>
             <a:spLocks noGrp="1"/>
@@ -11152,7 +10827,7 @@
     </p:spTree>
     <p:extLst>
       <p:ext uri="{BB962C8B-B14F-4D97-AF65-F5344CB8AC3E}">
-        <p14:creationId xmlns:p14="http://schemas.microsoft.com/office/powerpoint/2010/main" val="2609893494"/>
+        <p14:creationId xmlns:p14="http://schemas.microsoft.com/office/powerpoint/2010/main" xmlns="" val="2609893494"/>
       </p:ext>
     </p:extLst>
   </p:cSld>
@@ -11272,28 +10947,6 @@
       </p:sp>
       <p:sp>
         <p:nvSpPr>
-          <p:cNvPr id="6" name="Date Placeholder 5"/>
-          <p:cNvSpPr>
-            <a:spLocks noGrp="1"/>
-          </p:cNvSpPr>
-          <p:nvPr>
-            <p:ph type="dt" sz="half" idx="2"/>
-          </p:nvPr>
-        </p:nvSpPr>
-        <p:spPr/>
-        <p:txBody>
-          <a:bodyPr/>
-          <a:lstStyle/>
-          <a:p>
-            <a:r>
-              <a:rPr lang="en-CA" dirty="0"/>
-              <a:t>Winter 2022</a:t>
-            </a:r>
-          </a:p>
-        </p:txBody>
-      </p:sp>
-      <p:sp>
-        <p:nvSpPr>
           <p:cNvPr id="10" name="Footer Placeholder 9"/>
           <p:cNvSpPr>
             <a:spLocks noGrp="1"/>
@@ -11344,7 +10997,7 @@
     </p:spTree>
     <p:extLst>
       <p:ext uri="{BB962C8B-B14F-4D97-AF65-F5344CB8AC3E}">
-        <p14:creationId xmlns:p14="http://schemas.microsoft.com/office/powerpoint/2010/main" val="2325078793"/>
+        <p14:creationId xmlns:p14="http://schemas.microsoft.com/office/powerpoint/2010/main" xmlns="" val="2325078793"/>
       </p:ext>
     </p:extLst>
   </p:cSld>
@@ -11376,7 +11029,7 @@
           <p:cNvPr id="2" name="Title 1">
             <a:extLst>
               <a:ext uri="{FF2B5EF4-FFF2-40B4-BE49-F238E27FC236}">
-                <a16:creationId xmlns:a16="http://schemas.microsoft.com/office/drawing/2014/main" id="{D3144BBF-69E2-47B3-A5D4-FB03B54F0F96}"/>
+                <a16:creationId xmlns:a16="http://schemas.microsoft.com/office/drawing/2014/main" xmlns="" id="{D3144BBF-69E2-47B3-A5D4-FB03B54F0F96}"/>
               </a:ext>
             </a:extLst>
           </p:cNvPr>
@@ -11404,7 +11057,7 @@
           <p:cNvPr id="3" name="Content Placeholder 2">
             <a:extLst>
               <a:ext uri="{FF2B5EF4-FFF2-40B4-BE49-F238E27FC236}">
-                <a16:creationId xmlns:a16="http://schemas.microsoft.com/office/drawing/2014/main" id="{B981305C-A702-4FE5-A134-6B1E026A73CE}"/>
+                <a16:creationId xmlns:a16="http://schemas.microsoft.com/office/drawing/2014/main" xmlns="" id="{B981305C-A702-4FE5-A134-6B1E026A73CE}"/>
               </a:ext>
             </a:extLst>
           </p:cNvPr>
@@ -11491,68 +11144,10 @@
       </p:sp>
       <p:sp>
         <p:nvSpPr>
-          <p:cNvPr id="4" name="Date Placeholder 3">
-            <a:extLst>
-              <a:ext uri="{FF2B5EF4-FFF2-40B4-BE49-F238E27FC236}">
-                <a16:creationId xmlns:a16="http://schemas.microsoft.com/office/drawing/2014/main" id="{9FB63BE3-115F-452D-8EC4-E541392031DE}"/>
-              </a:ext>
-            </a:extLst>
-          </p:cNvPr>
-          <p:cNvSpPr>
-            <a:spLocks noGrp="1"/>
-          </p:cNvSpPr>
-          <p:nvPr>
-            <p:ph type="dt" sz="half" idx="2"/>
-          </p:nvPr>
-        </p:nvSpPr>
-        <p:spPr/>
-        <p:txBody>
-          <a:bodyPr/>
-          <a:lstStyle/>
-          <a:p>
-            <a:r>
-              <a:rPr lang="en-US"/>
-              <a:t>Fall 2016</a:t>
-            </a:r>
-            <a:endParaRPr lang="en-CA"/>
-          </a:p>
-        </p:txBody>
-      </p:sp>
-      <p:sp>
-        <p:nvSpPr>
-          <p:cNvPr id="5" name="Footer Placeholder 4">
-            <a:extLst>
-              <a:ext uri="{FF2B5EF4-FFF2-40B4-BE49-F238E27FC236}">
-                <a16:creationId xmlns:a16="http://schemas.microsoft.com/office/drawing/2014/main" id="{0677E3BD-4278-4A36-8A80-80663AB63F0D}"/>
-              </a:ext>
-            </a:extLst>
-          </p:cNvPr>
-          <p:cNvSpPr>
-            <a:spLocks noGrp="1"/>
-          </p:cNvSpPr>
-          <p:nvPr>
-            <p:ph type="ftr" sz="quarter" idx="3"/>
-          </p:nvPr>
-        </p:nvSpPr>
-        <p:spPr/>
-        <p:txBody>
-          <a:bodyPr/>
-          <a:lstStyle/>
-          <a:p>
-            <a:r>
-              <a:rPr lang="en-CA"/>
-              <a:t>CS 499: Honors Dissertation</a:t>
-            </a:r>
-            <a:endParaRPr lang="en-CA" dirty="0"/>
-          </a:p>
-        </p:txBody>
-      </p:sp>
-      <p:sp>
-        <p:nvSpPr>
           <p:cNvPr id="6" name="Slide Number Placeholder 5">
             <a:extLst>
               <a:ext uri="{FF2B5EF4-FFF2-40B4-BE49-F238E27FC236}">
-                <a16:creationId xmlns:a16="http://schemas.microsoft.com/office/drawing/2014/main" id="{E0B06360-FB4C-4A3F-AFC2-967508E6478B}"/>
+                <a16:creationId xmlns:a16="http://schemas.microsoft.com/office/drawing/2014/main" xmlns="" id="{E0B06360-FB4C-4A3F-AFC2-967508E6478B}"/>
               </a:ext>
             </a:extLst>
           </p:cNvPr>
@@ -11574,17 +11169,43 @@
               <a:t>25</a:t>
             </a:fld>
             <a:r>
-              <a:rPr lang="en-CA"/>
-              <a:t> / 32</a:t>
-            </a:r>
-            <a:endParaRPr lang="en-CA" dirty="0"/>
+              <a:rPr lang="en-CA" dirty="0"/>
+              <a:t> </a:t>
+            </a:r>
+          </a:p>
+        </p:txBody>
+      </p:sp>
+      <p:sp>
+        <p:nvSpPr>
+          <p:cNvPr id="7" name="Footer Placeholder 9"/>
+          <p:cNvSpPr>
+            <a:spLocks noGrp="1"/>
+          </p:cNvSpPr>
+          <p:nvPr>
+            <p:ph type="ftr" sz="quarter" idx="3"/>
+          </p:nvPr>
+        </p:nvSpPr>
+        <p:spPr>
+          <a:xfrm>
+            <a:off x="52387" y="6573836"/>
+            <a:ext cx="2986087" cy="365125"/>
+          </a:xfrm>
+        </p:spPr>
+        <p:txBody>
+          <a:bodyPr/>
+          <a:lstStyle/>
+          <a:p>
+            <a:r>
+              <a:rPr lang="en-CA" dirty="0"/>
+              <a:t>CS321: Advanced Programming Techniques</a:t>
+            </a:r>
           </a:p>
         </p:txBody>
       </p:sp>
     </p:spTree>
     <p:extLst>
       <p:ext uri="{BB962C8B-B14F-4D97-AF65-F5344CB8AC3E}">
-        <p14:creationId xmlns:p14="http://schemas.microsoft.com/office/powerpoint/2010/main" val="154311472"/>
+        <p14:creationId xmlns:p14="http://schemas.microsoft.com/office/powerpoint/2010/main" xmlns="" val="154311472"/>
       </p:ext>
     </p:extLst>
   </p:cSld>
@@ -11616,7 +11237,7 @@
           <p:cNvPr id="2" name="Title 1">
             <a:extLst>
               <a:ext uri="{FF2B5EF4-FFF2-40B4-BE49-F238E27FC236}">
-                <a16:creationId xmlns:a16="http://schemas.microsoft.com/office/drawing/2014/main" id="{D3144BBF-69E2-47B3-A5D4-FB03B54F0F96}"/>
+                <a16:creationId xmlns:a16="http://schemas.microsoft.com/office/drawing/2014/main" xmlns="" id="{D3144BBF-69E2-47B3-A5D4-FB03B54F0F96}"/>
               </a:ext>
             </a:extLst>
           </p:cNvPr>
@@ -11644,7 +11265,7 @@
           <p:cNvPr id="3" name="Content Placeholder 2">
             <a:extLst>
               <a:ext uri="{FF2B5EF4-FFF2-40B4-BE49-F238E27FC236}">
-                <a16:creationId xmlns:a16="http://schemas.microsoft.com/office/drawing/2014/main" id="{B981305C-A702-4FE5-A134-6B1E026A73CE}"/>
+                <a16:creationId xmlns:a16="http://schemas.microsoft.com/office/drawing/2014/main" xmlns="" id="{B981305C-A702-4FE5-A134-6B1E026A73CE}"/>
               </a:ext>
             </a:extLst>
           </p:cNvPr>
@@ -11731,68 +11352,10 @@
       </p:sp>
       <p:sp>
         <p:nvSpPr>
-          <p:cNvPr id="4" name="Date Placeholder 3">
-            <a:extLst>
-              <a:ext uri="{FF2B5EF4-FFF2-40B4-BE49-F238E27FC236}">
-                <a16:creationId xmlns:a16="http://schemas.microsoft.com/office/drawing/2014/main" id="{9FB63BE3-115F-452D-8EC4-E541392031DE}"/>
-              </a:ext>
-            </a:extLst>
-          </p:cNvPr>
-          <p:cNvSpPr>
-            <a:spLocks noGrp="1"/>
-          </p:cNvSpPr>
-          <p:nvPr>
-            <p:ph type="dt" sz="half" idx="2"/>
-          </p:nvPr>
-        </p:nvSpPr>
-        <p:spPr/>
-        <p:txBody>
-          <a:bodyPr/>
-          <a:lstStyle/>
-          <a:p>
-            <a:r>
-              <a:rPr lang="en-US"/>
-              <a:t>Fall 2016</a:t>
-            </a:r>
-            <a:endParaRPr lang="en-CA"/>
-          </a:p>
-        </p:txBody>
-      </p:sp>
-      <p:sp>
-        <p:nvSpPr>
-          <p:cNvPr id="5" name="Footer Placeholder 4">
-            <a:extLst>
-              <a:ext uri="{FF2B5EF4-FFF2-40B4-BE49-F238E27FC236}">
-                <a16:creationId xmlns:a16="http://schemas.microsoft.com/office/drawing/2014/main" id="{0677E3BD-4278-4A36-8A80-80663AB63F0D}"/>
-              </a:ext>
-            </a:extLst>
-          </p:cNvPr>
-          <p:cNvSpPr>
-            <a:spLocks noGrp="1"/>
-          </p:cNvSpPr>
-          <p:nvPr>
-            <p:ph type="ftr" sz="quarter" idx="3"/>
-          </p:nvPr>
-        </p:nvSpPr>
-        <p:spPr/>
-        <p:txBody>
-          <a:bodyPr/>
-          <a:lstStyle/>
-          <a:p>
-            <a:r>
-              <a:rPr lang="en-CA"/>
-              <a:t>CS 499: Honors Dissertation</a:t>
-            </a:r>
-            <a:endParaRPr lang="en-CA" dirty="0"/>
-          </a:p>
-        </p:txBody>
-      </p:sp>
-      <p:sp>
-        <p:nvSpPr>
           <p:cNvPr id="6" name="Slide Number Placeholder 5">
             <a:extLst>
               <a:ext uri="{FF2B5EF4-FFF2-40B4-BE49-F238E27FC236}">
-                <a16:creationId xmlns:a16="http://schemas.microsoft.com/office/drawing/2014/main" id="{E0B06360-FB4C-4A3F-AFC2-967508E6478B}"/>
+                <a16:creationId xmlns:a16="http://schemas.microsoft.com/office/drawing/2014/main" xmlns="" id="{E0B06360-FB4C-4A3F-AFC2-967508E6478B}"/>
               </a:ext>
             </a:extLst>
           </p:cNvPr>
@@ -11814,17 +11377,43 @@
               <a:t>26</a:t>
             </a:fld>
             <a:r>
-              <a:rPr lang="en-CA"/>
-              <a:t> / 32</a:t>
-            </a:r>
-            <a:endParaRPr lang="en-CA" dirty="0"/>
+              <a:rPr lang="en-CA" dirty="0"/>
+              <a:t> </a:t>
+            </a:r>
+          </a:p>
+        </p:txBody>
+      </p:sp>
+      <p:sp>
+        <p:nvSpPr>
+          <p:cNvPr id="7" name="Footer Placeholder 9"/>
+          <p:cNvSpPr>
+            <a:spLocks noGrp="1"/>
+          </p:cNvSpPr>
+          <p:nvPr>
+            <p:ph type="ftr" sz="quarter" idx="3"/>
+          </p:nvPr>
+        </p:nvSpPr>
+        <p:spPr>
+          <a:xfrm>
+            <a:off x="52387" y="6573836"/>
+            <a:ext cx="2986087" cy="365125"/>
+          </a:xfrm>
+        </p:spPr>
+        <p:txBody>
+          <a:bodyPr/>
+          <a:lstStyle/>
+          <a:p>
+            <a:r>
+              <a:rPr lang="en-CA" dirty="0"/>
+              <a:t>CS321: Advanced Programming Techniques</a:t>
+            </a:r>
           </a:p>
         </p:txBody>
       </p:sp>
     </p:spTree>
     <p:extLst>
       <p:ext uri="{BB962C8B-B14F-4D97-AF65-F5344CB8AC3E}">
-        <p14:creationId xmlns:p14="http://schemas.microsoft.com/office/powerpoint/2010/main" val="697461361"/>
+        <p14:creationId xmlns:p14="http://schemas.microsoft.com/office/powerpoint/2010/main" xmlns="" val="697461361"/>
       </p:ext>
     </p:extLst>
   </p:cSld>
@@ -11856,7 +11445,7 @@
           <p:cNvPr id="2" name="Title 1">
             <a:extLst>
               <a:ext uri="{FF2B5EF4-FFF2-40B4-BE49-F238E27FC236}">
-                <a16:creationId xmlns:a16="http://schemas.microsoft.com/office/drawing/2014/main" id="{0A921011-18FC-475B-B283-A4E0D7C676E2}"/>
+                <a16:creationId xmlns:a16="http://schemas.microsoft.com/office/drawing/2014/main" xmlns="" id="{0A921011-18FC-475B-B283-A4E0D7C676E2}"/>
               </a:ext>
             </a:extLst>
           </p:cNvPr>
@@ -11884,7 +11473,7 @@
           <p:cNvPr id="3" name="Content Placeholder 2">
             <a:extLst>
               <a:ext uri="{FF2B5EF4-FFF2-40B4-BE49-F238E27FC236}">
-                <a16:creationId xmlns:a16="http://schemas.microsoft.com/office/drawing/2014/main" id="{E519EC20-1B41-4FDC-B979-74F142F690A2}"/>
+                <a16:creationId xmlns:a16="http://schemas.microsoft.com/office/drawing/2014/main" xmlns="" id="{E519EC20-1B41-4FDC-B979-74F142F690A2}"/>
               </a:ext>
             </a:extLst>
           </p:cNvPr>
@@ -11935,68 +11524,10 @@
       </p:sp>
       <p:sp>
         <p:nvSpPr>
-          <p:cNvPr id="4" name="Date Placeholder 3">
-            <a:extLst>
-              <a:ext uri="{FF2B5EF4-FFF2-40B4-BE49-F238E27FC236}">
-                <a16:creationId xmlns:a16="http://schemas.microsoft.com/office/drawing/2014/main" id="{1B6B3F29-8166-4EC9-A2E3-8D6AA0713308}"/>
-              </a:ext>
-            </a:extLst>
-          </p:cNvPr>
-          <p:cNvSpPr>
-            <a:spLocks noGrp="1"/>
-          </p:cNvSpPr>
-          <p:nvPr>
-            <p:ph type="dt" sz="half" idx="2"/>
-          </p:nvPr>
-        </p:nvSpPr>
-        <p:spPr/>
-        <p:txBody>
-          <a:bodyPr/>
-          <a:lstStyle/>
-          <a:p>
-            <a:r>
-              <a:rPr lang="en-US"/>
-              <a:t>Fall 2016</a:t>
-            </a:r>
-            <a:endParaRPr lang="en-CA"/>
-          </a:p>
-        </p:txBody>
-      </p:sp>
-      <p:sp>
-        <p:nvSpPr>
-          <p:cNvPr id="5" name="Footer Placeholder 4">
-            <a:extLst>
-              <a:ext uri="{FF2B5EF4-FFF2-40B4-BE49-F238E27FC236}">
-                <a16:creationId xmlns:a16="http://schemas.microsoft.com/office/drawing/2014/main" id="{A31B18EA-94B1-423D-9E2A-A0ACB05FB946}"/>
-              </a:ext>
-            </a:extLst>
-          </p:cNvPr>
-          <p:cNvSpPr>
-            <a:spLocks noGrp="1"/>
-          </p:cNvSpPr>
-          <p:nvPr>
-            <p:ph type="ftr" sz="quarter" idx="3"/>
-          </p:nvPr>
-        </p:nvSpPr>
-        <p:spPr/>
-        <p:txBody>
-          <a:bodyPr/>
-          <a:lstStyle/>
-          <a:p>
-            <a:r>
-              <a:rPr lang="en-CA"/>
-              <a:t>CS 499: Honors Dissertation</a:t>
-            </a:r>
-            <a:endParaRPr lang="en-CA" dirty="0"/>
-          </a:p>
-        </p:txBody>
-      </p:sp>
-      <p:sp>
-        <p:nvSpPr>
           <p:cNvPr id="6" name="Slide Number Placeholder 5">
             <a:extLst>
               <a:ext uri="{FF2B5EF4-FFF2-40B4-BE49-F238E27FC236}">
-                <a16:creationId xmlns:a16="http://schemas.microsoft.com/office/drawing/2014/main" id="{2BFBBD55-E3C1-4C22-8665-BC6CC0B5B10F}"/>
+                <a16:creationId xmlns:a16="http://schemas.microsoft.com/office/drawing/2014/main" xmlns="" id="{2BFBBD55-E3C1-4C22-8665-BC6CC0B5B10F}"/>
               </a:ext>
             </a:extLst>
           </p:cNvPr>
@@ -12018,17 +11549,43 @@
               <a:t>27</a:t>
             </a:fld>
             <a:r>
-              <a:rPr lang="en-CA"/>
-              <a:t> / 32</a:t>
-            </a:r>
-            <a:endParaRPr lang="en-CA" dirty="0"/>
+              <a:rPr lang="en-CA" dirty="0"/>
+              <a:t> </a:t>
+            </a:r>
+          </a:p>
+        </p:txBody>
+      </p:sp>
+      <p:sp>
+        <p:nvSpPr>
+          <p:cNvPr id="7" name="Footer Placeholder 9"/>
+          <p:cNvSpPr>
+            <a:spLocks noGrp="1"/>
+          </p:cNvSpPr>
+          <p:nvPr>
+            <p:ph type="ftr" sz="quarter" idx="3"/>
+          </p:nvPr>
+        </p:nvSpPr>
+        <p:spPr>
+          <a:xfrm>
+            <a:off x="52387" y="6573836"/>
+            <a:ext cx="2986087" cy="365125"/>
+          </a:xfrm>
+        </p:spPr>
+        <p:txBody>
+          <a:bodyPr/>
+          <a:lstStyle/>
+          <a:p>
+            <a:r>
+              <a:rPr lang="en-CA" dirty="0"/>
+              <a:t>CS321: Advanced Programming Techniques</a:t>
+            </a:r>
           </a:p>
         </p:txBody>
       </p:sp>
     </p:spTree>
     <p:extLst>
       <p:ext uri="{BB962C8B-B14F-4D97-AF65-F5344CB8AC3E}">
-        <p14:creationId xmlns:p14="http://schemas.microsoft.com/office/powerpoint/2010/main" val="2701822725"/>
+        <p14:creationId xmlns:p14="http://schemas.microsoft.com/office/powerpoint/2010/main" xmlns="" val="2701822725"/>
       </p:ext>
     </p:extLst>
   </p:cSld>
@@ -12203,28 +11760,6 @@
       </p:sp>
       <p:sp>
         <p:nvSpPr>
-          <p:cNvPr id="6" name="Date Placeholder 5"/>
-          <p:cNvSpPr>
-            <a:spLocks noGrp="1"/>
-          </p:cNvSpPr>
-          <p:nvPr>
-            <p:ph type="dt" sz="half" idx="2"/>
-          </p:nvPr>
-        </p:nvSpPr>
-        <p:spPr/>
-        <p:txBody>
-          <a:bodyPr/>
-          <a:lstStyle/>
-          <a:p>
-            <a:r>
-              <a:rPr lang="en-CA" dirty="0"/>
-              <a:t>Winter 2022</a:t>
-            </a:r>
-          </a:p>
-        </p:txBody>
-      </p:sp>
-      <p:sp>
-        <p:nvSpPr>
           <p:cNvPr id="10" name="Footer Placeholder 9"/>
           <p:cNvSpPr>
             <a:spLocks noGrp="1"/>
@@ -12277,7 +11812,7 @@
           <p:cNvPr id="7" name="Text Box 2">
             <a:extLst>
               <a:ext uri="{FF2B5EF4-FFF2-40B4-BE49-F238E27FC236}">
-                <a16:creationId xmlns:a16="http://schemas.microsoft.com/office/drawing/2014/main" id="{FCE9DDDC-8F7E-44FA-97F1-BF6F02C1B1A8}"/>
+                <a16:creationId xmlns:a16="http://schemas.microsoft.com/office/drawing/2014/main" xmlns="" id="{FCE9DDDC-8F7E-44FA-97F1-BF6F02C1B1A8}"/>
               </a:ext>
             </a:extLst>
           </p:cNvPr>
@@ -12385,7 +11920,7 @@
     </p:spTree>
     <p:extLst>
       <p:ext uri="{BB962C8B-B14F-4D97-AF65-F5344CB8AC3E}">
-        <p14:creationId xmlns:p14="http://schemas.microsoft.com/office/powerpoint/2010/main" val="3854217108"/>
+        <p14:creationId xmlns:p14="http://schemas.microsoft.com/office/powerpoint/2010/main" xmlns="" val="3854217108"/>
       </p:ext>
     </p:extLst>
   </p:cSld>
@@ -12471,28 +12006,6 @@
       </p:sp>
       <p:sp>
         <p:nvSpPr>
-          <p:cNvPr id="6" name="Date Placeholder 5"/>
-          <p:cNvSpPr>
-            <a:spLocks noGrp="1"/>
-          </p:cNvSpPr>
-          <p:nvPr>
-            <p:ph type="dt" sz="half" idx="2"/>
-          </p:nvPr>
-        </p:nvSpPr>
-        <p:spPr/>
-        <p:txBody>
-          <a:bodyPr/>
-          <a:lstStyle/>
-          <a:p>
-            <a:r>
-              <a:rPr lang="en-CA" dirty="0"/>
-              <a:t>Winter 2022</a:t>
-            </a:r>
-          </a:p>
-        </p:txBody>
-      </p:sp>
-      <p:sp>
-        <p:nvSpPr>
           <p:cNvPr id="10" name="Footer Placeholder 9"/>
           <p:cNvSpPr>
             <a:spLocks noGrp="1"/>
@@ -12545,7 +12058,7 @@
           <p:cNvPr id="7" name="Text Box 2">
             <a:extLst>
               <a:ext uri="{FF2B5EF4-FFF2-40B4-BE49-F238E27FC236}">
-                <a16:creationId xmlns:a16="http://schemas.microsoft.com/office/drawing/2014/main" id="{F5F1EF1B-FDCC-44CE-90EB-0CB7313C951B}"/>
+                <a16:creationId xmlns:a16="http://schemas.microsoft.com/office/drawing/2014/main" xmlns="" id="{F5F1EF1B-FDCC-44CE-90EB-0CB7313C951B}"/>
               </a:ext>
             </a:extLst>
           </p:cNvPr>
@@ -12571,7 +12084,7 @@
           <a:effectLst/>
           <a:extLst>
             <a:ext uri="{91240B29-F687-4F45-9708-019B960494DF}">
-              <a14:hiddenLine xmlns:a14="http://schemas.microsoft.com/office/drawing/2010/main" w="9525">
+              <a14:hiddenLine xmlns:a14="http://schemas.microsoft.com/office/drawing/2010/main" xmlns="" w="9525">
                 <a:solidFill>
                   <a:schemeClr val="tx1"/>
                 </a:solidFill>
@@ -12581,7 +12094,7 @@
               </a14:hiddenLine>
             </a:ext>
             <a:ext uri="{AF507438-7753-43E0-B8FC-AC1667EBCBE1}">
-              <a14:hiddenEffects xmlns:a14="http://schemas.microsoft.com/office/drawing/2010/main">
+              <a14:hiddenEffects xmlns:a14="http://schemas.microsoft.com/office/drawing/2010/main" xmlns="">
                 <a:effectLst>
                   <a:outerShdw blurRad="63500" dist="38099" dir="2700000" algn="ctr" rotWithShape="0">
                     <a:schemeClr val="bg2">
@@ -13329,7 +12842,7 @@
     </p:spTree>
     <p:extLst>
       <p:ext uri="{BB962C8B-B14F-4D97-AF65-F5344CB8AC3E}">
-        <p14:creationId xmlns:p14="http://schemas.microsoft.com/office/powerpoint/2010/main" val="2052681984"/>
+        <p14:creationId xmlns:p14="http://schemas.microsoft.com/office/powerpoint/2010/main" xmlns="" val="2052681984"/>
       </p:ext>
     </p:extLst>
   </p:cSld>
@@ -13471,28 +12984,6 @@
       </p:sp>
       <p:sp>
         <p:nvSpPr>
-          <p:cNvPr id="6" name="Date Placeholder 5"/>
-          <p:cNvSpPr>
-            <a:spLocks noGrp="1"/>
-          </p:cNvSpPr>
-          <p:nvPr>
-            <p:ph type="dt" sz="half" idx="2"/>
-          </p:nvPr>
-        </p:nvSpPr>
-        <p:spPr/>
-        <p:txBody>
-          <a:bodyPr/>
-          <a:lstStyle/>
-          <a:p>
-            <a:r>
-              <a:rPr lang="en-CA" dirty="0"/>
-              <a:t>Winter 2022</a:t>
-            </a:r>
-          </a:p>
-        </p:txBody>
-      </p:sp>
-      <p:sp>
-        <p:nvSpPr>
           <p:cNvPr id="10" name="Footer Placeholder 9"/>
           <p:cNvSpPr>
             <a:spLocks noGrp="1"/>
@@ -13543,7 +13034,7 @@
     </p:spTree>
     <p:extLst>
       <p:ext uri="{BB962C8B-B14F-4D97-AF65-F5344CB8AC3E}">
-        <p14:creationId xmlns:p14="http://schemas.microsoft.com/office/powerpoint/2010/main" val="51204498"/>
+        <p14:creationId xmlns:p14="http://schemas.microsoft.com/office/powerpoint/2010/main" xmlns="" val="51204498"/>
       </p:ext>
     </p:extLst>
   </p:cSld>
@@ -13628,28 +13119,6 @@
       </p:sp>
       <p:sp>
         <p:nvSpPr>
-          <p:cNvPr id="6" name="Date Placeholder 5"/>
-          <p:cNvSpPr>
-            <a:spLocks noGrp="1"/>
-          </p:cNvSpPr>
-          <p:nvPr>
-            <p:ph type="dt" sz="half" idx="2"/>
-          </p:nvPr>
-        </p:nvSpPr>
-        <p:spPr/>
-        <p:txBody>
-          <a:bodyPr/>
-          <a:lstStyle/>
-          <a:p>
-            <a:r>
-              <a:rPr lang="en-CA" dirty="0"/>
-              <a:t>Winter 2022</a:t>
-            </a:r>
-          </a:p>
-        </p:txBody>
-      </p:sp>
-      <p:sp>
-        <p:nvSpPr>
           <p:cNvPr id="10" name="Footer Placeholder 9"/>
           <p:cNvSpPr>
             <a:spLocks noGrp="1"/>
@@ -13702,7 +13171,7 @@
           <p:cNvPr id="8" name="Text Box 2">
             <a:extLst>
               <a:ext uri="{FF2B5EF4-FFF2-40B4-BE49-F238E27FC236}">
-                <a16:creationId xmlns:a16="http://schemas.microsoft.com/office/drawing/2014/main" id="{5B1405A6-0C74-4EF0-8929-81614C79A953}"/>
+                <a16:creationId xmlns:a16="http://schemas.microsoft.com/office/drawing/2014/main" xmlns="" id="{5B1405A6-0C74-4EF0-8929-81614C79A953}"/>
               </a:ext>
             </a:extLst>
           </p:cNvPr>
@@ -13728,7 +13197,7 @@
           <a:effectLst/>
           <a:extLst>
             <a:ext uri="{91240B29-F687-4F45-9708-019B960494DF}">
-              <a14:hiddenLine xmlns:a14="http://schemas.microsoft.com/office/drawing/2010/main" w="9525">
+              <a14:hiddenLine xmlns:a14="http://schemas.microsoft.com/office/drawing/2010/main" xmlns="" w="9525">
                 <a:solidFill>
                   <a:schemeClr val="tx1"/>
                 </a:solidFill>
@@ -13738,7 +13207,7 @@
               </a14:hiddenLine>
             </a:ext>
             <a:ext uri="{AF507438-7753-43E0-B8FC-AC1667EBCBE1}">
-              <a14:hiddenEffects xmlns:a14="http://schemas.microsoft.com/office/drawing/2010/main">
+              <a14:hiddenEffects xmlns:a14="http://schemas.microsoft.com/office/drawing/2010/main" xmlns="">
                 <a:effectLst>
                   <a:outerShdw blurRad="63500" dist="38099" dir="2700000" algn="ctr" rotWithShape="0">
                     <a:schemeClr val="bg2">
@@ -13861,7 +13330,7 @@
           <p:cNvPr id="9" name="Text Box 4">
             <a:extLst>
               <a:ext uri="{FF2B5EF4-FFF2-40B4-BE49-F238E27FC236}">
-                <a16:creationId xmlns:a16="http://schemas.microsoft.com/office/drawing/2014/main" id="{CCB8AA77-4B0D-4B6B-82D7-3BA5489CF8EC}"/>
+                <a16:creationId xmlns:a16="http://schemas.microsoft.com/office/drawing/2014/main" xmlns="" id="{CCB8AA77-4B0D-4B6B-82D7-3BA5489CF8EC}"/>
               </a:ext>
             </a:extLst>
           </p:cNvPr>
@@ -13885,14 +13354,14 @@
           <a:effectLst/>
           <a:extLst>
             <a:ext uri="{909E8E84-426E-40DD-AFC4-6F175D3DCCD1}">
-              <a14:hiddenFill xmlns:a14="http://schemas.microsoft.com/office/drawing/2010/main">
+              <a14:hiddenFill xmlns:a14="http://schemas.microsoft.com/office/drawing/2010/main" xmlns="">
                 <a:solidFill>
                   <a:schemeClr val="accent1"/>
                 </a:solidFill>
               </a14:hiddenFill>
             </a:ext>
             <a:ext uri="{91240B29-F687-4F45-9708-019B960494DF}">
-              <a14:hiddenLine xmlns:a14="http://schemas.microsoft.com/office/drawing/2010/main" w="9525">
+              <a14:hiddenLine xmlns:a14="http://schemas.microsoft.com/office/drawing/2010/main" xmlns="" w="9525">
                 <a:solidFill>
                   <a:schemeClr val="tx1"/>
                 </a:solidFill>
@@ -13902,7 +13371,7 @@
               </a14:hiddenLine>
             </a:ext>
             <a:ext uri="{AF507438-7753-43E0-B8FC-AC1667EBCBE1}">
-              <a14:hiddenEffects xmlns:a14="http://schemas.microsoft.com/office/drawing/2010/main">
+              <a14:hiddenEffects xmlns:a14="http://schemas.microsoft.com/office/drawing/2010/main" xmlns="">
                 <a:effectLst>
                   <a:outerShdw blurRad="63500" dist="38099" dir="2700000" algn="ctr" rotWithShape="0">
                     <a:schemeClr val="bg2">
@@ -14101,7 +13570,7 @@
     </p:spTree>
     <p:extLst>
       <p:ext uri="{BB962C8B-B14F-4D97-AF65-F5344CB8AC3E}">
-        <p14:creationId xmlns:p14="http://schemas.microsoft.com/office/powerpoint/2010/main" val="1983291541"/>
+        <p14:creationId xmlns:p14="http://schemas.microsoft.com/office/powerpoint/2010/main" xmlns="" val="1983291541"/>
       </p:ext>
     </p:extLst>
   </p:cSld>
@@ -14133,7 +13602,7 @@
           <p:cNvPr id="2" name="Title 1">
             <a:extLst>
               <a:ext uri="{FF2B5EF4-FFF2-40B4-BE49-F238E27FC236}">
-                <a16:creationId xmlns:a16="http://schemas.microsoft.com/office/drawing/2014/main" id="{0A921011-18FC-475B-B283-A4E0D7C676E2}"/>
+                <a16:creationId xmlns:a16="http://schemas.microsoft.com/office/drawing/2014/main" xmlns="" id="{0A921011-18FC-475B-B283-A4E0D7C676E2}"/>
               </a:ext>
             </a:extLst>
           </p:cNvPr>
@@ -14161,7 +13630,7 @@
           <p:cNvPr id="3" name="Content Placeholder 2">
             <a:extLst>
               <a:ext uri="{FF2B5EF4-FFF2-40B4-BE49-F238E27FC236}">
-                <a16:creationId xmlns:a16="http://schemas.microsoft.com/office/drawing/2014/main" id="{E519EC20-1B41-4FDC-B979-74F142F690A2}"/>
+                <a16:creationId xmlns:a16="http://schemas.microsoft.com/office/drawing/2014/main" xmlns="" id="{E519EC20-1B41-4FDC-B979-74F142F690A2}"/>
               </a:ext>
             </a:extLst>
           </p:cNvPr>
@@ -14209,68 +13678,10 @@
       </p:sp>
       <p:sp>
         <p:nvSpPr>
-          <p:cNvPr id="4" name="Date Placeholder 3">
-            <a:extLst>
-              <a:ext uri="{FF2B5EF4-FFF2-40B4-BE49-F238E27FC236}">
-                <a16:creationId xmlns:a16="http://schemas.microsoft.com/office/drawing/2014/main" id="{1B6B3F29-8166-4EC9-A2E3-8D6AA0713308}"/>
-              </a:ext>
-            </a:extLst>
-          </p:cNvPr>
-          <p:cNvSpPr>
-            <a:spLocks noGrp="1"/>
-          </p:cNvSpPr>
-          <p:nvPr>
-            <p:ph type="dt" sz="half" idx="2"/>
-          </p:nvPr>
-        </p:nvSpPr>
-        <p:spPr/>
-        <p:txBody>
-          <a:bodyPr/>
-          <a:lstStyle/>
-          <a:p>
-            <a:r>
-              <a:rPr lang="en-US"/>
-              <a:t>Fall 2016</a:t>
-            </a:r>
-            <a:endParaRPr lang="en-CA"/>
-          </a:p>
-        </p:txBody>
-      </p:sp>
-      <p:sp>
-        <p:nvSpPr>
-          <p:cNvPr id="5" name="Footer Placeholder 4">
-            <a:extLst>
-              <a:ext uri="{FF2B5EF4-FFF2-40B4-BE49-F238E27FC236}">
-                <a16:creationId xmlns:a16="http://schemas.microsoft.com/office/drawing/2014/main" id="{A31B18EA-94B1-423D-9E2A-A0ACB05FB946}"/>
-              </a:ext>
-            </a:extLst>
-          </p:cNvPr>
-          <p:cNvSpPr>
-            <a:spLocks noGrp="1"/>
-          </p:cNvSpPr>
-          <p:nvPr>
-            <p:ph type="ftr" sz="quarter" idx="3"/>
-          </p:nvPr>
-        </p:nvSpPr>
-        <p:spPr/>
-        <p:txBody>
-          <a:bodyPr/>
-          <a:lstStyle/>
-          <a:p>
-            <a:r>
-              <a:rPr lang="en-CA"/>
-              <a:t>CS 499: Honors Dissertation</a:t>
-            </a:r>
-            <a:endParaRPr lang="en-CA" dirty="0"/>
-          </a:p>
-        </p:txBody>
-      </p:sp>
-      <p:sp>
-        <p:nvSpPr>
           <p:cNvPr id="6" name="Slide Number Placeholder 5">
             <a:extLst>
               <a:ext uri="{FF2B5EF4-FFF2-40B4-BE49-F238E27FC236}">
-                <a16:creationId xmlns:a16="http://schemas.microsoft.com/office/drawing/2014/main" id="{2BFBBD55-E3C1-4C22-8665-BC6CC0B5B10F}"/>
+                <a16:creationId xmlns:a16="http://schemas.microsoft.com/office/drawing/2014/main" xmlns="" id="{2BFBBD55-E3C1-4C22-8665-BC6CC0B5B10F}"/>
               </a:ext>
             </a:extLst>
           </p:cNvPr>
@@ -14299,10 +13710,37 @@
           </a:p>
         </p:txBody>
       </p:sp>
+      <p:sp>
+        <p:nvSpPr>
+          <p:cNvPr id="7" name="Footer Placeholder 9"/>
+          <p:cNvSpPr>
+            <a:spLocks noGrp="1"/>
+          </p:cNvSpPr>
+          <p:nvPr>
+            <p:ph type="ftr" sz="quarter" idx="3"/>
+          </p:nvPr>
+        </p:nvSpPr>
+        <p:spPr>
+          <a:xfrm>
+            <a:off x="52387" y="6573836"/>
+            <a:ext cx="2986087" cy="365125"/>
+          </a:xfrm>
+        </p:spPr>
+        <p:txBody>
+          <a:bodyPr/>
+          <a:lstStyle/>
+          <a:p>
+            <a:r>
+              <a:rPr lang="en-CA" dirty="0"/>
+              <a:t>CS321: Advanced Programming Techniques</a:t>
+            </a:r>
+          </a:p>
+        </p:txBody>
+      </p:sp>
     </p:spTree>
     <p:extLst>
       <p:ext uri="{BB962C8B-B14F-4D97-AF65-F5344CB8AC3E}">
-        <p14:creationId xmlns:p14="http://schemas.microsoft.com/office/powerpoint/2010/main" val="2735913249"/>
+        <p14:creationId xmlns:p14="http://schemas.microsoft.com/office/powerpoint/2010/main" xmlns="" val="2735913249"/>
       </p:ext>
     </p:extLst>
   </p:cSld>
@@ -14513,28 +13951,6 @@
       </p:sp>
       <p:sp>
         <p:nvSpPr>
-          <p:cNvPr id="6" name="Date Placeholder 5"/>
-          <p:cNvSpPr>
-            <a:spLocks noGrp="1"/>
-          </p:cNvSpPr>
-          <p:nvPr>
-            <p:ph type="dt" sz="half" idx="2"/>
-          </p:nvPr>
-        </p:nvSpPr>
-        <p:spPr/>
-        <p:txBody>
-          <a:bodyPr/>
-          <a:lstStyle/>
-          <a:p>
-            <a:r>
-              <a:rPr lang="en-CA" dirty="0"/>
-              <a:t>Winter 2022</a:t>
-            </a:r>
-          </a:p>
-        </p:txBody>
-      </p:sp>
-      <p:sp>
-        <p:nvSpPr>
           <p:cNvPr id="10" name="Footer Placeholder 9"/>
           <p:cNvSpPr>
             <a:spLocks noGrp="1"/>
@@ -14585,7 +14001,7 @@
     </p:spTree>
     <p:extLst>
       <p:ext uri="{BB962C8B-B14F-4D97-AF65-F5344CB8AC3E}">
-        <p14:creationId xmlns:p14="http://schemas.microsoft.com/office/powerpoint/2010/main" val="355146014"/>
+        <p14:creationId xmlns:p14="http://schemas.microsoft.com/office/powerpoint/2010/main" xmlns="" val="355146014"/>
       </p:ext>
     </p:extLst>
   </p:cSld>
@@ -14687,28 +14103,6 @@
       </p:sp>
       <p:sp>
         <p:nvSpPr>
-          <p:cNvPr id="6" name="Date Placeholder 5"/>
-          <p:cNvSpPr>
-            <a:spLocks noGrp="1"/>
-          </p:cNvSpPr>
-          <p:nvPr>
-            <p:ph type="dt" sz="half" idx="2"/>
-          </p:nvPr>
-        </p:nvSpPr>
-        <p:spPr/>
-        <p:txBody>
-          <a:bodyPr/>
-          <a:lstStyle/>
-          <a:p>
-            <a:r>
-              <a:rPr lang="en-CA" dirty="0"/>
-              <a:t>Winter 2022</a:t>
-            </a:r>
-          </a:p>
-        </p:txBody>
-      </p:sp>
-      <p:sp>
-        <p:nvSpPr>
           <p:cNvPr id="10" name="Footer Placeholder 9"/>
           <p:cNvSpPr>
             <a:spLocks noGrp="1"/>
@@ -14759,7 +14153,7 @@
     </p:spTree>
     <p:extLst>
       <p:ext uri="{BB962C8B-B14F-4D97-AF65-F5344CB8AC3E}">
-        <p14:creationId xmlns:p14="http://schemas.microsoft.com/office/powerpoint/2010/main" val="3357882366"/>
+        <p14:creationId xmlns:p14="http://schemas.microsoft.com/office/powerpoint/2010/main" xmlns="" val="3357882366"/>
       </p:ext>
     </p:extLst>
   </p:cSld>
@@ -14882,28 +14276,6 @@
       </p:sp>
       <p:sp>
         <p:nvSpPr>
-          <p:cNvPr id="6" name="Date Placeholder 5"/>
-          <p:cNvSpPr>
-            <a:spLocks noGrp="1"/>
-          </p:cNvSpPr>
-          <p:nvPr>
-            <p:ph type="dt" sz="half" idx="2"/>
-          </p:nvPr>
-        </p:nvSpPr>
-        <p:spPr/>
-        <p:txBody>
-          <a:bodyPr/>
-          <a:lstStyle/>
-          <a:p>
-            <a:r>
-              <a:rPr lang="en-CA" dirty="0"/>
-              <a:t>Winter 2022</a:t>
-            </a:r>
-          </a:p>
-        </p:txBody>
-      </p:sp>
-      <p:sp>
-        <p:nvSpPr>
           <p:cNvPr id="10" name="Footer Placeholder 9"/>
           <p:cNvSpPr>
             <a:spLocks noGrp="1"/>
@@ -14954,7 +14326,7 @@
     </p:spTree>
     <p:extLst>
       <p:ext uri="{BB962C8B-B14F-4D97-AF65-F5344CB8AC3E}">
-        <p14:creationId xmlns:p14="http://schemas.microsoft.com/office/powerpoint/2010/main" val="2425407270"/>
+        <p14:creationId xmlns:p14="http://schemas.microsoft.com/office/powerpoint/2010/main" xmlns="" val="2425407270"/>
       </p:ext>
     </p:extLst>
   </p:cSld>
@@ -15101,28 +14473,6 @@
       </p:sp>
       <p:sp>
         <p:nvSpPr>
-          <p:cNvPr id="6" name="Date Placeholder 5"/>
-          <p:cNvSpPr>
-            <a:spLocks noGrp="1"/>
-          </p:cNvSpPr>
-          <p:nvPr>
-            <p:ph type="dt" sz="half" idx="2"/>
-          </p:nvPr>
-        </p:nvSpPr>
-        <p:spPr/>
-        <p:txBody>
-          <a:bodyPr/>
-          <a:lstStyle/>
-          <a:p>
-            <a:r>
-              <a:rPr lang="en-CA" dirty="0"/>
-              <a:t>Winter 2022</a:t>
-            </a:r>
-          </a:p>
-        </p:txBody>
-      </p:sp>
-      <p:sp>
-        <p:nvSpPr>
           <p:cNvPr id="10" name="Footer Placeholder 9"/>
           <p:cNvSpPr>
             <a:spLocks noGrp="1"/>
@@ -15173,7 +14523,7 @@
     </p:spTree>
     <p:extLst>
       <p:ext uri="{BB962C8B-B14F-4D97-AF65-F5344CB8AC3E}">
-        <p14:creationId xmlns:p14="http://schemas.microsoft.com/office/powerpoint/2010/main" val="839201425"/>
+        <p14:creationId xmlns:p14="http://schemas.microsoft.com/office/powerpoint/2010/main" xmlns="" val="839201425"/>
       </p:ext>
     </p:extLst>
   </p:cSld>
@@ -15274,28 +14624,6 @@
       </p:sp>
       <p:sp>
         <p:nvSpPr>
-          <p:cNvPr id="6" name="Date Placeholder 5"/>
-          <p:cNvSpPr>
-            <a:spLocks noGrp="1"/>
-          </p:cNvSpPr>
-          <p:nvPr>
-            <p:ph type="dt" sz="half" idx="2"/>
-          </p:nvPr>
-        </p:nvSpPr>
-        <p:spPr/>
-        <p:txBody>
-          <a:bodyPr/>
-          <a:lstStyle/>
-          <a:p>
-            <a:r>
-              <a:rPr lang="en-CA" dirty="0"/>
-              <a:t>Winter 2022</a:t>
-            </a:r>
-          </a:p>
-        </p:txBody>
-      </p:sp>
-      <p:sp>
-        <p:nvSpPr>
           <p:cNvPr id="10" name="Footer Placeholder 9"/>
           <p:cNvSpPr>
             <a:spLocks noGrp="1"/>
@@ -15346,7 +14674,7 @@
     </p:spTree>
     <p:extLst>
       <p:ext uri="{BB962C8B-B14F-4D97-AF65-F5344CB8AC3E}">
-        <p14:creationId xmlns:p14="http://schemas.microsoft.com/office/powerpoint/2010/main" val="2336250104"/>
+        <p14:creationId xmlns:p14="http://schemas.microsoft.com/office/powerpoint/2010/main" xmlns="" val="2336250104"/>
       </p:ext>
     </p:extLst>
   </p:cSld>
@@ -15452,28 +14780,6 @@
       </p:sp>
       <p:sp>
         <p:nvSpPr>
-          <p:cNvPr id="6" name="Date Placeholder 5"/>
-          <p:cNvSpPr>
-            <a:spLocks noGrp="1"/>
-          </p:cNvSpPr>
-          <p:nvPr>
-            <p:ph type="dt" sz="half" idx="2"/>
-          </p:nvPr>
-        </p:nvSpPr>
-        <p:spPr/>
-        <p:txBody>
-          <a:bodyPr/>
-          <a:lstStyle/>
-          <a:p>
-            <a:r>
-              <a:rPr lang="en-CA" dirty="0"/>
-              <a:t>Winter 2022</a:t>
-            </a:r>
-          </a:p>
-        </p:txBody>
-      </p:sp>
-      <p:sp>
-        <p:nvSpPr>
           <p:cNvPr id="10" name="Footer Placeholder 9"/>
           <p:cNvSpPr>
             <a:spLocks noGrp="1"/>
@@ -15524,7 +14830,7 @@
     </p:spTree>
     <p:extLst>
       <p:ext uri="{BB962C8B-B14F-4D97-AF65-F5344CB8AC3E}">
-        <p14:creationId xmlns:p14="http://schemas.microsoft.com/office/powerpoint/2010/main" val="51877935"/>
+        <p14:creationId xmlns:p14="http://schemas.microsoft.com/office/powerpoint/2010/main" xmlns="" val="51877935"/>
       </p:ext>
     </p:extLst>
   </p:cSld>
@@ -15655,28 +14961,6 @@
       </p:sp>
       <p:sp>
         <p:nvSpPr>
-          <p:cNvPr id="6" name="Date Placeholder 5"/>
-          <p:cNvSpPr>
-            <a:spLocks noGrp="1"/>
-          </p:cNvSpPr>
-          <p:nvPr>
-            <p:ph type="dt" sz="half" idx="2"/>
-          </p:nvPr>
-        </p:nvSpPr>
-        <p:spPr/>
-        <p:txBody>
-          <a:bodyPr/>
-          <a:lstStyle/>
-          <a:p>
-            <a:r>
-              <a:rPr lang="en-CA" dirty="0"/>
-              <a:t>Winter 2022</a:t>
-            </a:r>
-          </a:p>
-        </p:txBody>
-      </p:sp>
-      <p:sp>
-        <p:nvSpPr>
           <p:cNvPr id="10" name="Footer Placeholder 9"/>
           <p:cNvSpPr>
             <a:spLocks noGrp="1"/>
@@ -15727,7 +15011,7 @@
     </p:spTree>
     <p:extLst>
       <p:ext uri="{BB962C8B-B14F-4D97-AF65-F5344CB8AC3E}">
-        <p14:creationId xmlns:p14="http://schemas.microsoft.com/office/powerpoint/2010/main" val="739683668"/>
+        <p14:creationId xmlns:p14="http://schemas.microsoft.com/office/powerpoint/2010/main" xmlns="" val="739683668"/>
       </p:ext>
     </p:extLst>
   </p:cSld>
@@ -15836,28 +15120,6 @@
       </p:sp>
       <p:sp>
         <p:nvSpPr>
-          <p:cNvPr id="6" name="Date Placeholder 5"/>
-          <p:cNvSpPr>
-            <a:spLocks noGrp="1"/>
-          </p:cNvSpPr>
-          <p:nvPr>
-            <p:ph type="dt" sz="half" idx="2"/>
-          </p:nvPr>
-        </p:nvSpPr>
-        <p:spPr/>
-        <p:txBody>
-          <a:bodyPr/>
-          <a:lstStyle/>
-          <a:p>
-            <a:r>
-              <a:rPr lang="en-CA" dirty="0"/>
-              <a:t>Winter 2022</a:t>
-            </a:r>
-          </a:p>
-        </p:txBody>
-      </p:sp>
-      <p:sp>
-        <p:nvSpPr>
           <p:cNvPr id="10" name="Footer Placeholder 9"/>
           <p:cNvSpPr>
             <a:spLocks noGrp="1"/>
@@ -15908,7 +15170,7 @@
     </p:spTree>
     <p:extLst>
       <p:ext uri="{BB962C8B-B14F-4D97-AF65-F5344CB8AC3E}">
-        <p14:creationId xmlns:p14="http://schemas.microsoft.com/office/powerpoint/2010/main" val="1261194124"/>
+        <p14:creationId xmlns:p14="http://schemas.microsoft.com/office/powerpoint/2010/main" xmlns="" val="1261194124"/>
       </p:ext>
     </p:extLst>
   </p:cSld>
@@ -16025,28 +15287,6 @@
       </p:sp>
       <p:sp>
         <p:nvSpPr>
-          <p:cNvPr id="6" name="Date Placeholder 5"/>
-          <p:cNvSpPr>
-            <a:spLocks noGrp="1"/>
-          </p:cNvSpPr>
-          <p:nvPr>
-            <p:ph type="dt" sz="half" idx="2"/>
-          </p:nvPr>
-        </p:nvSpPr>
-        <p:spPr/>
-        <p:txBody>
-          <a:bodyPr/>
-          <a:lstStyle/>
-          <a:p>
-            <a:r>
-              <a:rPr lang="en-CA" dirty="0"/>
-              <a:t>Winter 2022</a:t>
-            </a:r>
-          </a:p>
-        </p:txBody>
-      </p:sp>
-      <p:sp>
-        <p:nvSpPr>
           <p:cNvPr id="10" name="Footer Placeholder 9"/>
           <p:cNvSpPr>
             <a:spLocks noGrp="1"/>
@@ -16097,7 +15337,7 @@
     </p:spTree>
     <p:extLst>
       <p:ext uri="{BB962C8B-B14F-4D97-AF65-F5344CB8AC3E}">
-        <p14:creationId xmlns:p14="http://schemas.microsoft.com/office/powerpoint/2010/main" val="224240828"/>
+        <p14:creationId xmlns:p14="http://schemas.microsoft.com/office/powerpoint/2010/main" xmlns="" val="224240828"/>
       </p:ext>
     </p:extLst>
   </p:cSld>
@@ -16172,7 +15412,7 @@
         </p:spPr>
         <p:txBody>
           <a:bodyPr>
-            <a:normAutofit/>
+            <a:normAutofit lnSpcReduction="10000"/>
           </a:bodyPr>
           <a:lstStyle/>
           <a:p>
@@ -16539,28 +15779,6 @@
       </p:sp>
       <p:sp>
         <p:nvSpPr>
-          <p:cNvPr id="6" name="Date Placeholder 5"/>
-          <p:cNvSpPr>
-            <a:spLocks noGrp="1"/>
-          </p:cNvSpPr>
-          <p:nvPr>
-            <p:ph type="dt" sz="half" idx="2"/>
-          </p:nvPr>
-        </p:nvSpPr>
-        <p:spPr/>
-        <p:txBody>
-          <a:bodyPr/>
-          <a:lstStyle/>
-          <a:p>
-            <a:r>
-              <a:rPr lang="en-CA" dirty="0"/>
-              <a:t>Winter 2022</a:t>
-            </a:r>
-          </a:p>
-        </p:txBody>
-      </p:sp>
-      <p:sp>
-        <p:nvSpPr>
           <p:cNvPr id="10" name="Footer Placeholder 9"/>
           <p:cNvSpPr>
             <a:spLocks noGrp="1"/>
@@ -16611,7 +15829,7 @@
     </p:spTree>
     <p:extLst>
       <p:ext uri="{BB962C8B-B14F-4D97-AF65-F5344CB8AC3E}">
-        <p14:creationId xmlns:p14="http://schemas.microsoft.com/office/powerpoint/2010/main" val="2928778702"/>
+        <p14:creationId xmlns:p14="http://schemas.microsoft.com/office/powerpoint/2010/main" xmlns="" val="2928778702"/>
       </p:ext>
     </p:extLst>
   </p:cSld>
@@ -16666,28 +15884,6 @@
       </p:sp>
       <p:sp>
         <p:nvSpPr>
-          <p:cNvPr id="6" name="Date Placeholder 5"/>
-          <p:cNvSpPr>
-            <a:spLocks noGrp="1"/>
-          </p:cNvSpPr>
-          <p:nvPr>
-            <p:ph type="dt" sz="half" idx="2"/>
-          </p:nvPr>
-        </p:nvSpPr>
-        <p:spPr/>
-        <p:txBody>
-          <a:bodyPr/>
-          <a:lstStyle/>
-          <a:p>
-            <a:r>
-              <a:rPr lang="en-CA" dirty="0"/>
-              <a:t>Winter 2022</a:t>
-            </a:r>
-          </a:p>
-        </p:txBody>
-      </p:sp>
-      <p:sp>
-        <p:nvSpPr>
           <p:cNvPr id="10" name="Footer Placeholder 9"/>
           <p:cNvSpPr>
             <a:spLocks noGrp="1"/>
@@ -16740,7 +15936,7 @@
           <p:cNvPr id="3" name="Content Placeholder 2">
             <a:extLst>
               <a:ext uri="{FF2B5EF4-FFF2-40B4-BE49-F238E27FC236}">
-                <a16:creationId xmlns:a16="http://schemas.microsoft.com/office/drawing/2014/main" id="{02D9390E-2D69-457A-8A63-8012338D7B7D}"/>
+                <a16:creationId xmlns:a16="http://schemas.microsoft.com/office/drawing/2014/main" xmlns="" id="{02D9390E-2D69-457A-8A63-8012338D7B7D}"/>
               </a:ext>
             </a:extLst>
           </p:cNvPr>
@@ -16771,7 +15967,7 @@
           <p:cNvPr id="7" name="Rectangle 3">
             <a:extLst>
               <a:ext uri="{FF2B5EF4-FFF2-40B4-BE49-F238E27FC236}">
-                <a16:creationId xmlns:a16="http://schemas.microsoft.com/office/drawing/2014/main" id="{FA306D2D-5583-40F8-B92D-FC2433F89369}"/>
+                <a16:creationId xmlns:a16="http://schemas.microsoft.com/office/drawing/2014/main" xmlns="" id="{FA306D2D-5583-40F8-B92D-FC2433F89369}"/>
               </a:ext>
             </a:extLst>
           </p:cNvPr>
@@ -16794,14 +15990,14 @@
           </a:ln>
           <a:extLst>
             <a:ext uri="{909E8E84-426E-40DD-AFC4-6F175D3DCCD1}">
-              <a14:hiddenFill xmlns:a14="http://schemas.microsoft.com/office/drawing/2010/main">
+              <a14:hiddenFill xmlns:a14="http://schemas.microsoft.com/office/drawing/2010/main" xmlns="">
                 <a:solidFill>
                   <a:srgbClr val="FFFFFF"/>
                 </a:solidFill>
               </a14:hiddenFill>
             </a:ext>
             <a:ext uri="{91240B29-F687-4F45-9708-019B960494DF}">
-              <a14:hiddenLine xmlns:a14="http://schemas.microsoft.com/office/drawing/2010/main" w="9525">
+              <a14:hiddenLine xmlns:a14="http://schemas.microsoft.com/office/drawing/2010/main" xmlns="" w="9525">
                 <a:solidFill>
                   <a:srgbClr val="000000"/>
                 </a:solidFill>
@@ -17631,7 +16827,7 @@
           <p:cNvPr id="8" name="Rectangle 4">
             <a:extLst>
               <a:ext uri="{FF2B5EF4-FFF2-40B4-BE49-F238E27FC236}">
-                <a16:creationId xmlns:a16="http://schemas.microsoft.com/office/drawing/2014/main" id="{5AC9BB54-4D92-4420-9C28-A540F9048C51}"/>
+                <a16:creationId xmlns:a16="http://schemas.microsoft.com/office/drawing/2014/main" xmlns="" id="{5AC9BB54-4D92-4420-9C28-A540F9048C51}"/>
               </a:ext>
             </a:extLst>
           </p:cNvPr>
@@ -17659,7 +16855,7 @@
           </a:ln>
           <a:extLst>
             <a:ext uri="{909E8E84-426E-40DD-AFC4-6F175D3DCCD1}">
-              <a14:hiddenFill xmlns:a14="http://schemas.microsoft.com/office/drawing/2010/main">
+              <a14:hiddenFill xmlns:a14="http://schemas.microsoft.com/office/drawing/2010/main" xmlns="">
                 <a:solidFill>
                   <a:srgbClr val="FFFFFF"/>
                 </a:solidFill>
@@ -17864,7 +17060,7 @@
     </p:spTree>
     <p:extLst>
       <p:ext uri="{BB962C8B-B14F-4D97-AF65-F5344CB8AC3E}">
-        <p14:creationId xmlns:p14="http://schemas.microsoft.com/office/powerpoint/2010/main" val="3326900570"/>
+        <p14:creationId xmlns:p14="http://schemas.microsoft.com/office/powerpoint/2010/main" xmlns="" val="3326900570"/>
       </p:ext>
     </p:extLst>
   </p:cSld>
@@ -17919,28 +17115,6 @@
       </p:sp>
       <p:sp>
         <p:nvSpPr>
-          <p:cNvPr id="6" name="Date Placeholder 5"/>
-          <p:cNvSpPr>
-            <a:spLocks noGrp="1"/>
-          </p:cNvSpPr>
-          <p:nvPr>
-            <p:ph type="dt" sz="half" idx="2"/>
-          </p:nvPr>
-        </p:nvSpPr>
-        <p:spPr/>
-        <p:txBody>
-          <a:bodyPr/>
-          <a:lstStyle/>
-          <a:p>
-            <a:r>
-              <a:rPr lang="en-CA" dirty="0"/>
-              <a:t>Winter 2022</a:t>
-            </a:r>
-          </a:p>
-        </p:txBody>
-      </p:sp>
-      <p:sp>
-        <p:nvSpPr>
           <p:cNvPr id="10" name="Footer Placeholder 9"/>
           <p:cNvSpPr>
             <a:spLocks noGrp="1"/>
@@ -17993,7 +17167,7 @@
           <p:cNvPr id="3" name="Content Placeholder 2">
             <a:extLst>
               <a:ext uri="{FF2B5EF4-FFF2-40B4-BE49-F238E27FC236}">
-                <a16:creationId xmlns:a16="http://schemas.microsoft.com/office/drawing/2014/main" id="{02D9390E-2D69-457A-8A63-8012338D7B7D}"/>
+                <a16:creationId xmlns:a16="http://schemas.microsoft.com/office/drawing/2014/main" xmlns="" id="{02D9390E-2D69-457A-8A63-8012338D7B7D}"/>
               </a:ext>
             </a:extLst>
           </p:cNvPr>
@@ -18024,7 +17198,7 @@
           <p:cNvPr id="7" name="Rectangle 3">
             <a:extLst>
               <a:ext uri="{FF2B5EF4-FFF2-40B4-BE49-F238E27FC236}">
-                <a16:creationId xmlns:a16="http://schemas.microsoft.com/office/drawing/2014/main" id="{03CC276D-5B37-4716-AE20-1AA4B3D1DC58}"/>
+                <a16:creationId xmlns:a16="http://schemas.microsoft.com/office/drawing/2014/main" xmlns="" id="{03CC276D-5B37-4716-AE20-1AA4B3D1DC58}"/>
               </a:ext>
             </a:extLst>
           </p:cNvPr>
@@ -18047,14 +17221,14 @@
           </a:ln>
           <a:extLst>
             <a:ext uri="{909E8E84-426E-40DD-AFC4-6F175D3DCCD1}">
-              <a14:hiddenFill xmlns:a14="http://schemas.microsoft.com/office/drawing/2010/main">
+              <a14:hiddenFill xmlns:a14="http://schemas.microsoft.com/office/drawing/2010/main" xmlns="">
                 <a:solidFill>
                   <a:srgbClr val="FFFFFF"/>
                 </a:solidFill>
               </a14:hiddenFill>
             </a:ext>
             <a:ext uri="{91240B29-F687-4F45-9708-019B960494DF}">
-              <a14:hiddenLine xmlns:a14="http://schemas.microsoft.com/office/drawing/2010/main" w="9525">
+              <a14:hiddenLine xmlns:a14="http://schemas.microsoft.com/office/drawing/2010/main" xmlns="" w="9525">
                 <a:solidFill>
                   <a:srgbClr val="000000"/>
                 </a:solidFill>
@@ -18964,7 +18138,7 @@
           <p:cNvPr id="8" name="Rectangle 4">
             <a:extLst>
               <a:ext uri="{FF2B5EF4-FFF2-40B4-BE49-F238E27FC236}">
-                <a16:creationId xmlns:a16="http://schemas.microsoft.com/office/drawing/2014/main" id="{22C667BB-BE1A-4E42-9202-F22A6A773D4C}"/>
+                <a16:creationId xmlns:a16="http://schemas.microsoft.com/office/drawing/2014/main" xmlns="" id="{22C667BB-BE1A-4E42-9202-F22A6A773D4C}"/>
               </a:ext>
             </a:extLst>
           </p:cNvPr>
@@ -18992,7 +18166,7 @@
           </a:ln>
           <a:extLst>
             <a:ext uri="{909E8E84-426E-40DD-AFC4-6F175D3DCCD1}">
-              <a14:hiddenFill xmlns:a14="http://schemas.microsoft.com/office/drawing/2010/main">
+              <a14:hiddenFill xmlns:a14="http://schemas.microsoft.com/office/drawing/2010/main" xmlns="">
                 <a:solidFill>
                   <a:srgbClr val="FFFFFF"/>
                 </a:solidFill>
@@ -19199,7 +18373,7 @@
           <p:cNvPr id="9" name="Rectangle 5">
             <a:extLst>
               <a:ext uri="{FF2B5EF4-FFF2-40B4-BE49-F238E27FC236}">
-                <a16:creationId xmlns:a16="http://schemas.microsoft.com/office/drawing/2014/main" id="{26416BC4-D089-4138-8185-34999288BB74}"/>
+                <a16:creationId xmlns:a16="http://schemas.microsoft.com/office/drawing/2014/main" xmlns="" id="{26416BC4-D089-4138-8185-34999288BB74}"/>
               </a:ext>
             </a:extLst>
           </p:cNvPr>
@@ -19428,7 +18602,7 @@
           <p:cNvPr id="11" name="AutoShape 6">
             <a:extLst>
               <a:ext uri="{FF2B5EF4-FFF2-40B4-BE49-F238E27FC236}">
-                <a16:creationId xmlns:a16="http://schemas.microsoft.com/office/drawing/2014/main" id="{ADBF95C5-E277-4203-9C8D-C04057A6329D}"/>
+                <a16:creationId xmlns:a16="http://schemas.microsoft.com/office/drawing/2014/main" xmlns="" id="{ADBF95C5-E277-4203-9C8D-C04057A6329D}"/>
               </a:ext>
             </a:extLst>
           </p:cNvPr>
@@ -19657,7 +18831,7 @@
     </p:spTree>
     <p:extLst>
       <p:ext uri="{BB962C8B-B14F-4D97-AF65-F5344CB8AC3E}">
-        <p14:creationId xmlns:p14="http://schemas.microsoft.com/office/powerpoint/2010/main" val="151665903"/>
+        <p14:creationId xmlns:p14="http://schemas.microsoft.com/office/powerpoint/2010/main" xmlns="" val="151665903"/>
       </p:ext>
     </p:extLst>
   </p:cSld>
@@ -19809,28 +18983,6 @@
       </p:sp>
       <p:sp>
         <p:nvSpPr>
-          <p:cNvPr id="6" name="Date Placeholder 5"/>
-          <p:cNvSpPr>
-            <a:spLocks noGrp="1"/>
-          </p:cNvSpPr>
-          <p:nvPr>
-            <p:ph type="dt" sz="half" idx="2"/>
-          </p:nvPr>
-        </p:nvSpPr>
-        <p:spPr/>
-        <p:txBody>
-          <a:bodyPr/>
-          <a:lstStyle/>
-          <a:p>
-            <a:r>
-              <a:rPr lang="en-CA" dirty="0"/>
-              <a:t>Winter 2022</a:t>
-            </a:r>
-          </a:p>
-        </p:txBody>
-      </p:sp>
-      <p:sp>
-        <p:nvSpPr>
           <p:cNvPr id="10" name="Footer Placeholder 9"/>
           <p:cNvSpPr>
             <a:spLocks noGrp="1"/>
@@ -19881,7 +19033,7 @@
     </p:spTree>
     <p:extLst>
       <p:ext uri="{BB962C8B-B14F-4D97-AF65-F5344CB8AC3E}">
-        <p14:creationId xmlns:p14="http://schemas.microsoft.com/office/powerpoint/2010/main" val="599512483"/>
+        <p14:creationId xmlns:p14="http://schemas.microsoft.com/office/powerpoint/2010/main" xmlns="" val="599512483"/>
       </p:ext>
     </p:extLst>
   </p:cSld>
@@ -20033,28 +19185,6 @@
       </p:sp>
       <p:sp>
         <p:nvSpPr>
-          <p:cNvPr id="6" name="Date Placeholder 5"/>
-          <p:cNvSpPr>
-            <a:spLocks noGrp="1"/>
-          </p:cNvSpPr>
-          <p:nvPr>
-            <p:ph type="dt" sz="half" idx="2"/>
-          </p:nvPr>
-        </p:nvSpPr>
-        <p:spPr/>
-        <p:txBody>
-          <a:bodyPr/>
-          <a:lstStyle/>
-          <a:p>
-            <a:r>
-              <a:rPr lang="en-CA" dirty="0"/>
-              <a:t>Winter 2022</a:t>
-            </a:r>
-          </a:p>
-        </p:txBody>
-      </p:sp>
-      <p:sp>
-        <p:nvSpPr>
           <p:cNvPr id="10" name="Footer Placeholder 9"/>
           <p:cNvSpPr>
             <a:spLocks noGrp="1"/>
@@ -20105,7 +19235,7 @@
     </p:spTree>
     <p:extLst>
       <p:ext uri="{BB962C8B-B14F-4D97-AF65-F5344CB8AC3E}">
-        <p14:creationId xmlns:p14="http://schemas.microsoft.com/office/powerpoint/2010/main" val="186258679"/>
+        <p14:creationId xmlns:p14="http://schemas.microsoft.com/office/powerpoint/2010/main" xmlns="" val="186258679"/>
       </p:ext>
     </p:extLst>
   </p:cSld>
@@ -20219,28 +19349,6 @@
       </p:sp>
       <p:sp>
         <p:nvSpPr>
-          <p:cNvPr id="6" name="Date Placeholder 5"/>
-          <p:cNvSpPr>
-            <a:spLocks noGrp="1"/>
-          </p:cNvSpPr>
-          <p:nvPr>
-            <p:ph type="dt" sz="half" idx="2"/>
-          </p:nvPr>
-        </p:nvSpPr>
-        <p:spPr/>
-        <p:txBody>
-          <a:bodyPr/>
-          <a:lstStyle/>
-          <a:p>
-            <a:r>
-              <a:rPr lang="en-CA" dirty="0"/>
-              <a:t>Winter 2022</a:t>
-            </a:r>
-          </a:p>
-        </p:txBody>
-      </p:sp>
-      <p:sp>
-        <p:nvSpPr>
           <p:cNvPr id="10" name="Footer Placeholder 9"/>
           <p:cNvSpPr>
             <a:spLocks noGrp="1"/>
@@ -20291,7 +19399,7 @@
     </p:spTree>
     <p:extLst>
       <p:ext uri="{BB962C8B-B14F-4D97-AF65-F5344CB8AC3E}">
-        <p14:creationId xmlns:p14="http://schemas.microsoft.com/office/powerpoint/2010/main" val="1244983263"/>
+        <p14:creationId xmlns:p14="http://schemas.microsoft.com/office/powerpoint/2010/main" xmlns="" val="1244983263"/>
       </p:ext>
     </p:extLst>
   </p:cSld>
@@ -20405,28 +19513,6 @@
       </p:sp>
       <p:sp>
         <p:nvSpPr>
-          <p:cNvPr id="6" name="Date Placeholder 5"/>
-          <p:cNvSpPr>
-            <a:spLocks noGrp="1"/>
-          </p:cNvSpPr>
-          <p:nvPr>
-            <p:ph type="dt" sz="half" idx="2"/>
-          </p:nvPr>
-        </p:nvSpPr>
-        <p:spPr/>
-        <p:txBody>
-          <a:bodyPr/>
-          <a:lstStyle/>
-          <a:p>
-            <a:r>
-              <a:rPr lang="en-CA" dirty="0"/>
-              <a:t>Winter 2022</a:t>
-            </a:r>
-          </a:p>
-        </p:txBody>
-      </p:sp>
-      <p:sp>
-        <p:nvSpPr>
           <p:cNvPr id="10" name="Footer Placeholder 9"/>
           <p:cNvSpPr>
             <a:spLocks noGrp="1"/>
@@ -20477,7 +19563,7 @@
     </p:spTree>
     <p:extLst>
       <p:ext uri="{BB962C8B-B14F-4D97-AF65-F5344CB8AC3E}">
-        <p14:creationId xmlns:p14="http://schemas.microsoft.com/office/powerpoint/2010/main" val="1819476712"/>
+        <p14:creationId xmlns:p14="http://schemas.microsoft.com/office/powerpoint/2010/main" xmlns="" val="1819476712"/>
       </p:ext>
     </p:extLst>
   </p:cSld>
@@ -20560,28 +19646,6 @@
       </p:sp>
       <p:sp>
         <p:nvSpPr>
-          <p:cNvPr id="6" name="Date Placeholder 5"/>
-          <p:cNvSpPr>
-            <a:spLocks noGrp="1"/>
-          </p:cNvSpPr>
-          <p:nvPr>
-            <p:ph type="dt" sz="half" idx="2"/>
-          </p:nvPr>
-        </p:nvSpPr>
-        <p:spPr/>
-        <p:txBody>
-          <a:bodyPr/>
-          <a:lstStyle/>
-          <a:p>
-            <a:r>
-              <a:rPr lang="en-CA" dirty="0"/>
-              <a:t>Winter 2022</a:t>
-            </a:r>
-          </a:p>
-        </p:txBody>
-      </p:sp>
-      <p:sp>
-        <p:nvSpPr>
           <p:cNvPr id="10" name="Footer Placeholder 9"/>
           <p:cNvSpPr>
             <a:spLocks noGrp="1"/>
@@ -20634,7 +19698,7 @@
           <p:cNvPr id="5" name="Picture 4">
             <a:extLst>
               <a:ext uri="{FF2B5EF4-FFF2-40B4-BE49-F238E27FC236}">
-                <a16:creationId xmlns:a16="http://schemas.microsoft.com/office/drawing/2014/main" id="{803B4936-45A2-413F-AB8F-8C23C7A392C9}"/>
+                <a16:creationId xmlns:a16="http://schemas.microsoft.com/office/drawing/2014/main" xmlns="" id="{803B4936-45A2-413F-AB8F-8C23C7A392C9}"/>
               </a:ext>
             </a:extLst>
           </p:cNvPr>
@@ -20644,13 +19708,13 @@
           <p:nvPr/>
         </p:nvPicPr>
         <p:blipFill>
-          <a:blip r:embed="rId2">
+          <a:blip r:embed="rId2" cstate="print">
             <a:extLst>
               <a:ext uri="{28A0092B-C50C-407E-A947-70E740481C1C}">
-                <a14:useLocalDpi xmlns:a14="http://schemas.microsoft.com/office/drawing/2010/main" val="0"/>
+                <a14:useLocalDpi xmlns:a14="http://schemas.microsoft.com/office/drawing/2010/main" xmlns="" val="0"/>
               </a:ext>
               <a:ext uri="{837473B0-CC2E-450A-ABE3-18F120FF3D39}">
-                <a1611:picAttrSrcUrl xmlns:a1611="http://schemas.microsoft.com/office/drawing/2016/11/main" r:id="rId3"/>
+                <a1611:picAttrSrcUrl xmlns:a1611="http://schemas.microsoft.com/office/drawing/2016/11/main" xmlns="" r:id="rId3"/>
               </a:ext>
             </a:extLst>
           </a:blip>
@@ -20673,7 +19737,7 @@
           <p:cNvPr id="13" name="Picture 12">
             <a:extLst>
               <a:ext uri="{FF2B5EF4-FFF2-40B4-BE49-F238E27FC236}">
-                <a16:creationId xmlns:a16="http://schemas.microsoft.com/office/drawing/2014/main" id="{27FEF2F8-9EEA-48B5-B21F-E3999BCF99AB}"/>
+                <a16:creationId xmlns:a16="http://schemas.microsoft.com/office/drawing/2014/main" xmlns="" id="{27FEF2F8-9EEA-48B5-B21F-E3999BCF99AB}"/>
               </a:ext>
             </a:extLst>
           </p:cNvPr>
@@ -20683,13 +19747,13 @@
           <p:nvPr/>
         </p:nvPicPr>
         <p:blipFill>
-          <a:blip r:embed="rId4">
+          <a:blip r:embed="rId4" cstate="print">
             <a:extLst>
               <a:ext uri="{28A0092B-C50C-407E-A947-70E740481C1C}">
-                <a14:useLocalDpi xmlns:a14="http://schemas.microsoft.com/office/drawing/2010/main" val="0"/>
+                <a14:useLocalDpi xmlns:a14="http://schemas.microsoft.com/office/drawing/2010/main" xmlns="" val="0"/>
               </a:ext>
               <a:ext uri="{837473B0-CC2E-450A-ABE3-18F120FF3D39}">
-                <a1611:picAttrSrcUrl xmlns:a1611="http://schemas.microsoft.com/office/drawing/2016/11/main" r:id="rId5"/>
+                <a1611:picAttrSrcUrl xmlns:a1611="http://schemas.microsoft.com/office/drawing/2016/11/main" xmlns="" r:id="rId5"/>
               </a:ext>
             </a:extLst>
           </a:blip>
@@ -20712,7 +19776,7 @@
           <p:cNvPr id="15" name="Picture 14">
             <a:extLst>
               <a:ext uri="{FF2B5EF4-FFF2-40B4-BE49-F238E27FC236}">
-                <a16:creationId xmlns:a16="http://schemas.microsoft.com/office/drawing/2014/main" id="{61C04142-3366-49EB-9FEC-88FF5368D17D}"/>
+                <a16:creationId xmlns:a16="http://schemas.microsoft.com/office/drawing/2014/main" xmlns="" id="{61C04142-3366-49EB-9FEC-88FF5368D17D}"/>
               </a:ext>
             </a:extLst>
           </p:cNvPr>
@@ -20722,13 +19786,13 @@
           <p:nvPr/>
         </p:nvPicPr>
         <p:blipFill>
-          <a:blip r:embed="rId6">
+          <a:blip r:embed="rId6" cstate="print">
             <a:extLst>
               <a:ext uri="{28A0092B-C50C-407E-A947-70E740481C1C}">
-                <a14:useLocalDpi xmlns:a14="http://schemas.microsoft.com/office/drawing/2010/main" val="0"/>
+                <a14:useLocalDpi xmlns:a14="http://schemas.microsoft.com/office/drawing/2010/main" xmlns="" val="0"/>
               </a:ext>
               <a:ext uri="{837473B0-CC2E-450A-ABE3-18F120FF3D39}">
-                <a1611:picAttrSrcUrl xmlns:a1611="http://schemas.microsoft.com/office/drawing/2016/11/main" r:id="rId7"/>
+                <a1611:picAttrSrcUrl xmlns:a1611="http://schemas.microsoft.com/office/drawing/2016/11/main" xmlns="" r:id="rId7"/>
               </a:ext>
             </a:extLst>
           </a:blip>
@@ -20749,7 +19813,7 @@
     </p:spTree>
     <p:extLst>
       <p:ext uri="{BB962C8B-B14F-4D97-AF65-F5344CB8AC3E}">
-        <p14:creationId xmlns:p14="http://schemas.microsoft.com/office/powerpoint/2010/main" val="793235412"/>
+        <p14:creationId xmlns:p14="http://schemas.microsoft.com/office/powerpoint/2010/main" xmlns="" val="793235412"/>
       </p:ext>
     </p:extLst>
   </p:cSld>
@@ -20802,7 +19866,7 @@
     </a:clrScheme>
     <a:fontScheme name="Office">
       <a:majorFont>
-        <a:latin typeface="Calibri Light" panose="020F0302020204030204"/>
+        <a:latin typeface="Calibri Light"/>
         <a:ea typeface=""/>
         <a:cs typeface=""/>
         <a:font script="Jpan" typeface="游ゴシック Light"/>
@@ -20854,7 +19918,7 @@
         <a:font script="Tfng" typeface="Ebrima"/>
       </a:majorFont>
       <a:minorFont>
-        <a:latin typeface="Calibri" panose="020F0502020204030204"/>
+        <a:latin typeface="Calibri"/>
         <a:ea typeface=""/>
         <a:cs typeface=""/>
         <a:font script="Jpan" typeface="游ゴシック"/>
@@ -21048,7 +20112,7 @@
   <a:extraClrSchemeLst/>
   <a:extLst>
     <a:ext uri="{05A4C25C-085E-4340-85A3-A5531E510DB2}">
-      <thm15:themeFamily xmlns:thm15="http://schemas.microsoft.com/office/thememl/2012/main" name="eye_tracker_presentation" id="{00ED1D97-A04B-46A0-BB71-88655A6B057F}" vid="{F36189FA-3966-4852-951E-5734674D1C7B}"/>
+      <thm15:themeFamily xmlns:thm15="http://schemas.microsoft.com/office/thememl/2012/main" xmlns="" name="eye_tracker_presentation" id="{00ED1D97-A04B-46A0-BB71-88655A6B057F}" vid="{F36189FA-3966-4852-951E-5734674D1C7B}"/>
     </a:ext>
   </a:extLst>
 </a:theme>
@@ -21097,7 +20161,7 @@
     </a:clrScheme>
     <a:fontScheme name="Office">
       <a:majorFont>
-        <a:latin typeface="Calibri Light" panose="020F0302020204030204"/>
+        <a:latin typeface="Calibri Light"/>
         <a:ea typeface=""/>
         <a:cs typeface=""/>
         <a:font script="Jpan" typeface="游ゴシック Light"/>
@@ -21149,7 +20213,7 @@
         <a:font script="Tfng" typeface="Ebrima"/>
       </a:majorFont>
       <a:minorFont>
-        <a:latin typeface="Calibri" panose="020F0502020204030204"/>
+        <a:latin typeface="Calibri"/>
         <a:ea typeface=""/>
         <a:cs typeface=""/>
         <a:font script="Jpan" typeface="游ゴシック"/>
@@ -21343,7 +20407,7 @@
   <a:extraClrSchemeLst/>
   <a:extLst>
     <a:ext uri="{05A4C25C-085E-4340-85A3-A5531E510DB2}">
-      <thm15:themeFamily xmlns:thm15="http://schemas.microsoft.com/office/thememl/2012/main" name="Office Theme" id="{62F939B6-93AF-4DB8-9C6B-D6C7DFDC589F}" vid="{4A3C46E8-61CC-4603-A589-7422A47A8E4A}"/>
+      <thm15:themeFamily xmlns:thm15="http://schemas.microsoft.com/office/thememl/2012/main" xmlns="" name="Office Theme" id="{62F939B6-93AF-4DB8-9C6B-D6C7DFDC589F}" vid="{4A3C46E8-61CC-4603-A589-7422A47A8E4A}"/>
     </a:ext>
   </a:extLst>
 </a:theme>

--- a/bishops/cs321/resources/CS321_Lecture_12.pptx
+++ b/bishops/cs321/resources/CS321_Lecture_12.pptx
@@ -5,7 +5,7 @@
     <p:sldMasterId id="2147483648" r:id="rId1"/>
   </p:sldMasterIdLst>
   <p:notesMasterIdLst>
-    <p:notesMasterId r:id="rId44"/>
+    <p:notesMasterId r:id="rId42"/>
   </p:notesMasterIdLst>
   <p:sldIdLst>
     <p:sldId id="256" r:id="rId2"/>
@@ -13,43 +13,41 @@
     <p:sldId id="259" r:id="rId4"/>
     <p:sldId id="327" r:id="rId5"/>
     <p:sldId id="330" r:id="rId6"/>
-    <p:sldId id="332" r:id="rId7"/>
-    <p:sldId id="333" r:id="rId8"/>
-    <p:sldId id="334" r:id="rId9"/>
-    <p:sldId id="280" r:id="rId10"/>
-    <p:sldId id="281" r:id="rId11"/>
-    <p:sldId id="295" r:id="rId12"/>
-    <p:sldId id="283" r:id="rId13"/>
-    <p:sldId id="288" r:id="rId14"/>
-    <p:sldId id="284" r:id="rId15"/>
-    <p:sldId id="285" r:id="rId16"/>
-    <p:sldId id="335" r:id="rId17"/>
-    <p:sldId id="339" r:id="rId18"/>
-    <p:sldId id="336" r:id="rId19"/>
-    <p:sldId id="337" r:id="rId20"/>
-    <p:sldId id="338" r:id="rId21"/>
-    <p:sldId id="340" r:id="rId22"/>
-    <p:sldId id="341" r:id="rId23"/>
-    <p:sldId id="282" r:id="rId24"/>
-    <p:sldId id="309" r:id="rId25"/>
-    <p:sldId id="311" r:id="rId26"/>
-    <p:sldId id="343" r:id="rId27"/>
-    <p:sldId id="342" r:id="rId28"/>
-    <p:sldId id="268" r:id="rId29"/>
-    <p:sldId id="269" r:id="rId30"/>
-    <p:sldId id="270" r:id="rId31"/>
-    <p:sldId id="344" r:id="rId32"/>
-    <p:sldId id="260" r:id="rId33"/>
-    <p:sldId id="261" r:id="rId34"/>
-    <p:sldId id="265" r:id="rId35"/>
-    <p:sldId id="326" r:id="rId36"/>
-    <p:sldId id="328" r:id="rId37"/>
-    <p:sldId id="345" r:id="rId38"/>
-    <p:sldId id="329" r:id="rId39"/>
-    <p:sldId id="346" r:id="rId40"/>
-    <p:sldId id="297" r:id="rId41"/>
-    <p:sldId id="323" r:id="rId42"/>
-    <p:sldId id="325" r:id="rId43"/>
+    <p:sldId id="333" r:id="rId7"/>
+    <p:sldId id="334" r:id="rId8"/>
+    <p:sldId id="280" r:id="rId9"/>
+    <p:sldId id="281" r:id="rId10"/>
+    <p:sldId id="295" r:id="rId11"/>
+    <p:sldId id="283" r:id="rId12"/>
+    <p:sldId id="288" r:id="rId13"/>
+    <p:sldId id="284" r:id="rId14"/>
+    <p:sldId id="285" r:id="rId15"/>
+    <p:sldId id="335" r:id="rId16"/>
+    <p:sldId id="339" r:id="rId17"/>
+    <p:sldId id="336" r:id="rId18"/>
+    <p:sldId id="337" r:id="rId19"/>
+    <p:sldId id="338" r:id="rId20"/>
+    <p:sldId id="340" r:id="rId21"/>
+    <p:sldId id="341" r:id="rId22"/>
+    <p:sldId id="282" r:id="rId23"/>
+    <p:sldId id="309" r:id="rId24"/>
+    <p:sldId id="311" r:id="rId25"/>
+    <p:sldId id="342" r:id="rId26"/>
+    <p:sldId id="268" r:id="rId27"/>
+    <p:sldId id="269" r:id="rId28"/>
+    <p:sldId id="270" r:id="rId29"/>
+    <p:sldId id="344" r:id="rId30"/>
+    <p:sldId id="260" r:id="rId31"/>
+    <p:sldId id="261" r:id="rId32"/>
+    <p:sldId id="265" r:id="rId33"/>
+    <p:sldId id="326" r:id="rId34"/>
+    <p:sldId id="328" r:id="rId35"/>
+    <p:sldId id="345" r:id="rId36"/>
+    <p:sldId id="329" r:id="rId37"/>
+    <p:sldId id="346" r:id="rId38"/>
+    <p:sldId id="297" r:id="rId39"/>
+    <p:sldId id="323" r:id="rId40"/>
+    <p:sldId id="325" r:id="rId41"/>
   </p:sldIdLst>
   <p:sldSz cx="12192000" cy="6858000"/>
   <p:notesSz cx="6858000" cy="9144000"/>
@@ -251,7 +249,7 @@
             <a:fld id="{A6583E9D-07AB-4C6D-BFD0-47E805C6B3D4}" type="datetimeFigureOut">
               <a:rPr lang="en-CA" smtClean="0"/>
               <a:pPr/>
-              <a:t>2024-02-24</a:t>
+              <a:t>2024-02-26</a:t>
             </a:fld>
             <a:endParaRPr lang="en-CA"/>
           </a:p>
@@ -671,7 +669,7 @@
             <a:fld id="{8F20841C-25C9-4C0C-A7FA-C4A363D14F5A}" type="slidenum">
               <a:rPr lang="en-CA" smtClean="0"/>
               <a:pPr/>
-              <a:t>19</a:t>
+              <a:t>18</a:t>
             </a:fld>
             <a:endParaRPr lang="en-CA"/>
           </a:p>
@@ -3724,1673 +3722,6 @@
           <a:chExt cx="0" cy="0"/>
         </a:xfrm>
       </p:grpSpPr>
-      <p:sp>
-        <p:nvSpPr>
-          <p:cNvPr id="2" name="Title 1"/>
-          <p:cNvSpPr>
-            <a:spLocks noGrp="1"/>
-          </p:cNvSpPr>
-          <p:nvPr>
-            <p:ph type="title"/>
-          </p:nvPr>
-        </p:nvSpPr>
-        <p:spPr/>
-        <p:txBody>
-          <a:bodyPr/>
-          <a:lstStyle/>
-          <a:p>
-            <a:r>
-              <a:rPr lang="en-CA" dirty="0"/>
-              <a:t>Objects</a:t>
-            </a:r>
-          </a:p>
-        </p:txBody>
-      </p:sp>
-      <p:sp>
-        <p:nvSpPr>
-          <p:cNvPr id="3" name="Content Placeholder 2"/>
-          <p:cNvSpPr>
-            <a:spLocks noGrp="1"/>
-          </p:cNvSpPr>
-          <p:nvPr>
-            <p:ph idx="1"/>
-          </p:nvPr>
-        </p:nvSpPr>
-        <p:spPr>
-          <a:xfrm>
-            <a:off x="640874" y="1168401"/>
-            <a:ext cx="10515600" cy="5045586"/>
-          </a:xfrm>
-        </p:spPr>
-        <p:txBody>
-          <a:bodyPr>
-            <a:normAutofit/>
-          </a:bodyPr>
-          <a:lstStyle/>
-          <a:p>
-            <a:pPr marL="0" indent="0">
-              <a:buNone/>
-            </a:pPr>
-            <a:r>
-              <a:rPr lang="en-US" dirty="0"/>
-              <a:t> </a:t>
-            </a:r>
-          </a:p>
-        </p:txBody>
-      </p:sp>
-      <p:sp>
-        <p:nvSpPr>
-          <p:cNvPr id="10" name="Footer Placeholder 9"/>
-          <p:cNvSpPr>
-            <a:spLocks noGrp="1"/>
-          </p:cNvSpPr>
-          <p:nvPr>
-            <p:ph type="ftr" sz="quarter" idx="3"/>
-          </p:nvPr>
-        </p:nvSpPr>
-        <p:spPr/>
-        <p:txBody>
-          <a:bodyPr/>
-          <a:lstStyle/>
-          <a:p>
-            <a:r>
-              <a:rPr lang="en-CA" dirty="0"/>
-              <a:t>CS321: Advanced Programming Techniques</a:t>
-            </a:r>
-          </a:p>
-        </p:txBody>
-      </p:sp>
-      <p:sp>
-        <p:nvSpPr>
-          <p:cNvPr id="12" name="Slide Number Placeholder 11"/>
-          <p:cNvSpPr>
-            <a:spLocks noGrp="1"/>
-          </p:cNvSpPr>
-          <p:nvPr>
-            <p:ph type="sldNum" sz="quarter" idx="4"/>
-          </p:nvPr>
-        </p:nvSpPr>
-        <p:spPr/>
-        <p:txBody>
-          <a:bodyPr/>
-          <a:lstStyle/>
-          <a:p>
-            <a:fld id="{5174927E-2439-42C0-9720-7BBCA09BF46F}" type="slidenum">
-              <a:rPr lang="en-CA" smtClean="0"/>
-              <a:pPr/>
-              <a:t>10</a:t>
-            </a:fld>
-            <a:r>
-              <a:rPr lang="en-CA" dirty="0"/>
-              <a:t> </a:t>
-            </a:r>
-          </a:p>
-        </p:txBody>
-      </p:sp>
-      <p:pic>
-        <p:nvPicPr>
-          <p:cNvPr id="15" name="Picture 14">
-            <a:extLst>
-              <a:ext uri="{FF2B5EF4-FFF2-40B4-BE49-F238E27FC236}">
-                <a16:creationId xmlns:a16="http://schemas.microsoft.com/office/drawing/2014/main" xmlns="" id="{61C04142-3366-49EB-9FEC-88FF5368D17D}"/>
-              </a:ext>
-            </a:extLst>
-          </p:cNvPr>
-          <p:cNvPicPr>
-            <a:picLocks noChangeAspect="1"/>
-          </p:cNvPicPr>
-          <p:nvPr/>
-        </p:nvPicPr>
-        <p:blipFill>
-          <a:blip r:embed="rId2" cstate="print">
-            <a:extLst>
-              <a:ext uri="{28A0092B-C50C-407E-A947-70E740481C1C}">
-                <a14:useLocalDpi xmlns:a14="http://schemas.microsoft.com/office/drawing/2010/main" xmlns="" val="0"/>
-              </a:ext>
-              <a:ext uri="{837473B0-CC2E-450A-ABE3-18F120FF3D39}">
-                <a1611:picAttrSrcUrl xmlns:a1611="http://schemas.microsoft.com/office/drawing/2016/11/main" xmlns="" r:id="rId3"/>
-              </a:ext>
-            </a:extLst>
-          </a:blip>
-          <a:stretch>
-            <a:fillRect/>
-          </a:stretch>
-        </p:blipFill>
-        <p:spPr>
-          <a:xfrm>
-            <a:off x="492300" y="2493964"/>
-            <a:ext cx="2802194" cy="1707587"/>
-          </a:xfrm>
-          <a:prstGeom prst="rect">
-            <a:avLst/>
-          </a:prstGeom>
-        </p:spPr>
-      </p:pic>
-      <p:sp>
-        <p:nvSpPr>
-          <p:cNvPr id="4" name="TextBox 3">
-            <a:extLst>
-              <a:ext uri="{FF2B5EF4-FFF2-40B4-BE49-F238E27FC236}">
-                <a16:creationId xmlns:a16="http://schemas.microsoft.com/office/drawing/2014/main" xmlns="" id="{065F8F52-C484-420F-8838-9BA9EB24F06F}"/>
-              </a:ext>
-            </a:extLst>
-          </p:cNvPr>
-          <p:cNvSpPr txBox="1"/>
-          <p:nvPr/>
-        </p:nvSpPr>
-        <p:spPr>
-          <a:xfrm>
-            <a:off x="4100053" y="4709339"/>
-            <a:ext cx="825908" cy="369332"/>
-          </a:xfrm>
-          <a:prstGeom prst="rect">
-            <a:avLst/>
-          </a:prstGeom>
-          <a:noFill/>
-        </p:spPr>
-        <p:txBody>
-          <a:bodyPr wrap="square" rtlCol="0">
-            <a:spAutoFit/>
-          </a:bodyPr>
-          <a:lstStyle/>
-          <a:p>
-            <a:r>
-              <a:rPr lang="en-CA" dirty="0"/>
-              <a:t>Wings</a:t>
-            </a:r>
-          </a:p>
-        </p:txBody>
-      </p:sp>
-      <p:sp>
-        <p:nvSpPr>
-          <p:cNvPr id="14" name="TextBox 13">
-            <a:extLst>
-              <a:ext uri="{FF2B5EF4-FFF2-40B4-BE49-F238E27FC236}">
-                <a16:creationId xmlns:a16="http://schemas.microsoft.com/office/drawing/2014/main" xmlns="" id="{545FB07B-3C17-49FB-8188-00D3D635E234}"/>
-              </a:ext>
-            </a:extLst>
-          </p:cNvPr>
-          <p:cNvSpPr txBox="1"/>
-          <p:nvPr/>
-        </p:nvSpPr>
-        <p:spPr>
-          <a:xfrm>
-            <a:off x="4100052" y="3630557"/>
-            <a:ext cx="1071715" cy="369332"/>
-          </a:xfrm>
-          <a:prstGeom prst="rect">
-            <a:avLst/>
-          </a:prstGeom>
-          <a:noFill/>
-        </p:spPr>
-        <p:txBody>
-          <a:bodyPr wrap="square" rtlCol="0">
-            <a:spAutoFit/>
-          </a:bodyPr>
-          <a:lstStyle/>
-          <a:p>
-            <a:r>
-              <a:rPr lang="en-CA" dirty="0"/>
-              <a:t>Fuselage</a:t>
-            </a:r>
-          </a:p>
-        </p:txBody>
-      </p:sp>
-      <p:sp>
-        <p:nvSpPr>
-          <p:cNvPr id="16" name="TextBox 15">
-            <a:extLst>
-              <a:ext uri="{FF2B5EF4-FFF2-40B4-BE49-F238E27FC236}">
-                <a16:creationId xmlns:a16="http://schemas.microsoft.com/office/drawing/2014/main" xmlns="" id="{FE719AD3-1761-492D-823C-0AA513693A5E}"/>
-              </a:ext>
-            </a:extLst>
-          </p:cNvPr>
-          <p:cNvSpPr txBox="1"/>
-          <p:nvPr/>
-        </p:nvSpPr>
-        <p:spPr>
-          <a:xfrm>
-            <a:off x="4014908" y="1626350"/>
-            <a:ext cx="1071715" cy="369332"/>
-          </a:xfrm>
-          <a:prstGeom prst="rect">
-            <a:avLst/>
-          </a:prstGeom>
-          <a:noFill/>
-        </p:spPr>
-        <p:txBody>
-          <a:bodyPr wrap="square" rtlCol="0">
-            <a:spAutoFit/>
-          </a:bodyPr>
-          <a:lstStyle/>
-          <a:p>
-            <a:r>
-              <a:rPr lang="en-CA" dirty="0"/>
-              <a:t>Cabin</a:t>
-            </a:r>
-          </a:p>
-        </p:txBody>
-      </p:sp>
-      <p:sp>
-        <p:nvSpPr>
-          <p:cNvPr id="17" name="TextBox 16">
-            <a:extLst>
-              <a:ext uri="{FF2B5EF4-FFF2-40B4-BE49-F238E27FC236}">
-                <a16:creationId xmlns:a16="http://schemas.microsoft.com/office/drawing/2014/main" xmlns="" id="{0AECDDDD-9C69-4208-AA1C-905C5B95F22C}"/>
-              </a:ext>
-            </a:extLst>
-          </p:cNvPr>
-          <p:cNvSpPr txBox="1"/>
-          <p:nvPr/>
-        </p:nvSpPr>
-        <p:spPr>
-          <a:xfrm>
-            <a:off x="4060726" y="2751816"/>
-            <a:ext cx="1071715" cy="369332"/>
-          </a:xfrm>
-          <a:prstGeom prst="rect">
-            <a:avLst/>
-          </a:prstGeom>
-          <a:noFill/>
-        </p:spPr>
-        <p:txBody>
-          <a:bodyPr wrap="square" rtlCol="0">
-            <a:spAutoFit/>
-          </a:bodyPr>
-          <a:lstStyle/>
-          <a:p>
-            <a:r>
-              <a:rPr lang="en-CA" dirty="0"/>
-              <a:t>Tail</a:t>
-            </a:r>
-          </a:p>
-        </p:txBody>
-      </p:sp>
-      <p:cxnSp>
-        <p:nvCxnSpPr>
-          <p:cNvPr id="8" name="Straight Arrow Connector 7">
-            <a:extLst>
-              <a:ext uri="{FF2B5EF4-FFF2-40B4-BE49-F238E27FC236}">
-                <a16:creationId xmlns:a16="http://schemas.microsoft.com/office/drawing/2014/main" xmlns="" id="{8DDBEF33-54E1-493E-BF2F-6C758455DB2F}"/>
-              </a:ext>
-            </a:extLst>
-          </p:cNvPr>
-          <p:cNvCxnSpPr>
-            <a:cxnSpLocks/>
-            <a:endCxn id="17" idx="1"/>
-          </p:cNvCxnSpPr>
-          <p:nvPr/>
-        </p:nvCxnSpPr>
-        <p:spPr>
-          <a:xfrm>
-            <a:off x="3082174" y="2919109"/>
-            <a:ext cx="978552" cy="17373"/>
-          </a:xfrm>
-          <a:prstGeom prst="straightConnector1">
-            <a:avLst/>
-          </a:prstGeom>
-          <a:ln w="38100">
-            <a:solidFill>
-              <a:schemeClr val="tx1"/>
-            </a:solidFill>
-            <a:tailEnd type="triangle"/>
-          </a:ln>
-        </p:spPr>
-        <p:style>
-          <a:lnRef idx="1">
-            <a:schemeClr val="accent1"/>
-          </a:lnRef>
-          <a:fillRef idx="0">
-            <a:schemeClr val="accent1"/>
-          </a:fillRef>
-          <a:effectRef idx="0">
-            <a:schemeClr val="accent1"/>
-          </a:effectRef>
-          <a:fontRef idx="minor">
-            <a:schemeClr val="tx1"/>
-          </a:fontRef>
-        </p:style>
-      </p:cxnSp>
-      <p:cxnSp>
-        <p:nvCxnSpPr>
-          <p:cNvPr id="18" name="Straight Arrow Connector 17">
-            <a:extLst>
-              <a:ext uri="{FF2B5EF4-FFF2-40B4-BE49-F238E27FC236}">
-                <a16:creationId xmlns:a16="http://schemas.microsoft.com/office/drawing/2014/main" xmlns="" id="{F1E47557-78F8-4490-9DC2-B232D55FD35C}"/>
-              </a:ext>
-            </a:extLst>
-          </p:cNvPr>
-          <p:cNvCxnSpPr>
-            <a:cxnSpLocks/>
-          </p:cNvCxnSpPr>
-          <p:nvPr/>
-        </p:nvCxnSpPr>
-        <p:spPr>
-          <a:xfrm flipV="1">
-            <a:off x="1035526" y="1759350"/>
-            <a:ext cx="2946539" cy="992466"/>
-          </a:xfrm>
-          <a:prstGeom prst="straightConnector1">
-            <a:avLst/>
-          </a:prstGeom>
-          <a:ln w="38100">
-            <a:solidFill>
-              <a:schemeClr val="tx1"/>
-            </a:solidFill>
-            <a:tailEnd type="triangle"/>
-          </a:ln>
-        </p:spPr>
-        <p:style>
-          <a:lnRef idx="1">
-            <a:schemeClr val="accent1"/>
-          </a:lnRef>
-          <a:fillRef idx="0">
-            <a:schemeClr val="accent1"/>
-          </a:fillRef>
-          <a:effectRef idx="0">
-            <a:schemeClr val="accent1"/>
-          </a:effectRef>
-          <a:fontRef idx="minor">
-            <a:schemeClr val="tx1"/>
-          </a:fontRef>
-        </p:style>
-      </p:cxnSp>
-      <p:cxnSp>
-        <p:nvCxnSpPr>
-          <p:cNvPr id="22" name="Straight Arrow Connector 21">
-            <a:extLst>
-              <a:ext uri="{FF2B5EF4-FFF2-40B4-BE49-F238E27FC236}">
-                <a16:creationId xmlns:a16="http://schemas.microsoft.com/office/drawing/2014/main" xmlns="" id="{54728F14-6E5A-45E2-AC4A-EFD14011F60B}"/>
-              </a:ext>
-            </a:extLst>
-          </p:cNvPr>
-          <p:cNvCxnSpPr>
-            <a:cxnSpLocks/>
-            <a:endCxn id="14" idx="1"/>
-          </p:cNvCxnSpPr>
-          <p:nvPr/>
-        </p:nvCxnSpPr>
-        <p:spPr>
-          <a:xfrm>
-            <a:off x="2757507" y="3375550"/>
-            <a:ext cx="1342545" cy="439673"/>
-          </a:xfrm>
-          <a:prstGeom prst="straightConnector1">
-            <a:avLst/>
-          </a:prstGeom>
-          <a:ln w="38100">
-            <a:solidFill>
-              <a:schemeClr val="tx1"/>
-            </a:solidFill>
-            <a:tailEnd type="triangle"/>
-          </a:ln>
-        </p:spPr>
-        <p:style>
-          <a:lnRef idx="1">
-            <a:schemeClr val="accent1"/>
-          </a:lnRef>
-          <a:fillRef idx="0">
-            <a:schemeClr val="accent1"/>
-          </a:fillRef>
-          <a:effectRef idx="0">
-            <a:schemeClr val="accent1"/>
-          </a:effectRef>
-          <a:fontRef idx="minor">
-            <a:schemeClr val="tx1"/>
-          </a:fontRef>
-        </p:style>
-      </p:cxnSp>
-      <p:cxnSp>
-        <p:nvCxnSpPr>
-          <p:cNvPr id="25" name="Straight Arrow Connector 24">
-            <a:extLst>
-              <a:ext uri="{FF2B5EF4-FFF2-40B4-BE49-F238E27FC236}">
-                <a16:creationId xmlns:a16="http://schemas.microsoft.com/office/drawing/2014/main" xmlns="" id="{D54D66D9-20DA-42BE-9E8F-546A8ED2AA32}"/>
-              </a:ext>
-            </a:extLst>
-          </p:cNvPr>
-          <p:cNvCxnSpPr>
-            <a:cxnSpLocks/>
-            <a:endCxn id="4" idx="1"/>
-          </p:cNvCxnSpPr>
-          <p:nvPr/>
-        </p:nvCxnSpPr>
-        <p:spPr>
-          <a:xfrm>
-            <a:off x="2100523" y="3955042"/>
-            <a:ext cx="1999530" cy="938963"/>
-          </a:xfrm>
-          <a:prstGeom prst="straightConnector1">
-            <a:avLst/>
-          </a:prstGeom>
-          <a:ln w="38100">
-            <a:solidFill>
-              <a:schemeClr val="tx1"/>
-            </a:solidFill>
-            <a:tailEnd type="triangle"/>
-          </a:ln>
-        </p:spPr>
-        <p:style>
-          <a:lnRef idx="1">
-            <a:schemeClr val="accent1"/>
-          </a:lnRef>
-          <a:fillRef idx="0">
-            <a:schemeClr val="accent1"/>
-          </a:fillRef>
-          <a:effectRef idx="0">
-            <a:schemeClr val="accent1"/>
-          </a:effectRef>
-          <a:fontRef idx="minor">
-            <a:schemeClr val="tx1"/>
-          </a:fontRef>
-        </p:style>
-      </p:cxnSp>
-      <p:cxnSp>
-        <p:nvCxnSpPr>
-          <p:cNvPr id="27" name="Straight Arrow Connector 26">
-            <a:extLst>
-              <a:ext uri="{FF2B5EF4-FFF2-40B4-BE49-F238E27FC236}">
-                <a16:creationId xmlns:a16="http://schemas.microsoft.com/office/drawing/2014/main" xmlns="" id="{104F6FC2-E13D-4097-9667-8F4A154A8D80}"/>
-              </a:ext>
-            </a:extLst>
-          </p:cNvPr>
-          <p:cNvCxnSpPr>
-            <a:cxnSpLocks/>
-          </p:cNvCxnSpPr>
-          <p:nvPr/>
-        </p:nvCxnSpPr>
-        <p:spPr>
-          <a:xfrm flipV="1">
-            <a:off x="4677976" y="2461688"/>
-            <a:ext cx="883307" cy="506111"/>
-          </a:xfrm>
-          <a:prstGeom prst="straightConnector1">
-            <a:avLst/>
-          </a:prstGeom>
-          <a:ln w="38100">
-            <a:solidFill>
-              <a:schemeClr val="tx1"/>
-            </a:solidFill>
-            <a:tailEnd type="triangle"/>
-          </a:ln>
-        </p:spPr>
-        <p:style>
-          <a:lnRef idx="1">
-            <a:schemeClr val="accent1"/>
-          </a:lnRef>
-          <a:fillRef idx="0">
-            <a:schemeClr val="accent1"/>
-          </a:fillRef>
-          <a:effectRef idx="0">
-            <a:schemeClr val="accent1"/>
-          </a:effectRef>
-          <a:fontRef idx="minor">
-            <a:schemeClr val="tx1"/>
-          </a:fontRef>
-        </p:style>
-      </p:cxnSp>
-      <p:cxnSp>
-        <p:nvCxnSpPr>
-          <p:cNvPr id="28" name="Straight Arrow Connector 27">
-            <a:extLst>
-              <a:ext uri="{FF2B5EF4-FFF2-40B4-BE49-F238E27FC236}">
-                <a16:creationId xmlns:a16="http://schemas.microsoft.com/office/drawing/2014/main" xmlns="" id="{29780F90-A07F-4BB0-9F2F-AAC340DC9D38}"/>
-              </a:ext>
-            </a:extLst>
-          </p:cNvPr>
-          <p:cNvCxnSpPr>
-            <a:cxnSpLocks/>
-          </p:cNvCxnSpPr>
-          <p:nvPr/>
-        </p:nvCxnSpPr>
-        <p:spPr>
-          <a:xfrm>
-            <a:off x="4677976" y="2962993"/>
-            <a:ext cx="943591" cy="0"/>
-          </a:xfrm>
-          <a:prstGeom prst="straightConnector1">
-            <a:avLst/>
-          </a:prstGeom>
-          <a:ln w="38100">
-            <a:solidFill>
-              <a:schemeClr val="tx1"/>
-            </a:solidFill>
-            <a:tailEnd type="triangle"/>
-          </a:ln>
-        </p:spPr>
-        <p:style>
-          <a:lnRef idx="1">
-            <a:schemeClr val="accent1"/>
-          </a:lnRef>
-          <a:fillRef idx="0">
-            <a:schemeClr val="accent1"/>
-          </a:fillRef>
-          <a:effectRef idx="0">
-            <a:schemeClr val="accent1"/>
-          </a:effectRef>
-          <a:fontRef idx="minor">
-            <a:schemeClr val="tx1"/>
-          </a:fontRef>
-        </p:style>
-      </p:cxnSp>
-      <p:sp>
-        <p:nvSpPr>
-          <p:cNvPr id="31" name="TextBox 30">
-            <a:extLst>
-              <a:ext uri="{FF2B5EF4-FFF2-40B4-BE49-F238E27FC236}">
-                <a16:creationId xmlns:a16="http://schemas.microsoft.com/office/drawing/2014/main" xmlns="" id="{4C6058E9-F453-4FCC-9697-02D88A979F2A}"/>
-              </a:ext>
-            </a:extLst>
-          </p:cNvPr>
-          <p:cNvSpPr txBox="1"/>
-          <p:nvPr/>
-        </p:nvSpPr>
-        <p:spPr>
-          <a:xfrm>
-            <a:off x="5621567" y="2232251"/>
-            <a:ext cx="1820636" cy="369332"/>
-          </a:xfrm>
-          <a:prstGeom prst="rect">
-            <a:avLst/>
-          </a:prstGeom>
-          <a:noFill/>
-        </p:spPr>
-        <p:txBody>
-          <a:bodyPr wrap="square" rtlCol="0">
-            <a:spAutoFit/>
-          </a:bodyPr>
-          <a:lstStyle/>
-          <a:p>
-            <a:r>
-              <a:rPr lang="en-CA" dirty="0" err="1"/>
-              <a:t>VerticalStabilizer</a:t>
-            </a:r>
-            <a:endParaRPr lang="en-CA" dirty="0"/>
-          </a:p>
-        </p:txBody>
-      </p:sp>
-      <p:sp>
-        <p:nvSpPr>
-          <p:cNvPr id="32" name="TextBox 31">
-            <a:extLst>
-              <a:ext uri="{FF2B5EF4-FFF2-40B4-BE49-F238E27FC236}">
-                <a16:creationId xmlns:a16="http://schemas.microsoft.com/office/drawing/2014/main" xmlns="" id="{78EDB91B-C071-4D7E-B239-6F5257BFA37A}"/>
-              </a:ext>
-            </a:extLst>
-          </p:cNvPr>
-          <p:cNvSpPr txBox="1"/>
-          <p:nvPr/>
-        </p:nvSpPr>
-        <p:spPr>
-          <a:xfrm>
-            <a:off x="5658066" y="2734689"/>
-            <a:ext cx="1820636" cy="369332"/>
-          </a:xfrm>
-          <a:prstGeom prst="rect">
-            <a:avLst/>
-          </a:prstGeom>
-          <a:noFill/>
-        </p:spPr>
-        <p:txBody>
-          <a:bodyPr wrap="square" rtlCol="0">
-            <a:spAutoFit/>
-          </a:bodyPr>
-          <a:lstStyle/>
-          <a:p>
-            <a:r>
-              <a:rPr lang="en-CA" dirty="0" err="1"/>
-              <a:t>TailRudder</a:t>
-            </a:r>
-            <a:endParaRPr lang="en-CA" dirty="0"/>
-          </a:p>
-        </p:txBody>
-      </p:sp>
-      <p:grpSp>
-        <p:nvGrpSpPr>
-          <p:cNvPr id="19" name="Group 18">
-            <a:extLst>
-              <a:ext uri="{FF2B5EF4-FFF2-40B4-BE49-F238E27FC236}">
-                <a16:creationId xmlns:a16="http://schemas.microsoft.com/office/drawing/2014/main" xmlns="" id="{6F513CEE-2FED-431E-B171-29AD4FD8073D}"/>
-              </a:ext>
-            </a:extLst>
-          </p:cNvPr>
-          <p:cNvGrpSpPr/>
-          <p:nvPr/>
-        </p:nvGrpSpPr>
-        <p:grpSpPr>
-          <a:xfrm>
-            <a:off x="4776253" y="1205243"/>
-            <a:ext cx="2831254" cy="734833"/>
-            <a:chOff x="4888056" y="2353112"/>
-            <a:chExt cx="2831254" cy="734833"/>
-          </a:xfrm>
-        </p:grpSpPr>
-        <p:cxnSp>
-          <p:nvCxnSpPr>
-            <p:cNvPr id="33" name="Straight Arrow Connector 32">
-              <a:extLst>
-                <a:ext uri="{FF2B5EF4-FFF2-40B4-BE49-F238E27FC236}">
-                  <a16:creationId xmlns:a16="http://schemas.microsoft.com/office/drawing/2014/main" xmlns="" id="{760F0522-E927-4EF6-875E-2DADA29693AC}"/>
-                </a:ext>
-              </a:extLst>
-            </p:cNvPr>
-            <p:cNvCxnSpPr>
-              <a:cxnSpLocks/>
-            </p:cNvCxnSpPr>
-            <p:nvPr/>
-          </p:nvCxnSpPr>
-          <p:spPr>
-            <a:xfrm>
-              <a:off x="4894795" y="2934207"/>
-              <a:ext cx="943591" cy="0"/>
-            </a:xfrm>
-            <a:prstGeom prst="straightConnector1">
-              <a:avLst/>
-            </a:prstGeom>
-            <a:ln w="38100">
-              <a:solidFill>
-                <a:schemeClr val="tx1"/>
-              </a:solidFill>
-              <a:tailEnd type="triangle"/>
-            </a:ln>
-          </p:spPr>
-          <p:style>
-            <a:lnRef idx="1">
-              <a:schemeClr val="accent1"/>
-            </a:lnRef>
-            <a:fillRef idx="0">
-              <a:schemeClr val="accent1"/>
-            </a:fillRef>
-            <a:effectRef idx="0">
-              <a:schemeClr val="accent1"/>
-            </a:effectRef>
-            <a:fontRef idx="minor">
-              <a:schemeClr val="tx1"/>
-            </a:fontRef>
-          </p:style>
-        </p:cxnSp>
-        <p:sp>
-          <p:nvSpPr>
-            <p:cNvPr id="34" name="TextBox 33">
-              <a:extLst>
-                <a:ext uri="{FF2B5EF4-FFF2-40B4-BE49-F238E27FC236}">
-                  <a16:creationId xmlns:a16="http://schemas.microsoft.com/office/drawing/2014/main" xmlns="" id="{E096BC95-CF89-477C-A149-CADD8535D70D}"/>
-                </a:ext>
-              </a:extLst>
-            </p:cNvPr>
-            <p:cNvSpPr txBox="1"/>
-            <p:nvPr/>
-          </p:nvSpPr>
-          <p:spPr>
-            <a:xfrm>
-              <a:off x="5898674" y="2718613"/>
-              <a:ext cx="1820636" cy="369332"/>
-            </a:xfrm>
-            <a:prstGeom prst="rect">
-              <a:avLst/>
-            </a:prstGeom>
-            <a:noFill/>
-          </p:spPr>
-          <p:txBody>
-            <a:bodyPr wrap="square" rtlCol="0">
-              <a:spAutoFit/>
-            </a:bodyPr>
-            <a:lstStyle/>
-            <a:p>
-              <a:r>
-                <a:rPr lang="en-CA" dirty="0" err="1"/>
-                <a:t>PilotSeat</a:t>
-              </a:r>
-              <a:endParaRPr lang="en-CA" dirty="0"/>
-            </a:p>
-          </p:txBody>
-        </p:sp>
-        <p:cxnSp>
-          <p:nvCxnSpPr>
-            <p:cNvPr id="35" name="Straight Arrow Connector 34">
-              <a:extLst>
-                <a:ext uri="{FF2B5EF4-FFF2-40B4-BE49-F238E27FC236}">
-                  <a16:creationId xmlns:a16="http://schemas.microsoft.com/office/drawing/2014/main" xmlns="" id="{16A5DB64-6D02-469B-8ECF-1AC120A06DE3}"/>
-                </a:ext>
-              </a:extLst>
-            </p:cNvPr>
-            <p:cNvCxnSpPr>
-              <a:cxnSpLocks/>
-            </p:cNvCxnSpPr>
-            <p:nvPr/>
-          </p:nvCxnSpPr>
-          <p:spPr>
-            <a:xfrm flipV="1">
-              <a:off x="4888056" y="2493964"/>
-              <a:ext cx="950330" cy="440243"/>
-            </a:xfrm>
-            <a:prstGeom prst="straightConnector1">
-              <a:avLst/>
-            </a:prstGeom>
-            <a:ln w="38100">
-              <a:solidFill>
-                <a:schemeClr val="tx1"/>
-              </a:solidFill>
-              <a:tailEnd type="triangle"/>
-            </a:ln>
-          </p:spPr>
-          <p:style>
-            <a:lnRef idx="1">
-              <a:schemeClr val="accent1"/>
-            </a:lnRef>
-            <a:fillRef idx="0">
-              <a:schemeClr val="accent1"/>
-            </a:fillRef>
-            <a:effectRef idx="0">
-              <a:schemeClr val="accent1"/>
-            </a:effectRef>
-            <a:fontRef idx="minor">
-              <a:schemeClr val="tx1"/>
-            </a:fontRef>
-          </p:style>
-        </p:cxnSp>
-        <p:sp>
-          <p:nvSpPr>
-            <p:cNvPr id="37" name="TextBox 36">
-              <a:extLst>
-                <a:ext uri="{FF2B5EF4-FFF2-40B4-BE49-F238E27FC236}">
-                  <a16:creationId xmlns:a16="http://schemas.microsoft.com/office/drawing/2014/main" xmlns="" id="{85C4C53D-D5CB-4E7F-937C-C49212F44A70}"/>
-                </a:ext>
-              </a:extLst>
-            </p:cNvPr>
-            <p:cNvSpPr txBox="1"/>
-            <p:nvPr/>
-          </p:nvSpPr>
-          <p:spPr>
-            <a:xfrm>
-              <a:off x="5898674" y="2353112"/>
-              <a:ext cx="1820636" cy="369332"/>
-            </a:xfrm>
-            <a:prstGeom prst="rect">
-              <a:avLst/>
-            </a:prstGeom>
-            <a:noFill/>
-          </p:spPr>
-          <p:txBody>
-            <a:bodyPr wrap="square" rtlCol="0">
-              <a:spAutoFit/>
-            </a:bodyPr>
-            <a:lstStyle/>
-            <a:p>
-              <a:r>
-                <a:rPr lang="en-CA" dirty="0" err="1"/>
-                <a:t>CoPilotSeat</a:t>
-              </a:r>
-              <a:endParaRPr lang="en-CA" dirty="0"/>
-            </a:p>
-          </p:txBody>
-        </p:sp>
-      </p:grpSp>
-      <p:cxnSp>
-        <p:nvCxnSpPr>
-          <p:cNvPr id="38" name="Straight Arrow Connector 37">
-            <a:extLst>
-              <a:ext uri="{FF2B5EF4-FFF2-40B4-BE49-F238E27FC236}">
-                <a16:creationId xmlns:a16="http://schemas.microsoft.com/office/drawing/2014/main" xmlns="" id="{5D867792-63F2-4767-BC8D-917B88AC05E1}"/>
-              </a:ext>
-            </a:extLst>
-          </p:cNvPr>
-          <p:cNvCxnSpPr>
-            <a:cxnSpLocks/>
-          </p:cNvCxnSpPr>
-          <p:nvPr/>
-        </p:nvCxnSpPr>
-        <p:spPr>
-          <a:xfrm>
-            <a:off x="5078162" y="3815223"/>
-            <a:ext cx="943591" cy="0"/>
-          </a:xfrm>
-          <a:prstGeom prst="straightConnector1">
-            <a:avLst/>
-          </a:prstGeom>
-          <a:ln w="38100">
-            <a:solidFill>
-              <a:schemeClr val="tx1"/>
-            </a:solidFill>
-            <a:tailEnd type="triangle"/>
-          </a:ln>
-        </p:spPr>
-        <p:style>
-          <a:lnRef idx="1">
-            <a:schemeClr val="accent1"/>
-          </a:lnRef>
-          <a:fillRef idx="0">
-            <a:schemeClr val="accent1"/>
-          </a:fillRef>
-          <a:effectRef idx="0">
-            <a:schemeClr val="accent1"/>
-          </a:effectRef>
-          <a:fontRef idx="minor">
-            <a:schemeClr val="tx1"/>
-          </a:fontRef>
-        </p:style>
-      </p:cxnSp>
-      <p:sp>
-        <p:nvSpPr>
-          <p:cNvPr id="39" name="TextBox 38">
-            <a:extLst>
-              <a:ext uri="{FF2B5EF4-FFF2-40B4-BE49-F238E27FC236}">
-                <a16:creationId xmlns:a16="http://schemas.microsoft.com/office/drawing/2014/main" xmlns="" id="{94708DE2-B64C-48F4-8076-59A108D618A6}"/>
-              </a:ext>
-            </a:extLst>
-          </p:cNvPr>
-          <p:cNvSpPr txBox="1"/>
-          <p:nvPr/>
-        </p:nvSpPr>
-        <p:spPr>
-          <a:xfrm>
-            <a:off x="6096000" y="3630557"/>
-            <a:ext cx="1820636" cy="369332"/>
-          </a:xfrm>
-          <a:prstGeom prst="rect">
-            <a:avLst/>
-          </a:prstGeom>
-          <a:noFill/>
-        </p:spPr>
-        <p:txBody>
-          <a:bodyPr wrap="square" rtlCol="0">
-            <a:spAutoFit/>
-          </a:bodyPr>
-          <a:lstStyle/>
-          <a:p>
-            <a:r>
-              <a:rPr lang="en-CA" dirty="0" err="1"/>
-              <a:t>PassengerSeats</a:t>
-            </a:r>
-            <a:endParaRPr lang="en-CA" dirty="0"/>
-          </a:p>
-        </p:txBody>
-      </p:sp>
-      <p:cxnSp>
-        <p:nvCxnSpPr>
-          <p:cNvPr id="40" name="Straight Arrow Connector 39">
-            <a:extLst>
-              <a:ext uri="{FF2B5EF4-FFF2-40B4-BE49-F238E27FC236}">
-                <a16:creationId xmlns:a16="http://schemas.microsoft.com/office/drawing/2014/main" xmlns="" id="{5CA8617A-911B-4C68-B5F4-CED221D4F758}"/>
-              </a:ext>
-            </a:extLst>
-          </p:cNvPr>
-          <p:cNvCxnSpPr>
-            <a:cxnSpLocks/>
-          </p:cNvCxnSpPr>
-          <p:nvPr/>
-        </p:nvCxnSpPr>
-        <p:spPr>
-          <a:xfrm flipV="1">
-            <a:off x="5071577" y="3429000"/>
-            <a:ext cx="950176" cy="386223"/>
-          </a:xfrm>
-          <a:prstGeom prst="straightConnector1">
-            <a:avLst/>
-          </a:prstGeom>
-          <a:ln w="38100">
-            <a:solidFill>
-              <a:schemeClr val="tx1"/>
-            </a:solidFill>
-            <a:tailEnd type="triangle"/>
-          </a:ln>
-        </p:spPr>
-        <p:style>
-          <a:lnRef idx="1">
-            <a:schemeClr val="accent1"/>
-          </a:lnRef>
-          <a:fillRef idx="0">
-            <a:schemeClr val="accent1"/>
-          </a:fillRef>
-          <a:effectRef idx="0">
-            <a:schemeClr val="accent1"/>
-          </a:effectRef>
-          <a:fontRef idx="minor">
-            <a:schemeClr val="tx1"/>
-          </a:fontRef>
-        </p:style>
-      </p:cxnSp>
-      <p:sp>
-        <p:nvSpPr>
-          <p:cNvPr id="42" name="TextBox 41">
-            <a:extLst>
-              <a:ext uri="{FF2B5EF4-FFF2-40B4-BE49-F238E27FC236}">
-                <a16:creationId xmlns:a16="http://schemas.microsoft.com/office/drawing/2014/main" xmlns="" id="{10573C7C-31D3-4491-9B05-DACBB0B02145}"/>
-              </a:ext>
-            </a:extLst>
-          </p:cNvPr>
-          <p:cNvSpPr txBox="1"/>
-          <p:nvPr/>
-        </p:nvSpPr>
-        <p:spPr>
-          <a:xfrm>
-            <a:off x="6091390" y="3288687"/>
-            <a:ext cx="1820636" cy="369332"/>
-          </a:xfrm>
-          <a:prstGeom prst="rect">
-            <a:avLst/>
-          </a:prstGeom>
-          <a:noFill/>
-        </p:spPr>
-        <p:txBody>
-          <a:bodyPr wrap="square" rtlCol="0">
-            <a:spAutoFit/>
-          </a:bodyPr>
-          <a:lstStyle/>
-          <a:p>
-            <a:r>
-              <a:rPr lang="en-CA" dirty="0"/>
-              <a:t>Bathroom</a:t>
-            </a:r>
-          </a:p>
-        </p:txBody>
-      </p:sp>
-      <p:cxnSp>
-        <p:nvCxnSpPr>
-          <p:cNvPr id="43" name="Straight Arrow Connector 42">
-            <a:extLst>
-              <a:ext uri="{FF2B5EF4-FFF2-40B4-BE49-F238E27FC236}">
-                <a16:creationId xmlns:a16="http://schemas.microsoft.com/office/drawing/2014/main" xmlns="" id="{BF01DE0F-75F5-4498-A057-FE68F1F8E4FB}"/>
-              </a:ext>
-            </a:extLst>
-          </p:cNvPr>
-          <p:cNvCxnSpPr>
-            <a:cxnSpLocks/>
-          </p:cNvCxnSpPr>
-          <p:nvPr/>
-        </p:nvCxnSpPr>
-        <p:spPr>
-          <a:xfrm>
-            <a:off x="7719310" y="3815223"/>
-            <a:ext cx="943591" cy="0"/>
-          </a:xfrm>
-          <a:prstGeom prst="straightConnector1">
-            <a:avLst/>
-          </a:prstGeom>
-          <a:ln w="38100">
-            <a:solidFill>
-              <a:schemeClr val="tx1"/>
-            </a:solidFill>
-            <a:tailEnd type="triangle"/>
-          </a:ln>
-        </p:spPr>
-        <p:style>
-          <a:lnRef idx="1">
-            <a:schemeClr val="accent1"/>
-          </a:lnRef>
-          <a:fillRef idx="0">
-            <a:schemeClr val="accent1"/>
-          </a:fillRef>
-          <a:effectRef idx="0">
-            <a:schemeClr val="accent1"/>
-          </a:effectRef>
-          <a:fontRef idx="minor">
-            <a:schemeClr val="tx1"/>
-          </a:fontRef>
-        </p:style>
-      </p:cxnSp>
-      <p:sp>
-        <p:nvSpPr>
-          <p:cNvPr id="44" name="TextBox 43">
-            <a:extLst>
-              <a:ext uri="{FF2B5EF4-FFF2-40B4-BE49-F238E27FC236}">
-                <a16:creationId xmlns:a16="http://schemas.microsoft.com/office/drawing/2014/main" xmlns="" id="{21D961B1-8920-45A2-B7B6-24C52F68A83D}"/>
-              </a:ext>
-            </a:extLst>
-          </p:cNvPr>
-          <p:cNvSpPr txBox="1"/>
-          <p:nvPr/>
-        </p:nvSpPr>
-        <p:spPr>
-          <a:xfrm>
-            <a:off x="8662901" y="3628216"/>
-            <a:ext cx="1820636" cy="369332"/>
-          </a:xfrm>
-          <a:prstGeom prst="rect">
-            <a:avLst/>
-          </a:prstGeom>
-          <a:noFill/>
-        </p:spPr>
-        <p:txBody>
-          <a:bodyPr wrap="square" rtlCol="0">
-            <a:spAutoFit/>
-          </a:bodyPr>
-          <a:lstStyle/>
-          <a:p>
-            <a:r>
-              <a:rPr lang="en-CA" dirty="0" err="1"/>
-              <a:t>PassengerSeat</a:t>
-            </a:r>
-            <a:endParaRPr lang="en-CA" dirty="0"/>
-          </a:p>
-        </p:txBody>
-      </p:sp>
-      <p:cxnSp>
-        <p:nvCxnSpPr>
-          <p:cNvPr id="45" name="Straight Arrow Connector 44">
-            <a:extLst>
-              <a:ext uri="{FF2B5EF4-FFF2-40B4-BE49-F238E27FC236}">
-                <a16:creationId xmlns:a16="http://schemas.microsoft.com/office/drawing/2014/main" xmlns="" id="{C1FAEF9C-B2F6-4215-9812-69CE9F14BAFC}"/>
-              </a:ext>
-            </a:extLst>
-          </p:cNvPr>
-          <p:cNvCxnSpPr>
-            <a:cxnSpLocks/>
-          </p:cNvCxnSpPr>
-          <p:nvPr/>
-        </p:nvCxnSpPr>
-        <p:spPr>
-          <a:xfrm flipV="1">
-            <a:off x="10212883" y="3375550"/>
-            <a:ext cx="419228" cy="437333"/>
-          </a:xfrm>
-          <a:prstGeom prst="straightConnector1">
-            <a:avLst/>
-          </a:prstGeom>
-          <a:ln w="38100">
-            <a:solidFill>
-              <a:schemeClr val="tx1"/>
-            </a:solidFill>
-            <a:tailEnd type="triangle"/>
-          </a:ln>
-        </p:spPr>
-        <p:style>
-          <a:lnRef idx="1">
-            <a:schemeClr val="accent1"/>
-          </a:lnRef>
-          <a:fillRef idx="0">
-            <a:schemeClr val="accent1"/>
-          </a:fillRef>
-          <a:effectRef idx="0">
-            <a:schemeClr val="accent1"/>
-          </a:effectRef>
-          <a:fontRef idx="minor">
-            <a:schemeClr val="tx1"/>
-          </a:fontRef>
-        </p:style>
-      </p:cxnSp>
-      <p:sp>
-        <p:nvSpPr>
-          <p:cNvPr id="47" name="TextBox 46">
-            <a:extLst>
-              <a:ext uri="{FF2B5EF4-FFF2-40B4-BE49-F238E27FC236}">
-                <a16:creationId xmlns:a16="http://schemas.microsoft.com/office/drawing/2014/main" xmlns="" id="{5B05E545-DCBA-4D82-8B24-9CA55C349478}"/>
-              </a:ext>
-            </a:extLst>
-          </p:cNvPr>
-          <p:cNvSpPr txBox="1"/>
-          <p:nvPr/>
-        </p:nvSpPr>
-        <p:spPr>
-          <a:xfrm>
-            <a:off x="10609610" y="3082114"/>
-            <a:ext cx="1820636" cy="369332"/>
-          </a:xfrm>
-          <a:prstGeom prst="rect">
-            <a:avLst/>
-          </a:prstGeom>
-          <a:noFill/>
-        </p:spPr>
-        <p:txBody>
-          <a:bodyPr wrap="square" rtlCol="0">
-            <a:spAutoFit/>
-          </a:bodyPr>
-          <a:lstStyle/>
-          <a:p>
-            <a:r>
-              <a:rPr lang="en-CA" dirty="0"/>
-              <a:t>Passenger</a:t>
-            </a:r>
-          </a:p>
-        </p:txBody>
-      </p:sp>
-      <p:cxnSp>
-        <p:nvCxnSpPr>
-          <p:cNvPr id="48" name="Straight Arrow Connector 47">
-            <a:extLst>
-              <a:ext uri="{FF2B5EF4-FFF2-40B4-BE49-F238E27FC236}">
-                <a16:creationId xmlns:a16="http://schemas.microsoft.com/office/drawing/2014/main" xmlns="" id="{3598B223-2123-426C-8451-717BE628A163}"/>
-              </a:ext>
-            </a:extLst>
-          </p:cNvPr>
-          <p:cNvCxnSpPr>
-            <a:cxnSpLocks/>
-            <a:endCxn id="50" idx="1"/>
-          </p:cNvCxnSpPr>
-          <p:nvPr/>
-        </p:nvCxnSpPr>
-        <p:spPr>
-          <a:xfrm flipV="1">
-            <a:off x="10200549" y="3786664"/>
-            <a:ext cx="418740" cy="26220"/>
-          </a:xfrm>
-          <a:prstGeom prst="straightConnector1">
-            <a:avLst/>
-          </a:prstGeom>
-          <a:ln w="38100">
-            <a:solidFill>
-              <a:schemeClr val="tx1"/>
-            </a:solidFill>
-            <a:tailEnd type="triangle"/>
-          </a:ln>
-        </p:spPr>
-        <p:style>
-          <a:lnRef idx="1">
-            <a:schemeClr val="accent1"/>
-          </a:lnRef>
-          <a:fillRef idx="0">
-            <a:schemeClr val="accent1"/>
-          </a:fillRef>
-          <a:effectRef idx="0">
-            <a:schemeClr val="accent1"/>
-          </a:effectRef>
-          <a:fontRef idx="minor">
-            <a:schemeClr val="tx1"/>
-          </a:fontRef>
-        </p:style>
-      </p:cxnSp>
-      <p:sp>
-        <p:nvSpPr>
-          <p:cNvPr id="50" name="TextBox 49">
-            <a:extLst>
-              <a:ext uri="{FF2B5EF4-FFF2-40B4-BE49-F238E27FC236}">
-                <a16:creationId xmlns:a16="http://schemas.microsoft.com/office/drawing/2014/main" xmlns="" id="{548A5FC5-8E8D-4334-94CA-553E93958E21}"/>
-              </a:ext>
-            </a:extLst>
-          </p:cNvPr>
-          <p:cNvSpPr txBox="1"/>
-          <p:nvPr/>
-        </p:nvSpPr>
-        <p:spPr>
-          <a:xfrm>
-            <a:off x="10619289" y="3601998"/>
-            <a:ext cx="1820636" cy="369332"/>
-          </a:xfrm>
-          <a:prstGeom prst="rect">
-            <a:avLst/>
-          </a:prstGeom>
-          <a:noFill/>
-        </p:spPr>
-        <p:txBody>
-          <a:bodyPr wrap="square" rtlCol="0">
-            <a:spAutoFit/>
-          </a:bodyPr>
-          <a:lstStyle/>
-          <a:p>
-            <a:r>
-              <a:rPr lang="en-CA" dirty="0"/>
-              <a:t>Entertainment</a:t>
-            </a:r>
-          </a:p>
-        </p:txBody>
-      </p:sp>
-      <p:cxnSp>
-        <p:nvCxnSpPr>
-          <p:cNvPr id="53" name="Straight Arrow Connector 52">
-            <a:extLst>
-              <a:ext uri="{FF2B5EF4-FFF2-40B4-BE49-F238E27FC236}">
-                <a16:creationId xmlns:a16="http://schemas.microsoft.com/office/drawing/2014/main" xmlns="" id="{90BB1FB3-601E-4C1C-B25F-639594D36DF0}"/>
-              </a:ext>
-            </a:extLst>
-          </p:cNvPr>
-          <p:cNvCxnSpPr>
-            <a:cxnSpLocks/>
-          </p:cNvCxnSpPr>
-          <p:nvPr/>
-        </p:nvCxnSpPr>
-        <p:spPr>
-          <a:xfrm>
-            <a:off x="4925961" y="4899228"/>
-            <a:ext cx="943591" cy="0"/>
-          </a:xfrm>
-          <a:prstGeom prst="straightConnector1">
-            <a:avLst/>
-          </a:prstGeom>
-          <a:ln w="38100">
-            <a:solidFill>
-              <a:schemeClr val="tx1"/>
-            </a:solidFill>
-            <a:tailEnd type="triangle"/>
-          </a:ln>
-        </p:spPr>
-        <p:style>
-          <a:lnRef idx="1">
-            <a:schemeClr val="accent1"/>
-          </a:lnRef>
-          <a:fillRef idx="0">
-            <a:schemeClr val="accent1"/>
-          </a:fillRef>
-          <a:effectRef idx="0">
-            <a:schemeClr val="accent1"/>
-          </a:effectRef>
-          <a:fontRef idx="minor">
-            <a:schemeClr val="tx1"/>
-          </a:fontRef>
-        </p:style>
-      </p:cxnSp>
-      <p:sp>
-        <p:nvSpPr>
-          <p:cNvPr id="56" name="TextBox 55">
-            <a:extLst>
-              <a:ext uri="{FF2B5EF4-FFF2-40B4-BE49-F238E27FC236}">
-                <a16:creationId xmlns:a16="http://schemas.microsoft.com/office/drawing/2014/main" xmlns="" id="{126170BE-DBB8-41CA-A9D4-23D0210E7F14}"/>
-              </a:ext>
-            </a:extLst>
-          </p:cNvPr>
-          <p:cNvSpPr txBox="1"/>
-          <p:nvPr/>
-        </p:nvSpPr>
-        <p:spPr>
-          <a:xfrm>
-            <a:off x="5968523" y="4672734"/>
-            <a:ext cx="1071374" cy="369332"/>
-          </a:xfrm>
-          <a:prstGeom prst="rect">
-            <a:avLst/>
-          </a:prstGeom>
-          <a:noFill/>
-        </p:spPr>
-        <p:txBody>
-          <a:bodyPr wrap="square" rtlCol="0">
-            <a:spAutoFit/>
-          </a:bodyPr>
-          <a:lstStyle/>
-          <a:p>
-            <a:r>
-              <a:rPr lang="en-CA" dirty="0"/>
-              <a:t>Wing</a:t>
-            </a:r>
-          </a:p>
-        </p:txBody>
-      </p:sp>
-      <p:cxnSp>
-        <p:nvCxnSpPr>
-          <p:cNvPr id="57" name="Straight Arrow Connector 56">
-            <a:extLst>
-              <a:ext uri="{FF2B5EF4-FFF2-40B4-BE49-F238E27FC236}">
-                <a16:creationId xmlns:a16="http://schemas.microsoft.com/office/drawing/2014/main" xmlns="" id="{B0C578F6-714B-4824-9ECE-5015FB620964}"/>
-              </a:ext>
-            </a:extLst>
-          </p:cNvPr>
-          <p:cNvCxnSpPr>
-            <a:cxnSpLocks/>
-          </p:cNvCxnSpPr>
-          <p:nvPr/>
-        </p:nvCxnSpPr>
-        <p:spPr>
-          <a:xfrm>
-            <a:off x="6661355" y="4872188"/>
-            <a:ext cx="943591" cy="0"/>
-          </a:xfrm>
-          <a:prstGeom prst="straightConnector1">
-            <a:avLst/>
-          </a:prstGeom>
-          <a:ln w="38100">
-            <a:solidFill>
-              <a:schemeClr val="tx1"/>
-            </a:solidFill>
-            <a:tailEnd type="triangle"/>
-          </a:ln>
-        </p:spPr>
-        <p:style>
-          <a:lnRef idx="1">
-            <a:schemeClr val="accent1"/>
-          </a:lnRef>
-          <a:fillRef idx="0">
-            <a:schemeClr val="accent1"/>
-          </a:fillRef>
-          <a:effectRef idx="0">
-            <a:schemeClr val="accent1"/>
-          </a:effectRef>
-          <a:fontRef idx="minor">
-            <a:schemeClr val="tx1"/>
-          </a:fontRef>
-        </p:style>
-      </p:cxnSp>
-      <p:cxnSp>
-        <p:nvCxnSpPr>
-          <p:cNvPr id="58" name="Straight Arrow Connector 57">
-            <a:extLst>
-              <a:ext uri="{FF2B5EF4-FFF2-40B4-BE49-F238E27FC236}">
-                <a16:creationId xmlns:a16="http://schemas.microsoft.com/office/drawing/2014/main" xmlns="" id="{850D419C-9C5F-43B0-9494-8C763B70C8D8}"/>
-              </a:ext>
-            </a:extLst>
-          </p:cNvPr>
-          <p:cNvCxnSpPr>
-            <a:cxnSpLocks/>
-          </p:cNvCxnSpPr>
-          <p:nvPr/>
-        </p:nvCxnSpPr>
-        <p:spPr>
-          <a:xfrm>
-            <a:off x="6661355" y="4872188"/>
-            <a:ext cx="943591" cy="525722"/>
-          </a:xfrm>
-          <a:prstGeom prst="straightConnector1">
-            <a:avLst/>
-          </a:prstGeom>
-          <a:ln w="38100">
-            <a:solidFill>
-              <a:schemeClr val="tx1"/>
-            </a:solidFill>
-            <a:tailEnd type="triangle"/>
-          </a:ln>
-        </p:spPr>
-        <p:style>
-          <a:lnRef idx="1">
-            <a:schemeClr val="accent1"/>
-          </a:lnRef>
-          <a:fillRef idx="0">
-            <a:schemeClr val="accent1"/>
-          </a:fillRef>
-          <a:effectRef idx="0">
-            <a:schemeClr val="accent1"/>
-          </a:effectRef>
-          <a:fontRef idx="minor">
-            <a:schemeClr val="tx1"/>
-          </a:fontRef>
-        </p:style>
-      </p:cxnSp>
-      <p:sp>
-        <p:nvSpPr>
-          <p:cNvPr id="60" name="TextBox 59">
-            <a:extLst>
-              <a:ext uri="{FF2B5EF4-FFF2-40B4-BE49-F238E27FC236}">
-                <a16:creationId xmlns:a16="http://schemas.microsoft.com/office/drawing/2014/main" xmlns="" id="{00FCB261-BF63-40FC-B508-C6E3BDD9E269}"/>
-              </a:ext>
-            </a:extLst>
-          </p:cNvPr>
-          <p:cNvSpPr txBox="1"/>
-          <p:nvPr/>
-        </p:nvSpPr>
-        <p:spPr>
-          <a:xfrm>
-            <a:off x="7655418" y="4658064"/>
-            <a:ext cx="1071374" cy="369332"/>
-          </a:xfrm>
-          <a:prstGeom prst="rect">
-            <a:avLst/>
-          </a:prstGeom>
-          <a:noFill/>
-        </p:spPr>
-        <p:txBody>
-          <a:bodyPr wrap="square" rtlCol="0">
-            <a:spAutoFit/>
-          </a:bodyPr>
-          <a:lstStyle/>
-          <a:p>
-            <a:r>
-              <a:rPr lang="en-CA" dirty="0"/>
-              <a:t>Engines</a:t>
-            </a:r>
-          </a:p>
-        </p:txBody>
-      </p:sp>
-      <p:sp>
-        <p:nvSpPr>
-          <p:cNvPr id="61" name="TextBox 60">
-            <a:extLst>
-              <a:ext uri="{FF2B5EF4-FFF2-40B4-BE49-F238E27FC236}">
-                <a16:creationId xmlns:a16="http://schemas.microsoft.com/office/drawing/2014/main" xmlns="" id="{9F61E270-C94A-40B7-A722-8E8BDDC11047}"/>
-              </a:ext>
-            </a:extLst>
-          </p:cNvPr>
-          <p:cNvSpPr txBox="1"/>
-          <p:nvPr/>
-        </p:nvSpPr>
-        <p:spPr>
-          <a:xfrm>
-            <a:off x="7655418" y="5182259"/>
-            <a:ext cx="1071374" cy="369332"/>
-          </a:xfrm>
-          <a:prstGeom prst="rect">
-            <a:avLst/>
-          </a:prstGeom>
-          <a:noFill/>
-        </p:spPr>
-        <p:txBody>
-          <a:bodyPr wrap="square" rtlCol="0">
-            <a:spAutoFit/>
-          </a:bodyPr>
-          <a:lstStyle/>
-          <a:p>
-            <a:r>
-              <a:rPr lang="en-CA" dirty="0" err="1"/>
-              <a:t>WingFlap</a:t>
-            </a:r>
-            <a:endParaRPr lang="en-CA" dirty="0"/>
-          </a:p>
-        </p:txBody>
-      </p:sp>
-      <p:cxnSp>
-        <p:nvCxnSpPr>
-          <p:cNvPr id="62" name="Straight Arrow Connector 61">
-            <a:extLst>
-              <a:ext uri="{FF2B5EF4-FFF2-40B4-BE49-F238E27FC236}">
-                <a16:creationId xmlns:a16="http://schemas.microsoft.com/office/drawing/2014/main" xmlns="" id="{CFF82DD4-5FF5-4264-902D-D7599D1875D6}"/>
-              </a:ext>
-            </a:extLst>
-          </p:cNvPr>
-          <p:cNvCxnSpPr>
-            <a:cxnSpLocks/>
-          </p:cNvCxnSpPr>
-          <p:nvPr/>
-        </p:nvCxnSpPr>
-        <p:spPr>
-          <a:xfrm>
-            <a:off x="8629628" y="4833202"/>
-            <a:ext cx="943591" cy="0"/>
-          </a:xfrm>
-          <a:prstGeom prst="straightConnector1">
-            <a:avLst/>
-          </a:prstGeom>
-          <a:ln w="38100">
-            <a:solidFill>
-              <a:schemeClr val="tx1"/>
-            </a:solidFill>
-            <a:tailEnd type="triangle"/>
-          </a:ln>
-        </p:spPr>
-        <p:style>
-          <a:lnRef idx="1">
-            <a:schemeClr val="accent1"/>
-          </a:lnRef>
-          <a:fillRef idx="0">
-            <a:schemeClr val="accent1"/>
-          </a:fillRef>
-          <a:effectRef idx="0">
-            <a:schemeClr val="accent1"/>
-          </a:effectRef>
-          <a:fontRef idx="minor">
-            <a:schemeClr val="tx1"/>
-          </a:fontRef>
-        </p:style>
-      </p:cxnSp>
-      <p:cxnSp>
-        <p:nvCxnSpPr>
-          <p:cNvPr id="63" name="Straight Arrow Connector 62">
-            <a:extLst>
-              <a:ext uri="{FF2B5EF4-FFF2-40B4-BE49-F238E27FC236}">
-                <a16:creationId xmlns:a16="http://schemas.microsoft.com/office/drawing/2014/main" xmlns="" id="{D0F66810-2AF9-4236-95FB-FFBF82C4FD8E}"/>
-              </a:ext>
-            </a:extLst>
-          </p:cNvPr>
-          <p:cNvCxnSpPr>
-            <a:cxnSpLocks/>
-          </p:cNvCxnSpPr>
-          <p:nvPr/>
-        </p:nvCxnSpPr>
-        <p:spPr>
-          <a:xfrm flipV="1">
-            <a:off x="8629628" y="4424523"/>
-            <a:ext cx="943591" cy="408640"/>
-          </a:xfrm>
-          <a:prstGeom prst="straightConnector1">
-            <a:avLst/>
-          </a:prstGeom>
-          <a:ln w="38100">
-            <a:solidFill>
-              <a:schemeClr val="tx1"/>
-            </a:solidFill>
-            <a:tailEnd type="triangle"/>
-          </a:ln>
-        </p:spPr>
-        <p:style>
-          <a:lnRef idx="1">
-            <a:schemeClr val="accent1"/>
-          </a:lnRef>
-          <a:fillRef idx="0">
-            <a:schemeClr val="accent1"/>
-          </a:fillRef>
-          <a:effectRef idx="0">
-            <a:schemeClr val="accent1"/>
-          </a:effectRef>
-          <a:fontRef idx="minor">
-            <a:schemeClr val="tx1"/>
-          </a:fontRef>
-        </p:style>
-      </p:cxnSp>
-      <p:sp>
-        <p:nvSpPr>
-          <p:cNvPr id="65" name="TextBox 64">
-            <a:extLst>
-              <a:ext uri="{FF2B5EF4-FFF2-40B4-BE49-F238E27FC236}">
-                <a16:creationId xmlns:a16="http://schemas.microsoft.com/office/drawing/2014/main" xmlns="" id="{83B2A0EA-96AE-46DE-9582-415750498B5B}"/>
-              </a:ext>
-            </a:extLst>
-          </p:cNvPr>
-          <p:cNvSpPr txBox="1"/>
-          <p:nvPr/>
-        </p:nvSpPr>
-        <p:spPr>
-          <a:xfrm>
-            <a:off x="9655434" y="4210694"/>
-            <a:ext cx="1501039" cy="369332"/>
-          </a:xfrm>
-          <a:prstGeom prst="rect">
-            <a:avLst/>
-          </a:prstGeom>
-          <a:noFill/>
-        </p:spPr>
-        <p:txBody>
-          <a:bodyPr wrap="square" rtlCol="0">
-            <a:spAutoFit/>
-          </a:bodyPr>
-          <a:lstStyle/>
-          <a:p>
-            <a:r>
-              <a:rPr lang="en-CA" dirty="0" err="1"/>
-              <a:t>InnerEngine</a:t>
-            </a:r>
-            <a:endParaRPr lang="en-CA" dirty="0"/>
-          </a:p>
-        </p:txBody>
-      </p:sp>
-      <p:sp>
-        <p:nvSpPr>
-          <p:cNvPr id="66" name="TextBox 65">
-            <a:extLst>
-              <a:ext uri="{FF2B5EF4-FFF2-40B4-BE49-F238E27FC236}">
-                <a16:creationId xmlns:a16="http://schemas.microsoft.com/office/drawing/2014/main" xmlns="" id="{D520A455-DE89-4DDE-8FC6-85DD4E5E4D49}"/>
-              </a:ext>
-            </a:extLst>
-          </p:cNvPr>
-          <p:cNvSpPr txBox="1"/>
-          <p:nvPr/>
-        </p:nvSpPr>
-        <p:spPr>
-          <a:xfrm>
-            <a:off x="9666913" y="4601676"/>
-            <a:ext cx="1501039" cy="369332"/>
-          </a:xfrm>
-          <a:prstGeom prst="rect">
-            <a:avLst/>
-          </a:prstGeom>
-          <a:noFill/>
-        </p:spPr>
-        <p:txBody>
-          <a:bodyPr wrap="square" rtlCol="0">
-            <a:spAutoFit/>
-          </a:bodyPr>
-          <a:lstStyle/>
-          <a:p>
-            <a:r>
-              <a:rPr lang="en-CA" dirty="0" err="1"/>
-              <a:t>OuterEngine</a:t>
-            </a:r>
-            <a:endParaRPr lang="en-CA" dirty="0"/>
-          </a:p>
-        </p:txBody>
-      </p:sp>
-      <p:sp>
-        <p:nvSpPr>
-          <p:cNvPr id="46" name="TextBox 45">
-            <a:extLst>
-              <a:ext uri="{FF2B5EF4-FFF2-40B4-BE49-F238E27FC236}">
-                <a16:creationId xmlns:a16="http://schemas.microsoft.com/office/drawing/2014/main" xmlns="" id="{AED62D3E-1C93-4BB9-81AF-99B4E63BC8E3}"/>
-              </a:ext>
-            </a:extLst>
-          </p:cNvPr>
-          <p:cNvSpPr txBox="1"/>
-          <p:nvPr/>
-        </p:nvSpPr>
-        <p:spPr>
-          <a:xfrm>
-            <a:off x="1256950" y="3076301"/>
-            <a:ext cx="1071715" cy="369332"/>
-          </a:xfrm>
-          <a:prstGeom prst="rect">
-            <a:avLst/>
-          </a:prstGeom>
-          <a:solidFill>
-            <a:schemeClr val="bg2">
-              <a:lumMod val="75000"/>
-            </a:schemeClr>
-          </a:solidFill>
-        </p:spPr>
-        <p:txBody>
-          <a:bodyPr wrap="square" rtlCol="0">
-            <a:spAutoFit/>
-          </a:bodyPr>
-          <a:lstStyle/>
-          <a:p>
-            <a:r>
-              <a:rPr lang="en-CA" b="1" dirty="0"/>
-              <a:t>Airplane</a:t>
-            </a:r>
-          </a:p>
-        </p:txBody>
-      </p:sp>
-    </p:spTree>
-    <p:extLst>
-      <p:ext uri="{BB962C8B-B14F-4D97-AF65-F5344CB8AC3E}">
-        <p14:creationId xmlns:p14="http://schemas.microsoft.com/office/powerpoint/2010/main" xmlns="" val="2779966150"/>
-      </p:ext>
-    </p:extLst>
-  </p:cSld>
-  <p:clrMapOvr>
-    <a:masterClrMapping/>
-  </p:clrMapOvr>
-</p:sld>
-</file>
-
-<file path=ppt/slides/slide11.xml><?xml version="1.0" encoding="utf-8"?>
-<p:sld xmlns:a="http://schemas.openxmlformats.org/drawingml/2006/main" xmlns:r="http://schemas.openxmlformats.org/officeDocument/2006/relationships" xmlns:p="http://schemas.openxmlformats.org/presentationml/2006/main">
-  <p:cSld>
-    <p:spTree>
-      <p:nvGrpSpPr>
-        <p:cNvPr id="1" name=""/>
-        <p:cNvGrpSpPr/>
-        <p:nvPr/>
-      </p:nvGrpSpPr>
-      <p:grpSpPr>
-        <a:xfrm>
-          <a:off x="0" y="0"/>
-          <a:ext cx="0" cy="0"/>
-          <a:chOff x="0" y="0"/>
-          <a:chExt cx="0" cy="0"/>
-        </a:xfrm>
-      </p:grpSpPr>
       <p:pic>
         <p:nvPicPr>
           <p:cNvPr id="7" name="Picture 6">
@@ -5524,7 +3855,7 @@
             <a:fld id="{5174927E-2439-42C0-9720-7BBCA09BF46F}" type="slidenum">
               <a:rPr lang="en-CA" smtClean="0"/>
               <a:pPr/>
-              <a:t>11</a:t>
+              <a:t>10</a:t>
             </a:fld>
             <a:r>
               <a:rPr lang="en-CA" dirty="0"/>
@@ -6923,7 +5254,7 @@
 </p:sld>
 </file>
 
-<file path=ppt/slides/slide12.xml><?xml version="1.0" encoding="utf-8"?>
+<file path=ppt/slides/slide11.xml><?xml version="1.0" encoding="utf-8"?>
 <p:sld xmlns:a="http://schemas.openxmlformats.org/drawingml/2006/main" xmlns:r="http://schemas.openxmlformats.org/officeDocument/2006/relationships" xmlns:p="http://schemas.openxmlformats.org/presentationml/2006/main">
   <p:cSld>
     <p:spTree>
@@ -7040,7 +5371,7 @@
             <a:fld id="{5174927E-2439-42C0-9720-7BBCA09BF46F}" type="slidenum">
               <a:rPr lang="en-CA" smtClean="0"/>
               <a:pPr/>
-              <a:t>12</a:t>
+              <a:t>11</a:t>
             </a:fld>
             <a:r>
               <a:rPr lang="en-CA" dirty="0"/>
@@ -7320,7 +5651,7 @@
 </p:sld>
 </file>
 
-<file path=ppt/slides/slide13.xml><?xml version="1.0" encoding="utf-8"?>
+<file path=ppt/slides/slide12.xml><?xml version="1.0" encoding="utf-8"?>
 <p:sld xmlns:a="http://schemas.openxmlformats.org/drawingml/2006/main" xmlns:r="http://schemas.openxmlformats.org/officeDocument/2006/relationships" xmlns:p="http://schemas.openxmlformats.org/presentationml/2006/main">
   <p:cSld>
     <p:spTree>
@@ -7437,7 +5768,7 @@
             <a:fld id="{5174927E-2439-42C0-9720-7BBCA09BF46F}" type="slidenum">
               <a:rPr lang="en-CA" smtClean="0"/>
               <a:pPr/>
-              <a:t>13</a:t>
+              <a:t>12</a:t>
             </a:fld>
             <a:r>
               <a:rPr lang="en-CA" dirty="0"/>
@@ -7817,7 +6148,7 @@
 </p:sld>
 </file>
 
-<file path=ppt/slides/slide14.xml><?xml version="1.0" encoding="utf-8"?>
+<file path=ppt/slides/slide13.xml><?xml version="1.0" encoding="utf-8"?>
 <p:sld xmlns:a="http://schemas.openxmlformats.org/drawingml/2006/main" xmlns:r="http://schemas.openxmlformats.org/officeDocument/2006/relationships" xmlns:p="http://schemas.openxmlformats.org/presentationml/2006/main">
   <p:cSld>
     <p:spTree>
@@ -7934,7 +6265,7 @@
             <a:fld id="{5174927E-2439-42C0-9720-7BBCA09BF46F}" type="slidenum">
               <a:rPr lang="en-CA" smtClean="0"/>
               <a:pPr/>
-              <a:t>14</a:t>
+              <a:t>13</a:t>
             </a:fld>
             <a:r>
               <a:rPr lang="en-CA" dirty="0"/>
@@ -8298,7 +6629,7 @@
 </p:sld>
 </file>
 
-<file path=ppt/slides/slide15.xml><?xml version="1.0" encoding="utf-8"?>
+<file path=ppt/slides/slide14.xml><?xml version="1.0" encoding="utf-8"?>
 <p:sld xmlns:a="http://schemas.openxmlformats.org/drawingml/2006/main" xmlns:r="http://schemas.openxmlformats.org/officeDocument/2006/relationships" xmlns:p="http://schemas.openxmlformats.org/presentationml/2006/main">
   <p:cSld>
     <p:spTree>
@@ -8415,7 +6746,7 @@
             <a:fld id="{5174927E-2439-42C0-9720-7BBCA09BF46F}" type="slidenum">
               <a:rPr lang="en-CA" smtClean="0"/>
               <a:pPr/>
-              <a:t>15</a:t>
+              <a:t>14</a:t>
             </a:fld>
             <a:r>
               <a:rPr lang="en-CA" dirty="0"/>
@@ -8948,6 +7279,217 @@
 </p:sld>
 </file>
 
+<file path=ppt/slides/slide15.xml><?xml version="1.0" encoding="utf-8"?>
+<p:sld xmlns:a="http://schemas.openxmlformats.org/drawingml/2006/main" xmlns:r="http://schemas.openxmlformats.org/officeDocument/2006/relationships" xmlns:p="http://schemas.openxmlformats.org/presentationml/2006/main">
+  <p:cSld>
+    <p:spTree>
+      <p:nvGrpSpPr>
+        <p:cNvPr id="1" name=""/>
+        <p:cNvGrpSpPr/>
+        <p:nvPr/>
+      </p:nvGrpSpPr>
+      <p:grpSpPr>
+        <a:xfrm>
+          <a:off x="0" y="0"/>
+          <a:ext cx="0" cy="0"/>
+          <a:chOff x="0" y="0"/>
+          <a:chExt cx="0" cy="0"/>
+        </a:xfrm>
+      </p:grpSpPr>
+      <p:sp>
+        <p:nvSpPr>
+          <p:cNvPr id="2" name="Title 1"/>
+          <p:cNvSpPr>
+            <a:spLocks noGrp="1"/>
+          </p:cNvSpPr>
+          <p:nvPr>
+            <p:ph type="title"/>
+          </p:nvPr>
+        </p:nvSpPr>
+        <p:spPr/>
+        <p:txBody>
+          <a:bodyPr/>
+          <a:lstStyle/>
+          <a:p>
+            <a:r>
+              <a:rPr lang="en-US" dirty="0"/>
+              <a:t>OOP Languages</a:t>
+            </a:r>
+            <a:endParaRPr lang="en-CA" dirty="0"/>
+          </a:p>
+        </p:txBody>
+      </p:sp>
+      <p:sp>
+        <p:nvSpPr>
+          <p:cNvPr id="3" name="Content Placeholder 2"/>
+          <p:cNvSpPr>
+            <a:spLocks noGrp="1"/>
+          </p:cNvSpPr>
+          <p:nvPr>
+            <p:ph idx="1"/>
+          </p:nvPr>
+        </p:nvSpPr>
+        <p:spPr>
+          <a:xfrm>
+            <a:off x="640874" y="1168401"/>
+            <a:ext cx="10515600" cy="5134076"/>
+          </a:xfrm>
+        </p:spPr>
+        <p:txBody>
+          <a:bodyPr>
+            <a:normAutofit/>
+          </a:bodyPr>
+          <a:lstStyle/>
+          <a:p>
+            <a:r>
+              <a:rPr lang="en-US" altLang="en-US" dirty="0">
+                <a:ea typeface="ＭＳ Ｐゴシック" panose="020B0600070205080204" pitchFamily="34" charset="-128"/>
+              </a:rPr>
+              <a:t>Classes, Objects =&gt; The blueprints, and the building</a:t>
+            </a:r>
+          </a:p>
+          <a:p>
+            <a:endParaRPr lang="en-US" altLang="en-US" dirty="0">
+              <a:ea typeface="ＭＳ Ｐゴシック" panose="020B0600070205080204" pitchFamily="34" charset="-128"/>
+            </a:endParaRPr>
+          </a:p>
+          <a:p>
+            <a:r>
+              <a:rPr lang="en-US" altLang="en-US" b="1" dirty="0">
+                <a:ea typeface="ＭＳ Ｐゴシック" panose="020B0600070205080204" pitchFamily="34" charset="-128"/>
+              </a:rPr>
+              <a:t>Instance/Object </a:t>
+            </a:r>
+            <a:r>
+              <a:rPr lang="en-US" altLang="en-US" dirty="0">
+                <a:ea typeface="ＭＳ Ｐゴシック" panose="020B0600070205080204" pitchFamily="34" charset="-128"/>
+              </a:rPr>
+              <a:t>methods and variables =&gt; Related to </a:t>
+            </a:r>
+            <a:r>
+              <a:rPr lang="en-US" altLang="en-US" b="1" dirty="0">
+                <a:ea typeface="ＭＳ Ｐゴシック" panose="020B0600070205080204" pitchFamily="34" charset="-128"/>
+              </a:rPr>
+              <a:t>the building </a:t>
+            </a:r>
+            <a:r>
+              <a:rPr lang="en-US" altLang="en-US" dirty="0">
+                <a:ea typeface="ＭＳ Ｐゴシック" panose="020B0600070205080204" pitchFamily="34" charset="-128"/>
+              </a:rPr>
+              <a:t>itself</a:t>
+            </a:r>
+          </a:p>
+          <a:p>
+            <a:endParaRPr lang="en-US" altLang="en-US" dirty="0">
+              <a:ea typeface="ＭＳ Ｐゴシック" panose="020B0600070205080204" pitchFamily="34" charset="-128"/>
+            </a:endParaRPr>
+          </a:p>
+          <a:p>
+            <a:r>
+              <a:rPr lang="en-US" altLang="en-US" b="1" dirty="0">
+                <a:ea typeface="ＭＳ Ｐゴシック" panose="020B0600070205080204" pitchFamily="34" charset="-128"/>
+              </a:rPr>
+              <a:t>Class/Static </a:t>
+            </a:r>
+            <a:r>
+              <a:rPr lang="en-US" altLang="en-US" dirty="0">
+                <a:ea typeface="ＭＳ Ｐゴシック" panose="020B0600070205080204" pitchFamily="34" charset="-128"/>
+              </a:rPr>
+              <a:t>methods and variables =&gt; Related to </a:t>
+            </a:r>
+            <a:r>
+              <a:rPr lang="en-US" altLang="en-US" b="1" dirty="0">
+                <a:ea typeface="ＭＳ Ｐゴシック" panose="020B0600070205080204" pitchFamily="34" charset="-128"/>
+              </a:rPr>
+              <a:t>all buildings </a:t>
+            </a:r>
+            <a:r>
+              <a:rPr lang="en-US" altLang="en-US" dirty="0">
+                <a:ea typeface="ＭＳ Ｐゴシック" panose="020B0600070205080204" pitchFamily="34" charset="-128"/>
+              </a:rPr>
+              <a:t>through the blueprint</a:t>
+            </a:r>
+          </a:p>
+          <a:p>
+            <a:pPr marL="0" indent="0">
+              <a:buNone/>
+            </a:pPr>
+            <a:endParaRPr lang="en-US" altLang="en-US" dirty="0">
+              <a:ea typeface="ＭＳ Ｐゴシック" panose="020B0600070205080204" pitchFamily="34" charset="-128"/>
+            </a:endParaRPr>
+          </a:p>
+          <a:p>
+            <a:pPr marL="0" indent="0">
+              <a:buNone/>
+            </a:pPr>
+            <a:endParaRPr lang="en-US" altLang="en-US" dirty="0">
+              <a:ea typeface="ＭＳ Ｐゴシック" panose="020B0600070205080204" pitchFamily="34" charset="-128"/>
+            </a:endParaRPr>
+          </a:p>
+        </p:txBody>
+      </p:sp>
+      <p:sp>
+        <p:nvSpPr>
+          <p:cNvPr id="10" name="Footer Placeholder 9"/>
+          <p:cNvSpPr>
+            <a:spLocks noGrp="1"/>
+          </p:cNvSpPr>
+          <p:nvPr>
+            <p:ph type="ftr" sz="quarter" idx="3"/>
+          </p:nvPr>
+        </p:nvSpPr>
+        <p:spPr/>
+        <p:txBody>
+          <a:bodyPr/>
+          <a:lstStyle/>
+          <a:p>
+            <a:r>
+              <a:rPr lang="en-CA" dirty="0"/>
+              <a:t>CS321: Advanced Programming Techniques</a:t>
+            </a:r>
+          </a:p>
+        </p:txBody>
+      </p:sp>
+      <p:sp>
+        <p:nvSpPr>
+          <p:cNvPr id="12" name="Slide Number Placeholder 11"/>
+          <p:cNvSpPr>
+            <a:spLocks noGrp="1"/>
+          </p:cNvSpPr>
+          <p:nvPr>
+            <p:ph type="sldNum" sz="quarter" idx="4"/>
+          </p:nvPr>
+        </p:nvSpPr>
+        <p:spPr/>
+        <p:txBody>
+          <a:bodyPr/>
+          <a:lstStyle/>
+          <a:p>
+            <a:fld id="{5174927E-2439-42C0-9720-7BBCA09BF46F}" type="slidenum">
+              <a:rPr lang="en-CA" smtClean="0"/>
+              <a:pPr/>
+              <a:t>15</a:t>
+            </a:fld>
+            <a:r>
+              <a:rPr lang="en-CA" dirty="0"/>
+              <a:t> </a:t>
+            </a:r>
+          </a:p>
+        </p:txBody>
+      </p:sp>
+    </p:spTree>
+    <p:extLst>
+      <p:ext uri="{BB962C8B-B14F-4D97-AF65-F5344CB8AC3E}">
+        <p14:creationId xmlns:p14="http://schemas.microsoft.com/office/powerpoint/2010/main" xmlns="" val="3365457725"/>
+      </p:ext>
+    </p:extLst>
+  </p:cSld>
+  <p:clrMapOvr>
+    <a:masterClrMapping/>
+  </p:clrMapOvr>
+</p:sld>
+</file>
+
 <file path=ppt/slides/slide16.xml><?xml version="1.0" encoding="utf-8"?>
 <p:sld xmlns:a="http://schemas.openxmlformats.org/drawingml/2006/main" xmlns:r="http://schemas.openxmlformats.org/officeDocument/2006/relationships" xmlns:p="http://schemas.openxmlformats.org/presentationml/2006/main">
   <p:cSld>
@@ -8982,7 +7524,7 @@
           <a:p>
             <a:r>
               <a:rPr lang="en-US" dirty="0"/>
-              <a:t>OOP Languages</a:t>
+              <a:t>Methods common to all objects</a:t>
             </a:r>
             <a:endParaRPr lang="en-CA" dirty="0"/>
           </a:p>
@@ -9001,99 +7543,86 @@
         <p:spPr>
           <a:xfrm>
             <a:off x="640874" y="1168401"/>
-            <a:ext cx="10515600" cy="5134076"/>
+            <a:ext cx="10515600" cy="4399753"/>
           </a:xfrm>
         </p:spPr>
         <p:txBody>
           <a:bodyPr>
-            <a:normAutofit/>
+            <a:normAutofit fontScale="92500"/>
           </a:bodyPr>
           <a:lstStyle/>
           <a:p>
             <a:r>
-              <a:rPr lang="en-US" altLang="en-US" dirty="0">
-                <a:ea typeface="ＭＳ Ｐゴシック" panose="020B0600070205080204" pitchFamily="34" charset="-128"/>
-              </a:rPr>
-              <a:t>Classes, Objects =&gt; The blueprints, and the building</a:t>
-            </a:r>
-          </a:p>
-          <a:p>
-            <a:endParaRPr lang="en-US" altLang="en-US" dirty="0">
-              <a:ea typeface="ＭＳ Ｐゴシック" panose="020B0600070205080204" pitchFamily="34" charset="-128"/>
-            </a:endParaRPr>
-          </a:p>
-          <a:p>
-            <a:r>
-              <a:rPr lang="en-US" altLang="en-US" b="1" dirty="0">
-                <a:ea typeface="ＭＳ Ｐゴシック" panose="020B0600070205080204" pitchFamily="34" charset="-128"/>
-              </a:rPr>
-              <a:t>Instance/Object </a:t>
-            </a:r>
-            <a:r>
-              <a:rPr lang="en-US" altLang="en-US" dirty="0">
-                <a:ea typeface="ＭＳ Ｐゴシック" panose="020B0600070205080204" pitchFamily="34" charset="-128"/>
-              </a:rPr>
-              <a:t>methods and variables =&gt; Related to </a:t>
-            </a:r>
-            <a:r>
-              <a:rPr lang="en-US" altLang="en-US" b="1" dirty="0">
-                <a:ea typeface="ＭＳ Ｐゴシック" panose="020B0600070205080204" pitchFamily="34" charset="-128"/>
-              </a:rPr>
-              <a:t>the building </a:t>
-            </a:r>
-            <a:r>
-              <a:rPr lang="en-US" altLang="en-US" dirty="0">
-                <a:ea typeface="ＭＳ Ｐゴシック" panose="020B0600070205080204" pitchFamily="34" charset="-128"/>
-              </a:rPr>
-              <a:t>itself</a:t>
-            </a:r>
-          </a:p>
-          <a:p>
-            <a:endParaRPr lang="en-US" altLang="en-US" dirty="0">
-              <a:ea typeface="ＭＳ Ｐゴシック" panose="020B0600070205080204" pitchFamily="34" charset="-128"/>
-            </a:endParaRPr>
-          </a:p>
-          <a:p>
-            <a:r>
-              <a:rPr lang="en-US" altLang="en-US" b="1" dirty="0">
-                <a:ea typeface="ＭＳ Ｐゴシック" panose="020B0600070205080204" pitchFamily="34" charset="-128"/>
-              </a:rPr>
-              <a:t>Class/Static </a:t>
-            </a:r>
-            <a:r>
-              <a:rPr lang="en-US" altLang="en-US" dirty="0">
-                <a:ea typeface="ＭＳ Ｐゴシック" panose="020B0600070205080204" pitchFamily="34" charset="-128"/>
-              </a:rPr>
-              <a:t>methods and variables =&gt; Related to </a:t>
-            </a:r>
-            <a:r>
-              <a:rPr lang="en-US" altLang="en-US" b="1" dirty="0">
-                <a:ea typeface="ＭＳ Ｐゴシック" panose="020B0600070205080204" pitchFamily="34" charset="-128"/>
-              </a:rPr>
-              <a:t>all buildings </a:t>
-            </a:r>
-            <a:r>
-              <a:rPr lang="en-US" altLang="en-US" dirty="0">
-                <a:ea typeface="ＭＳ Ｐゴシック" panose="020B0600070205080204" pitchFamily="34" charset="-128"/>
-              </a:rPr>
-              <a:t>through the blueprint</a:t>
-            </a:r>
-          </a:p>
-          <a:p>
-            <a:pPr marL="0" indent="0">
-              <a:buNone/>
-            </a:pPr>
-            <a:endParaRPr lang="en-US" altLang="en-US" dirty="0">
-              <a:ea typeface="ＭＳ Ｐゴシック" panose="020B0600070205080204" pitchFamily="34" charset="-128"/>
-            </a:endParaRPr>
-          </a:p>
-          <a:p>
-            <a:pPr marL="0" indent="0">
-              <a:buNone/>
-            </a:pPr>
-            <a:endParaRPr lang="en-US" altLang="en-US" dirty="0">
-              <a:ea typeface="ＭＳ Ｐゴシック" panose="020B0600070205080204" pitchFamily="34" charset="-128"/>
-            </a:endParaRPr>
+              <a:rPr lang="en-US" dirty="0"/>
+              <a:t>The class Object provides a number of methods designed to be </a:t>
+            </a:r>
+            <a:r>
+              <a:rPr lang="en-US" dirty="0" err="1"/>
+              <a:t>overriden</a:t>
+            </a:r>
+            <a:r>
+              <a:rPr lang="en-US" dirty="0"/>
+              <a:t>.  </a:t>
+            </a:r>
+          </a:p>
+          <a:p>
+            <a:endParaRPr lang="en-US" dirty="0"/>
+          </a:p>
+          <a:p>
+            <a:pPr lvl="1"/>
+            <a:r>
+              <a:rPr lang="en-US" sz="2800" dirty="0"/>
+              <a:t> equals()</a:t>
+            </a:r>
+          </a:p>
+          <a:p>
+            <a:pPr lvl="1"/>
+            <a:r>
+              <a:rPr lang="en-US" sz="2800" dirty="0"/>
+              <a:t> </a:t>
+            </a:r>
+            <a:r>
+              <a:rPr lang="en-US" sz="2800" dirty="0" err="1"/>
+              <a:t>toString</a:t>
+            </a:r>
+            <a:r>
+              <a:rPr lang="en-US" sz="2800" dirty="0"/>
+              <a:t>( )</a:t>
+            </a:r>
+          </a:p>
+          <a:p>
+            <a:pPr lvl="1"/>
+            <a:r>
+              <a:rPr lang="en-US" sz="2800" dirty="0"/>
+              <a:t> clone( )</a:t>
+            </a:r>
+          </a:p>
+          <a:p>
+            <a:pPr lvl="1"/>
+            <a:r>
+              <a:rPr lang="en-US" sz="2800" dirty="0"/>
+              <a:t> finalize( )</a:t>
+            </a:r>
+          </a:p>
+          <a:p>
+            <a:endParaRPr lang="en-US" dirty="0"/>
+          </a:p>
+          <a:p>
+            <a:endParaRPr lang="en-US" dirty="0"/>
+          </a:p>
+          <a:p>
+            <a:r>
+              <a:rPr lang="en-US" dirty="0"/>
+              <a:t>A default </a:t>
+            </a:r>
+            <a:r>
+              <a:rPr lang="en-US" dirty="0" err="1"/>
+              <a:t>behaviour</a:t>
+            </a:r>
+            <a:r>
+              <a:rPr lang="en-US" dirty="0"/>
+              <a:t> is implemented but that might not be what you want. </a:t>
+            </a:r>
           </a:p>
         </p:txBody>
       </p:sp>
@@ -9149,7 +7678,7 @@
     </p:spTree>
     <p:extLst>
       <p:ext uri="{BB962C8B-B14F-4D97-AF65-F5344CB8AC3E}">
-        <p14:creationId xmlns:p14="http://schemas.microsoft.com/office/powerpoint/2010/main" xmlns="" val="3365457725"/>
+        <p14:creationId xmlns:p14="http://schemas.microsoft.com/office/powerpoint/2010/main" xmlns="" val="2737390811"/>
       </p:ext>
     </p:extLst>
   </p:cSld>
@@ -9193,7 +7722,7 @@
           <a:p>
             <a:r>
               <a:rPr lang="en-US" dirty="0"/>
-              <a:t>Methods common to all objects</a:t>
+              <a:t>OOP Languages</a:t>
             </a:r>
             <a:endParaRPr lang="en-CA" dirty="0"/>
           </a:p>
@@ -9212,86 +7741,70 @@
         <p:spPr>
           <a:xfrm>
             <a:off x="640874" y="1168401"/>
-            <a:ext cx="10515600" cy="4399753"/>
+            <a:ext cx="10515600" cy="5134076"/>
           </a:xfrm>
         </p:spPr>
         <p:txBody>
           <a:bodyPr>
-            <a:normAutofit fontScale="92500"/>
+            <a:normAutofit/>
           </a:bodyPr>
           <a:lstStyle/>
           <a:p>
             <a:r>
-              <a:rPr lang="en-US" dirty="0"/>
-              <a:t>The class Object provides a number of methods designed to be </a:t>
-            </a:r>
-            <a:r>
-              <a:rPr lang="en-US" dirty="0" err="1"/>
-              <a:t>overriden</a:t>
-            </a:r>
-            <a:r>
-              <a:rPr lang="en-US" dirty="0"/>
-              <a:t>.  </a:t>
-            </a:r>
-          </a:p>
-          <a:p>
-            <a:endParaRPr lang="en-US" dirty="0"/>
+              <a:rPr lang="en-US" altLang="en-US" dirty="0">
+                <a:ea typeface="ＭＳ Ｐゴシック" panose="020B0600070205080204" pitchFamily="34" charset="-128"/>
+              </a:rPr>
+              <a:t>Overriding</a:t>
+            </a:r>
           </a:p>
           <a:p>
             <a:pPr lvl="1"/>
             <a:r>
-              <a:rPr lang="en-US" sz="2800" dirty="0"/>
-              <a:t> equals()</a:t>
+              <a:rPr lang="en-US" altLang="en-US" dirty="0">
+                <a:ea typeface="ＭＳ Ｐゴシック" panose="020B0600070205080204" pitchFamily="34" charset="-128"/>
+              </a:rPr>
+              <a:t>Re-implementing a method in a subclass using the same method signature</a:t>
+            </a:r>
+          </a:p>
+          <a:p>
+            <a:endParaRPr lang="en-US" altLang="en-US" dirty="0">
+              <a:ea typeface="ＭＳ Ｐゴシック" panose="020B0600070205080204" pitchFamily="34" charset="-128"/>
+            </a:endParaRPr>
+          </a:p>
+          <a:p>
+            <a:r>
+              <a:rPr lang="en-US" altLang="en-US" dirty="0">
+                <a:ea typeface="ＭＳ Ｐゴシック" panose="020B0600070205080204" pitchFamily="34" charset="-128"/>
+              </a:rPr>
+              <a:t>Overloading</a:t>
             </a:r>
           </a:p>
           <a:p>
             <a:pPr lvl="1"/>
             <a:r>
-              <a:rPr lang="en-US" sz="2800" dirty="0"/>
-              <a:t> </a:t>
-            </a:r>
-            <a:r>
-              <a:rPr lang="en-US" sz="2800" dirty="0" err="1"/>
-              <a:t>toString</a:t>
-            </a:r>
-            <a:r>
-              <a:rPr lang="en-US" sz="2800" dirty="0"/>
-              <a:t>( )</a:t>
-            </a:r>
-          </a:p>
-          <a:p>
-            <a:pPr lvl="1"/>
-            <a:r>
-              <a:rPr lang="en-US" sz="2800" dirty="0"/>
-              <a:t> clone( )</a:t>
-            </a:r>
-          </a:p>
-          <a:p>
-            <a:pPr lvl="1"/>
-            <a:r>
-              <a:rPr lang="en-US" sz="2800" dirty="0"/>
-              <a:t> finalize( )</a:t>
-            </a:r>
-          </a:p>
-          <a:p>
-            <a:endParaRPr lang="en-US" dirty="0"/>
-          </a:p>
-          <a:p>
-            <a:endParaRPr lang="en-US" dirty="0"/>
-          </a:p>
-          <a:p>
-            <a:r>
-              <a:rPr lang="en-US" dirty="0"/>
-              <a:t>A default </a:t>
-            </a:r>
-            <a:r>
-              <a:rPr lang="en-US" dirty="0" err="1"/>
-              <a:t>behaviour</a:t>
-            </a:r>
-            <a:r>
-              <a:rPr lang="en-US" dirty="0"/>
-              <a:t> is implemented but that might not be what you want. </a:t>
-            </a:r>
+              <a:rPr lang="en-US" altLang="en-US" dirty="0">
+                <a:ea typeface="ＭＳ Ｐゴシック" panose="020B0600070205080204" pitchFamily="34" charset="-128"/>
+              </a:rPr>
+              <a:t>Re-implementing a method with the same name and return type in the subclass using a different method signature</a:t>
+            </a:r>
+          </a:p>
+          <a:p>
+            <a:endParaRPr lang="en-US" altLang="en-US" dirty="0">
+              <a:ea typeface="ＭＳ Ｐゴシック" panose="020B0600070205080204" pitchFamily="34" charset="-128"/>
+            </a:endParaRPr>
+          </a:p>
+          <a:p>
+            <a:endParaRPr lang="en-US" altLang="en-US" dirty="0">
+              <a:ea typeface="ＭＳ Ｐゴシック" panose="020B0600070205080204" pitchFamily="34" charset="-128"/>
+            </a:endParaRPr>
+          </a:p>
+          <a:p>
+            <a:pPr marL="0" indent="0">
+              <a:buNone/>
+            </a:pPr>
+            <a:endParaRPr lang="en-US" altLang="en-US" dirty="0">
+              <a:ea typeface="ＭＳ Ｐゴシック" panose="020B0600070205080204" pitchFamily="34" charset="-128"/>
+            </a:endParaRPr>
           </a:p>
         </p:txBody>
       </p:sp>
@@ -9347,7 +7860,7 @@
     </p:spTree>
     <p:extLst>
       <p:ext uri="{BB962C8B-B14F-4D97-AF65-F5344CB8AC3E}">
-        <p14:creationId xmlns:p14="http://schemas.microsoft.com/office/powerpoint/2010/main" xmlns="" val="2737390811"/>
+        <p14:creationId xmlns:p14="http://schemas.microsoft.com/office/powerpoint/2010/main" xmlns="" val="3470026828"/>
       </p:ext>
     </p:extLst>
   </p:cSld>
@@ -9423,7 +7936,7 @@
               <a:rPr lang="en-US" altLang="en-US" dirty="0">
                 <a:ea typeface="ＭＳ Ｐゴシック" panose="020B0600070205080204" pitchFamily="34" charset="-128"/>
               </a:rPr>
-              <a:t>Overriding</a:t>
+              <a:t>Inheritance Hierarchy</a:t>
             </a:r>
           </a:p>
           <a:p>
@@ -9432,7 +7945,7 @@
               <a:rPr lang="en-US" altLang="en-US" dirty="0">
                 <a:ea typeface="ＭＳ Ｐゴシック" panose="020B0600070205080204" pitchFamily="34" charset="-128"/>
               </a:rPr>
-              <a:t>Re-implementing a method in a subclass using the same method signature</a:t>
+              <a:t>Going down in the hierarchy involves more subclassing and continuously adding more information to the classes</a:t>
             </a:r>
           </a:p>
           <a:p>
@@ -9445,7 +7958,13 @@
               <a:rPr lang="en-US" altLang="en-US" dirty="0">
                 <a:ea typeface="ＭＳ Ｐゴシック" panose="020B0600070205080204" pitchFamily="34" charset="-128"/>
               </a:rPr>
-              <a:t>Overloading</a:t>
+              <a:t>Polymorphism =&gt; Meaning: </a:t>
+            </a:r>
+            <a:r>
+              <a:rPr lang="en-US" altLang="en-US" b="1" i="1" dirty="0">
+                <a:ea typeface="ＭＳ Ｐゴシック" panose="020B0600070205080204" pitchFamily="34" charset="-128"/>
+              </a:rPr>
+              <a:t>to take many forms</a:t>
             </a:r>
           </a:p>
           <a:p>
@@ -9454,13 +7973,65 @@
               <a:rPr lang="en-US" altLang="en-US" dirty="0">
                 <a:ea typeface="ＭＳ Ｐゴシック" panose="020B0600070205080204" pitchFamily="34" charset="-128"/>
               </a:rPr>
-              <a:t>Re-implementing a method with the same name and return type in the subclass using a different method signature</a:t>
-            </a:r>
-          </a:p>
-          <a:p>
-            <a:endParaRPr lang="en-US" altLang="en-US" dirty="0">
-              <a:ea typeface="ＭＳ Ｐゴシック" panose="020B0600070205080204" pitchFamily="34" charset="-128"/>
-            </a:endParaRPr>
+              <a:t>The idea of using subclasses anywhere a superclass is used</a:t>
+            </a:r>
+          </a:p>
+          <a:p>
+            <a:pPr lvl="1"/>
+            <a:r>
+              <a:rPr lang="en-US" altLang="en-US" dirty="0">
+                <a:ea typeface="ＭＳ Ｐゴシック" panose="020B0600070205080204" pitchFamily="34" charset="-128"/>
+              </a:rPr>
+              <a:t>Cookie cutter analogy</a:t>
+            </a:r>
+          </a:p>
+          <a:p>
+            <a:pPr lvl="2"/>
+            <a:r>
+              <a:rPr lang="en-US" altLang="en-US" dirty="0">
+                <a:ea typeface="ＭＳ Ｐゴシック" panose="020B0600070205080204" pitchFamily="34" charset="-128"/>
+              </a:rPr>
+              <a:t>Type used at run time is the dough, and the cookie cutter is the declared type</a:t>
+            </a:r>
+          </a:p>
+          <a:p>
+            <a:pPr lvl="3"/>
+            <a:r>
+              <a:rPr lang="en-US" altLang="en-US" dirty="0">
+                <a:ea typeface="ＭＳ Ｐゴシック" panose="020B0600070205080204" pitchFamily="34" charset="-128"/>
+              </a:rPr>
+              <a:t>A </a:t>
+            </a:r>
+            <a:r>
+              <a:rPr lang="en-US" altLang="en-US" dirty="0" err="1">
+                <a:ea typeface="ＭＳ Ｐゴシック" panose="020B0600070205080204" pitchFamily="34" charset="-128"/>
+              </a:rPr>
+              <a:t>aVar</a:t>
+            </a:r>
+            <a:r>
+              <a:rPr lang="en-US" altLang="en-US" dirty="0">
+                <a:ea typeface="ＭＳ Ｐゴシック" panose="020B0600070205080204" pitchFamily="34" charset="-128"/>
+              </a:rPr>
+              <a:t> = new B(); // A (superclass) is the cookie cutter, B (subclass) is the dough</a:t>
+            </a:r>
+          </a:p>
+          <a:p>
+            <a:pPr lvl="1"/>
+            <a:r>
+              <a:rPr lang="en-US" altLang="en-US" dirty="0">
+                <a:ea typeface="ＭＳ Ｐゴシック" panose="020B0600070205080204" pitchFamily="34" charset="-128"/>
+              </a:rPr>
+              <a:t>This works because all subclasses have at least as much information as the superclass</a:t>
+            </a:r>
+          </a:p>
+          <a:p>
+            <a:pPr lvl="2"/>
+            <a:r>
+              <a:rPr lang="en-US" altLang="en-US" dirty="0">
+                <a:ea typeface="ＭＳ Ｐゴシック" panose="020B0600070205080204" pitchFamily="34" charset="-128"/>
+              </a:rPr>
+              <a:t>Going the other way doesn’t work because the superclass never has as much information as is needed for a subclass.</a:t>
+            </a:r>
           </a:p>
           <a:p>
             <a:endParaRPr lang="en-US" altLang="en-US" dirty="0">
@@ -9529,7 +8100,7 @@
     </p:spTree>
     <p:extLst>
       <p:ext uri="{BB962C8B-B14F-4D97-AF65-F5344CB8AC3E}">
-        <p14:creationId xmlns:p14="http://schemas.microsoft.com/office/powerpoint/2010/main" xmlns="" val="3470026828"/>
+        <p14:creationId xmlns:p14="http://schemas.microsoft.com/office/powerpoint/2010/main" xmlns="" val="1157039037"/>
       </p:ext>
     </p:extLst>
   </p:cSld>
@@ -9605,7 +8176,7 @@
               <a:rPr lang="en-US" altLang="en-US" dirty="0">
                 <a:ea typeface="ＭＳ Ｐゴシック" panose="020B0600070205080204" pitchFamily="34" charset="-128"/>
               </a:rPr>
-              <a:t>Inheritance Hierarchy</a:t>
+              <a:t>Encapsulation</a:t>
             </a:r>
           </a:p>
           <a:p>
@@ -9614,98 +8185,110 @@
               <a:rPr lang="en-US" altLang="en-US" dirty="0">
                 <a:ea typeface="ＭＳ Ｐゴシック" panose="020B0600070205080204" pitchFamily="34" charset="-128"/>
               </a:rPr>
-              <a:t>Going down in the hierarchy involves more subclassing and continuously adding more information to the classes</a:t>
-            </a:r>
-          </a:p>
-          <a:p>
+              <a:t>The idea that the object should be responsible for it’s own properties and no outer objects can affect this. (Using private for our variables).</a:t>
+            </a:r>
+          </a:p>
+          <a:p>
+            <a:pPr lvl="1"/>
             <a:endParaRPr lang="en-US" altLang="en-US" dirty="0">
               <a:ea typeface="ＭＳ Ｐゴシック" panose="020B0600070205080204" pitchFamily="34" charset="-128"/>
             </a:endParaRPr>
           </a:p>
           <a:p>
+            <a:pPr lvl="1"/>
             <a:r>
               <a:rPr lang="en-US" altLang="en-US" dirty="0">
                 <a:ea typeface="ＭＳ Ｐゴシック" panose="020B0600070205080204" pitchFamily="34" charset="-128"/>
               </a:rPr>
-              <a:t>Polymorphism =&gt; Meaning: </a:t>
-            </a:r>
-            <a:r>
-              <a:rPr lang="en-US" altLang="en-US" b="1" i="1" dirty="0">
+              <a:t>Example: If you create a Person object </a:t>
+            </a:r>
+            <a:r>
+              <a:rPr lang="en-US" altLang="en-US" b="1" dirty="0">
                 <a:ea typeface="ＭＳ Ｐゴシック" panose="020B0600070205080204" pitchFamily="34" charset="-128"/>
               </a:rPr>
-              <a:t>to take many forms</a:t>
-            </a:r>
-          </a:p>
-          <a:p>
-            <a:pPr lvl="1"/>
+              <a:t>p1</a:t>
+            </a:r>
             <a:r>
               <a:rPr lang="en-US" altLang="en-US" dirty="0">
                 <a:ea typeface="ＭＳ Ｐゴシック" panose="020B0600070205080204" pitchFamily="34" charset="-128"/>
               </a:rPr>
-              <a:t>The idea of using subclasses anywhere a superclass is used</a:t>
-            </a:r>
-          </a:p>
-          <a:p>
-            <a:pPr lvl="1"/>
+              <a:t>, should other objects be able to change </a:t>
+            </a:r>
+            <a:r>
+              <a:rPr lang="en-US" altLang="en-US" b="1" dirty="0">
+                <a:ea typeface="ＭＳ Ｐゴシック" panose="020B0600070205080204" pitchFamily="34" charset="-128"/>
+              </a:rPr>
+              <a:t>p1’s name</a:t>
+            </a:r>
             <a:r>
               <a:rPr lang="en-US" altLang="en-US" dirty="0">
                 <a:ea typeface="ＭＳ Ｐゴシック" panose="020B0600070205080204" pitchFamily="34" charset="-128"/>
               </a:rPr>
-              <a:t>Cookie cutter analogy</a:t>
-            </a:r>
-          </a:p>
-          <a:p>
-            <a:pPr lvl="2"/>
-            <a:r>
-              <a:rPr lang="en-US" altLang="en-US" dirty="0">
-                <a:ea typeface="ＭＳ Ｐゴシック" panose="020B0600070205080204" pitchFamily="34" charset="-128"/>
-              </a:rPr>
-              <a:t>Type used at run time is the dough, and the cookie cutter is the declared type</a:t>
-            </a:r>
-          </a:p>
-          <a:p>
-            <a:pPr lvl="3"/>
-            <a:r>
-              <a:rPr lang="en-US" altLang="en-US" dirty="0">
-                <a:ea typeface="ＭＳ Ｐゴシック" panose="020B0600070205080204" pitchFamily="34" charset="-128"/>
-              </a:rPr>
-              <a:t>A </a:t>
-            </a:r>
-            <a:r>
-              <a:rPr lang="en-US" altLang="en-US" dirty="0" err="1">
-                <a:ea typeface="ＭＳ Ｐゴシック" panose="020B0600070205080204" pitchFamily="34" charset="-128"/>
-              </a:rPr>
-              <a:t>aVar</a:t>
-            </a:r>
-            <a:r>
-              <a:rPr lang="en-US" altLang="en-US" dirty="0">
-                <a:ea typeface="ＭＳ Ｐゴシック" panose="020B0600070205080204" pitchFamily="34" charset="-128"/>
-              </a:rPr>
-              <a:t> = new B(); // A (superclass) is the cookie cutter, B (subclass) is the dough</a:t>
+              <a:t>?</a:t>
             </a:r>
           </a:p>
           <a:p>
             <a:pPr lvl="1"/>
-            <a:r>
-              <a:rPr lang="en-US" altLang="en-US" dirty="0">
-                <a:ea typeface="ＭＳ Ｐゴシック" panose="020B0600070205080204" pitchFamily="34" charset="-128"/>
-              </a:rPr>
-              <a:t>This works because all subclasses have at least as much information as the superclass</a:t>
-            </a:r>
-          </a:p>
-          <a:p>
-            <a:pPr lvl="2"/>
-            <a:r>
-              <a:rPr lang="en-US" altLang="en-US" dirty="0">
-                <a:ea typeface="ＭＳ Ｐゴシック" panose="020B0600070205080204" pitchFamily="34" charset="-128"/>
-              </a:rPr>
-              <a:t>Going the other way doesn’t work because the superclass never has as much information as is needed for a subclass.</a:t>
-            </a:r>
-          </a:p>
-          <a:p>
             <a:endParaRPr lang="en-US" altLang="en-US" dirty="0">
               <a:ea typeface="ＭＳ Ｐゴシック" panose="020B0600070205080204" pitchFamily="34" charset="-128"/>
             </a:endParaRPr>
+          </a:p>
+          <a:p>
+            <a:pPr lvl="1"/>
+            <a:r>
+              <a:rPr lang="en-US" altLang="en-US" dirty="0">
+                <a:ea typeface="ＭＳ Ｐゴシック" panose="020B0600070205080204" pitchFamily="34" charset="-128"/>
+              </a:rPr>
+              <a:t>Example: Should a Person object p2, be responsible for washing the clothes in </a:t>
+            </a:r>
+            <a:r>
+              <a:rPr lang="en-US" altLang="en-US" dirty="0" err="1">
+                <a:ea typeface="ＭＳ Ｐゴシック" panose="020B0600070205080204" pitchFamily="34" charset="-128"/>
+              </a:rPr>
+              <a:t>WashingMachine</a:t>
+            </a:r>
+            <a:r>
+              <a:rPr lang="en-US" altLang="en-US" dirty="0">
+                <a:ea typeface="ＭＳ Ｐゴシック" panose="020B0600070205080204" pitchFamily="34" charset="-128"/>
+              </a:rPr>
+              <a:t> </a:t>
+            </a:r>
+            <a:r>
+              <a:rPr lang="en-US" altLang="en-US" b="1" dirty="0" err="1">
+                <a:ea typeface="ＭＳ Ｐゴシック" panose="020B0600070205080204" pitchFamily="34" charset="-128"/>
+              </a:rPr>
+              <a:t>wm</a:t>
+            </a:r>
+            <a:r>
+              <a:rPr lang="en-US" altLang="en-US" dirty="0">
+                <a:ea typeface="ＭＳ Ｐゴシック" panose="020B0600070205080204" pitchFamily="34" charset="-128"/>
+              </a:rPr>
+              <a:t> or should the </a:t>
+            </a:r>
+            <a:r>
+              <a:rPr lang="en-US" altLang="en-US" dirty="0" err="1">
+                <a:ea typeface="ＭＳ Ｐゴシック" panose="020B0600070205080204" pitchFamily="34" charset="-128"/>
+              </a:rPr>
+              <a:t>WashineMachine</a:t>
+            </a:r>
+            <a:r>
+              <a:rPr lang="en-US" altLang="en-US" dirty="0">
+                <a:ea typeface="ＭＳ Ｐゴシック" panose="020B0600070205080204" pitchFamily="34" charset="-128"/>
+              </a:rPr>
+              <a:t> </a:t>
+            </a:r>
+            <a:r>
+              <a:rPr lang="en-US" altLang="en-US" b="1" dirty="0" err="1">
+                <a:ea typeface="ＭＳ Ｐゴシック" panose="020B0600070205080204" pitchFamily="34" charset="-128"/>
+              </a:rPr>
+              <a:t>wm</a:t>
+            </a:r>
+            <a:r>
+              <a:rPr lang="en-US" altLang="en-US" dirty="0">
+                <a:ea typeface="ＭＳ Ｐゴシック" panose="020B0600070205080204" pitchFamily="34" charset="-128"/>
+              </a:rPr>
+              <a:t> be responsible for this?</a:t>
+            </a:r>
           </a:p>
           <a:p>
             <a:pPr marL="0" indent="0">
@@ -9769,7 +8352,7 @@
     </p:spTree>
     <p:extLst>
       <p:ext uri="{BB962C8B-B14F-4D97-AF65-F5344CB8AC3E}">
-        <p14:creationId xmlns:p14="http://schemas.microsoft.com/office/powerpoint/2010/main" xmlns="" val="1157039037"/>
+        <p14:creationId xmlns:p14="http://schemas.microsoft.com/office/powerpoint/2010/main" xmlns="" val="1161006655"/>
       </p:ext>
     </p:extLst>
   </p:cSld>
@@ -10031,14 +8614,19 @@
             <p:ph type="title"/>
           </p:nvPr>
         </p:nvSpPr>
-        <p:spPr/>
+        <p:spPr>
+          <a:xfrm>
+            <a:off x="-1" y="-157162"/>
+            <a:ext cx="10795819" cy="1325563"/>
+          </a:xfrm>
+        </p:spPr>
         <p:txBody>
           <a:bodyPr/>
           <a:lstStyle/>
           <a:p>
             <a:r>
               <a:rPr lang="en-US" dirty="0"/>
-              <a:t>OOP Languages</a:t>
+              <a:t> Is-a is NOT Has-a </a:t>
             </a:r>
             <a:endParaRPr lang="en-CA" dirty="0"/>
           </a:p>
@@ -10057,7 +8645,7 @@
         <p:spPr>
           <a:xfrm>
             <a:off x="640874" y="1168401"/>
-            <a:ext cx="10515600" cy="5134076"/>
+            <a:ext cx="10515600" cy="5330722"/>
           </a:xfrm>
         </p:spPr>
         <p:txBody>
@@ -10067,130 +8655,42 @@
           <a:lstStyle/>
           <a:p>
             <a:r>
-              <a:rPr lang="en-US" altLang="en-US" dirty="0">
-                <a:ea typeface="ＭＳ Ｐゴシック" panose="020B0600070205080204" pitchFamily="34" charset="-128"/>
-              </a:rPr>
-              <a:t>Encapsulation</a:t>
-            </a:r>
-          </a:p>
-          <a:p>
-            <a:pPr lvl="1"/>
-            <a:r>
-              <a:rPr lang="en-US" altLang="en-US" dirty="0">
-                <a:ea typeface="ＭＳ Ｐゴシック" panose="020B0600070205080204" pitchFamily="34" charset="-128"/>
-              </a:rPr>
-              <a:t>The idea that the object should be responsible for it’s own properties and no outer objects can affect this. (Using private for our variables).</a:t>
-            </a:r>
-          </a:p>
-          <a:p>
-            <a:pPr lvl="1"/>
-            <a:endParaRPr lang="en-US" altLang="en-US" dirty="0">
-              <a:ea typeface="ＭＳ Ｐゴシック" panose="020B0600070205080204" pitchFamily="34" charset="-128"/>
-            </a:endParaRPr>
-          </a:p>
-          <a:p>
-            <a:pPr lvl="1"/>
-            <a:r>
-              <a:rPr lang="en-US" altLang="en-US" dirty="0">
-                <a:ea typeface="ＭＳ Ｐゴシック" panose="020B0600070205080204" pitchFamily="34" charset="-128"/>
-              </a:rPr>
-              <a:t>Example: If you create a Person object </a:t>
-            </a:r>
-            <a:r>
-              <a:rPr lang="en-US" altLang="en-US" b="1" dirty="0">
-                <a:ea typeface="ＭＳ Ｐゴシック" panose="020B0600070205080204" pitchFamily="34" charset="-128"/>
-              </a:rPr>
-              <a:t>p1</a:t>
-            </a:r>
-            <a:r>
-              <a:rPr lang="en-US" altLang="en-US" dirty="0">
-                <a:ea typeface="ＭＳ Ｐゴシック" panose="020B0600070205080204" pitchFamily="34" charset="-128"/>
-              </a:rPr>
-              <a:t>, should other objects be able to change </a:t>
-            </a:r>
-            <a:r>
-              <a:rPr lang="en-US" altLang="en-US" b="1" dirty="0">
-                <a:ea typeface="ＭＳ Ｐゴシック" panose="020B0600070205080204" pitchFamily="34" charset="-128"/>
-              </a:rPr>
-              <a:t>p1’s name</a:t>
-            </a:r>
-            <a:r>
-              <a:rPr lang="en-US" altLang="en-US" dirty="0">
-                <a:ea typeface="ＭＳ Ｐゴシック" panose="020B0600070205080204" pitchFamily="34" charset="-128"/>
-              </a:rPr>
-              <a:t>?</a:t>
-            </a:r>
-          </a:p>
-          <a:p>
-            <a:pPr lvl="1"/>
-            <a:endParaRPr lang="en-US" altLang="en-US" dirty="0">
-              <a:ea typeface="ＭＳ Ｐゴシック" panose="020B0600070205080204" pitchFamily="34" charset="-128"/>
-            </a:endParaRPr>
-          </a:p>
-          <a:p>
-            <a:pPr lvl="1"/>
-            <a:r>
-              <a:rPr lang="en-US" altLang="en-US" dirty="0">
-                <a:ea typeface="ＭＳ Ｐゴシック" panose="020B0600070205080204" pitchFamily="34" charset="-128"/>
-              </a:rPr>
-              <a:t>Example: Should a Person object p2, be responsible for washing the clothes in </a:t>
-            </a:r>
-            <a:r>
-              <a:rPr lang="en-US" altLang="en-US" dirty="0" err="1">
-                <a:ea typeface="ＭＳ Ｐゴシック" panose="020B0600070205080204" pitchFamily="34" charset="-128"/>
-              </a:rPr>
-              <a:t>WashingMachine</a:t>
-            </a:r>
-            <a:r>
-              <a:rPr lang="en-US" altLang="en-US" dirty="0">
-                <a:ea typeface="ＭＳ Ｐゴシック" panose="020B0600070205080204" pitchFamily="34" charset="-128"/>
-              </a:rPr>
-              <a:t> </a:t>
-            </a:r>
-            <a:r>
-              <a:rPr lang="en-US" altLang="en-US" b="1" dirty="0" err="1">
-                <a:ea typeface="ＭＳ Ｐゴシック" panose="020B0600070205080204" pitchFamily="34" charset="-128"/>
-              </a:rPr>
-              <a:t>wm</a:t>
-            </a:r>
-            <a:r>
-              <a:rPr lang="en-US" altLang="en-US" dirty="0">
-                <a:ea typeface="ＭＳ Ｐゴシック" panose="020B0600070205080204" pitchFamily="34" charset="-128"/>
-              </a:rPr>
-              <a:t> or should the </a:t>
-            </a:r>
-            <a:r>
-              <a:rPr lang="en-US" altLang="en-US" dirty="0" err="1">
-                <a:ea typeface="ＭＳ Ｐゴシック" panose="020B0600070205080204" pitchFamily="34" charset="-128"/>
-              </a:rPr>
-              <a:t>WashineMachine</a:t>
-            </a:r>
-            <a:r>
-              <a:rPr lang="en-US" altLang="en-US" dirty="0">
-                <a:ea typeface="ＭＳ Ｐゴシック" panose="020B0600070205080204" pitchFamily="34" charset="-128"/>
-              </a:rPr>
-              <a:t> </a:t>
-            </a:r>
-            <a:r>
-              <a:rPr lang="en-US" altLang="en-US" b="1" dirty="0" err="1">
-                <a:ea typeface="ＭＳ Ｐゴシック" panose="020B0600070205080204" pitchFamily="34" charset="-128"/>
-              </a:rPr>
-              <a:t>wm</a:t>
-            </a:r>
-            <a:r>
-              <a:rPr lang="en-US" altLang="en-US" dirty="0">
-                <a:ea typeface="ＭＳ Ｐゴシック" panose="020B0600070205080204" pitchFamily="34" charset="-128"/>
-              </a:rPr>
-              <a:t> be responsible for this?</a:t>
-            </a:r>
-          </a:p>
-          <a:p>
-            <a:pPr marL="0" indent="0">
-              <a:buNone/>
-            </a:pPr>
-            <a:endParaRPr lang="en-US" altLang="en-US" dirty="0">
-              <a:ea typeface="ＭＳ Ｐゴシック" panose="020B0600070205080204" pitchFamily="34" charset="-128"/>
-            </a:endParaRPr>
+              <a:rPr lang="en-US" dirty="0"/>
+              <a:t>Our idealization of inheritance is captured in a simple rule-of-thumb. </a:t>
+            </a:r>
+          </a:p>
+          <a:p>
+            <a:endParaRPr lang="en-US" dirty="0"/>
+          </a:p>
+          <a:p>
+            <a:r>
+              <a:rPr lang="en-US" dirty="0"/>
+              <a:t>Try forming the English sentences ``An A is-a-kind-of  B''.  If it ``sounds right'' to your ear, then A can be made a subclass of B. </a:t>
+            </a:r>
+          </a:p>
+          <a:p>
+            <a:endParaRPr lang="en-US" dirty="0"/>
+          </a:p>
+          <a:p>
+            <a:r>
+              <a:rPr lang="en-US" dirty="0"/>
+              <a:t>A Student is-a-kind-of human so student inherits from human</a:t>
+            </a:r>
+          </a:p>
+          <a:p>
+            <a:r>
+              <a:rPr lang="en-US" dirty="0"/>
+              <a:t>A dog is-a-kind-of mammal, and therefore a dog inherits from mammal </a:t>
+            </a:r>
+          </a:p>
+          <a:p>
+            <a:endParaRPr lang="en-US" dirty="0"/>
+          </a:p>
+          <a:p>
+            <a:r>
+              <a:rPr lang="en-US" dirty="0"/>
+              <a:t>A car is-a-kind-of engine sounds wrong, and therefore inheritance is not natural. but a car has-a engine. </a:t>
+            </a:r>
           </a:p>
         </p:txBody>
       </p:sp>
@@ -10246,7 +8746,7 @@
     </p:spTree>
     <p:extLst>
       <p:ext uri="{BB962C8B-B14F-4D97-AF65-F5344CB8AC3E}">
-        <p14:creationId xmlns:p14="http://schemas.microsoft.com/office/powerpoint/2010/main" xmlns="" val="1161006655"/>
+        <p14:creationId xmlns:p14="http://schemas.microsoft.com/office/powerpoint/2010/main" xmlns="" val="202686773"/>
       </p:ext>
     </p:extLst>
   </p:cSld>
@@ -10295,7 +8795,7 @@
           <a:p>
             <a:r>
               <a:rPr lang="en-US" dirty="0"/>
-              <a:t> Is-a is NOT Has-a </a:t>
+              <a:t> is-a-kind-of  is NOT  is-a  either</a:t>
             </a:r>
             <a:endParaRPr lang="en-CA" dirty="0"/>
           </a:p>
@@ -10325,7 +8825,28 @@
           <a:p>
             <a:r>
               <a:rPr lang="en-US" dirty="0"/>
-              <a:t>Our idealization of inheritance is captured in a simple rule-of-thumb. </a:t>
+              <a:t>Try this:  </a:t>
+            </a:r>
+          </a:p>
+          <a:p>
+            <a:pPr lvl="1"/>
+            <a:r>
+              <a:rPr lang="en-US" dirty="0"/>
+              <a:t>George is a professor.   </a:t>
+            </a:r>
+          </a:p>
+          <a:p>
+            <a:pPr lvl="1"/>
+            <a:r>
+              <a:rPr lang="en-US" dirty="0"/>
+              <a:t>The class Professor is a profession..  </a:t>
+            </a:r>
+          </a:p>
+          <a:p>
+            <a:pPr lvl="1"/>
+            <a:r>
+              <a:rPr lang="en-US" dirty="0"/>
+              <a:t>Therefore George is a Profession !!</a:t>
             </a:r>
           </a:p>
           <a:p>
@@ -10334,7 +8855,7 @@
           <a:p>
             <a:r>
               <a:rPr lang="en-US" dirty="0"/>
-              <a:t>Try forming the English sentences ``An A is-a-kind-of  B''.  If it ``sounds right'' to your ear, then A can be made a subclass of B. </a:t>
+              <a:t>The problem comes up when we mix up is-an-instance-of  and is-a-kind-of</a:t>
             </a:r>
           </a:p>
           <a:p>
@@ -10343,22 +8864,7 @@
           <a:p>
             <a:r>
               <a:rPr lang="en-US" dirty="0"/>
-              <a:t>A Student is-a-kind-of human so student inherits from human</a:t>
-            </a:r>
-          </a:p>
-          <a:p>
-            <a:r>
-              <a:rPr lang="en-US" dirty="0"/>
-              <a:t>A dog is-a-kind-of mammal, and therefore a dog inherits from mammal </a:t>
-            </a:r>
-          </a:p>
-          <a:p>
-            <a:endParaRPr lang="en-US" dirty="0"/>
-          </a:p>
-          <a:p>
-            <a:r>
-              <a:rPr lang="en-US" dirty="0"/>
-              <a:t>A car is-a-kind-of engine sounds wrong, and therefore inheritance is not natural. but a car has-a engine. </a:t>
+              <a:t>Some authors refer to is-a-kind-of as generalization  and is-an-instance-of as classification</a:t>
             </a:r>
           </a:p>
         </p:txBody>
@@ -10415,7 +8921,7 @@
     </p:spTree>
     <p:extLst>
       <p:ext uri="{BB962C8B-B14F-4D97-AF65-F5344CB8AC3E}">
-        <p14:creationId xmlns:p14="http://schemas.microsoft.com/office/powerpoint/2010/main" xmlns="" val="202686773"/>
+        <p14:creationId xmlns:p14="http://schemas.microsoft.com/office/powerpoint/2010/main" xmlns="" val="1490306992"/>
       </p:ext>
     </p:extLst>
   </p:cSld>
@@ -10464,7 +8970,7 @@
           <a:p>
             <a:r>
               <a:rPr lang="en-US" dirty="0"/>
-              <a:t> is-a-kind-of  is NOT  is-a  either</a:t>
+              <a:t>Generalization VS  Classification </a:t>
             </a:r>
             <a:endParaRPr lang="en-CA" dirty="0"/>
           </a:p>
@@ -10488,34 +8994,45 @@
         </p:spPr>
         <p:txBody>
           <a:bodyPr>
-            <a:normAutofit/>
+            <a:normAutofit fontScale="92500" lnSpcReduction="20000"/>
           </a:bodyPr>
           <a:lstStyle/>
           <a:p>
             <a:r>
               <a:rPr lang="en-US" dirty="0"/>
-              <a:t>Try this:  </a:t>
-            </a:r>
-          </a:p>
-          <a:p>
-            <a:pPr lvl="1"/>
+              <a:t>1. </a:t>
+            </a:r>
+            <a:r>
+              <a:rPr lang="en-US" dirty="0" err="1"/>
+              <a:t>Shep</a:t>
+            </a:r>
             <a:r>
               <a:rPr lang="en-US" dirty="0"/>
-              <a:t>George is a professor.   </a:t>
-            </a:r>
-          </a:p>
-          <a:p>
-            <a:pPr lvl="1"/>
+              <a:t> is a Border Collie.</a:t>
+            </a:r>
+          </a:p>
+          <a:p>
             <a:r>
               <a:rPr lang="en-US" dirty="0"/>
-              <a:t>The class Professor is a profession..  </a:t>
-            </a:r>
-          </a:p>
-          <a:p>
-            <a:pPr lvl="1"/>
+              <a:t>2. A Border Collie is a Dog.</a:t>
+            </a:r>
+          </a:p>
+          <a:p>
             <a:r>
               <a:rPr lang="en-US" dirty="0"/>
-              <a:t>Therefore George is a Profession !!</a:t>
+              <a:t>3. Dogs are Animals</a:t>
+            </a:r>
+          </a:p>
+          <a:p>
+            <a:r>
+              <a:rPr lang="en-US" dirty="0"/>
+              <a:t>4. A Border Collie is a Breed.</a:t>
+            </a:r>
+          </a:p>
+          <a:p>
+            <a:r>
+              <a:rPr lang="en-US" dirty="0"/>
+              <a:t>5. Dog is a Species</a:t>
             </a:r>
           </a:p>
           <a:p>
@@ -10524,7 +9041,49 @@
           <a:p>
             <a:r>
               <a:rPr lang="en-US" dirty="0"/>
-              <a:t>The problem comes up when we mix up is-an-instance-of  and is-a-kind-of</a:t>
+              <a:t>1+2: </a:t>
+            </a:r>
+            <a:r>
+              <a:rPr lang="en-US" dirty="0" err="1"/>
+              <a:t>Shep</a:t>
+            </a:r>
+            <a:r>
+              <a:rPr lang="en-US" dirty="0"/>
+              <a:t> is a Dog</a:t>
+            </a:r>
+          </a:p>
+          <a:p>
+            <a:r>
+              <a:rPr lang="en-US" dirty="0"/>
+              <a:t>1+2+3: </a:t>
+            </a:r>
+            <a:r>
+              <a:rPr lang="en-US" dirty="0" err="1"/>
+              <a:t>Shep</a:t>
+            </a:r>
+            <a:r>
+              <a:rPr lang="en-US" dirty="0"/>
+              <a:t> is a animal</a:t>
+            </a:r>
+          </a:p>
+          <a:p>
+            <a:r>
+              <a:rPr lang="en-US" dirty="0"/>
+              <a:t>1+4: </a:t>
+            </a:r>
+            <a:r>
+              <a:rPr lang="en-US" dirty="0" err="1"/>
+              <a:t>Shep</a:t>
+            </a:r>
+            <a:r>
+              <a:rPr lang="en-US" dirty="0"/>
+              <a:t> is a breed     ?????</a:t>
+            </a:r>
+          </a:p>
+          <a:p>
+            <a:r>
+              <a:rPr lang="en-US" dirty="0"/>
+              <a:t>2+5: A Border Collie is a Species   ?????</a:t>
             </a:r>
           </a:p>
           <a:p>
@@ -10533,8 +9092,17 @@
           <a:p>
             <a:r>
               <a:rPr lang="en-US" dirty="0"/>
-              <a:t>Some authors refer to is-a-kind-of as generalization  and is-an-instance-of as classification</a:t>
-            </a:r>
+              <a:t>Generalization (is kind of)  is transitive	</a:t>
+            </a:r>
+          </a:p>
+          <a:p>
+            <a:r>
+              <a:rPr lang="en-US" dirty="0"/>
+              <a:t>Classification (is instance of) is not		</a:t>
+            </a:r>
+          </a:p>
+          <a:p>
+            <a:endParaRPr lang="en-US" dirty="0"/>
           </a:p>
         </p:txBody>
       </p:sp>
@@ -10590,7 +9158,7 @@
     </p:spTree>
     <p:extLst>
       <p:ext uri="{BB962C8B-B14F-4D97-AF65-F5344CB8AC3E}">
-        <p14:creationId xmlns:p14="http://schemas.microsoft.com/office/powerpoint/2010/main" xmlns="" val="1490306992"/>
+        <p14:creationId xmlns:p14="http://schemas.microsoft.com/office/powerpoint/2010/main" xmlns="" val="2609893494"/>
       </p:ext>
     </p:extLst>
   </p:cSld>
@@ -10627,151 +9195,84 @@
             <p:ph type="title"/>
           </p:nvPr>
         </p:nvSpPr>
-        <p:spPr>
-          <a:xfrm>
-            <a:off x="-1" y="-157162"/>
-            <a:ext cx="10795819" cy="1325563"/>
-          </a:xfrm>
-        </p:spPr>
+        <p:spPr/>
         <p:txBody>
           <a:bodyPr/>
           <a:lstStyle/>
           <a:p>
+            <a:pPr>
+              <a:buClr>
+                <a:srgbClr val="000000"/>
+              </a:buClr>
+              <a:buSzPct val="38000"/>
+              <a:buFont typeface="StarBats" charset="0"/>
+              <a:buNone/>
+            </a:pPr>
+            <a:r>
+              <a:rPr lang="en-US" altLang="en-US" sz="4400" i="0" dirty="0"/>
+              <a:t>Abstract Classes Versus Interfaces</a:t>
+            </a:r>
+          </a:p>
+        </p:txBody>
+      </p:sp>
+      <p:sp>
+        <p:nvSpPr>
+          <p:cNvPr id="3" name="Content Placeholder 2"/>
+          <p:cNvSpPr>
+            <a:spLocks noGrp="1"/>
+          </p:cNvSpPr>
+          <p:nvPr>
+            <p:ph idx="1"/>
+          </p:nvPr>
+        </p:nvSpPr>
+        <p:spPr/>
+        <p:txBody>
+          <a:bodyPr>
+            <a:normAutofit/>
+          </a:bodyPr>
+          <a:lstStyle/>
+          <a:p>
             <a:r>
               <a:rPr lang="en-US" dirty="0"/>
-              <a:t>Generalization VS  Classification </a:t>
-            </a:r>
-            <a:endParaRPr lang="en-CA" dirty="0"/>
-          </a:p>
-        </p:txBody>
-      </p:sp>
-      <p:sp>
-        <p:nvSpPr>
-          <p:cNvPr id="3" name="Content Placeholder 2"/>
-          <p:cNvSpPr>
-            <a:spLocks noGrp="1"/>
-          </p:cNvSpPr>
-          <p:nvPr>
-            <p:ph idx="1"/>
-          </p:nvPr>
-        </p:nvSpPr>
-        <p:spPr>
-          <a:xfrm>
-            <a:off x="640874" y="1168401"/>
-            <a:ext cx="10515600" cy="5330722"/>
-          </a:xfrm>
-        </p:spPr>
-        <p:txBody>
-          <a:bodyPr>
-            <a:normAutofit fontScale="92500" lnSpcReduction="20000"/>
-          </a:bodyPr>
-          <a:lstStyle/>
-          <a:p>
+              <a:t>When should one use an Abstract class instead of an interface?</a:t>
+            </a:r>
+          </a:p>
+          <a:p>
+            <a:pPr lvl="1"/>
             <a:r>
               <a:rPr lang="en-US" dirty="0"/>
-              <a:t>1. </a:t>
-            </a:r>
-            <a:r>
-              <a:rPr lang="en-US" dirty="0" err="1"/>
-              <a:t>Shep</a:t>
-            </a:r>
+              <a:t>If the abstract class can provide an implementation at the appropriate level of abstraction</a:t>
+            </a:r>
+          </a:p>
+          <a:p>
+            <a:endParaRPr lang="en-US" dirty="0"/>
+          </a:p>
+          <a:p>
             <a:r>
               <a:rPr lang="en-US" dirty="0"/>
-              <a:t> is a Border Collie.</a:t>
-            </a:r>
-          </a:p>
-          <a:p>
+              <a:t>When should one use an interface in place of an Abstract Class?</a:t>
+            </a:r>
+          </a:p>
+          <a:p>
+            <a:pPr lvl="1"/>
             <a:r>
               <a:rPr lang="en-US" dirty="0"/>
-              <a:t>2. A Border Collie is a Dog.</a:t>
-            </a:r>
-          </a:p>
-          <a:p>
+              <a:t>When one is modeling behaviour </a:t>
+            </a:r>
+          </a:p>
+          <a:p>
+            <a:pPr lvl="1"/>
             <a:r>
               <a:rPr lang="en-US" dirty="0"/>
-              <a:t>3. Dogs are Animals</a:t>
-            </a:r>
-          </a:p>
-          <a:p>
+              <a:t>When the subclass needs to inherit from another class ( you can only extend one class )</a:t>
+            </a:r>
+          </a:p>
+          <a:p>
+            <a:pPr lvl="1"/>
             <a:r>
               <a:rPr lang="en-US" dirty="0"/>
-              <a:t>4. A Border Collie is a Breed.</a:t>
-            </a:r>
-          </a:p>
-          <a:p>
-            <a:r>
-              <a:rPr lang="en-US" dirty="0"/>
-              <a:t>5. Dog is a Species</a:t>
-            </a:r>
-          </a:p>
-          <a:p>
-            <a:endParaRPr lang="en-US" dirty="0"/>
-          </a:p>
-          <a:p>
-            <a:r>
-              <a:rPr lang="en-US" dirty="0"/>
-              <a:t>1+2: </a:t>
-            </a:r>
-            <a:r>
-              <a:rPr lang="en-US" dirty="0" err="1"/>
-              <a:t>Shep</a:t>
-            </a:r>
-            <a:r>
-              <a:rPr lang="en-US" dirty="0"/>
-              <a:t> is a Dog</a:t>
-            </a:r>
-          </a:p>
-          <a:p>
-            <a:r>
-              <a:rPr lang="en-US" dirty="0"/>
-              <a:t>1+2+3: </a:t>
-            </a:r>
-            <a:r>
-              <a:rPr lang="en-US" dirty="0" err="1"/>
-              <a:t>Shep</a:t>
-            </a:r>
-            <a:r>
-              <a:rPr lang="en-US" dirty="0"/>
-              <a:t> is a animal</a:t>
-            </a:r>
-          </a:p>
-          <a:p>
-            <a:r>
-              <a:rPr lang="en-US" dirty="0"/>
-              <a:t>1+4: </a:t>
-            </a:r>
-            <a:r>
-              <a:rPr lang="en-US" dirty="0" err="1"/>
-              <a:t>Shep</a:t>
-            </a:r>
-            <a:r>
-              <a:rPr lang="en-US" dirty="0"/>
-              <a:t> is a breed     ?????</a:t>
-            </a:r>
-          </a:p>
-          <a:p>
-            <a:r>
-              <a:rPr lang="en-US" dirty="0"/>
-              <a:t>2+5: A Border Collie is a Species   ?????</a:t>
-            </a:r>
-          </a:p>
-          <a:p>
-            <a:endParaRPr lang="en-US" dirty="0"/>
-          </a:p>
-          <a:p>
-            <a:r>
-              <a:rPr lang="en-US" dirty="0"/>
-              <a:t>Generalization (is kind of)  is transitive	</a:t>
-            </a:r>
-          </a:p>
-          <a:p>
-            <a:r>
-              <a:rPr lang="en-US" dirty="0"/>
-              <a:t>Classification (is instance of) is not		</a:t>
-            </a:r>
-          </a:p>
-          <a:p>
-            <a:endParaRPr lang="en-US" dirty="0"/>
+              <a:t>When you cannot reasonably implement any of the methods</a:t>
+            </a:r>
           </a:p>
         </p:txBody>
       </p:sp>
@@ -10827,7 +9328,7 @@
     </p:spTree>
     <p:extLst>
       <p:ext uri="{BB962C8B-B14F-4D97-AF65-F5344CB8AC3E}">
-        <p14:creationId xmlns:p14="http://schemas.microsoft.com/office/powerpoint/2010/main" xmlns="" val="2609893494"/>
+        <p14:creationId xmlns:p14="http://schemas.microsoft.com/office/powerpoint/2010/main" xmlns="" val="2325078793"/>
       </p:ext>
     </p:extLst>
   </p:cSld>
@@ -10856,7 +9357,13 @@
       </p:grpSpPr>
       <p:sp>
         <p:nvSpPr>
-          <p:cNvPr id="2" name="Title 1"/>
+          <p:cNvPr id="2" name="Title 1">
+            <a:extLst>
+              <a:ext uri="{FF2B5EF4-FFF2-40B4-BE49-F238E27FC236}">
+                <a16:creationId xmlns:a16="http://schemas.microsoft.com/office/drawing/2014/main" xmlns="" id="{D3144BBF-69E2-47B3-A5D4-FB03B54F0F96}"/>
+              </a:ext>
+            </a:extLst>
+          </p:cNvPr>
           <p:cNvSpPr>
             <a:spLocks noGrp="1"/>
           </p:cNvSpPr>
@@ -10869,107 +9376,112 @@
           <a:bodyPr/>
           <a:lstStyle/>
           <a:p>
-            <a:pPr>
-              <a:buClr>
-                <a:srgbClr val="000000"/>
-              </a:buClr>
-              <a:buSzPct val="38000"/>
-              <a:buFont typeface="StarBats" charset="0"/>
+            <a:r>
+              <a:rPr lang="en-CA" dirty="0"/>
+              <a:t>UML, &amp; Version Control Systems</a:t>
+            </a:r>
+          </a:p>
+        </p:txBody>
+      </p:sp>
+      <p:sp>
+        <p:nvSpPr>
+          <p:cNvPr id="3" name="Content Placeholder 2">
+            <a:extLst>
+              <a:ext uri="{FF2B5EF4-FFF2-40B4-BE49-F238E27FC236}">
+                <a16:creationId xmlns:a16="http://schemas.microsoft.com/office/drawing/2014/main" xmlns="" id="{B981305C-A702-4FE5-A134-6B1E026A73CE}"/>
+              </a:ext>
+            </a:extLst>
+          </p:cNvPr>
+          <p:cNvSpPr>
+            <a:spLocks noGrp="1"/>
+          </p:cNvSpPr>
+          <p:nvPr>
+            <p:ph idx="1"/>
+          </p:nvPr>
+        </p:nvSpPr>
+        <p:spPr/>
+        <p:txBody>
+          <a:bodyPr/>
+          <a:lstStyle/>
+          <a:p>
+            <a:r>
+              <a:rPr lang="en-CA" dirty="0"/>
+              <a:t>UML</a:t>
+            </a:r>
+          </a:p>
+          <a:p>
+            <a:pPr lvl="1"/>
+            <a:r>
+              <a:rPr lang="en-CA" dirty="0"/>
+              <a:t>Useful for conveying complex architectural solutions</a:t>
+            </a:r>
+          </a:p>
+          <a:p>
+            <a:pPr lvl="1"/>
+            <a:r>
+              <a:rPr lang="en-CA" dirty="0"/>
+              <a:t>Plenty of tools available online to help you build them and properly follow the conventions</a:t>
+            </a:r>
+          </a:p>
+          <a:p>
+            <a:r>
+              <a:rPr lang="en-CA" dirty="0"/>
+              <a:t>Version Control Systems</a:t>
+            </a:r>
+          </a:p>
+          <a:p>
+            <a:pPr lvl="1"/>
+            <a:r>
+              <a:rPr lang="en-CA" dirty="0"/>
+              <a:t>Immutable history</a:t>
+            </a:r>
+          </a:p>
+          <a:p>
+            <a:pPr lvl="1"/>
+            <a:r>
+              <a:rPr lang="en-CA" dirty="0"/>
+              <a:t>Many kinds, with Git and Mercurial being a couple of the most popular</a:t>
+            </a:r>
+          </a:p>
+          <a:p>
+            <a:pPr lvl="1"/>
+            <a:r>
+              <a:rPr lang="en-CA" dirty="0"/>
+              <a:t>Git is the VCS</a:t>
+            </a:r>
+          </a:p>
+          <a:p>
+            <a:pPr lvl="1"/>
+            <a:r>
+              <a:rPr lang="en-CA" dirty="0" err="1"/>
+              <a:t>Github</a:t>
+            </a:r>
+            <a:r>
+              <a:rPr lang="en-CA" dirty="0"/>
+              <a:t> is a host for Git repositories</a:t>
+            </a:r>
+          </a:p>
+          <a:p>
+            <a:pPr marL="457200" lvl="1" indent="0">
               <a:buNone/>
             </a:pPr>
-            <a:r>
-              <a:rPr lang="en-US" altLang="en-US" sz="4400" i="0" dirty="0"/>
-              <a:t>Abstract Classes Versus Interfaces</a:t>
-            </a:r>
-          </a:p>
-        </p:txBody>
-      </p:sp>
-      <p:sp>
-        <p:nvSpPr>
-          <p:cNvPr id="3" name="Content Placeholder 2"/>
-          <p:cNvSpPr>
-            <a:spLocks noGrp="1"/>
-          </p:cNvSpPr>
-          <p:nvPr>
-            <p:ph idx="1"/>
-          </p:nvPr>
-        </p:nvSpPr>
-        <p:spPr/>
-        <p:txBody>
-          <a:bodyPr>
-            <a:normAutofit/>
-          </a:bodyPr>
-          <a:lstStyle/>
-          <a:p>
-            <a:r>
-              <a:rPr lang="en-US" dirty="0"/>
-              <a:t>When should one use an Abstract class instead of an interface?</a:t>
-            </a:r>
+            <a:endParaRPr lang="en-CA" dirty="0"/>
           </a:p>
           <a:p>
             <a:pPr lvl="1"/>
-            <a:r>
-              <a:rPr lang="en-US" dirty="0"/>
-              <a:t>If the abstract class can provide an implementation at the appropriate level of abstraction</a:t>
-            </a:r>
-          </a:p>
-          <a:p>
-            <a:endParaRPr lang="en-US" dirty="0"/>
-          </a:p>
-          <a:p>
-            <a:r>
-              <a:rPr lang="en-US" dirty="0"/>
-              <a:t>When should one use an interface in place of an Abstract Class?</a:t>
-            </a:r>
-          </a:p>
-          <a:p>
-            <a:pPr lvl="1"/>
-            <a:r>
-              <a:rPr lang="en-US" dirty="0"/>
-              <a:t>When one is modeling behaviour </a:t>
-            </a:r>
-          </a:p>
-          <a:p>
-            <a:pPr lvl="1"/>
-            <a:r>
-              <a:rPr lang="en-US" dirty="0"/>
-              <a:t>When the subclass needs to inherit from another class ( you can only extend one class )</a:t>
-            </a:r>
-          </a:p>
-          <a:p>
-            <a:pPr lvl="1"/>
-            <a:r>
-              <a:rPr lang="en-US" dirty="0"/>
-              <a:t>When you cannot reasonably implement any of the methods</a:t>
-            </a:r>
-          </a:p>
-        </p:txBody>
-      </p:sp>
-      <p:sp>
-        <p:nvSpPr>
-          <p:cNvPr id="10" name="Footer Placeholder 9"/>
-          <p:cNvSpPr>
-            <a:spLocks noGrp="1"/>
-          </p:cNvSpPr>
-          <p:nvPr>
-            <p:ph type="ftr" sz="quarter" idx="3"/>
-          </p:nvPr>
-        </p:nvSpPr>
-        <p:spPr/>
-        <p:txBody>
-          <a:bodyPr/>
-          <a:lstStyle/>
-          <a:p>
-            <a:r>
-              <a:rPr lang="en-CA" dirty="0"/>
-              <a:t>CS321: Advanced Programming Techniques</a:t>
-            </a:r>
-          </a:p>
-        </p:txBody>
-      </p:sp>
-      <p:sp>
-        <p:nvSpPr>
-          <p:cNvPr id="12" name="Slide Number Placeholder 11"/>
+            <a:endParaRPr lang="en-CA" dirty="0"/>
+          </a:p>
+        </p:txBody>
+      </p:sp>
+      <p:sp>
+        <p:nvSpPr>
+          <p:cNvPr id="6" name="Slide Number Placeholder 5">
+            <a:extLst>
+              <a:ext uri="{FF2B5EF4-FFF2-40B4-BE49-F238E27FC236}">
+                <a16:creationId xmlns:a16="http://schemas.microsoft.com/office/drawing/2014/main" xmlns="" id="{E0B06360-FB4C-4A3F-AFC2-967508E6478B}"/>
+              </a:ext>
+            </a:extLst>
+          </p:cNvPr>
           <p:cNvSpPr>
             <a:spLocks noGrp="1"/>
           </p:cNvSpPr>
@@ -10994,10 +9506,37 @@
           </a:p>
         </p:txBody>
       </p:sp>
+      <p:sp>
+        <p:nvSpPr>
+          <p:cNvPr id="7" name="Footer Placeholder 9"/>
+          <p:cNvSpPr>
+            <a:spLocks noGrp="1"/>
+          </p:cNvSpPr>
+          <p:nvPr>
+            <p:ph type="ftr" sz="quarter" idx="3"/>
+          </p:nvPr>
+        </p:nvSpPr>
+        <p:spPr>
+          <a:xfrm>
+            <a:off x="52387" y="6573836"/>
+            <a:ext cx="2986087" cy="365125"/>
+          </a:xfrm>
+        </p:spPr>
+        <p:txBody>
+          <a:bodyPr/>
+          <a:lstStyle/>
+          <a:p>
+            <a:r>
+              <a:rPr lang="en-CA" dirty="0"/>
+              <a:t>CS321: Advanced Programming Techniques</a:t>
+            </a:r>
+          </a:p>
+        </p:txBody>
+      </p:sp>
     </p:spTree>
     <p:extLst>
       <p:ext uri="{BB962C8B-B14F-4D97-AF65-F5344CB8AC3E}">
-        <p14:creationId xmlns:p14="http://schemas.microsoft.com/office/powerpoint/2010/main" xmlns="" val="2325078793"/>
+        <p14:creationId xmlns:p14="http://schemas.microsoft.com/office/powerpoint/2010/main" xmlns="" val="154311472"/>
       </p:ext>
     </p:extLst>
   </p:cSld>
@@ -11029,7 +9568,7 @@
           <p:cNvPr id="2" name="Title 1">
             <a:extLst>
               <a:ext uri="{FF2B5EF4-FFF2-40B4-BE49-F238E27FC236}">
-                <a16:creationId xmlns:a16="http://schemas.microsoft.com/office/drawing/2014/main" xmlns="" id="{D3144BBF-69E2-47B3-A5D4-FB03B54F0F96}"/>
+                <a16:creationId xmlns:a16="http://schemas.microsoft.com/office/drawing/2014/main" xmlns="" id="{0A921011-18FC-475B-B283-A4E0D7C676E2}"/>
               </a:ext>
             </a:extLst>
           </p:cNvPr>
@@ -11047,7 +9586,7 @@
           <a:p>
             <a:r>
               <a:rPr lang="en-CA" dirty="0"/>
-              <a:t>UML, &amp; Version Control Systems</a:t>
+              <a:t>Inner and Anonymous Classes/Methods</a:t>
             </a:r>
           </a:p>
         </p:txBody>
@@ -11057,7 +9596,7 @@
           <p:cNvPr id="3" name="Content Placeholder 2">
             <a:extLst>
               <a:ext uri="{FF2B5EF4-FFF2-40B4-BE49-F238E27FC236}">
-                <a16:creationId xmlns:a16="http://schemas.microsoft.com/office/drawing/2014/main" xmlns="" id="{B981305C-A702-4FE5-A134-6B1E026A73CE}"/>
+                <a16:creationId xmlns:a16="http://schemas.microsoft.com/office/drawing/2014/main" xmlns="" id="{E519EC20-1B41-4FDC-B979-74F142F690A2}"/>
               </a:ext>
             </a:extLst>
           </p:cNvPr>
@@ -11075,70 +9614,34 @@
           <a:p>
             <a:r>
               <a:rPr lang="en-CA" dirty="0"/>
-              <a:t>UML</a:t>
-            </a:r>
-          </a:p>
-          <a:p>
-            <a:pPr lvl="1"/>
+              <a:t>Exists in many languages</a:t>
+            </a:r>
+          </a:p>
+          <a:p>
+            <a:endParaRPr lang="en-CA" dirty="0"/>
+          </a:p>
+          <a:p>
             <a:r>
               <a:rPr lang="en-CA" dirty="0"/>
-              <a:t>Useful for conveying complex architectural solutions</a:t>
-            </a:r>
-          </a:p>
-          <a:p>
-            <a:pPr lvl="1"/>
+              <a:t>Useful to hide (encapsulate) and organize functionality within an outer class (e.g. </a:t>
+            </a:r>
+            <a:r>
+              <a:rPr lang="en-CA" dirty="0" err="1"/>
+              <a:t>LinkedListCell</a:t>
+            </a:r>
             <a:r>
               <a:rPr lang="en-CA" dirty="0"/>
-              <a:t>Plenty of tools available online to help you build them and properly follow the conventions</a:t>
-            </a:r>
+              <a:t> in a LinkedList, Node in a Tree)</a:t>
+            </a:r>
+          </a:p>
+          <a:p>
+            <a:endParaRPr lang="en-CA" dirty="0"/>
           </a:p>
           <a:p>
             <a:r>
               <a:rPr lang="en-CA" dirty="0"/>
-              <a:t>Version Control Systems</a:t>
-            </a:r>
-          </a:p>
-          <a:p>
-            <a:pPr lvl="1"/>
-            <a:r>
-              <a:rPr lang="en-CA" dirty="0"/>
-              <a:t>Immutable history</a:t>
-            </a:r>
-          </a:p>
-          <a:p>
-            <a:pPr lvl="1"/>
-            <a:r>
-              <a:rPr lang="en-CA" dirty="0"/>
-              <a:t>Many kinds, with Git and Mercurial being a couple of the most popular</a:t>
-            </a:r>
-          </a:p>
-          <a:p>
-            <a:pPr lvl="1"/>
-            <a:r>
-              <a:rPr lang="en-CA" dirty="0"/>
-              <a:t>Git is the VCS</a:t>
-            </a:r>
-          </a:p>
-          <a:p>
-            <a:pPr lvl="1"/>
-            <a:r>
-              <a:rPr lang="en-CA" dirty="0" err="1"/>
-              <a:t>Github</a:t>
-            </a:r>
-            <a:r>
-              <a:rPr lang="en-CA" dirty="0"/>
-              <a:t> is a host for Git repositories</a:t>
-            </a:r>
-          </a:p>
-          <a:p>
-            <a:pPr marL="457200" lvl="1" indent="0">
-              <a:buNone/>
-            </a:pPr>
-            <a:endParaRPr lang="en-CA" dirty="0"/>
-          </a:p>
-          <a:p>
-            <a:pPr lvl="1"/>
-            <a:endParaRPr lang="en-CA" dirty="0"/>
+              <a:t>Quickly create an object that inherits from an interface as a method argument</a:t>
+            </a:r>
           </a:p>
         </p:txBody>
       </p:sp>
@@ -11147,7 +9650,7 @@
           <p:cNvPr id="6" name="Slide Number Placeholder 5">
             <a:extLst>
               <a:ext uri="{FF2B5EF4-FFF2-40B4-BE49-F238E27FC236}">
-                <a16:creationId xmlns:a16="http://schemas.microsoft.com/office/drawing/2014/main" xmlns="" id="{E0B06360-FB4C-4A3F-AFC2-967508E6478B}"/>
+                <a16:creationId xmlns:a16="http://schemas.microsoft.com/office/drawing/2014/main" xmlns="" id="{2BFBBD55-E3C1-4C22-8665-BC6CC0B5B10F}"/>
               </a:ext>
             </a:extLst>
           </p:cNvPr>
@@ -11205,7 +9708,7 @@
     </p:spTree>
     <p:extLst>
       <p:ext uri="{BB962C8B-B14F-4D97-AF65-F5344CB8AC3E}">
-        <p14:creationId xmlns:p14="http://schemas.microsoft.com/office/powerpoint/2010/main" xmlns="" val="154311472"/>
+        <p14:creationId xmlns:p14="http://schemas.microsoft.com/office/powerpoint/2010/main" xmlns="" val="2701822725"/>
       </p:ext>
     </p:extLst>
   </p:cSld>
@@ -11234,13 +9737,7 @@
       </p:grpSpPr>
       <p:sp>
         <p:nvSpPr>
-          <p:cNvPr id="2" name="Title 1">
-            <a:extLst>
-              <a:ext uri="{FF2B5EF4-FFF2-40B4-BE49-F238E27FC236}">
-                <a16:creationId xmlns:a16="http://schemas.microsoft.com/office/drawing/2014/main" xmlns="" id="{D3144BBF-69E2-47B3-A5D4-FB03B54F0F96}"/>
-              </a:ext>
-            </a:extLst>
-          </p:cNvPr>
+          <p:cNvPr id="2" name="Title 1"/>
           <p:cNvSpPr>
             <a:spLocks noGrp="1"/>
           </p:cNvSpPr>
@@ -11250,115 +9747,165 @@
         </p:nvSpPr>
         <p:spPr/>
         <p:txBody>
+          <a:bodyPr>
+            <a:normAutofit/>
+          </a:bodyPr>
+          <a:lstStyle/>
+          <a:p>
+            <a:r>
+              <a:rPr lang="en-US" altLang="en-US" sz="4000" dirty="0"/>
+              <a:t>Java Iterators (in </a:t>
+            </a:r>
+            <a:r>
+              <a:rPr lang="en-US" altLang="en-US" sz="4000" b="0" dirty="0" err="1">
+                <a:latin typeface="Courier New" charset="0"/>
+              </a:rPr>
+              <a:t>java.util</a:t>
+            </a:r>
+            <a:r>
+              <a:rPr lang="en-US" altLang="en-US" sz="4000" dirty="0"/>
+              <a:t>)</a:t>
+            </a:r>
+            <a:endParaRPr lang="en-CA" sz="4000" dirty="0"/>
+          </a:p>
+        </p:txBody>
+      </p:sp>
+      <p:sp>
+        <p:nvSpPr>
+          <p:cNvPr id="3" name="Content Placeholder 2"/>
+          <p:cNvSpPr>
+            <a:spLocks noGrp="1"/>
+          </p:cNvSpPr>
+          <p:nvPr>
+            <p:ph idx="1"/>
+          </p:nvPr>
+        </p:nvSpPr>
+        <p:spPr>
+          <a:xfrm>
+            <a:off x="640874" y="1168400"/>
+            <a:ext cx="10515600" cy="5405435"/>
+          </a:xfrm>
+        </p:spPr>
+        <p:txBody>
+          <a:bodyPr>
+            <a:normAutofit fontScale="92500" lnSpcReduction="10000"/>
+          </a:bodyPr>
+          <a:lstStyle/>
+          <a:p>
+            <a:pPr marL="342900" indent="-342900">
+              <a:defRPr/>
+            </a:pPr>
+            <a:endParaRPr lang="en-US" altLang="en-US" dirty="0"/>
+          </a:p>
+          <a:p>
+            <a:pPr marL="342900" indent="-342900">
+              <a:defRPr/>
+            </a:pPr>
+            <a:endParaRPr lang="en-US" altLang="en-US" dirty="0"/>
+          </a:p>
+          <a:p>
+            <a:pPr marL="342900" indent="-342900">
+              <a:defRPr/>
+            </a:pPr>
+            <a:endParaRPr lang="en-US" altLang="en-US" dirty="0"/>
+          </a:p>
+          <a:p>
+            <a:pPr marL="342900" indent="-342900">
+              <a:defRPr/>
+            </a:pPr>
+            <a:endParaRPr lang="en-US" altLang="en-US" dirty="0"/>
+          </a:p>
+          <a:p>
+            <a:pPr marL="342900" indent="-342900">
+              <a:defRPr/>
+            </a:pPr>
+            <a:endParaRPr lang="en-US" altLang="en-US" dirty="0"/>
+          </a:p>
+          <a:p>
+            <a:pPr marL="342900" indent="-342900">
+              <a:defRPr/>
+            </a:pPr>
+            <a:endParaRPr lang="en-US" altLang="en-US" dirty="0"/>
+          </a:p>
+          <a:p>
+            <a:pPr marL="342900" indent="-342900">
+              <a:defRPr/>
+            </a:pPr>
+            <a:r>
+              <a:rPr lang="en-US" altLang="en-US" dirty="0"/>
+              <a:t>remove safely deletes the object most recently accessed with next.</a:t>
+            </a:r>
+          </a:p>
+          <a:p>
+            <a:pPr marL="800100" lvl="1" indent="-342900">
+              <a:defRPr/>
+            </a:pPr>
+            <a:r>
+              <a:rPr lang="en-US" altLang="en-US" dirty="0"/>
+              <a:t>remove need not be supported.</a:t>
+            </a:r>
+          </a:p>
+          <a:p>
+            <a:pPr marL="342900" indent="-342900">
+              <a:defRPr/>
+            </a:pPr>
+            <a:endParaRPr lang="en-US" altLang="en-US" dirty="0"/>
+          </a:p>
+          <a:p>
+            <a:pPr marL="342900" indent="-342900">
+              <a:defRPr/>
+            </a:pPr>
+            <a:r>
+              <a:rPr lang="en-US" altLang="en-US" dirty="0" err="1"/>
+              <a:t>hasNext</a:t>
+            </a:r>
+            <a:r>
+              <a:rPr lang="en-US" altLang="en-US" dirty="0"/>
+              <a:t> returns true if there are more items in a collection.</a:t>
+            </a:r>
+          </a:p>
+          <a:p>
+            <a:pPr marL="342900" indent="-342900">
+              <a:defRPr/>
+            </a:pPr>
+            <a:endParaRPr lang="en-US" altLang="en-US" dirty="0"/>
+          </a:p>
+          <a:p>
+            <a:pPr marL="342900" indent="-342900">
+              <a:defRPr/>
+            </a:pPr>
+            <a:r>
+              <a:rPr lang="en-US" altLang="en-US" dirty="0"/>
+              <a:t>next will return the next item in a collection</a:t>
+            </a:r>
+          </a:p>
+        </p:txBody>
+      </p:sp>
+      <p:sp>
+        <p:nvSpPr>
+          <p:cNvPr id="10" name="Footer Placeholder 9"/>
+          <p:cNvSpPr>
+            <a:spLocks noGrp="1"/>
+          </p:cNvSpPr>
+          <p:nvPr>
+            <p:ph type="ftr" sz="quarter" idx="3"/>
+          </p:nvPr>
+        </p:nvSpPr>
+        <p:spPr/>
+        <p:txBody>
           <a:bodyPr/>
           <a:lstStyle/>
           <a:p>
             <a:r>
               <a:rPr lang="en-CA" dirty="0"/>
-              <a:t>UML, &amp; Version Control Systems</a:t>
-            </a:r>
-          </a:p>
-        </p:txBody>
-      </p:sp>
-      <p:sp>
-        <p:nvSpPr>
-          <p:cNvPr id="3" name="Content Placeholder 2">
-            <a:extLst>
-              <a:ext uri="{FF2B5EF4-FFF2-40B4-BE49-F238E27FC236}">
-                <a16:creationId xmlns:a16="http://schemas.microsoft.com/office/drawing/2014/main" xmlns="" id="{B981305C-A702-4FE5-A134-6B1E026A73CE}"/>
-              </a:ext>
-            </a:extLst>
-          </p:cNvPr>
-          <p:cNvSpPr>
-            <a:spLocks noGrp="1"/>
-          </p:cNvSpPr>
-          <p:nvPr>
-            <p:ph idx="1"/>
-          </p:nvPr>
-        </p:nvSpPr>
-        <p:spPr/>
-        <p:txBody>
-          <a:bodyPr/>
-          <a:lstStyle/>
-          <a:p>
-            <a:r>
-              <a:rPr lang="en-CA" dirty="0"/>
-              <a:t>UML</a:t>
-            </a:r>
-          </a:p>
-          <a:p>
-            <a:pPr lvl="1"/>
-            <a:r>
-              <a:rPr lang="en-CA" dirty="0"/>
-              <a:t>Useful for conveying complex architectural solutions</a:t>
-            </a:r>
-          </a:p>
-          <a:p>
-            <a:pPr lvl="1"/>
-            <a:r>
-              <a:rPr lang="en-CA" dirty="0"/>
-              <a:t>Plenty of tools available online to help you build them and properly follow the conventions</a:t>
-            </a:r>
-          </a:p>
-          <a:p>
-            <a:r>
-              <a:rPr lang="en-CA" dirty="0"/>
-              <a:t>Version Control Systems</a:t>
-            </a:r>
-          </a:p>
-          <a:p>
-            <a:pPr lvl="1"/>
-            <a:r>
-              <a:rPr lang="en-CA" dirty="0"/>
-              <a:t>Immutable history</a:t>
-            </a:r>
-          </a:p>
-          <a:p>
-            <a:pPr lvl="1"/>
-            <a:r>
-              <a:rPr lang="en-CA" dirty="0"/>
-              <a:t>Many kinds, with Git and Mercurial being a couple of the most popular</a:t>
-            </a:r>
-          </a:p>
-          <a:p>
-            <a:pPr lvl="1"/>
-            <a:r>
-              <a:rPr lang="en-CA" dirty="0"/>
-              <a:t>Git is the VCS</a:t>
-            </a:r>
-          </a:p>
-          <a:p>
-            <a:pPr lvl="1"/>
-            <a:r>
-              <a:rPr lang="en-CA" dirty="0" err="1"/>
-              <a:t>Github</a:t>
-            </a:r>
-            <a:r>
-              <a:rPr lang="en-CA" dirty="0"/>
-              <a:t> is a host for Git repositories</a:t>
-            </a:r>
-          </a:p>
-          <a:p>
-            <a:pPr marL="457200" lvl="1" indent="0">
-              <a:buNone/>
-            </a:pPr>
-            <a:endParaRPr lang="en-CA" dirty="0"/>
-          </a:p>
-          <a:p>
-            <a:pPr lvl="1"/>
-            <a:endParaRPr lang="en-CA" dirty="0"/>
-          </a:p>
-        </p:txBody>
-      </p:sp>
-      <p:sp>
-        <p:nvSpPr>
-          <p:cNvPr id="6" name="Slide Number Placeholder 5">
-            <a:extLst>
-              <a:ext uri="{FF2B5EF4-FFF2-40B4-BE49-F238E27FC236}">
-                <a16:creationId xmlns:a16="http://schemas.microsoft.com/office/drawing/2014/main" xmlns="" id="{E0B06360-FB4C-4A3F-AFC2-967508E6478B}"/>
-              </a:ext>
-            </a:extLst>
-          </p:cNvPr>
+              <a:t>CS321: Advanced Programming Techniques</a:t>
+            </a:r>
+          </a:p>
+        </p:txBody>
+      </p:sp>
+      <p:sp>
+        <p:nvSpPr>
+          <p:cNvPr id="12" name="Slide Number Placeholder 11"/>
           <p:cNvSpPr>
             <a:spLocks noGrp="1"/>
           </p:cNvSpPr>
@@ -11385,27 +9932,110 @@
       </p:sp>
       <p:sp>
         <p:nvSpPr>
-          <p:cNvPr id="7" name="Footer Placeholder 9"/>
-          <p:cNvSpPr>
-            <a:spLocks noGrp="1"/>
-          </p:cNvSpPr>
-          <p:nvPr>
-            <p:ph type="ftr" sz="quarter" idx="3"/>
-          </p:nvPr>
-        </p:nvSpPr>
-        <p:spPr>
+          <p:cNvPr id="7" name="Text Box 2">
+            <a:extLst>
+              <a:ext uri="{FF2B5EF4-FFF2-40B4-BE49-F238E27FC236}">
+                <a16:creationId xmlns:a16="http://schemas.microsoft.com/office/drawing/2014/main" xmlns="" id="{FCE9DDDC-8F7E-44FA-97F1-BF6F02C1B1A8}"/>
+              </a:ext>
+            </a:extLst>
+          </p:cNvPr>
+          <p:cNvSpPr txBox="1">
+            <a:spLocks noChangeArrowheads="1"/>
+          </p:cNvSpPr>
+          <p:nvPr/>
+        </p:nvSpPr>
+        <p:spPr bwMode="auto">
           <a:xfrm>
-            <a:off x="52387" y="6573836"/>
-            <a:ext cx="2986087" cy="365125"/>
+            <a:off x="3286432" y="1622323"/>
+            <a:ext cx="4549775" cy="1314450"/>
           </a:xfrm>
+          <a:prstGeom prst="rect">
+            <a:avLst/>
+          </a:prstGeom>
+          <a:solidFill>
+            <a:srgbClr val="FFFF00"/>
+          </a:solidFill>
+          <a:ln>
+            <a:noFill/>
+          </a:ln>
+          <a:effectLst/>
         </p:spPr>
         <p:txBody>
-          <a:bodyPr/>
-          <a:lstStyle/>
-          <a:p>
-            <a:r>
-              <a:rPr lang="en-CA" dirty="0"/>
-              <a:t>CS321: Advanced Programming Techniques</a:t>
+          <a:bodyPr>
+            <a:spAutoFit/>
+          </a:bodyPr>
+          <a:lstStyle/>
+          <a:p>
+            <a:pPr>
+              <a:defRPr/>
+            </a:pPr>
+            <a:r>
+              <a:rPr lang="en-US" altLang="en-US" sz="1600" b="1" dirty="0">
+                <a:latin typeface="Courier New" charset="0"/>
+              </a:rPr>
+              <a:t>public </a:t>
+            </a:r>
+            <a:r>
+              <a:rPr lang="en-US" altLang="en-US" sz="1600" b="1" dirty="0" err="1">
+                <a:latin typeface="Courier New" charset="0"/>
+              </a:rPr>
+              <a:t>boolean</a:t>
+            </a:r>
+            <a:r>
+              <a:rPr lang="en-US" altLang="en-US" sz="1600" b="1" dirty="0">
+                <a:latin typeface="Courier New" charset="0"/>
+              </a:rPr>
+              <a:t> </a:t>
+            </a:r>
+            <a:r>
+              <a:rPr lang="en-US" altLang="en-US" sz="1600" b="1" dirty="0" err="1">
+                <a:latin typeface="Courier New" charset="0"/>
+              </a:rPr>
+              <a:t>hasNext</a:t>
+            </a:r>
+            <a:r>
+              <a:rPr lang="en-US" altLang="en-US" sz="1600" b="1" dirty="0">
+                <a:latin typeface="Courier New" charset="0"/>
+              </a:rPr>
+              <a:t>()</a:t>
+            </a:r>
+          </a:p>
+          <a:p>
+            <a:pPr>
+              <a:defRPr/>
+            </a:pPr>
+            <a:endParaRPr lang="en-US" altLang="en-US" sz="1600" b="1" dirty="0">
+              <a:latin typeface="Courier New" charset="0"/>
+            </a:endParaRPr>
+          </a:p>
+          <a:p>
+            <a:pPr>
+              <a:defRPr/>
+            </a:pPr>
+            <a:r>
+              <a:rPr lang="en-US" altLang="en-US" sz="1600" b="1" dirty="0">
+                <a:latin typeface="Courier New" charset="0"/>
+              </a:rPr>
+              <a:t>public Object next()</a:t>
+            </a:r>
+          </a:p>
+          <a:p>
+            <a:pPr>
+              <a:defRPr/>
+            </a:pPr>
+            <a:endParaRPr lang="en-US" altLang="en-US" sz="1600" b="1" dirty="0">
+              <a:latin typeface="Courier New" charset="0"/>
+            </a:endParaRPr>
+          </a:p>
+          <a:p>
+            <a:pPr>
+              <a:defRPr/>
+            </a:pPr>
+            <a:r>
+              <a:rPr lang="en-US" altLang="en-US" sz="1600" b="1" dirty="0">
+                <a:latin typeface="Courier New" charset="0"/>
+              </a:rPr>
+              <a:t>public void remove()</a:t>
             </a:r>
           </a:p>
         </p:txBody>
@@ -11413,7 +10043,7 @@
     </p:spTree>
     <p:extLst>
       <p:ext uri="{BB962C8B-B14F-4D97-AF65-F5344CB8AC3E}">
-        <p14:creationId xmlns:p14="http://schemas.microsoft.com/office/powerpoint/2010/main" xmlns="" val="697461361"/>
+        <p14:creationId xmlns:p14="http://schemas.microsoft.com/office/powerpoint/2010/main" xmlns="" val="3854217108"/>
       </p:ext>
     </p:extLst>
   </p:cSld>
@@ -11442,13 +10072,7 @@
       </p:grpSpPr>
       <p:sp>
         <p:nvSpPr>
-          <p:cNvPr id="2" name="Title 1">
-            <a:extLst>
-              <a:ext uri="{FF2B5EF4-FFF2-40B4-BE49-F238E27FC236}">
-                <a16:creationId xmlns:a16="http://schemas.microsoft.com/office/drawing/2014/main" xmlns="" id="{0A921011-18FC-475B-B283-A4E0D7C676E2}"/>
-              </a:ext>
-            </a:extLst>
-          </p:cNvPr>
+          <p:cNvPr id="2" name="Title 1"/>
           <p:cNvSpPr>
             <a:spLocks noGrp="1"/>
           </p:cNvSpPr>
@@ -11462,188 +10086,10 @@
           <a:lstStyle/>
           <a:p>
             <a:r>
-              <a:rPr lang="en-CA" dirty="0"/>
-              <a:t>Inner and Anonymous Classes/Methods</a:t>
-            </a:r>
-          </a:p>
-        </p:txBody>
-      </p:sp>
-      <p:sp>
-        <p:nvSpPr>
-          <p:cNvPr id="3" name="Content Placeholder 2">
-            <a:extLst>
-              <a:ext uri="{FF2B5EF4-FFF2-40B4-BE49-F238E27FC236}">
-                <a16:creationId xmlns:a16="http://schemas.microsoft.com/office/drawing/2014/main" xmlns="" id="{E519EC20-1B41-4FDC-B979-74F142F690A2}"/>
-              </a:ext>
-            </a:extLst>
-          </p:cNvPr>
-          <p:cNvSpPr>
-            <a:spLocks noGrp="1"/>
-          </p:cNvSpPr>
-          <p:nvPr>
-            <p:ph idx="1"/>
-          </p:nvPr>
-        </p:nvSpPr>
-        <p:spPr/>
-        <p:txBody>
-          <a:bodyPr/>
-          <a:lstStyle/>
-          <a:p>
-            <a:r>
-              <a:rPr lang="en-CA" dirty="0"/>
-              <a:t>Exists in many languages</a:t>
-            </a:r>
-          </a:p>
-          <a:p>
+              <a:rPr lang="en-US" dirty="0"/>
+              <a:t>Using an Iterator</a:t>
+            </a:r>
             <a:endParaRPr lang="en-CA" dirty="0"/>
-          </a:p>
-          <a:p>
-            <a:r>
-              <a:rPr lang="en-CA" dirty="0"/>
-              <a:t>Useful to hide (encapsulate) and organize functionality within an outer class (e.g. </a:t>
-            </a:r>
-            <a:r>
-              <a:rPr lang="en-CA" dirty="0" err="1"/>
-              <a:t>LinkedListCell</a:t>
-            </a:r>
-            <a:r>
-              <a:rPr lang="en-CA" dirty="0"/>
-              <a:t> in a LinkedList, Node in a Tree)</a:t>
-            </a:r>
-          </a:p>
-          <a:p>
-            <a:endParaRPr lang="en-CA" dirty="0"/>
-          </a:p>
-          <a:p>
-            <a:r>
-              <a:rPr lang="en-CA" dirty="0"/>
-              <a:t>Quickly create an object that inherits from an interface as a method argument</a:t>
-            </a:r>
-          </a:p>
-        </p:txBody>
-      </p:sp>
-      <p:sp>
-        <p:nvSpPr>
-          <p:cNvPr id="6" name="Slide Number Placeholder 5">
-            <a:extLst>
-              <a:ext uri="{FF2B5EF4-FFF2-40B4-BE49-F238E27FC236}">
-                <a16:creationId xmlns:a16="http://schemas.microsoft.com/office/drawing/2014/main" xmlns="" id="{2BFBBD55-E3C1-4C22-8665-BC6CC0B5B10F}"/>
-              </a:ext>
-            </a:extLst>
-          </p:cNvPr>
-          <p:cNvSpPr>
-            <a:spLocks noGrp="1"/>
-          </p:cNvSpPr>
-          <p:nvPr>
-            <p:ph type="sldNum" sz="quarter" idx="4"/>
-          </p:nvPr>
-        </p:nvSpPr>
-        <p:spPr/>
-        <p:txBody>
-          <a:bodyPr/>
-          <a:lstStyle/>
-          <a:p>
-            <a:fld id="{5174927E-2439-42C0-9720-7BBCA09BF46F}" type="slidenum">
-              <a:rPr lang="en-CA" smtClean="0"/>
-              <a:pPr/>
-              <a:t>27</a:t>
-            </a:fld>
-            <a:r>
-              <a:rPr lang="en-CA" dirty="0"/>
-              <a:t> </a:t>
-            </a:r>
-          </a:p>
-        </p:txBody>
-      </p:sp>
-      <p:sp>
-        <p:nvSpPr>
-          <p:cNvPr id="7" name="Footer Placeholder 9"/>
-          <p:cNvSpPr>
-            <a:spLocks noGrp="1"/>
-          </p:cNvSpPr>
-          <p:nvPr>
-            <p:ph type="ftr" sz="quarter" idx="3"/>
-          </p:nvPr>
-        </p:nvSpPr>
-        <p:spPr>
-          <a:xfrm>
-            <a:off x="52387" y="6573836"/>
-            <a:ext cx="2986087" cy="365125"/>
-          </a:xfrm>
-        </p:spPr>
-        <p:txBody>
-          <a:bodyPr/>
-          <a:lstStyle/>
-          <a:p>
-            <a:r>
-              <a:rPr lang="en-CA" dirty="0"/>
-              <a:t>CS321: Advanced Programming Techniques</a:t>
-            </a:r>
-          </a:p>
-        </p:txBody>
-      </p:sp>
-    </p:spTree>
-    <p:extLst>
-      <p:ext uri="{BB962C8B-B14F-4D97-AF65-F5344CB8AC3E}">
-        <p14:creationId xmlns:p14="http://schemas.microsoft.com/office/powerpoint/2010/main" xmlns="" val="2701822725"/>
-      </p:ext>
-    </p:extLst>
-  </p:cSld>
-  <p:clrMapOvr>
-    <a:masterClrMapping/>
-  </p:clrMapOvr>
-</p:sld>
-</file>
-
-<file path=ppt/slides/slide28.xml><?xml version="1.0" encoding="utf-8"?>
-<p:sld xmlns:a="http://schemas.openxmlformats.org/drawingml/2006/main" xmlns:r="http://schemas.openxmlformats.org/officeDocument/2006/relationships" xmlns:p="http://schemas.openxmlformats.org/presentationml/2006/main">
-  <p:cSld>
-    <p:spTree>
-      <p:nvGrpSpPr>
-        <p:cNvPr id="1" name=""/>
-        <p:cNvGrpSpPr/>
-        <p:nvPr/>
-      </p:nvGrpSpPr>
-      <p:grpSpPr>
-        <a:xfrm>
-          <a:off x="0" y="0"/>
-          <a:ext cx="0" cy="0"/>
-          <a:chOff x="0" y="0"/>
-          <a:chExt cx="0" cy="0"/>
-        </a:xfrm>
-      </p:grpSpPr>
-      <p:sp>
-        <p:nvSpPr>
-          <p:cNvPr id="2" name="Title 1"/>
-          <p:cNvSpPr>
-            <a:spLocks noGrp="1"/>
-          </p:cNvSpPr>
-          <p:nvPr>
-            <p:ph type="title"/>
-          </p:nvPr>
-        </p:nvSpPr>
-        <p:spPr/>
-        <p:txBody>
-          <a:bodyPr>
-            <a:normAutofit/>
-          </a:bodyPr>
-          <a:lstStyle/>
-          <a:p>
-            <a:r>
-              <a:rPr lang="en-US" altLang="en-US" sz="4000" dirty="0"/>
-              <a:t>Java Iterators (in </a:t>
-            </a:r>
-            <a:r>
-              <a:rPr lang="en-US" altLang="en-US" sz="4000" b="0" dirty="0" err="1">
-                <a:latin typeface="Courier New" charset="0"/>
-              </a:rPr>
-              <a:t>java.util</a:t>
-            </a:r>
-            <a:r>
-              <a:rPr lang="en-US" altLang="en-US" sz="4000" dirty="0"/>
-              <a:t>)</a:t>
-            </a:r>
-            <a:endParaRPr lang="en-CA" sz="4000" dirty="0"/>
           </a:p>
         </p:txBody>
       </p:sp>
@@ -11665,329 +10111,6 @@
         </p:spPr>
         <p:txBody>
           <a:bodyPr>
-            <a:normAutofit fontScale="92500" lnSpcReduction="10000"/>
-          </a:bodyPr>
-          <a:lstStyle/>
-          <a:p>
-            <a:pPr marL="342900" indent="-342900">
-              <a:defRPr/>
-            </a:pPr>
-            <a:endParaRPr lang="en-US" altLang="en-US" dirty="0"/>
-          </a:p>
-          <a:p>
-            <a:pPr marL="342900" indent="-342900">
-              <a:defRPr/>
-            </a:pPr>
-            <a:endParaRPr lang="en-US" altLang="en-US" dirty="0"/>
-          </a:p>
-          <a:p>
-            <a:pPr marL="342900" indent="-342900">
-              <a:defRPr/>
-            </a:pPr>
-            <a:endParaRPr lang="en-US" altLang="en-US" dirty="0"/>
-          </a:p>
-          <a:p>
-            <a:pPr marL="342900" indent="-342900">
-              <a:defRPr/>
-            </a:pPr>
-            <a:endParaRPr lang="en-US" altLang="en-US" dirty="0"/>
-          </a:p>
-          <a:p>
-            <a:pPr marL="342900" indent="-342900">
-              <a:defRPr/>
-            </a:pPr>
-            <a:endParaRPr lang="en-US" altLang="en-US" dirty="0"/>
-          </a:p>
-          <a:p>
-            <a:pPr marL="342900" indent="-342900">
-              <a:defRPr/>
-            </a:pPr>
-            <a:endParaRPr lang="en-US" altLang="en-US" dirty="0"/>
-          </a:p>
-          <a:p>
-            <a:pPr marL="342900" indent="-342900">
-              <a:defRPr/>
-            </a:pPr>
-            <a:r>
-              <a:rPr lang="en-US" altLang="en-US" dirty="0"/>
-              <a:t>remove safely deletes the object most recently accessed with next.</a:t>
-            </a:r>
-          </a:p>
-          <a:p>
-            <a:pPr marL="800100" lvl="1" indent="-342900">
-              <a:defRPr/>
-            </a:pPr>
-            <a:r>
-              <a:rPr lang="en-US" altLang="en-US" dirty="0"/>
-              <a:t>remove need not be supported.</a:t>
-            </a:r>
-          </a:p>
-          <a:p>
-            <a:pPr marL="342900" indent="-342900">
-              <a:defRPr/>
-            </a:pPr>
-            <a:endParaRPr lang="en-US" altLang="en-US" dirty="0"/>
-          </a:p>
-          <a:p>
-            <a:pPr marL="342900" indent="-342900">
-              <a:defRPr/>
-            </a:pPr>
-            <a:r>
-              <a:rPr lang="en-US" altLang="en-US" dirty="0" err="1"/>
-              <a:t>hasNext</a:t>
-            </a:r>
-            <a:r>
-              <a:rPr lang="en-US" altLang="en-US" dirty="0"/>
-              <a:t> returns true if there are more items in a collection.</a:t>
-            </a:r>
-          </a:p>
-          <a:p>
-            <a:pPr marL="342900" indent="-342900">
-              <a:defRPr/>
-            </a:pPr>
-            <a:endParaRPr lang="en-US" altLang="en-US" dirty="0"/>
-          </a:p>
-          <a:p>
-            <a:pPr marL="342900" indent="-342900">
-              <a:defRPr/>
-            </a:pPr>
-            <a:r>
-              <a:rPr lang="en-US" altLang="en-US" dirty="0"/>
-              <a:t>next will return the next item in a collection</a:t>
-            </a:r>
-          </a:p>
-        </p:txBody>
-      </p:sp>
-      <p:sp>
-        <p:nvSpPr>
-          <p:cNvPr id="10" name="Footer Placeholder 9"/>
-          <p:cNvSpPr>
-            <a:spLocks noGrp="1"/>
-          </p:cNvSpPr>
-          <p:nvPr>
-            <p:ph type="ftr" sz="quarter" idx="3"/>
-          </p:nvPr>
-        </p:nvSpPr>
-        <p:spPr/>
-        <p:txBody>
-          <a:bodyPr/>
-          <a:lstStyle/>
-          <a:p>
-            <a:r>
-              <a:rPr lang="en-CA" dirty="0"/>
-              <a:t>CS321: Advanced Programming Techniques</a:t>
-            </a:r>
-          </a:p>
-        </p:txBody>
-      </p:sp>
-      <p:sp>
-        <p:nvSpPr>
-          <p:cNvPr id="12" name="Slide Number Placeholder 11"/>
-          <p:cNvSpPr>
-            <a:spLocks noGrp="1"/>
-          </p:cNvSpPr>
-          <p:nvPr>
-            <p:ph type="sldNum" sz="quarter" idx="4"/>
-          </p:nvPr>
-        </p:nvSpPr>
-        <p:spPr/>
-        <p:txBody>
-          <a:bodyPr/>
-          <a:lstStyle/>
-          <a:p>
-            <a:fld id="{5174927E-2439-42C0-9720-7BBCA09BF46F}" type="slidenum">
-              <a:rPr lang="en-CA" smtClean="0"/>
-              <a:pPr/>
-              <a:t>28</a:t>
-            </a:fld>
-            <a:r>
-              <a:rPr lang="en-CA" dirty="0"/>
-              <a:t> </a:t>
-            </a:r>
-          </a:p>
-        </p:txBody>
-      </p:sp>
-      <p:sp>
-        <p:nvSpPr>
-          <p:cNvPr id="7" name="Text Box 2">
-            <a:extLst>
-              <a:ext uri="{FF2B5EF4-FFF2-40B4-BE49-F238E27FC236}">
-                <a16:creationId xmlns:a16="http://schemas.microsoft.com/office/drawing/2014/main" xmlns="" id="{FCE9DDDC-8F7E-44FA-97F1-BF6F02C1B1A8}"/>
-              </a:ext>
-            </a:extLst>
-          </p:cNvPr>
-          <p:cNvSpPr txBox="1">
-            <a:spLocks noChangeArrowheads="1"/>
-          </p:cNvSpPr>
-          <p:nvPr/>
-        </p:nvSpPr>
-        <p:spPr bwMode="auto">
-          <a:xfrm>
-            <a:off x="3286432" y="1622323"/>
-            <a:ext cx="4549775" cy="1314450"/>
-          </a:xfrm>
-          <a:prstGeom prst="rect">
-            <a:avLst/>
-          </a:prstGeom>
-          <a:solidFill>
-            <a:srgbClr val="FFFF00"/>
-          </a:solidFill>
-          <a:ln>
-            <a:noFill/>
-          </a:ln>
-          <a:effectLst/>
-        </p:spPr>
-        <p:txBody>
-          <a:bodyPr>
-            <a:spAutoFit/>
-          </a:bodyPr>
-          <a:lstStyle/>
-          <a:p>
-            <a:pPr>
-              <a:defRPr/>
-            </a:pPr>
-            <a:r>
-              <a:rPr lang="en-US" altLang="en-US" sz="1600" b="1" dirty="0">
-                <a:latin typeface="Courier New" charset="0"/>
-              </a:rPr>
-              <a:t>public </a:t>
-            </a:r>
-            <a:r>
-              <a:rPr lang="en-US" altLang="en-US" sz="1600" b="1" dirty="0" err="1">
-                <a:latin typeface="Courier New" charset="0"/>
-              </a:rPr>
-              <a:t>boolean</a:t>
-            </a:r>
-            <a:r>
-              <a:rPr lang="en-US" altLang="en-US" sz="1600" b="1" dirty="0">
-                <a:latin typeface="Courier New" charset="0"/>
-              </a:rPr>
-              <a:t> </a:t>
-            </a:r>
-            <a:r>
-              <a:rPr lang="en-US" altLang="en-US" sz="1600" b="1" dirty="0" err="1">
-                <a:latin typeface="Courier New" charset="0"/>
-              </a:rPr>
-              <a:t>hasNext</a:t>
-            </a:r>
-            <a:r>
-              <a:rPr lang="en-US" altLang="en-US" sz="1600" b="1" dirty="0">
-                <a:latin typeface="Courier New" charset="0"/>
-              </a:rPr>
-              <a:t>()</a:t>
-            </a:r>
-          </a:p>
-          <a:p>
-            <a:pPr>
-              <a:defRPr/>
-            </a:pPr>
-            <a:endParaRPr lang="en-US" altLang="en-US" sz="1600" b="1" dirty="0">
-              <a:latin typeface="Courier New" charset="0"/>
-            </a:endParaRPr>
-          </a:p>
-          <a:p>
-            <a:pPr>
-              <a:defRPr/>
-            </a:pPr>
-            <a:r>
-              <a:rPr lang="en-US" altLang="en-US" sz="1600" b="1" dirty="0">
-                <a:latin typeface="Courier New" charset="0"/>
-              </a:rPr>
-              <a:t>public Object next()</a:t>
-            </a:r>
-          </a:p>
-          <a:p>
-            <a:pPr>
-              <a:defRPr/>
-            </a:pPr>
-            <a:endParaRPr lang="en-US" altLang="en-US" sz="1600" b="1" dirty="0">
-              <a:latin typeface="Courier New" charset="0"/>
-            </a:endParaRPr>
-          </a:p>
-          <a:p>
-            <a:pPr>
-              <a:defRPr/>
-            </a:pPr>
-            <a:r>
-              <a:rPr lang="en-US" altLang="en-US" sz="1600" b="1" dirty="0">
-                <a:latin typeface="Courier New" charset="0"/>
-              </a:rPr>
-              <a:t>public void remove()</a:t>
-            </a:r>
-          </a:p>
-        </p:txBody>
-      </p:sp>
-    </p:spTree>
-    <p:extLst>
-      <p:ext uri="{BB962C8B-B14F-4D97-AF65-F5344CB8AC3E}">
-        <p14:creationId xmlns:p14="http://schemas.microsoft.com/office/powerpoint/2010/main" xmlns="" val="3854217108"/>
-      </p:ext>
-    </p:extLst>
-  </p:cSld>
-  <p:clrMapOvr>
-    <a:masterClrMapping/>
-  </p:clrMapOvr>
-</p:sld>
-</file>
-
-<file path=ppt/slides/slide29.xml><?xml version="1.0" encoding="utf-8"?>
-<p:sld xmlns:a="http://schemas.openxmlformats.org/drawingml/2006/main" xmlns:r="http://schemas.openxmlformats.org/officeDocument/2006/relationships" xmlns:p="http://schemas.openxmlformats.org/presentationml/2006/main">
-  <p:cSld>
-    <p:spTree>
-      <p:nvGrpSpPr>
-        <p:cNvPr id="1" name=""/>
-        <p:cNvGrpSpPr/>
-        <p:nvPr/>
-      </p:nvGrpSpPr>
-      <p:grpSpPr>
-        <a:xfrm>
-          <a:off x="0" y="0"/>
-          <a:ext cx="0" cy="0"/>
-          <a:chOff x="0" y="0"/>
-          <a:chExt cx="0" cy="0"/>
-        </a:xfrm>
-      </p:grpSpPr>
-      <p:sp>
-        <p:nvSpPr>
-          <p:cNvPr id="2" name="Title 1"/>
-          <p:cNvSpPr>
-            <a:spLocks noGrp="1"/>
-          </p:cNvSpPr>
-          <p:nvPr>
-            <p:ph type="title"/>
-          </p:nvPr>
-        </p:nvSpPr>
-        <p:spPr/>
-        <p:txBody>
-          <a:bodyPr/>
-          <a:lstStyle/>
-          <a:p>
-            <a:r>
-              <a:rPr lang="en-US" dirty="0"/>
-              <a:t>Using an Iterator</a:t>
-            </a:r>
-            <a:endParaRPr lang="en-CA" dirty="0"/>
-          </a:p>
-        </p:txBody>
-      </p:sp>
-      <p:sp>
-        <p:nvSpPr>
-          <p:cNvPr id="3" name="Content Placeholder 2"/>
-          <p:cNvSpPr>
-            <a:spLocks noGrp="1"/>
-          </p:cNvSpPr>
-          <p:nvPr>
-            <p:ph idx="1"/>
-          </p:nvPr>
-        </p:nvSpPr>
-        <p:spPr>
-          <a:xfrm>
-            <a:off x="640874" y="1168400"/>
-            <a:ext cx="10515600" cy="5405435"/>
-          </a:xfrm>
-        </p:spPr>
-        <p:txBody>
-          <a:bodyPr>
             <a:normAutofit/>
           </a:bodyPr>
           <a:lstStyle/>
@@ -12044,7 +10167,7 @@
             <a:fld id="{5174927E-2439-42C0-9720-7BBCA09BF46F}" type="slidenum">
               <a:rPr lang="en-CA" smtClean="0"/>
               <a:pPr/>
-              <a:t>29</a:t>
+              <a:t>27</a:t>
             </a:fld>
             <a:r>
               <a:rPr lang="en-CA" dirty="0"/>
@@ -12852,7 +10975,7 @@
 </p:sld>
 </file>
 
-<file path=ppt/slides/slide3.xml><?xml version="1.0" encoding="utf-8"?>
+<file path=ppt/slides/slide28.xml><?xml version="1.0" encoding="utf-8"?>
 <p:sld xmlns:a="http://schemas.openxmlformats.org/drawingml/2006/main" xmlns:r="http://schemas.openxmlformats.org/officeDocument/2006/relationships" xmlns:p="http://schemas.openxmlformats.org/presentationml/2006/main">
   <p:cSld>
     <p:spTree>
@@ -12885,198 +11008,6 @@
           <a:lstStyle/>
           <a:p>
             <a:r>
-              <a:rPr lang="en-US" dirty="0"/>
-              <a:t>Basics</a:t>
-            </a:r>
-            <a:endParaRPr lang="en-CA" dirty="0"/>
-          </a:p>
-        </p:txBody>
-      </p:sp>
-      <p:sp>
-        <p:nvSpPr>
-          <p:cNvPr id="3" name="Content Placeholder 2"/>
-          <p:cNvSpPr>
-            <a:spLocks noGrp="1"/>
-          </p:cNvSpPr>
-          <p:nvPr>
-            <p:ph idx="1"/>
-          </p:nvPr>
-        </p:nvSpPr>
-        <p:spPr>
-          <a:xfrm>
-            <a:off x="640874" y="1168401"/>
-            <a:ext cx="10515600" cy="4399753"/>
-          </a:xfrm>
-        </p:spPr>
-        <p:txBody>
-          <a:bodyPr>
-            <a:normAutofit/>
-          </a:bodyPr>
-          <a:lstStyle/>
-          <a:p>
-            <a:r>
-              <a:rPr lang="en-US" altLang="en-US" dirty="0">
-                <a:ea typeface="ＭＳ Ｐゴシック" panose="020B0600070205080204" pitchFamily="34" charset="-128"/>
-              </a:rPr>
-              <a:t>Use for loops when you know the number of things you are iterating over, otherwise use while loops.</a:t>
-            </a:r>
-          </a:p>
-          <a:p>
-            <a:endParaRPr lang="en-US" altLang="en-US" dirty="0">
-              <a:ea typeface="ＭＳ Ｐゴシック" panose="020B0600070205080204" pitchFamily="34" charset="-128"/>
-            </a:endParaRPr>
-          </a:p>
-          <a:p>
-            <a:r>
-              <a:rPr lang="en-US" altLang="en-US" dirty="0">
-                <a:ea typeface="ＭＳ Ｐゴシック" panose="020B0600070205080204" pitchFamily="34" charset="-128"/>
-              </a:rPr>
-              <a:t>Documentation is your friend! Use it.</a:t>
-            </a:r>
-          </a:p>
-          <a:p>
-            <a:endParaRPr lang="en-US" altLang="en-US" dirty="0">
-              <a:ea typeface="ＭＳ Ｐゴシック" panose="020B0600070205080204" pitchFamily="34" charset="-128"/>
-            </a:endParaRPr>
-          </a:p>
-          <a:p>
-            <a:r>
-              <a:rPr lang="en-US" altLang="en-US" dirty="0">
-                <a:ea typeface="ＭＳ Ｐゴシック" panose="020B0600070205080204" pitchFamily="34" charset="-128"/>
-              </a:rPr>
-              <a:t>Variable and class naming have language-specific conventions</a:t>
-            </a:r>
-          </a:p>
-          <a:p>
-            <a:pPr lvl="1"/>
-            <a:r>
-              <a:rPr lang="en-US" altLang="en-US" dirty="0">
-                <a:ea typeface="ＭＳ Ｐゴシック" panose="020B0600070205080204" pitchFamily="34" charset="-128"/>
-              </a:rPr>
-              <a:t>In Java, we use </a:t>
-            </a:r>
-            <a:r>
-              <a:rPr lang="en-US" altLang="en-US" dirty="0" err="1">
-                <a:ea typeface="ＭＳ Ｐゴシック" panose="020B0600070205080204" pitchFamily="34" charset="-128"/>
-              </a:rPr>
-              <a:t>camelCaseFormatting</a:t>
-            </a:r>
-            <a:r>
-              <a:rPr lang="en-US" altLang="en-US" dirty="0">
-                <a:ea typeface="ＭＳ Ｐゴシック" panose="020B0600070205080204" pitchFamily="34" charset="-128"/>
-              </a:rPr>
-              <a:t> for variables, and </a:t>
-            </a:r>
-            <a:r>
-              <a:rPr lang="en-US" altLang="en-US" dirty="0" err="1">
-                <a:ea typeface="ＭＳ Ｐゴシック" panose="020B0600070205080204" pitchFamily="34" charset="-128"/>
-              </a:rPr>
-              <a:t>FirstLetterUpperCase</a:t>
-            </a:r>
-            <a:r>
-              <a:rPr lang="en-US" altLang="en-US" dirty="0">
-                <a:ea typeface="ＭＳ Ｐゴシック" panose="020B0600070205080204" pitchFamily="34" charset="-128"/>
-              </a:rPr>
-              <a:t> for classes.</a:t>
-            </a:r>
-          </a:p>
-        </p:txBody>
-      </p:sp>
-      <p:sp>
-        <p:nvSpPr>
-          <p:cNvPr id="10" name="Footer Placeholder 9"/>
-          <p:cNvSpPr>
-            <a:spLocks noGrp="1"/>
-          </p:cNvSpPr>
-          <p:nvPr>
-            <p:ph type="ftr" sz="quarter" idx="3"/>
-          </p:nvPr>
-        </p:nvSpPr>
-        <p:spPr/>
-        <p:txBody>
-          <a:bodyPr/>
-          <a:lstStyle/>
-          <a:p>
-            <a:r>
-              <a:rPr lang="en-CA" dirty="0"/>
-              <a:t>CS321: Advanced Programming Techniques</a:t>
-            </a:r>
-          </a:p>
-        </p:txBody>
-      </p:sp>
-      <p:sp>
-        <p:nvSpPr>
-          <p:cNvPr id="12" name="Slide Number Placeholder 11"/>
-          <p:cNvSpPr>
-            <a:spLocks noGrp="1"/>
-          </p:cNvSpPr>
-          <p:nvPr>
-            <p:ph type="sldNum" sz="quarter" idx="4"/>
-          </p:nvPr>
-        </p:nvSpPr>
-        <p:spPr/>
-        <p:txBody>
-          <a:bodyPr/>
-          <a:lstStyle/>
-          <a:p>
-            <a:fld id="{5174927E-2439-42C0-9720-7BBCA09BF46F}" type="slidenum">
-              <a:rPr lang="en-CA" smtClean="0"/>
-              <a:pPr/>
-              <a:t>3</a:t>
-            </a:fld>
-            <a:r>
-              <a:rPr lang="en-CA" dirty="0"/>
-              <a:t> </a:t>
-            </a:r>
-          </a:p>
-        </p:txBody>
-      </p:sp>
-    </p:spTree>
-    <p:extLst>
-      <p:ext uri="{BB962C8B-B14F-4D97-AF65-F5344CB8AC3E}">
-        <p14:creationId xmlns:p14="http://schemas.microsoft.com/office/powerpoint/2010/main" xmlns="" val="51204498"/>
-      </p:ext>
-    </p:extLst>
-  </p:cSld>
-  <p:clrMapOvr>
-    <a:masterClrMapping/>
-  </p:clrMapOvr>
-</p:sld>
-</file>
-
-<file path=ppt/slides/slide30.xml><?xml version="1.0" encoding="utf-8"?>
-<p:sld xmlns:a="http://schemas.openxmlformats.org/drawingml/2006/main" xmlns:r="http://schemas.openxmlformats.org/officeDocument/2006/relationships" xmlns:p="http://schemas.openxmlformats.org/presentationml/2006/main">
-  <p:cSld>
-    <p:spTree>
-      <p:nvGrpSpPr>
-        <p:cNvPr id="1" name=""/>
-        <p:cNvGrpSpPr/>
-        <p:nvPr/>
-      </p:nvGrpSpPr>
-      <p:grpSpPr>
-        <a:xfrm>
-          <a:off x="0" y="0"/>
-          <a:ext cx="0" cy="0"/>
-          <a:chOff x="0" y="0"/>
-          <a:chExt cx="0" cy="0"/>
-        </a:xfrm>
-      </p:grpSpPr>
-      <p:sp>
-        <p:nvSpPr>
-          <p:cNvPr id="2" name="Title 1"/>
-          <p:cNvSpPr>
-            <a:spLocks noGrp="1"/>
-          </p:cNvSpPr>
-          <p:nvPr>
-            <p:ph type="title"/>
-          </p:nvPr>
-        </p:nvSpPr>
-        <p:spPr/>
-        <p:txBody>
-          <a:bodyPr/>
-          <a:lstStyle/>
-          <a:p>
-            <a:r>
               <a:rPr lang="en-US" altLang="en-US" dirty="0"/>
               <a:t>Preconditions</a:t>
             </a:r>
@@ -13157,7 +11088,7 @@
             <a:fld id="{5174927E-2439-42C0-9720-7BBCA09BF46F}" type="slidenum">
               <a:rPr lang="en-CA" smtClean="0"/>
               <a:pPr/>
-              <a:t>30</a:t>
+              <a:t>28</a:t>
             </a:fld>
             <a:r>
               <a:rPr lang="en-CA" dirty="0"/>
@@ -13580,6 +11511,629 @@
 </p:sld>
 </file>
 
+<file path=ppt/slides/slide29.xml><?xml version="1.0" encoding="utf-8"?>
+<p:sld xmlns:a="http://schemas.openxmlformats.org/drawingml/2006/main" xmlns:r="http://schemas.openxmlformats.org/officeDocument/2006/relationships" xmlns:p="http://schemas.openxmlformats.org/presentationml/2006/main">
+  <p:cSld>
+    <p:spTree>
+      <p:nvGrpSpPr>
+        <p:cNvPr id="1" name=""/>
+        <p:cNvGrpSpPr/>
+        <p:nvPr/>
+      </p:nvGrpSpPr>
+      <p:grpSpPr>
+        <a:xfrm>
+          <a:off x="0" y="0"/>
+          <a:ext cx="0" cy="0"/>
+          <a:chOff x="0" y="0"/>
+          <a:chExt cx="0" cy="0"/>
+        </a:xfrm>
+      </p:grpSpPr>
+      <p:sp>
+        <p:nvSpPr>
+          <p:cNvPr id="2" name="Title 1">
+            <a:extLst>
+              <a:ext uri="{FF2B5EF4-FFF2-40B4-BE49-F238E27FC236}">
+                <a16:creationId xmlns:a16="http://schemas.microsoft.com/office/drawing/2014/main" xmlns="" id="{0A921011-18FC-475B-B283-A4E0D7C676E2}"/>
+              </a:ext>
+            </a:extLst>
+          </p:cNvPr>
+          <p:cNvSpPr>
+            <a:spLocks noGrp="1"/>
+          </p:cNvSpPr>
+          <p:nvPr>
+            <p:ph type="title"/>
+          </p:nvPr>
+        </p:nvSpPr>
+        <p:spPr/>
+        <p:txBody>
+          <a:bodyPr/>
+          <a:lstStyle/>
+          <a:p>
+            <a:r>
+              <a:rPr lang="en-CA" dirty="0"/>
+              <a:t>Why use Iterators</a:t>
+            </a:r>
+          </a:p>
+        </p:txBody>
+      </p:sp>
+      <p:sp>
+        <p:nvSpPr>
+          <p:cNvPr id="3" name="Content Placeholder 2">
+            <a:extLst>
+              <a:ext uri="{FF2B5EF4-FFF2-40B4-BE49-F238E27FC236}">
+                <a16:creationId xmlns:a16="http://schemas.microsoft.com/office/drawing/2014/main" xmlns="" id="{E519EC20-1B41-4FDC-B979-74F142F690A2}"/>
+              </a:ext>
+            </a:extLst>
+          </p:cNvPr>
+          <p:cNvSpPr>
+            <a:spLocks noGrp="1"/>
+          </p:cNvSpPr>
+          <p:nvPr>
+            <p:ph idx="1"/>
+          </p:nvPr>
+        </p:nvSpPr>
+        <p:spPr/>
+        <p:txBody>
+          <a:bodyPr/>
+          <a:lstStyle/>
+          <a:p>
+            <a:r>
+              <a:rPr lang="en-CA" dirty="0"/>
+              <a:t>A single interface to iterate through any Collections or Lists of objects.</a:t>
+            </a:r>
+          </a:p>
+          <a:p>
+            <a:endParaRPr lang="en-CA" dirty="0"/>
+          </a:p>
+          <a:p>
+            <a:r>
+              <a:rPr lang="en-CA" dirty="0"/>
+              <a:t>Otherwise, you’ll need to start checking the list/collection type before iterating over elements in these object arrays (e.g. one method for iterating through an </a:t>
+            </a:r>
+            <a:r>
+              <a:rPr lang="en-CA" dirty="0" err="1"/>
+              <a:t>ArrayList</a:t>
+            </a:r>
+            <a:r>
+              <a:rPr lang="en-CA" dirty="0"/>
+              <a:t>, and another for a Collection)</a:t>
+            </a:r>
+          </a:p>
+          <a:p>
+            <a:endParaRPr lang="en-CA" dirty="0"/>
+          </a:p>
+          <a:p>
+            <a:endParaRPr lang="en-CA" dirty="0"/>
+          </a:p>
+        </p:txBody>
+      </p:sp>
+      <p:sp>
+        <p:nvSpPr>
+          <p:cNvPr id="6" name="Slide Number Placeholder 5">
+            <a:extLst>
+              <a:ext uri="{FF2B5EF4-FFF2-40B4-BE49-F238E27FC236}">
+                <a16:creationId xmlns:a16="http://schemas.microsoft.com/office/drawing/2014/main" xmlns="" id="{2BFBBD55-E3C1-4C22-8665-BC6CC0B5B10F}"/>
+              </a:ext>
+            </a:extLst>
+          </p:cNvPr>
+          <p:cNvSpPr>
+            <a:spLocks noGrp="1"/>
+          </p:cNvSpPr>
+          <p:nvPr>
+            <p:ph type="sldNum" sz="quarter" idx="4"/>
+          </p:nvPr>
+        </p:nvSpPr>
+        <p:spPr/>
+        <p:txBody>
+          <a:bodyPr/>
+          <a:lstStyle/>
+          <a:p>
+            <a:fld id="{5174927E-2439-42C0-9720-7BBCA09BF46F}" type="slidenum">
+              <a:rPr lang="en-CA" smtClean="0"/>
+              <a:pPr/>
+              <a:t>29</a:t>
+            </a:fld>
+            <a:r>
+              <a:rPr lang="en-CA"/>
+              <a:t> / 32</a:t>
+            </a:r>
+            <a:endParaRPr lang="en-CA" dirty="0"/>
+          </a:p>
+        </p:txBody>
+      </p:sp>
+      <p:sp>
+        <p:nvSpPr>
+          <p:cNvPr id="7" name="Footer Placeholder 9"/>
+          <p:cNvSpPr>
+            <a:spLocks noGrp="1"/>
+          </p:cNvSpPr>
+          <p:nvPr>
+            <p:ph type="ftr" sz="quarter" idx="3"/>
+          </p:nvPr>
+        </p:nvSpPr>
+        <p:spPr>
+          <a:xfrm>
+            <a:off x="52387" y="6573836"/>
+            <a:ext cx="2986087" cy="365125"/>
+          </a:xfrm>
+        </p:spPr>
+        <p:txBody>
+          <a:bodyPr/>
+          <a:lstStyle/>
+          <a:p>
+            <a:r>
+              <a:rPr lang="en-CA" dirty="0"/>
+              <a:t>CS321: Advanced Programming Techniques</a:t>
+            </a:r>
+          </a:p>
+        </p:txBody>
+      </p:sp>
+    </p:spTree>
+    <p:extLst>
+      <p:ext uri="{BB962C8B-B14F-4D97-AF65-F5344CB8AC3E}">
+        <p14:creationId xmlns:p14="http://schemas.microsoft.com/office/powerpoint/2010/main" xmlns="" val="2735913249"/>
+      </p:ext>
+    </p:extLst>
+  </p:cSld>
+  <p:clrMapOvr>
+    <a:masterClrMapping/>
+  </p:clrMapOvr>
+</p:sld>
+</file>
+
+<file path=ppt/slides/slide3.xml><?xml version="1.0" encoding="utf-8"?>
+<p:sld xmlns:a="http://schemas.openxmlformats.org/drawingml/2006/main" xmlns:r="http://schemas.openxmlformats.org/officeDocument/2006/relationships" xmlns:p="http://schemas.openxmlformats.org/presentationml/2006/main">
+  <p:cSld>
+    <p:spTree>
+      <p:nvGrpSpPr>
+        <p:cNvPr id="1" name=""/>
+        <p:cNvGrpSpPr/>
+        <p:nvPr/>
+      </p:nvGrpSpPr>
+      <p:grpSpPr>
+        <a:xfrm>
+          <a:off x="0" y="0"/>
+          <a:ext cx="0" cy="0"/>
+          <a:chOff x="0" y="0"/>
+          <a:chExt cx="0" cy="0"/>
+        </a:xfrm>
+      </p:grpSpPr>
+      <p:sp>
+        <p:nvSpPr>
+          <p:cNvPr id="2" name="Title 1"/>
+          <p:cNvSpPr>
+            <a:spLocks noGrp="1"/>
+          </p:cNvSpPr>
+          <p:nvPr>
+            <p:ph type="title"/>
+          </p:nvPr>
+        </p:nvSpPr>
+        <p:spPr/>
+        <p:txBody>
+          <a:bodyPr/>
+          <a:lstStyle/>
+          <a:p>
+            <a:r>
+              <a:rPr lang="en-US" dirty="0"/>
+              <a:t>Basics</a:t>
+            </a:r>
+            <a:endParaRPr lang="en-CA" dirty="0"/>
+          </a:p>
+        </p:txBody>
+      </p:sp>
+      <p:sp>
+        <p:nvSpPr>
+          <p:cNvPr id="3" name="Content Placeholder 2"/>
+          <p:cNvSpPr>
+            <a:spLocks noGrp="1"/>
+          </p:cNvSpPr>
+          <p:nvPr>
+            <p:ph idx="1"/>
+          </p:nvPr>
+        </p:nvSpPr>
+        <p:spPr>
+          <a:xfrm>
+            <a:off x="640874" y="1168401"/>
+            <a:ext cx="10515600" cy="4399753"/>
+          </a:xfrm>
+        </p:spPr>
+        <p:txBody>
+          <a:bodyPr>
+            <a:normAutofit/>
+          </a:bodyPr>
+          <a:lstStyle/>
+          <a:p>
+            <a:r>
+              <a:rPr lang="en-US" altLang="en-US" dirty="0">
+                <a:ea typeface="ＭＳ Ｐゴシック" panose="020B0600070205080204" pitchFamily="34" charset="-128"/>
+              </a:rPr>
+              <a:t>Use for loops when you know the number of things you are iterating over, otherwise use while loops.</a:t>
+            </a:r>
+          </a:p>
+          <a:p>
+            <a:endParaRPr lang="en-US" altLang="en-US" dirty="0">
+              <a:ea typeface="ＭＳ Ｐゴシック" panose="020B0600070205080204" pitchFamily="34" charset="-128"/>
+            </a:endParaRPr>
+          </a:p>
+          <a:p>
+            <a:r>
+              <a:rPr lang="en-US" altLang="en-US" dirty="0">
+                <a:ea typeface="ＭＳ Ｐゴシック" panose="020B0600070205080204" pitchFamily="34" charset="-128"/>
+              </a:rPr>
+              <a:t>Documentation is your friend! Use it.</a:t>
+            </a:r>
+          </a:p>
+          <a:p>
+            <a:endParaRPr lang="en-US" altLang="en-US" dirty="0">
+              <a:ea typeface="ＭＳ Ｐゴシック" panose="020B0600070205080204" pitchFamily="34" charset="-128"/>
+            </a:endParaRPr>
+          </a:p>
+          <a:p>
+            <a:r>
+              <a:rPr lang="en-US" altLang="en-US" dirty="0">
+                <a:ea typeface="ＭＳ Ｐゴシック" panose="020B0600070205080204" pitchFamily="34" charset="-128"/>
+              </a:rPr>
+              <a:t>Variable and class naming have language-specific conventions</a:t>
+            </a:r>
+          </a:p>
+          <a:p>
+            <a:pPr lvl="1"/>
+            <a:r>
+              <a:rPr lang="en-US" altLang="en-US" dirty="0">
+                <a:ea typeface="ＭＳ Ｐゴシック" panose="020B0600070205080204" pitchFamily="34" charset="-128"/>
+              </a:rPr>
+              <a:t>In Java, we use </a:t>
+            </a:r>
+            <a:r>
+              <a:rPr lang="en-US" altLang="en-US" dirty="0" err="1">
+                <a:ea typeface="ＭＳ Ｐゴシック" panose="020B0600070205080204" pitchFamily="34" charset="-128"/>
+              </a:rPr>
+              <a:t>camelCaseFormatting</a:t>
+            </a:r>
+            <a:r>
+              <a:rPr lang="en-US" altLang="en-US" dirty="0">
+                <a:ea typeface="ＭＳ Ｐゴシック" panose="020B0600070205080204" pitchFamily="34" charset="-128"/>
+              </a:rPr>
+              <a:t> for variables, and </a:t>
+            </a:r>
+            <a:r>
+              <a:rPr lang="en-US" altLang="en-US" dirty="0" err="1">
+                <a:ea typeface="ＭＳ Ｐゴシック" panose="020B0600070205080204" pitchFamily="34" charset="-128"/>
+              </a:rPr>
+              <a:t>FirstLetterUpperCase</a:t>
+            </a:r>
+            <a:r>
+              <a:rPr lang="en-US" altLang="en-US" dirty="0">
+                <a:ea typeface="ＭＳ Ｐゴシック" panose="020B0600070205080204" pitchFamily="34" charset="-128"/>
+              </a:rPr>
+              <a:t> for classes.</a:t>
+            </a:r>
+          </a:p>
+        </p:txBody>
+      </p:sp>
+      <p:sp>
+        <p:nvSpPr>
+          <p:cNvPr id="10" name="Footer Placeholder 9"/>
+          <p:cNvSpPr>
+            <a:spLocks noGrp="1"/>
+          </p:cNvSpPr>
+          <p:nvPr>
+            <p:ph type="ftr" sz="quarter" idx="3"/>
+          </p:nvPr>
+        </p:nvSpPr>
+        <p:spPr/>
+        <p:txBody>
+          <a:bodyPr/>
+          <a:lstStyle/>
+          <a:p>
+            <a:r>
+              <a:rPr lang="en-CA" dirty="0"/>
+              <a:t>CS321: Advanced Programming Techniques</a:t>
+            </a:r>
+          </a:p>
+        </p:txBody>
+      </p:sp>
+      <p:sp>
+        <p:nvSpPr>
+          <p:cNvPr id="12" name="Slide Number Placeholder 11"/>
+          <p:cNvSpPr>
+            <a:spLocks noGrp="1"/>
+          </p:cNvSpPr>
+          <p:nvPr>
+            <p:ph type="sldNum" sz="quarter" idx="4"/>
+          </p:nvPr>
+        </p:nvSpPr>
+        <p:spPr/>
+        <p:txBody>
+          <a:bodyPr/>
+          <a:lstStyle/>
+          <a:p>
+            <a:fld id="{5174927E-2439-42C0-9720-7BBCA09BF46F}" type="slidenum">
+              <a:rPr lang="en-CA" smtClean="0"/>
+              <a:pPr/>
+              <a:t>3</a:t>
+            </a:fld>
+            <a:r>
+              <a:rPr lang="en-CA" dirty="0"/>
+              <a:t> </a:t>
+            </a:r>
+          </a:p>
+        </p:txBody>
+      </p:sp>
+    </p:spTree>
+    <p:extLst>
+      <p:ext uri="{BB962C8B-B14F-4D97-AF65-F5344CB8AC3E}">
+        <p14:creationId xmlns:p14="http://schemas.microsoft.com/office/powerpoint/2010/main" xmlns="" val="51204498"/>
+      </p:ext>
+    </p:extLst>
+  </p:cSld>
+  <p:clrMapOvr>
+    <a:masterClrMapping/>
+  </p:clrMapOvr>
+</p:sld>
+</file>
+
+<file path=ppt/slides/slide30.xml><?xml version="1.0" encoding="utf-8"?>
+<p:sld xmlns:a="http://schemas.openxmlformats.org/drawingml/2006/main" xmlns:r="http://schemas.openxmlformats.org/officeDocument/2006/relationships" xmlns:p="http://schemas.openxmlformats.org/presentationml/2006/main">
+  <p:cSld>
+    <p:spTree>
+      <p:nvGrpSpPr>
+        <p:cNvPr id="1" name=""/>
+        <p:cNvGrpSpPr/>
+        <p:nvPr/>
+      </p:nvGrpSpPr>
+      <p:grpSpPr>
+        <a:xfrm>
+          <a:off x="0" y="0"/>
+          <a:ext cx="0" cy="0"/>
+          <a:chOff x="0" y="0"/>
+          <a:chExt cx="0" cy="0"/>
+        </a:xfrm>
+      </p:grpSpPr>
+      <p:sp>
+        <p:nvSpPr>
+          <p:cNvPr id="2" name="Title 1"/>
+          <p:cNvSpPr>
+            <a:spLocks noGrp="1"/>
+          </p:cNvSpPr>
+          <p:nvPr>
+            <p:ph type="title"/>
+          </p:nvPr>
+        </p:nvSpPr>
+        <p:spPr/>
+        <p:txBody>
+          <a:bodyPr/>
+          <a:lstStyle/>
+          <a:p>
+            <a:r>
+              <a:rPr lang="en-US" dirty="0"/>
+              <a:t>Linting (or Static Analysis)</a:t>
+            </a:r>
+            <a:endParaRPr lang="en-CA" dirty="0"/>
+          </a:p>
+        </p:txBody>
+      </p:sp>
+      <p:sp>
+        <p:nvSpPr>
+          <p:cNvPr id="3" name="Content Placeholder 2"/>
+          <p:cNvSpPr>
+            <a:spLocks noGrp="1"/>
+          </p:cNvSpPr>
+          <p:nvPr>
+            <p:ph idx="1"/>
+          </p:nvPr>
+        </p:nvSpPr>
+        <p:spPr>
+          <a:xfrm>
+            <a:off x="640874" y="1168401"/>
+            <a:ext cx="10515600" cy="5252064"/>
+          </a:xfrm>
+        </p:spPr>
+        <p:txBody>
+          <a:bodyPr>
+            <a:normAutofit/>
+          </a:bodyPr>
+          <a:lstStyle/>
+          <a:p>
+            <a:r>
+              <a:rPr lang="en-US" b="1" dirty="0"/>
+              <a:t>Static Analysis </a:t>
+            </a:r>
+            <a:r>
+              <a:rPr lang="en-US" dirty="0"/>
+              <a:t>of your code</a:t>
+            </a:r>
+          </a:p>
+          <a:p>
+            <a:pPr lvl="1"/>
+            <a:r>
+              <a:rPr lang="en-US" dirty="0"/>
+              <a:t>Analyzes the static aspect (e.g. the code, file names etc.) of your program</a:t>
+            </a:r>
+          </a:p>
+          <a:p>
+            <a:pPr lvl="1"/>
+            <a:r>
+              <a:rPr lang="en-US" dirty="0"/>
+              <a:t>Doesn’t care about what your code does at runtime</a:t>
+            </a:r>
+          </a:p>
+          <a:p>
+            <a:pPr lvl="1"/>
+            <a:r>
+              <a:rPr lang="en-US" dirty="0"/>
+              <a:t>Only cares if it looks right, and could compile it as well</a:t>
+            </a:r>
+          </a:p>
+          <a:p>
+            <a:pPr lvl="1"/>
+            <a:r>
+              <a:rPr lang="en-US" dirty="0"/>
+              <a:t>Examples: </a:t>
+            </a:r>
+          </a:p>
+          <a:p>
+            <a:pPr lvl="2"/>
+            <a:r>
+              <a:rPr lang="en-US" dirty="0">
+                <a:hlinkClick r:id="rId2"/>
+              </a:rPr>
+              <a:t>PEP-8</a:t>
+            </a:r>
+            <a:r>
+              <a:rPr lang="en-US" dirty="0"/>
+              <a:t> in Python</a:t>
+            </a:r>
+          </a:p>
+          <a:p>
+            <a:pPr lvl="2"/>
+            <a:r>
+              <a:rPr lang="en-US" dirty="0"/>
+              <a:t>IntelliJ-</a:t>
+            </a:r>
+            <a:r>
+              <a:rPr lang="en-US" dirty="0" err="1"/>
+              <a:t>builtin</a:t>
+            </a:r>
+            <a:r>
+              <a:rPr lang="en-US" dirty="0"/>
+              <a:t>, &amp; </a:t>
+            </a:r>
+            <a:r>
+              <a:rPr lang="en-US" dirty="0">
+                <a:hlinkClick r:id="rId3"/>
+              </a:rPr>
+              <a:t>Google Style</a:t>
+            </a:r>
+            <a:r>
+              <a:rPr lang="en-US" dirty="0"/>
+              <a:t> in Java</a:t>
+            </a:r>
+          </a:p>
+          <a:p>
+            <a:pPr lvl="2"/>
+            <a:r>
+              <a:rPr lang="en-US" dirty="0" err="1">
+                <a:hlinkClick r:id="rId4"/>
+              </a:rPr>
+              <a:t>ESLint</a:t>
+            </a:r>
+            <a:r>
+              <a:rPr lang="en-US" dirty="0"/>
+              <a:t>, &amp; </a:t>
+            </a:r>
+            <a:r>
+              <a:rPr lang="en-US" dirty="0">
+                <a:hlinkClick r:id="rId5"/>
+              </a:rPr>
+              <a:t>Mozilla Style</a:t>
+            </a:r>
+            <a:r>
+              <a:rPr lang="en-US" dirty="0"/>
+              <a:t> in </a:t>
+            </a:r>
+            <a:r>
+              <a:rPr lang="en-US" dirty="0" err="1"/>
+              <a:t>Javascript</a:t>
+            </a:r>
+            <a:endParaRPr lang="en-US" dirty="0"/>
+          </a:p>
+          <a:p>
+            <a:pPr lvl="2"/>
+            <a:r>
+              <a:rPr lang="en-US" dirty="0"/>
+              <a:t>Custom Validators</a:t>
+            </a:r>
+          </a:p>
+          <a:p>
+            <a:pPr lvl="1"/>
+            <a:endParaRPr lang="en-US" dirty="0"/>
+          </a:p>
+          <a:p>
+            <a:r>
+              <a:rPr lang="en-US" dirty="0"/>
+              <a:t>In contrast, </a:t>
+            </a:r>
+            <a:r>
+              <a:rPr lang="en-US" b="1" dirty="0"/>
+              <a:t>dynamic analysis </a:t>
+            </a:r>
+            <a:r>
+              <a:rPr lang="en-US" dirty="0"/>
+              <a:t>involves analyzing your code during runtime</a:t>
+            </a:r>
+          </a:p>
+          <a:p>
+            <a:pPr lvl="1"/>
+            <a:r>
+              <a:rPr lang="en-US" dirty="0"/>
+              <a:t>Example: Code Coverage</a:t>
+            </a:r>
+          </a:p>
+        </p:txBody>
+      </p:sp>
+      <p:sp>
+        <p:nvSpPr>
+          <p:cNvPr id="10" name="Footer Placeholder 9"/>
+          <p:cNvSpPr>
+            <a:spLocks noGrp="1"/>
+          </p:cNvSpPr>
+          <p:nvPr>
+            <p:ph type="ftr" sz="quarter" idx="3"/>
+          </p:nvPr>
+        </p:nvSpPr>
+        <p:spPr/>
+        <p:txBody>
+          <a:bodyPr/>
+          <a:lstStyle/>
+          <a:p>
+            <a:r>
+              <a:rPr lang="en-CA" dirty="0"/>
+              <a:t>CS321: Advanced Programming Techniques</a:t>
+            </a:r>
+          </a:p>
+        </p:txBody>
+      </p:sp>
+      <p:sp>
+        <p:nvSpPr>
+          <p:cNvPr id="12" name="Slide Number Placeholder 11"/>
+          <p:cNvSpPr>
+            <a:spLocks noGrp="1"/>
+          </p:cNvSpPr>
+          <p:nvPr>
+            <p:ph type="sldNum" sz="quarter" idx="4"/>
+          </p:nvPr>
+        </p:nvSpPr>
+        <p:spPr/>
+        <p:txBody>
+          <a:bodyPr/>
+          <a:lstStyle/>
+          <a:p>
+            <a:fld id="{5174927E-2439-42C0-9720-7BBCA09BF46F}" type="slidenum">
+              <a:rPr lang="en-CA" smtClean="0"/>
+              <a:pPr/>
+              <a:t>30</a:t>
+            </a:fld>
+            <a:r>
+              <a:rPr lang="en-CA" dirty="0"/>
+              <a:t> </a:t>
+            </a:r>
+          </a:p>
+        </p:txBody>
+      </p:sp>
+    </p:spTree>
+    <p:extLst>
+      <p:ext uri="{BB962C8B-B14F-4D97-AF65-F5344CB8AC3E}">
+        <p14:creationId xmlns:p14="http://schemas.microsoft.com/office/powerpoint/2010/main" xmlns="" val="355146014"/>
+      </p:ext>
+    </p:extLst>
+  </p:cSld>
+  <p:clrMapOvr>
+    <a:masterClrMapping/>
+  </p:clrMapOvr>
+</p:sld>
+</file>
+
 <file path=ppt/slides/slide31.xml><?xml version="1.0" encoding="utf-8"?>
 <p:sld xmlns:a="http://schemas.openxmlformats.org/drawingml/2006/main" xmlns:r="http://schemas.openxmlformats.org/officeDocument/2006/relationships" xmlns:p="http://schemas.openxmlformats.org/presentationml/2006/main">
   <p:cSld>
@@ -13599,13 +12153,7 @@
       </p:grpSpPr>
       <p:sp>
         <p:nvSpPr>
-          <p:cNvPr id="2" name="Title 1">
-            <a:extLst>
-              <a:ext uri="{FF2B5EF4-FFF2-40B4-BE49-F238E27FC236}">
-                <a16:creationId xmlns:a16="http://schemas.microsoft.com/office/drawing/2014/main" xmlns="" id="{0A921011-18FC-475B-B283-A4E0D7C676E2}"/>
-              </a:ext>
-            </a:extLst>
-          </p:cNvPr>
+          <p:cNvPr id="2" name="Title 1"/>
           <p:cNvSpPr>
             <a:spLocks noGrp="1"/>
           </p:cNvSpPr>
@@ -13619,72 +12167,88 @@
           <a:lstStyle/>
           <a:p>
             <a:r>
+              <a:rPr lang="en-US" dirty="0"/>
+              <a:t>Using Linters</a:t>
+            </a:r>
+            <a:endParaRPr lang="en-CA" dirty="0"/>
+          </a:p>
+        </p:txBody>
+      </p:sp>
+      <p:sp>
+        <p:nvSpPr>
+          <p:cNvPr id="3" name="Content Placeholder 2"/>
+          <p:cNvSpPr>
+            <a:spLocks noGrp="1"/>
+          </p:cNvSpPr>
+          <p:nvPr>
+            <p:ph idx="1"/>
+          </p:nvPr>
+        </p:nvSpPr>
+        <p:spPr>
+          <a:xfrm>
+            <a:off x="640874" y="1168401"/>
+            <a:ext cx="10515600" cy="4399753"/>
+          </a:xfrm>
+        </p:spPr>
+        <p:txBody>
+          <a:bodyPr>
+            <a:normAutofit/>
+          </a:bodyPr>
+          <a:lstStyle/>
+          <a:p>
+            <a:r>
+              <a:rPr lang="en-US" dirty="0"/>
+              <a:t>Automated code checks before landing your code to the default branch of your repository</a:t>
+            </a:r>
+          </a:p>
+          <a:p>
+            <a:endParaRPr lang="en-US" dirty="0"/>
+          </a:p>
+          <a:p>
+            <a:r>
+              <a:rPr lang="en-US" dirty="0"/>
+              <a:t>Usually happens during code reviews with some form of continuous integration (CI) tooling</a:t>
+            </a:r>
+          </a:p>
+          <a:p>
+            <a:endParaRPr lang="en-US" dirty="0"/>
+          </a:p>
+          <a:p>
+            <a:r>
+              <a:rPr lang="en-US" dirty="0"/>
+              <a:t>Running these linters locally will (in most cases) automatically reformat your code</a:t>
+            </a:r>
+          </a:p>
+          <a:p>
+            <a:endParaRPr lang="en-US" dirty="0"/>
+          </a:p>
+        </p:txBody>
+      </p:sp>
+      <p:sp>
+        <p:nvSpPr>
+          <p:cNvPr id="10" name="Footer Placeholder 9"/>
+          <p:cNvSpPr>
+            <a:spLocks noGrp="1"/>
+          </p:cNvSpPr>
+          <p:nvPr>
+            <p:ph type="ftr" sz="quarter" idx="3"/>
+          </p:nvPr>
+        </p:nvSpPr>
+        <p:spPr/>
+        <p:txBody>
+          <a:bodyPr/>
+          <a:lstStyle/>
+          <a:p>
+            <a:r>
               <a:rPr lang="en-CA" dirty="0"/>
-              <a:t>Why use Iterators</a:t>
-            </a:r>
-          </a:p>
-        </p:txBody>
-      </p:sp>
-      <p:sp>
-        <p:nvSpPr>
-          <p:cNvPr id="3" name="Content Placeholder 2">
-            <a:extLst>
-              <a:ext uri="{FF2B5EF4-FFF2-40B4-BE49-F238E27FC236}">
-                <a16:creationId xmlns:a16="http://schemas.microsoft.com/office/drawing/2014/main" xmlns="" id="{E519EC20-1B41-4FDC-B979-74F142F690A2}"/>
-              </a:ext>
-            </a:extLst>
-          </p:cNvPr>
-          <p:cNvSpPr>
-            <a:spLocks noGrp="1"/>
-          </p:cNvSpPr>
-          <p:nvPr>
-            <p:ph idx="1"/>
-          </p:nvPr>
-        </p:nvSpPr>
-        <p:spPr/>
-        <p:txBody>
-          <a:bodyPr/>
-          <a:lstStyle/>
-          <a:p>
-            <a:r>
-              <a:rPr lang="en-CA" dirty="0"/>
-              <a:t>A single interface to iterate through any Collections or Lists of objects.</a:t>
-            </a:r>
-          </a:p>
-          <a:p>
-            <a:endParaRPr lang="en-CA" dirty="0"/>
-          </a:p>
-          <a:p>
-            <a:r>
-              <a:rPr lang="en-CA" dirty="0"/>
-              <a:t>Otherwise, you’ll need to start checking the list/collection type before iterating over elements in these object arrays (e.g. one method for iterating through an </a:t>
-            </a:r>
-            <a:r>
-              <a:rPr lang="en-CA" dirty="0" err="1"/>
-              <a:t>ArrayList</a:t>
-            </a:r>
-            <a:r>
-              <a:rPr lang="en-CA" dirty="0"/>
-              <a:t>, and another for a Collection)</a:t>
-            </a:r>
-          </a:p>
-          <a:p>
-            <a:endParaRPr lang="en-CA" dirty="0"/>
-          </a:p>
-          <a:p>
-            <a:endParaRPr lang="en-CA" dirty="0"/>
-          </a:p>
-        </p:txBody>
-      </p:sp>
-      <p:sp>
-        <p:nvSpPr>
-          <p:cNvPr id="6" name="Slide Number Placeholder 5">
-            <a:extLst>
-              <a:ext uri="{FF2B5EF4-FFF2-40B4-BE49-F238E27FC236}">
-                <a16:creationId xmlns:a16="http://schemas.microsoft.com/office/drawing/2014/main" xmlns="" id="{2BFBBD55-E3C1-4C22-8665-BC6CC0B5B10F}"/>
-              </a:ext>
-            </a:extLst>
-          </p:cNvPr>
+              <a:t>CS321: Advanced Programming Techniques</a:t>
+            </a:r>
+          </a:p>
+        </p:txBody>
+      </p:sp>
+      <p:sp>
+        <p:nvSpPr>
+          <p:cNvPr id="12" name="Slide Number Placeholder 11"/>
           <p:cNvSpPr>
             <a:spLocks noGrp="1"/>
           </p:cNvSpPr>
@@ -13703,36 +12267,8 @@
               <a:t>31</a:t>
             </a:fld>
             <a:r>
-              <a:rPr lang="en-CA"/>
-              <a:t> / 32</a:t>
-            </a:r>
-            <a:endParaRPr lang="en-CA" dirty="0"/>
-          </a:p>
-        </p:txBody>
-      </p:sp>
-      <p:sp>
-        <p:nvSpPr>
-          <p:cNvPr id="7" name="Footer Placeholder 9"/>
-          <p:cNvSpPr>
-            <a:spLocks noGrp="1"/>
-          </p:cNvSpPr>
-          <p:nvPr>
-            <p:ph type="ftr" sz="quarter" idx="3"/>
-          </p:nvPr>
-        </p:nvSpPr>
-        <p:spPr>
-          <a:xfrm>
-            <a:off x="52387" y="6573836"/>
-            <a:ext cx="2986087" cy="365125"/>
-          </a:xfrm>
-        </p:spPr>
-        <p:txBody>
-          <a:bodyPr/>
-          <a:lstStyle/>
-          <a:p>
-            <a:r>
               <a:rPr lang="en-CA" dirty="0"/>
-              <a:t>CS321: Advanced Programming Techniques</a:t>
+              <a:t> </a:t>
             </a:r>
           </a:p>
         </p:txBody>
@@ -13740,7 +12276,7 @@
     </p:spTree>
     <p:extLst>
       <p:ext uri="{BB962C8B-B14F-4D97-AF65-F5344CB8AC3E}">
-        <p14:creationId xmlns:p14="http://schemas.microsoft.com/office/powerpoint/2010/main" xmlns="" val="2735913249"/>
+        <p14:creationId xmlns:p14="http://schemas.microsoft.com/office/powerpoint/2010/main" xmlns="" val="3357882366"/>
       </p:ext>
     </p:extLst>
   </p:cSld>
@@ -13784,7 +12320,7 @@
           <a:p>
             <a:r>
               <a:rPr lang="en-US" dirty="0"/>
-              <a:t>Linting (or Static Analysis)</a:t>
+              <a:t>Advantages to using Linters</a:t>
             </a:r>
             <a:endParaRPr lang="en-CA" dirty="0"/>
           </a:p>
@@ -13803,7 +12339,7 @@
         <p:spPr>
           <a:xfrm>
             <a:off x="640874" y="1168401"/>
-            <a:ext cx="10515600" cy="5252064"/>
+            <a:ext cx="10515600" cy="4399753"/>
           </a:xfrm>
         </p:spPr>
         <p:txBody>
@@ -13813,113 +12349,15 @@
           <a:lstStyle/>
           <a:p>
             <a:r>
-              <a:rPr lang="en-US" b="1" dirty="0"/>
-              <a:t>Static Analysis </a:t>
-            </a:r>
-            <a:r>
               <a:rPr lang="en-US" dirty="0"/>
-              <a:t>of your code</a:t>
+              <a:t>Quicker, and more powerful code reviews</a:t>
             </a:r>
           </a:p>
           <a:p>
             <a:pPr lvl="1"/>
             <a:r>
               <a:rPr lang="en-US" dirty="0"/>
-              <a:t>Analyzes the static aspect (e.g. the code, file names etc.) of your program</a:t>
-            </a:r>
-          </a:p>
-          <a:p>
-            <a:pPr lvl="1"/>
-            <a:r>
-              <a:rPr lang="en-US" dirty="0"/>
-              <a:t>Doesn’t care about what your code does at runtime</a:t>
-            </a:r>
-          </a:p>
-          <a:p>
-            <a:pPr lvl="1"/>
-            <a:r>
-              <a:rPr lang="en-US" dirty="0"/>
-              <a:t>Only cares if it looks right, and could compile it as well</a:t>
-            </a:r>
-          </a:p>
-          <a:p>
-            <a:pPr lvl="1"/>
-            <a:r>
-              <a:rPr lang="en-US" dirty="0"/>
-              <a:t>Examples: </a:t>
-            </a:r>
-          </a:p>
-          <a:p>
-            <a:pPr lvl="2"/>
-            <a:r>
-              <a:rPr lang="en-US" dirty="0">
-                <a:hlinkClick r:id="rId2"/>
-              </a:rPr>
-              <a:t>PEP-8</a:t>
-            </a:r>
-            <a:r>
-              <a:rPr lang="en-US" dirty="0"/>
-              <a:t> in Python</a:t>
-            </a:r>
-          </a:p>
-          <a:p>
-            <a:pPr lvl="2"/>
-            <a:r>
-              <a:rPr lang="en-US" dirty="0"/>
-              <a:t>IntelliJ-</a:t>
-            </a:r>
-            <a:r>
-              <a:rPr lang="en-US" dirty="0" err="1"/>
-              <a:t>builtin</a:t>
-            </a:r>
-            <a:r>
-              <a:rPr lang="en-US" dirty="0"/>
-              <a:t>, &amp; </a:t>
-            </a:r>
-            <a:r>
-              <a:rPr lang="en-US" dirty="0">
-                <a:hlinkClick r:id="rId3"/>
-              </a:rPr>
-              <a:t>Google Style</a:t>
-            </a:r>
-            <a:r>
-              <a:rPr lang="en-US" dirty="0"/>
-              <a:t> in Java</a:t>
-            </a:r>
-          </a:p>
-          <a:p>
-            <a:pPr lvl="2"/>
-            <a:r>
-              <a:rPr lang="en-US" dirty="0" err="1">
-                <a:hlinkClick r:id="rId4"/>
-              </a:rPr>
-              <a:t>ESLint</a:t>
-            </a:r>
-            <a:r>
-              <a:rPr lang="en-US" dirty="0"/>
-              <a:t>, &amp; </a:t>
-            </a:r>
-            <a:r>
-              <a:rPr lang="en-US" dirty="0">
-                <a:hlinkClick r:id="rId5"/>
-              </a:rPr>
-              <a:t>Mozilla Style</a:t>
-            </a:r>
-            <a:r>
-              <a:rPr lang="en-US" dirty="0"/>
-              <a:t> in </a:t>
-            </a:r>
-            <a:r>
-              <a:rPr lang="en-US" dirty="0" err="1"/>
-              <a:t>Javascript</a:t>
-            </a:r>
-            <a:endParaRPr lang="en-US" dirty="0"/>
-          </a:p>
-          <a:p>
-            <a:pPr lvl="2"/>
-            <a:r>
-              <a:rPr lang="en-US" dirty="0"/>
-              <a:t>Custom Validators</a:t>
+              <a:t>People can spend more time on the internals rather than the structure</a:t>
             </a:r>
           </a:p>
           <a:p>
@@ -13929,22 +12367,32 @@
           <a:p>
             <a:r>
               <a:rPr lang="en-US" dirty="0"/>
-              <a:t>In contrast, </a:t>
-            </a:r>
-            <a:r>
-              <a:rPr lang="en-US" b="1" dirty="0"/>
-              <a:t>dynamic analysis </a:t>
-            </a:r>
+              <a:t>Consistent code quality</a:t>
+            </a:r>
+          </a:p>
+          <a:p>
+            <a:endParaRPr lang="en-US" dirty="0"/>
+          </a:p>
+          <a:p>
             <a:r>
               <a:rPr lang="en-US" dirty="0"/>
-              <a:t>involves analyzing your code during runtime</a:t>
+              <a:t>Enforcement of organizational standards</a:t>
+            </a:r>
+          </a:p>
+          <a:p>
+            <a:endParaRPr lang="en-US" dirty="0"/>
+          </a:p>
+          <a:p>
+            <a:r>
+              <a:rPr lang="en-US" dirty="0"/>
+              <a:t>No need to stress about your formatting anymore</a:t>
             </a:r>
           </a:p>
           <a:p>
             <a:pPr lvl="1"/>
             <a:r>
               <a:rPr lang="en-US" dirty="0"/>
-              <a:t>Example: Code Coverage</a:t>
+              <a:t>E.g. a misplaced curly brace `{` on line 10,276</a:t>
             </a:r>
           </a:p>
         </p:txBody>
@@ -14001,7 +12449,7 @@
     </p:spTree>
     <p:extLst>
       <p:ext uri="{BB962C8B-B14F-4D97-AF65-F5344CB8AC3E}">
-        <p14:creationId xmlns:p14="http://schemas.microsoft.com/office/powerpoint/2010/main" xmlns="" val="355146014"/>
+        <p14:creationId xmlns:p14="http://schemas.microsoft.com/office/powerpoint/2010/main" xmlns="" val="2425407270"/>
       </p:ext>
     </p:extLst>
   </p:cSld>
@@ -14045,7 +12493,7 @@
           <a:p>
             <a:r>
               <a:rPr lang="en-US" dirty="0"/>
-              <a:t>Using Linters</a:t>
+              <a:t>Key Points for Errors/Exceptions</a:t>
             </a:r>
             <a:endParaRPr lang="en-CA" dirty="0"/>
           </a:p>
@@ -14064,7 +12512,7 @@
         <p:spPr>
           <a:xfrm>
             <a:off x="640874" y="1168401"/>
-            <a:ext cx="10515600" cy="4399753"/>
+            <a:ext cx="10515600" cy="4966928"/>
           </a:xfrm>
         </p:spPr>
         <p:txBody>
@@ -14074,30 +12522,75 @@
           <a:lstStyle/>
           <a:p>
             <a:r>
-              <a:rPr lang="en-US" dirty="0"/>
-              <a:t>Automated code checks before landing your code to the default branch of your repository</a:t>
-            </a:r>
-          </a:p>
-          <a:p>
-            <a:endParaRPr lang="en-US" dirty="0"/>
-          </a:p>
-          <a:p>
-            <a:r>
-              <a:rPr lang="en-US" dirty="0"/>
-              <a:t>Usually happens during code reviews with some form of continuous integration (CI) tooling</a:t>
-            </a:r>
-          </a:p>
-          <a:p>
-            <a:endParaRPr lang="en-US" dirty="0"/>
-          </a:p>
-          <a:p>
-            <a:r>
-              <a:rPr lang="en-US" dirty="0"/>
-              <a:t>Running these linters locally will (in most cases) automatically reformat your code</a:t>
-            </a:r>
-          </a:p>
-          <a:p>
-            <a:endParaRPr lang="en-US" dirty="0"/>
+              <a:rPr lang="en-US" altLang="en-US" dirty="0">
+                <a:ea typeface="ＭＳ Ｐゴシック" panose="020B0600070205080204" pitchFamily="34" charset="-128"/>
+              </a:rPr>
+              <a:t>Errors are internal, exceptions are external</a:t>
+            </a:r>
+          </a:p>
+          <a:p>
+            <a:endParaRPr lang="en-US" altLang="en-US" dirty="0">
+              <a:ea typeface="ＭＳ Ｐゴシック" panose="020B0600070205080204" pitchFamily="34" charset="-128"/>
+            </a:endParaRPr>
+          </a:p>
+          <a:p>
+            <a:r>
+              <a:rPr lang="en-US" altLang="en-US" dirty="0">
+                <a:ea typeface="ＭＳ Ｐゴシック" panose="020B0600070205080204" pitchFamily="34" charset="-128"/>
+              </a:rPr>
+              <a:t>Check and sanitize input before doing anything</a:t>
+            </a:r>
+          </a:p>
+          <a:p>
+            <a:pPr lvl="1"/>
+            <a:r>
+              <a:rPr lang="en-US" altLang="en-US" dirty="0">
+                <a:ea typeface="ＭＳ Ｐゴシック" panose="020B0600070205080204" pitchFamily="34" charset="-128"/>
+              </a:rPr>
+              <a:t>Setup default values if needed</a:t>
+            </a:r>
+          </a:p>
+          <a:p>
+            <a:pPr lvl="1"/>
+            <a:r>
+              <a:rPr lang="en-US" altLang="en-US" dirty="0">
+                <a:ea typeface="ＭＳ Ｐゴシック" panose="020B0600070205080204" pitchFamily="34" charset="-128"/>
+              </a:rPr>
+              <a:t>Raise exceptions when you can’t set a default value.</a:t>
+            </a:r>
+          </a:p>
+          <a:p>
+            <a:pPr lvl="1"/>
+            <a:endParaRPr lang="en-US" altLang="en-US" dirty="0">
+              <a:ea typeface="ＭＳ Ｐゴシック" panose="020B0600070205080204" pitchFamily="34" charset="-128"/>
+            </a:endParaRPr>
+          </a:p>
+          <a:p>
+            <a:r>
+              <a:rPr lang="en-US" altLang="en-US" dirty="0">
+                <a:ea typeface="ＭＳ Ｐゴシック" panose="020B0600070205080204" pitchFamily="34" charset="-128"/>
+              </a:rPr>
+              <a:t>Put try/catch around crucial pieces of code that can potentially crash your program, not everything.</a:t>
+            </a:r>
+          </a:p>
+          <a:p>
+            <a:pPr lvl="1"/>
+            <a:r>
+              <a:rPr lang="en-US" altLang="en-US" dirty="0">
+                <a:ea typeface="ＭＳ Ｐゴシック" panose="020B0600070205080204" pitchFamily="34" charset="-128"/>
+              </a:rPr>
+              <a:t>These are areas that you have less control over (e.g. making a network request, file manipulations, using source-code from dependencies, running external programs).</a:t>
+            </a:r>
+          </a:p>
+          <a:p>
+            <a:endParaRPr lang="en-US" altLang="en-US" dirty="0">
+              <a:ea typeface="ＭＳ Ｐゴシック" panose="020B0600070205080204" pitchFamily="34" charset="-128"/>
+            </a:endParaRPr>
+          </a:p>
+          <a:p>
+            <a:endParaRPr lang="en-US" altLang="en-US" dirty="0">
+              <a:ea typeface="ＭＳ Ｐゴシック" panose="020B0600070205080204" pitchFamily="34" charset="-128"/>
+            </a:endParaRPr>
           </a:p>
         </p:txBody>
       </p:sp>
@@ -14153,7 +12646,7 @@
     </p:spTree>
     <p:extLst>
       <p:ext uri="{BB962C8B-B14F-4D97-AF65-F5344CB8AC3E}">
-        <p14:creationId xmlns:p14="http://schemas.microsoft.com/office/powerpoint/2010/main" xmlns="" val="3357882366"/>
+        <p14:creationId xmlns:p14="http://schemas.microsoft.com/office/powerpoint/2010/main" xmlns="" val="839201425"/>
       </p:ext>
     </p:extLst>
   </p:cSld>
@@ -14197,7 +12690,7 @@
           <a:p>
             <a:r>
               <a:rPr lang="en-US" dirty="0"/>
-              <a:t>Advantages to using Linters</a:t>
+              <a:t>Key Points for Errors/Exceptions</a:t>
             </a:r>
             <a:endParaRPr lang="en-CA" dirty="0"/>
           </a:p>
@@ -14216,7 +12709,7 @@
         <p:spPr>
           <a:xfrm>
             <a:off x="640874" y="1168401"/>
-            <a:ext cx="10515600" cy="4399753"/>
+            <a:ext cx="10515600" cy="4966928"/>
           </a:xfrm>
         </p:spPr>
         <p:txBody>
@@ -14226,51 +12719,29 @@
           <a:lstStyle/>
           <a:p>
             <a:r>
-              <a:rPr lang="en-US" dirty="0"/>
-              <a:t>Quicker, and more powerful code reviews</a:t>
-            </a:r>
-          </a:p>
-          <a:p>
-            <a:pPr lvl="1"/>
-            <a:r>
-              <a:rPr lang="en-US" dirty="0"/>
-              <a:t>People can spend more time on the internals rather than the structure</a:t>
-            </a:r>
-          </a:p>
-          <a:p>
-            <a:pPr lvl="1"/>
-            <a:endParaRPr lang="en-US" dirty="0"/>
-          </a:p>
-          <a:p>
-            <a:r>
-              <a:rPr lang="en-US" dirty="0"/>
-              <a:t>Consistent code quality</a:t>
-            </a:r>
-          </a:p>
-          <a:p>
-            <a:endParaRPr lang="en-US" dirty="0"/>
-          </a:p>
-          <a:p>
-            <a:r>
-              <a:rPr lang="en-US" dirty="0"/>
-              <a:t>Enforcement of organizational standards</a:t>
-            </a:r>
-          </a:p>
-          <a:p>
-            <a:endParaRPr lang="en-US" dirty="0"/>
-          </a:p>
-          <a:p>
-            <a:r>
-              <a:rPr lang="en-US" dirty="0"/>
-              <a:t>No need to stress about your formatting anymore</a:t>
-            </a:r>
-          </a:p>
-          <a:p>
-            <a:pPr lvl="1"/>
-            <a:r>
-              <a:rPr lang="en-US" dirty="0"/>
-              <a:t>E.g. a misplaced curly brace `{` on line 10,276</a:t>
-            </a:r>
+              <a:rPr lang="en-US" altLang="en-US" dirty="0">
+                <a:ea typeface="ＭＳ Ｐゴシック" panose="020B0600070205080204" pitchFamily="34" charset="-128"/>
+              </a:rPr>
+              <a:t>When building large programs, remember where you generate and catch exceptions. Sometimes you maybe duplicating code and some catch code becomes unreachable as you always catch an exception earlier.</a:t>
+            </a:r>
+          </a:p>
+          <a:p>
+            <a:endParaRPr lang="en-US" altLang="en-US" dirty="0">
+              <a:ea typeface="ＭＳ Ｐゴシック" panose="020B0600070205080204" pitchFamily="34" charset="-128"/>
+            </a:endParaRPr>
+          </a:p>
+          <a:p>
+            <a:r>
+              <a:rPr lang="en-US" altLang="en-US" dirty="0">
+                <a:ea typeface="ＭＳ Ｐゴシック" panose="020B0600070205080204" pitchFamily="34" charset="-128"/>
+              </a:rPr>
+              <a:t>Logging is incredibly important for debugging errors!</a:t>
+            </a:r>
+          </a:p>
+          <a:p>
+            <a:endParaRPr lang="en-US" altLang="en-US" dirty="0">
+              <a:ea typeface="ＭＳ Ｐゴシック" panose="020B0600070205080204" pitchFamily="34" charset="-128"/>
+            </a:endParaRPr>
           </a:p>
         </p:txBody>
       </p:sp>
@@ -14326,7 +12797,7 @@
     </p:spTree>
     <p:extLst>
       <p:ext uri="{BB962C8B-B14F-4D97-AF65-F5344CB8AC3E}">
-        <p14:creationId xmlns:p14="http://schemas.microsoft.com/office/powerpoint/2010/main" xmlns="" val="2425407270"/>
+        <p14:creationId xmlns:p14="http://schemas.microsoft.com/office/powerpoint/2010/main" xmlns="" val="2336250104"/>
       </p:ext>
     </p:extLst>
   </p:cSld>
@@ -14389,7 +12860,7 @@
         <p:spPr>
           <a:xfrm>
             <a:off x="640874" y="1168401"/>
-            <a:ext cx="10515600" cy="4966928"/>
+            <a:ext cx="10515600" cy="4399753"/>
           </a:xfrm>
         </p:spPr>
         <p:txBody>
@@ -14402,20 +12873,16 @@
               <a:rPr lang="en-US" altLang="en-US" dirty="0">
                 <a:ea typeface="ＭＳ Ｐゴシック" panose="020B0600070205080204" pitchFamily="34" charset="-128"/>
               </a:rPr>
-              <a:t>Errors are internal, exceptions are external</a:t>
-            </a:r>
-          </a:p>
-          <a:p>
-            <a:endParaRPr lang="en-US" altLang="en-US" dirty="0">
-              <a:ea typeface="ＭＳ Ｐゴシック" panose="020B0600070205080204" pitchFamily="34" charset="-128"/>
-            </a:endParaRPr>
-          </a:p>
-          <a:p>
+              <a:t>These become really important in weakly-typed languages!</a:t>
+            </a:r>
+          </a:p>
+          <a:p>
+            <a:pPr lvl="1"/>
             <a:r>
               <a:rPr lang="en-US" altLang="en-US" dirty="0">
                 <a:ea typeface="ＭＳ Ｐゴシック" panose="020B0600070205080204" pitchFamily="34" charset="-128"/>
               </a:rPr>
-              <a:t>Check and sanitize input before doing anything</a:t>
+              <a:t>You can pass any type as any parameter in any method</a:t>
             </a:r>
           </a:p>
           <a:p>
@@ -14424,45 +12891,8 @@
               <a:rPr lang="en-US" altLang="en-US" dirty="0">
                 <a:ea typeface="ＭＳ Ｐゴシック" panose="020B0600070205080204" pitchFamily="34" charset="-128"/>
               </a:rPr>
-              <a:t>Setup default values if needed</a:t>
-            </a:r>
-          </a:p>
-          <a:p>
-            <a:pPr lvl="1"/>
-            <a:r>
-              <a:rPr lang="en-US" altLang="en-US" dirty="0">
-                <a:ea typeface="ＭＳ Ｐゴシック" panose="020B0600070205080204" pitchFamily="34" charset="-128"/>
-              </a:rPr>
-              <a:t>Raise exceptions when you can’t set a default value.</a:t>
-            </a:r>
-          </a:p>
-          <a:p>
-            <a:pPr lvl="1"/>
-            <a:endParaRPr lang="en-US" altLang="en-US" dirty="0">
-              <a:ea typeface="ＭＳ Ｐゴシック" panose="020B0600070205080204" pitchFamily="34" charset="-128"/>
-            </a:endParaRPr>
-          </a:p>
-          <a:p>
-            <a:r>
-              <a:rPr lang="en-US" altLang="en-US" dirty="0">
-                <a:ea typeface="ＭＳ Ｐゴシック" panose="020B0600070205080204" pitchFamily="34" charset="-128"/>
-              </a:rPr>
-              <a:t>Put try/catch around crucial pieces of code that can potentially crash your program, not everything.</a:t>
-            </a:r>
-          </a:p>
-          <a:p>
-            <a:pPr lvl="1"/>
-            <a:r>
-              <a:rPr lang="en-US" altLang="en-US" dirty="0">
-                <a:ea typeface="ＭＳ Ｐゴシック" panose="020B0600070205080204" pitchFamily="34" charset="-128"/>
-              </a:rPr>
-              <a:t>These are areas that you have less control over (e.g. making a network request, file manipulations, using source-code from dependencies, running external programs).</a:t>
-            </a:r>
-          </a:p>
-          <a:p>
-            <a:endParaRPr lang="en-US" altLang="en-US" dirty="0">
-              <a:ea typeface="ＭＳ Ｐゴシック" panose="020B0600070205080204" pitchFamily="34" charset="-128"/>
-            </a:endParaRPr>
+              <a:t>Exceptions will help</a:t>
+            </a:r>
           </a:p>
           <a:p>
             <a:endParaRPr lang="en-US" altLang="en-US" dirty="0">
@@ -14523,7 +12953,7 @@
     </p:spTree>
     <p:extLst>
       <p:ext uri="{BB962C8B-B14F-4D97-AF65-F5344CB8AC3E}">
-        <p14:creationId xmlns:p14="http://schemas.microsoft.com/office/powerpoint/2010/main" xmlns="" val="839201425"/>
+        <p14:creationId xmlns:p14="http://schemas.microsoft.com/office/powerpoint/2010/main" xmlns="" val="51877935"/>
       </p:ext>
     </p:extLst>
   </p:cSld>
@@ -14586,7 +13016,7 @@
         <p:spPr>
           <a:xfrm>
             <a:off x="640874" y="1168401"/>
-            <a:ext cx="10515600" cy="4966928"/>
+            <a:ext cx="10515600" cy="4399753"/>
           </a:xfrm>
         </p:spPr>
         <p:txBody>
@@ -14599,26 +13029,56 @@
               <a:rPr lang="en-US" altLang="en-US" dirty="0">
                 <a:ea typeface="ＭＳ Ｐゴシック" panose="020B0600070205080204" pitchFamily="34" charset="-128"/>
               </a:rPr>
-              <a:t>When building large programs, remember where you generate and catch exceptions. Sometimes you maybe duplicating code and some catch code becomes unreachable as you always catch an exception earlier.</a:t>
-            </a:r>
-          </a:p>
-          <a:p>
+              <a:t>Keyboard Interrupts (</a:t>
+            </a:r>
+            <a:r>
+              <a:rPr lang="en-US" altLang="en-US" dirty="0" err="1">
+                <a:ea typeface="ＭＳ Ｐゴシック" panose="020B0600070205080204" pitchFamily="34" charset="-128"/>
+              </a:rPr>
+              <a:t>Ctrl+C</a:t>
+            </a:r>
+            <a:r>
+              <a:rPr lang="en-US" altLang="en-US" dirty="0">
+                <a:ea typeface="ＭＳ Ｐゴシック" panose="020B0600070205080204" pitchFamily="34" charset="-128"/>
+              </a:rPr>
+              <a:t>) </a:t>
+            </a:r>
+          </a:p>
+          <a:p>
+            <a:pPr lvl="1"/>
+            <a:r>
+              <a:rPr lang="en-US" altLang="en-US" dirty="0">
+                <a:ea typeface="ＭＳ Ｐゴシック" panose="020B0600070205080204" pitchFamily="34" charset="-128"/>
+              </a:rPr>
+              <a:t>There are cases where you absolutely want to catch these to prevent data corruption</a:t>
+            </a:r>
+          </a:p>
+          <a:p>
+            <a:pPr lvl="1"/>
             <a:endParaRPr lang="en-US" altLang="en-US" dirty="0">
               <a:ea typeface="ＭＳ Ｐゴシック" panose="020B0600070205080204" pitchFamily="34" charset="-128"/>
             </a:endParaRPr>
           </a:p>
           <a:p>
+            <a:pPr lvl="1"/>
             <a:r>
               <a:rPr lang="en-US" altLang="en-US" dirty="0">
                 <a:ea typeface="ＭＳ Ｐゴシック" panose="020B0600070205080204" pitchFamily="34" charset="-128"/>
               </a:rPr>
-              <a:t>Logging is incredibly important for debugging errors!</a:t>
-            </a:r>
-          </a:p>
-          <a:p>
-            <a:endParaRPr lang="en-US" altLang="en-US" dirty="0">
-              <a:ea typeface="ＭＳ Ｐゴシック" panose="020B0600070205080204" pitchFamily="34" charset="-128"/>
-            </a:endParaRPr>
+              <a:t>In general, don’t catch these or make a routine that handles a special shutdown on (</a:t>
+            </a:r>
+            <a:r>
+              <a:rPr lang="en-US" altLang="en-US" dirty="0" err="1">
+                <a:ea typeface="ＭＳ Ｐゴシック" panose="020B0600070205080204" pitchFamily="34" charset="-128"/>
+              </a:rPr>
+              <a:t>Ctrl+C</a:t>
+            </a:r>
+            <a:r>
+              <a:rPr lang="en-US" altLang="en-US" dirty="0">
+                <a:ea typeface="ＭＳ Ｐゴシック" panose="020B0600070205080204" pitchFamily="34" charset="-128"/>
+              </a:rPr>
+              <a:t>) for critical pieces</a:t>
+            </a:r>
           </a:p>
         </p:txBody>
       </p:sp>
@@ -14674,7 +13134,7 @@
     </p:spTree>
     <p:extLst>
       <p:ext uri="{BB962C8B-B14F-4D97-AF65-F5344CB8AC3E}">
-        <p14:creationId xmlns:p14="http://schemas.microsoft.com/office/powerpoint/2010/main" xmlns="" val="2336250104"/>
+        <p14:creationId xmlns:p14="http://schemas.microsoft.com/office/powerpoint/2010/main" xmlns="" val="739683668"/>
       </p:ext>
     </p:extLst>
   </p:cSld>
@@ -14718,7 +13178,7 @@
           <a:p>
             <a:r>
               <a:rPr lang="en-US" dirty="0"/>
-              <a:t>Key Points for Errors/Exceptions</a:t>
+              <a:t>Generics</a:t>
             </a:r>
             <a:endParaRPr lang="en-CA" dirty="0"/>
           </a:p>
@@ -14750,31 +13210,34 @@
               <a:rPr lang="en-US" altLang="en-US" dirty="0">
                 <a:ea typeface="ＭＳ Ｐゴシック" panose="020B0600070205080204" pitchFamily="34" charset="-128"/>
               </a:rPr>
-              <a:t>These become really important in weakly-typed languages!</a:t>
-            </a:r>
-          </a:p>
-          <a:p>
-            <a:pPr lvl="1"/>
-            <a:r>
-              <a:rPr lang="en-US" altLang="en-US" dirty="0">
-                <a:ea typeface="ＭＳ Ｐゴシック" panose="020B0600070205080204" pitchFamily="34" charset="-128"/>
-              </a:rPr>
-              <a:t>You can pass any type as any parameter in any method</a:t>
-            </a:r>
-          </a:p>
-          <a:p>
-            <a:pPr lvl="1"/>
-            <a:r>
-              <a:rPr lang="en-US" altLang="en-US" dirty="0">
-                <a:ea typeface="ＭＳ Ｐゴシック" panose="020B0600070205080204" pitchFamily="34" charset="-128"/>
-              </a:rPr>
-              <a:t>Exceptions will help</a:t>
+              <a:t>A way to build classes with arbitrary or unknown types (classes) that may or may not need to define a particular set of methods.</a:t>
             </a:r>
           </a:p>
           <a:p>
             <a:endParaRPr lang="en-US" altLang="en-US" dirty="0">
               <a:ea typeface="ＭＳ Ｐゴシック" panose="020B0600070205080204" pitchFamily="34" charset="-128"/>
             </a:endParaRPr>
+          </a:p>
+          <a:p>
+            <a:r>
+              <a:rPr lang="en-US" altLang="en-US" dirty="0">
+                <a:ea typeface="ＭＳ Ｐゴシック" panose="020B0600070205080204" pitchFamily="34" charset="-128"/>
+              </a:rPr>
+              <a:t>Useful for building methods that can be used on any type (think the max method which uses the Comparable interface)</a:t>
+            </a:r>
+          </a:p>
+          <a:p>
+            <a:endParaRPr lang="en-US" altLang="en-US" dirty="0">
+              <a:ea typeface="ＭＳ Ｐゴシック" panose="020B0600070205080204" pitchFamily="34" charset="-128"/>
+            </a:endParaRPr>
+          </a:p>
+          <a:p>
+            <a:r>
+              <a:rPr lang="en-US" altLang="en-US" dirty="0">
+                <a:ea typeface="ＭＳ Ｐゴシック" panose="020B0600070205080204" pitchFamily="34" charset="-128"/>
+              </a:rPr>
+              <a:t>Useful for building classes that perform operations on or with a parametrized type (superhero/villain example)</a:t>
+            </a:r>
           </a:p>
         </p:txBody>
       </p:sp>
@@ -14819,346 +13282,6 @@
               <a:rPr lang="en-CA" smtClean="0"/>
               <a:pPr/>
               <a:t>37</a:t>
-            </a:fld>
-            <a:r>
-              <a:rPr lang="en-CA" dirty="0"/>
-              <a:t> </a:t>
-            </a:r>
-          </a:p>
-        </p:txBody>
-      </p:sp>
-    </p:spTree>
-    <p:extLst>
-      <p:ext uri="{BB962C8B-B14F-4D97-AF65-F5344CB8AC3E}">
-        <p14:creationId xmlns:p14="http://schemas.microsoft.com/office/powerpoint/2010/main" xmlns="" val="51877935"/>
-      </p:ext>
-    </p:extLst>
-  </p:cSld>
-  <p:clrMapOvr>
-    <a:masterClrMapping/>
-  </p:clrMapOvr>
-</p:sld>
-</file>
-
-<file path=ppt/slides/slide38.xml><?xml version="1.0" encoding="utf-8"?>
-<p:sld xmlns:a="http://schemas.openxmlformats.org/drawingml/2006/main" xmlns:r="http://schemas.openxmlformats.org/officeDocument/2006/relationships" xmlns:p="http://schemas.openxmlformats.org/presentationml/2006/main">
-  <p:cSld>
-    <p:spTree>
-      <p:nvGrpSpPr>
-        <p:cNvPr id="1" name=""/>
-        <p:cNvGrpSpPr/>
-        <p:nvPr/>
-      </p:nvGrpSpPr>
-      <p:grpSpPr>
-        <a:xfrm>
-          <a:off x="0" y="0"/>
-          <a:ext cx="0" cy="0"/>
-          <a:chOff x="0" y="0"/>
-          <a:chExt cx="0" cy="0"/>
-        </a:xfrm>
-      </p:grpSpPr>
-      <p:sp>
-        <p:nvSpPr>
-          <p:cNvPr id="2" name="Title 1"/>
-          <p:cNvSpPr>
-            <a:spLocks noGrp="1"/>
-          </p:cNvSpPr>
-          <p:nvPr>
-            <p:ph type="title"/>
-          </p:nvPr>
-        </p:nvSpPr>
-        <p:spPr/>
-        <p:txBody>
-          <a:bodyPr/>
-          <a:lstStyle/>
-          <a:p>
-            <a:r>
-              <a:rPr lang="en-US" dirty="0"/>
-              <a:t>Key Points for Errors/Exceptions</a:t>
-            </a:r>
-            <a:endParaRPr lang="en-CA" dirty="0"/>
-          </a:p>
-        </p:txBody>
-      </p:sp>
-      <p:sp>
-        <p:nvSpPr>
-          <p:cNvPr id="3" name="Content Placeholder 2"/>
-          <p:cNvSpPr>
-            <a:spLocks noGrp="1"/>
-          </p:cNvSpPr>
-          <p:nvPr>
-            <p:ph idx="1"/>
-          </p:nvPr>
-        </p:nvSpPr>
-        <p:spPr>
-          <a:xfrm>
-            <a:off x="640874" y="1168401"/>
-            <a:ext cx="10515600" cy="4399753"/>
-          </a:xfrm>
-        </p:spPr>
-        <p:txBody>
-          <a:bodyPr>
-            <a:normAutofit/>
-          </a:bodyPr>
-          <a:lstStyle/>
-          <a:p>
-            <a:r>
-              <a:rPr lang="en-US" altLang="en-US" dirty="0">
-                <a:ea typeface="ＭＳ Ｐゴシック" panose="020B0600070205080204" pitchFamily="34" charset="-128"/>
-              </a:rPr>
-              <a:t>Keyboard Interrupts (</a:t>
-            </a:r>
-            <a:r>
-              <a:rPr lang="en-US" altLang="en-US" dirty="0" err="1">
-                <a:ea typeface="ＭＳ Ｐゴシック" panose="020B0600070205080204" pitchFamily="34" charset="-128"/>
-              </a:rPr>
-              <a:t>Ctrl+C</a:t>
-            </a:r>
-            <a:r>
-              <a:rPr lang="en-US" altLang="en-US" dirty="0">
-                <a:ea typeface="ＭＳ Ｐゴシック" panose="020B0600070205080204" pitchFamily="34" charset="-128"/>
-              </a:rPr>
-              <a:t>) </a:t>
-            </a:r>
-          </a:p>
-          <a:p>
-            <a:pPr lvl="1"/>
-            <a:r>
-              <a:rPr lang="en-US" altLang="en-US" dirty="0">
-                <a:ea typeface="ＭＳ Ｐゴシック" panose="020B0600070205080204" pitchFamily="34" charset="-128"/>
-              </a:rPr>
-              <a:t>There are cases where you absolutely want to catch these to prevent data corruption</a:t>
-            </a:r>
-          </a:p>
-          <a:p>
-            <a:pPr lvl="1"/>
-            <a:endParaRPr lang="en-US" altLang="en-US" dirty="0">
-              <a:ea typeface="ＭＳ Ｐゴシック" panose="020B0600070205080204" pitchFamily="34" charset="-128"/>
-            </a:endParaRPr>
-          </a:p>
-          <a:p>
-            <a:pPr lvl="1"/>
-            <a:r>
-              <a:rPr lang="en-US" altLang="en-US" dirty="0">
-                <a:ea typeface="ＭＳ Ｐゴシック" panose="020B0600070205080204" pitchFamily="34" charset="-128"/>
-              </a:rPr>
-              <a:t>In general, don’t catch these or make a routine that handles a special shutdown on (</a:t>
-            </a:r>
-            <a:r>
-              <a:rPr lang="en-US" altLang="en-US" dirty="0" err="1">
-                <a:ea typeface="ＭＳ Ｐゴシック" panose="020B0600070205080204" pitchFamily="34" charset="-128"/>
-              </a:rPr>
-              <a:t>Ctrl+C</a:t>
-            </a:r>
-            <a:r>
-              <a:rPr lang="en-US" altLang="en-US" dirty="0">
-                <a:ea typeface="ＭＳ Ｐゴシック" panose="020B0600070205080204" pitchFamily="34" charset="-128"/>
-              </a:rPr>
-              <a:t>) for critical pieces</a:t>
-            </a:r>
-          </a:p>
-        </p:txBody>
-      </p:sp>
-      <p:sp>
-        <p:nvSpPr>
-          <p:cNvPr id="10" name="Footer Placeholder 9"/>
-          <p:cNvSpPr>
-            <a:spLocks noGrp="1"/>
-          </p:cNvSpPr>
-          <p:nvPr>
-            <p:ph type="ftr" sz="quarter" idx="3"/>
-          </p:nvPr>
-        </p:nvSpPr>
-        <p:spPr/>
-        <p:txBody>
-          <a:bodyPr/>
-          <a:lstStyle/>
-          <a:p>
-            <a:r>
-              <a:rPr lang="en-CA" dirty="0"/>
-              <a:t>CS321: Advanced Programming Techniques</a:t>
-            </a:r>
-          </a:p>
-        </p:txBody>
-      </p:sp>
-      <p:sp>
-        <p:nvSpPr>
-          <p:cNvPr id="12" name="Slide Number Placeholder 11"/>
-          <p:cNvSpPr>
-            <a:spLocks noGrp="1"/>
-          </p:cNvSpPr>
-          <p:nvPr>
-            <p:ph type="sldNum" sz="quarter" idx="4"/>
-          </p:nvPr>
-        </p:nvSpPr>
-        <p:spPr/>
-        <p:txBody>
-          <a:bodyPr/>
-          <a:lstStyle/>
-          <a:p>
-            <a:fld id="{5174927E-2439-42C0-9720-7BBCA09BF46F}" type="slidenum">
-              <a:rPr lang="en-CA" smtClean="0"/>
-              <a:pPr/>
-              <a:t>38</a:t>
-            </a:fld>
-            <a:r>
-              <a:rPr lang="en-CA" dirty="0"/>
-              <a:t> </a:t>
-            </a:r>
-          </a:p>
-        </p:txBody>
-      </p:sp>
-    </p:spTree>
-    <p:extLst>
-      <p:ext uri="{BB962C8B-B14F-4D97-AF65-F5344CB8AC3E}">
-        <p14:creationId xmlns:p14="http://schemas.microsoft.com/office/powerpoint/2010/main" xmlns="" val="739683668"/>
-      </p:ext>
-    </p:extLst>
-  </p:cSld>
-  <p:clrMapOvr>
-    <a:masterClrMapping/>
-  </p:clrMapOvr>
-</p:sld>
-</file>
-
-<file path=ppt/slides/slide39.xml><?xml version="1.0" encoding="utf-8"?>
-<p:sld xmlns:a="http://schemas.openxmlformats.org/drawingml/2006/main" xmlns:r="http://schemas.openxmlformats.org/officeDocument/2006/relationships" xmlns:p="http://schemas.openxmlformats.org/presentationml/2006/main">
-  <p:cSld>
-    <p:spTree>
-      <p:nvGrpSpPr>
-        <p:cNvPr id="1" name=""/>
-        <p:cNvGrpSpPr/>
-        <p:nvPr/>
-      </p:nvGrpSpPr>
-      <p:grpSpPr>
-        <a:xfrm>
-          <a:off x="0" y="0"/>
-          <a:ext cx="0" cy="0"/>
-          <a:chOff x="0" y="0"/>
-          <a:chExt cx="0" cy="0"/>
-        </a:xfrm>
-      </p:grpSpPr>
-      <p:sp>
-        <p:nvSpPr>
-          <p:cNvPr id="2" name="Title 1"/>
-          <p:cNvSpPr>
-            <a:spLocks noGrp="1"/>
-          </p:cNvSpPr>
-          <p:nvPr>
-            <p:ph type="title"/>
-          </p:nvPr>
-        </p:nvSpPr>
-        <p:spPr/>
-        <p:txBody>
-          <a:bodyPr/>
-          <a:lstStyle/>
-          <a:p>
-            <a:r>
-              <a:rPr lang="en-US" dirty="0"/>
-              <a:t>Generics</a:t>
-            </a:r>
-            <a:endParaRPr lang="en-CA" dirty="0"/>
-          </a:p>
-        </p:txBody>
-      </p:sp>
-      <p:sp>
-        <p:nvSpPr>
-          <p:cNvPr id="3" name="Content Placeholder 2"/>
-          <p:cNvSpPr>
-            <a:spLocks noGrp="1"/>
-          </p:cNvSpPr>
-          <p:nvPr>
-            <p:ph idx="1"/>
-          </p:nvPr>
-        </p:nvSpPr>
-        <p:spPr>
-          <a:xfrm>
-            <a:off x="640874" y="1168401"/>
-            <a:ext cx="10515600" cy="4399753"/>
-          </a:xfrm>
-        </p:spPr>
-        <p:txBody>
-          <a:bodyPr>
-            <a:normAutofit/>
-          </a:bodyPr>
-          <a:lstStyle/>
-          <a:p>
-            <a:r>
-              <a:rPr lang="en-US" altLang="en-US" dirty="0">
-                <a:ea typeface="ＭＳ Ｐゴシック" panose="020B0600070205080204" pitchFamily="34" charset="-128"/>
-              </a:rPr>
-              <a:t>A way to build classes with arbitrary or unknown types (classes) that may or may not need to define a particular set of methods.</a:t>
-            </a:r>
-          </a:p>
-          <a:p>
-            <a:endParaRPr lang="en-US" altLang="en-US" dirty="0">
-              <a:ea typeface="ＭＳ Ｐゴシック" panose="020B0600070205080204" pitchFamily="34" charset="-128"/>
-            </a:endParaRPr>
-          </a:p>
-          <a:p>
-            <a:r>
-              <a:rPr lang="en-US" altLang="en-US" dirty="0">
-                <a:ea typeface="ＭＳ Ｐゴシック" panose="020B0600070205080204" pitchFamily="34" charset="-128"/>
-              </a:rPr>
-              <a:t>Useful for building methods that can be used on any type (think the max method which uses the Comparable interface)</a:t>
-            </a:r>
-          </a:p>
-          <a:p>
-            <a:endParaRPr lang="en-US" altLang="en-US" dirty="0">
-              <a:ea typeface="ＭＳ Ｐゴシック" panose="020B0600070205080204" pitchFamily="34" charset="-128"/>
-            </a:endParaRPr>
-          </a:p>
-          <a:p>
-            <a:r>
-              <a:rPr lang="en-US" altLang="en-US" dirty="0">
-                <a:ea typeface="ＭＳ Ｐゴシック" panose="020B0600070205080204" pitchFamily="34" charset="-128"/>
-              </a:rPr>
-              <a:t>Useful for building classes that perform operations on or with a parametrized type (superhero/villain example)</a:t>
-            </a:r>
-          </a:p>
-        </p:txBody>
-      </p:sp>
-      <p:sp>
-        <p:nvSpPr>
-          <p:cNvPr id="10" name="Footer Placeholder 9"/>
-          <p:cNvSpPr>
-            <a:spLocks noGrp="1"/>
-          </p:cNvSpPr>
-          <p:nvPr>
-            <p:ph type="ftr" sz="quarter" idx="3"/>
-          </p:nvPr>
-        </p:nvSpPr>
-        <p:spPr/>
-        <p:txBody>
-          <a:bodyPr/>
-          <a:lstStyle/>
-          <a:p>
-            <a:r>
-              <a:rPr lang="en-CA" dirty="0"/>
-              <a:t>CS321: Advanced Programming Techniques</a:t>
-            </a:r>
-          </a:p>
-        </p:txBody>
-      </p:sp>
-      <p:sp>
-        <p:nvSpPr>
-          <p:cNvPr id="12" name="Slide Number Placeholder 11"/>
-          <p:cNvSpPr>
-            <a:spLocks noGrp="1"/>
-          </p:cNvSpPr>
-          <p:nvPr>
-            <p:ph type="sldNum" sz="quarter" idx="4"/>
-          </p:nvPr>
-        </p:nvSpPr>
-        <p:spPr/>
-        <p:txBody>
-          <a:bodyPr/>
-          <a:lstStyle/>
-          <a:p>
-            <a:fld id="{5174927E-2439-42C0-9720-7BBCA09BF46F}" type="slidenum">
-              <a:rPr lang="en-CA" smtClean="0"/>
-              <a:pPr/>
-              <a:t>39</a:t>
             </a:fld>
             <a:r>
               <a:rPr lang="en-CA" dirty="0"/>
@@ -15180,174 +13303,7 @@
 </p:sld>
 </file>
 
-<file path=ppt/slides/slide4.xml><?xml version="1.0" encoding="utf-8"?>
-<p:sld xmlns:a="http://schemas.openxmlformats.org/drawingml/2006/main" xmlns:r="http://schemas.openxmlformats.org/officeDocument/2006/relationships" xmlns:p="http://schemas.openxmlformats.org/presentationml/2006/main">
-  <p:cSld>
-    <p:spTree>
-      <p:nvGrpSpPr>
-        <p:cNvPr id="1" name=""/>
-        <p:cNvGrpSpPr/>
-        <p:nvPr/>
-      </p:nvGrpSpPr>
-      <p:grpSpPr>
-        <a:xfrm>
-          <a:off x="0" y="0"/>
-          <a:ext cx="0" cy="0"/>
-          <a:chOff x="0" y="0"/>
-          <a:chExt cx="0" cy="0"/>
-        </a:xfrm>
-      </p:grpSpPr>
-      <p:sp>
-        <p:nvSpPr>
-          <p:cNvPr id="2" name="Title 1"/>
-          <p:cNvSpPr>
-            <a:spLocks noGrp="1"/>
-          </p:cNvSpPr>
-          <p:nvPr>
-            <p:ph type="title"/>
-          </p:nvPr>
-        </p:nvSpPr>
-        <p:spPr/>
-        <p:txBody>
-          <a:bodyPr/>
-          <a:lstStyle/>
-          <a:p>
-            <a:r>
-              <a:rPr lang="en-US" dirty="0"/>
-              <a:t>Basics</a:t>
-            </a:r>
-            <a:endParaRPr lang="en-CA" dirty="0"/>
-          </a:p>
-        </p:txBody>
-      </p:sp>
-      <p:sp>
-        <p:nvSpPr>
-          <p:cNvPr id="3" name="Content Placeholder 2"/>
-          <p:cNvSpPr>
-            <a:spLocks noGrp="1"/>
-          </p:cNvSpPr>
-          <p:nvPr>
-            <p:ph idx="1"/>
-          </p:nvPr>
-        </p:nvSpPr>
-        <p:spPr>
-          <a:xfrm>
-            <a:off x="640874" y="1168401"/>
-            <a:ext cx="10515600" cy="4399753"/>
-          </a:xfrm>
-        </p:spPr>
-        <p:txBody>
-          <a:bodyPr>
-            <a:normAutofit/>
-          </a:bodyPr>
-          <a:lstStyle/>
-          <a:p>
-            <a:r>
-              <a:rPr lang="en-US" altLang="en-US" dirty="0">
-                <a:ea typeface="ＭＳ Ｐゴシック" panose="020B0600070205080204" pitchFamily="34" charset="-128"/>
-              </a:rPr>
-              <a:t>DON’T make a while loop that has the potential to run infinitely</a:t>
-            </a:r>
-          </a:p>
-          <a:p>
-            <a:endParaRPr lang="en-US" altLang="en-US" dirty="0">
-              <a:ea typeface="ＭＳ Ｐゴシック" panose="020B0600070205080204" pitchFamily="34" charset="-128"/>
-            </a:endParaRPr>
-          </a:p>
-          <a:p>
-            <a:r>
-              <a:rPr lang="en-US" altLang="en-US" dirty="0">
-                <a:ea typeface="ＭＳ Ｐゴシック" panose="020B0600070205080204" pitchFamily="34" charset="-128"/>
-              </a:rPr>
-              <a:t>Always have a timeout on your while loops when their ending is ambiguous</a:t>
-            </a:r>
-          </a:p>
-          <a:p>
-            <a:endParaRPr lang="en-US" altLang="en-US" dirty="0">
-              <a:ea typeface="ＭＳ Ｐゴシック" panose="020B0600070205080204" pitchFamily="34" charset="-128"/>
-            </a:endParaRPr>
-          </a:p>
-          <a:p>
-            <a:r>
-              <a:rPr lang="en-US" altLang="en-US" dirty="0">
-                <a:ea typeface="ＭＳ Ｐゴシック" panose="020B0600070205080204" pitchFamily="34" charset="-128"/>
-              </a:rPr>
-              <a:t>Overusing if/switch statements is a sign of bad programming</a:t>
-            </a:r>
-          </a:p>
-          <a:p>
-            <a:pPr marL="0" indent="0">
-              <a:buNone/>
-            </a:pPr>
-            <a:endParaRPr lang="en-US" altLang="en-US" dirty="0">
-              <a:ea typeface="ＭＳ Ｐゴシック" panose="020B0600070205080204" pitchFamily="34" charset="-128"/>
-            </a:endParaRPr>
-          </a:p>
-        </p:txBody>
-      </p:sp>
-      <p:sp>
-        <p:nvSpPr>
-          <p:cNvPr id="10" name="Footer Placeholder 9"/>
-          <p:cNvSpPr>
-            <a:spLocks noGrp="1"/>
-          </p:cNvSpPr>
-          <p:nvPr>
-            <p:ph type="ftr" sz="quarter" idx="3"/>
-          </p:nvPr>
-        </p:nvSpPr>
-        <p:spPr/>
-        <p:txBody>
-          <a:bodyPr/>
-          <a:lstStyle/>
-          <a:p>
-            <a:r>
-              <a:rPr lang="en-CA" dirty="0"/>
-              <a:t>CS321: Advanced Programming Techniques</a:t>
-            </a:r>
-          </a:p>
-        </p:txBody>
-      </p:sp>
-      <p:sp>
-        <p:nvSpPr>
-          <p:cNvPr id="12" name="Slide Number Placeholder 11"/>
-          <p:cNvSpPr>
-            <a:spLocks noGrp="1"/>
-          </p:cNvSpPr>
-          <p:nvPr>
-            <p:ph type="sldNum" sz="quarter" idx="4"/>
-          </p:nvPr>
-        </p:nvSpPr>
-        <p:spPr/>
-        <p:txBody>
-          <a:bodyPr/>
-          <a:lstStyle/>
-          <a:p>
-            <a:fld id="{5174927E-2439-42C0-9720-7BBCA09BF46F}" type="slidenum">
-              <a:rPr lang="en-CA" smtClean="0"/>
-              <a:pPr/>
-              <a:t>4</a:t>
-            </a:fld>
-            <a:r>
-              <a:rPr lang="en-CA" dirty="0"/>
-              <a:t> </a:t>
-            </a:r>
-          </a:p>
-        </p:txBody>
-      </p:sp>
-    </p:spTree>
-    <p:extLst>
-      <p:ext uri="{BB962C8B-B14F-4D97-AF65-F5344CB8AC3E}">
-        <p14:creationId xmlns:p14="http://schemas.microsoft.com/office/powerpoint/2010/main" xmlns="" val="224240828"/>
-      </p:ext>
-    </p:extLst>
-  </p:cSld>
-  <p:clrMapOvr>
-    <a:masterClrMapping/>
-  </p:clrMapOvr>
-</p:sld>
-</file>
-
-<file path=ppt/slides/slide40.xml><?xml version="1.0" encoding="utf-8"?>
+<file path=ppt/slides/slide38.xml><?xml version="1.0" encoding="utf-8"?>
 <p:sld xmlns:a="http://schemas.openxmlformats.org/drawingml/2006/main" xmlns:r="http://schemas.openxmlformats.org/officeDocument/2006/relationships" xmlns:p="http://schemas.openxmlformats.org/presentationml/2006/main">
   <p:cSld>
     <p:spTree>
@@ -15817,7 +13773,7 @@
             <a:fld id="{5174927E-2439-42C0-9720-7BBCA09BF46F}" type="slidenum">
               <a:rPr lang="en-CA" smtClean="0"/>
               <a:pPr/>
-              <a:t>40</a:t>
+              <a:t>38</a:t>
             </a:fld>
             <a:r>
               <a:rPr lang="en-CA" dirty="0"/>
@@ -15839,7 +13795,7 @@
 </p:sld>
 </file>
 
-<file path=ppt/slides/slide41.xml><?xml version="1.0" encoding="utf-8"?>
+<file path=ppt/slides/slide39.xml><?xml version="1.0" encoding="utf-8"?>
 <p:sld xmlns:a="http://schemas.openxmlformats.org/drawingml/2006/main" xmlns:r="http://schemas.openxmlformats.org/officeDocument/2006/relationships" xmlns:p="http://schemas.openxmlformats.org/presentationml/2006/main">
   <p:cSld>
     <p:spTree>
@@ -15922,7 +13878,7 @@
             <a:fld id="{5174927E-2439-42C0-9720-7BBCA09BF46F}" type="slidenum">
               <a:rPr lang="en-CA" smtClean="0"/>
               <a:pPr/>
-              <a:t>41</a:t>
+              <a:t>39</a:t>
             </a:fld>
             <a:r>
               <a:rPr lang="en-CA" dirty="0"/>
@@ -17070,7 +15026,7 @@
 </p:sld>
 </file>
 
-<file path=ppt/slides/slide42.xml><?xml version="1.0" encoding="utf-8"?>
+<file path=ppt/slides/slide4.xml><?xml version="1.0" encoding="utf-8"?>
 <p:sld xmlns:a="http://schemas.openxmlformats.org/drawingml/2006/main" xmlns:r="http://schemas.openxmlformats.org/officeDocument/2006/relationships" xmlns:p="http://schemas.openxmlformats.org/presentationml/2006/main">
   <p:cSld>
     <p:spTree>
@@ -17097,6 +15053,173 @@
             <p:ph type="title"/>
           </p:nvPr>
         </p:nvSpPr>
+        <p:spPr/>
+        <p:txBody>
+          <a:bodyPr/>
+          <a:lstStyle/>
+          <a:p>
+            <a:r>
+              <a:rPr lang="en-US" dirty="0"/>
+              <a:t>Basics</a:t>
+            </a:r>
+            <a:endParaRPr lang="en-CA" dirty="0"/>
+          </a:p>
+        </p:txBody>
+      </p:sp>
+      <p:sp>
+        <p:nvSpPr>
+          <p:cNvPr id="3" name="Content Placeholder 2"/>
+          <p:cNvSpPr>
+            <a:spLocks noGrp="1"/>
+          </p:cNvSpPr>
+          <p:nvPr>
+            <p:ph idx="1"/>
+          </p:nvPr>
+        </p:nvSpPr>
+        <p:spPr>
+          <a:xfrm>
+            <a:off x="640874" y="1168401"/>
+            <a:ext cx="10515600" cy="4399753"/>
+          </a:xfrm>
+        </p:spPr>
+        <p:txBody>
+          <a:bodyPr>
+            <a:normAutofit/>
+          </a:bodyPr>
+          <a:lstStyle/>
+          <a:p>
+            <a:r>
+              <a:rPr lang="en-US" altLang="en-US" dirty="0">
+                <a:ea typeface="ＭＳ Ｐゴシック" panose="020B0600070205080204" pitchFamily="34" charset="-128"/>
+              </a:rPr>
+              <a:t>DON’T make a while loop that has the potential to run infinitely</a:t>
+            </a:r>
+          </a:p>
+          <a:p>
+            <a:endParaRPr lang="en-US" altLang="en-US" dirty="0">
+              <a:ea typeface="ＭＳ Ｐゴシック" panose="020B0600070205080204" pitchFamily="34" charset="-128"/>
+            </a:endParaRPr>
+          </a:p>
+          <a:p>
+            <a:r>
+              <a:rPr lang="en-US" altLang="en-US" dirty="0">
+                <a:ea typeface="ＭＳ Ｐゴシック" panose="020B0600070205080204" pitchFamily="34" charset="-128"/>
+              </a:rPr>
+              <a:t>Always have a timeout on your while loops when their ending is ambiguous</a:t>
+            </a:r>
+          </a:p>
+          <a:p>
+            <a:endParaRPr lang="en-US" altLang="en-US" dirty="0">
+              <a:ea typeface="ＭＳ Ｐゴシック" panose="020B0600070205080204" pitchFamily="34" charset="-128"/>
+            </a:endParaRPr>
+          </a:p>
+          <a:p>
+            <a:r>
+              <a:rPr lang="en-US" altLang="en-US" dirty="0">
+                <a:ea typeface="ＭＳ Ｐゴシック" panose="020B0600070205080204" pitchFamily="34" charset="-128"/>
+              </a:rPr>
+              <a:t>Overusing if/switch statements is a sign of bad programming</a:t>
+            </a:r>
+          </a:p>
+          <a:p>
+            <a:pPr marL="0" indent="0">
+              <a:buNone/>
+            </a:pPr>
+            <a:endParaRPr lang="en-US" altLang="en-US" dirty="0">
+              <a:ea typeface="ＭＳ Ｐゴシック" panose="020B0600070205080204" pitchFamily="34" charset="-128"/>
+            </a:endParaRPr>
+          </a:p>
+        </p:txBody>
+      </p:sp>
+      <p:sp>
+        <p:nvSpPr>
+          <p:cNvPr id="10" name="Footer Placeholder 9"/>
+          <p:cNvSpPr>
+            <a:spLocks noGrp="1"/>
+          </p:cNvSpPr>
+          <p:nvPr>
+            <p:ph type="ftr" sz="quarter" idx="3"/>
+          </p:nvPr>
+        </p:nvSpPr>
+        <p:spPr/>
+        <p:txBody>
+          <a:bodyPr/>
+          <a:lstStyle/>
+          <a:p>
+            <a:r>
+              <a:rPr lang="en-CA" dirty="0"/>
+              <a:t>CS321: Advanced Programming Techniques</a:t>
+            </a:r>
+          </a:p>
+        </p:txBody>
+      </p:sp>
+      <p:sp>
+        <p:nvSpPr>
+          <p:cNvPr id="12" name="Slide Number Placeholder 11"/>
+          <p:cNvSpPr>
+            <a:spLocks noGrp="1"/>
+          </p:cNvSpPr>
+          <p:nvPr>
+            <p:ph type="sldNum" sz="quarter" idx="4"/>
+          </p:nvPr>
+        </p:nvSpPr>
+        <p:spPr/>
+        <p:txBody>
+          <a:bodyPr/>
+          <a:lstStyle/>
+          <a:p>
+            <a:fld id="{5174927E-2439-42C0-9720-7BBCA09BF46F}" type="slidenum">
+              <a:rPr lang="en-CA" smtClean="0"/>
+              <a:pPr/>
+              <a:t>4</a:t>
+            </a:fld>
+            <a:r>
+              <a:rPr lang="en-CA" dirty="0"/>
+              <a:t> </a:t>
+            </a:r>
+          </a:p>
+        </p:txBody>
+      </p:sp>
+    </p:spTree>
+    <p:extLst>
+      <p:ext uri="{BB962C8B-B14F-4D97-AF65-F5344CB8AC3E}">
+        <p14:creationId xmlns:p14="http://schemas.microsoft.com/office/powerpoint/2010/main" xmlns="" val="224240828"/>
+      </p:ext>
+    </p:extLst>
+  </p:cSld>
+  <p:clrMapOvr>
+    <a:masterClrMapping/>
+  </p:clrMapOvr>
+</p:sld>
+</file>
+
+<file path=ppt/slides/slide40.xml><?xml version="1.0" encoding="utf-8"?>
+<p:sld xmlns:a="http://schemas.openxmlformats.org/drawingml/2006/main" xmlns:r="http://schemas.openxmlformats.org/officeDocument/2006/relationships" xmlns:p="http://schemas.openxmlformats.org/presentationml/2006/main">
+  <p:cSld>
+    <p:spTree>
+      <p:nvGrpSpPr>
+        <p:cNvPr id="1" name=""/>
+        <p:cNvGrpSpPr/>
+        <p:nvPr/>
+      </p:nvGrpSpPr>
+      <p:grpSpPr>
+        <a:xfrm>
+          <a:off x="0" y="0"/>
+          <a:ext cx="0" cy="0"/>
+          <a:chOff x="0" y="0"/>
+          <a:chExt cx="0" cy="0"/>
+        </a:xfrm>
+      </p:grpSpPr>
+      <p:sp>
+        <p:nvSpPr>
+          <p:cNvPr id="2" name="Title 1"/>
+          <p:cNvSpPr>
+            <a:spLocks noGrp="1"/>
+          </p:cNvSpPr>
+          <p:nvPr>
+            <p:ph type="title"/>
+          </p:nvPr>
+        </p:nvSpPr>
         <p:spPr>
           <a:xfrm>
             <a:off x="0" y="-157162"/>
@@ -17153,7 +15276,7 @@
             <a:fld id="{5174927E-2439-42C0-9720-7BBCA09BF46F}" type="slidenum">
               <a:rPr lang="en-CA" smtClean="0"/>
               <a:pPr/>
-              <a:t>42</a:t>
+              <a:t>40</a:t>
             </a:fld>
             <a:r>
               <a:rPr lang="en-CA" dirty="0"/>
@@ -19077,7 +17200,7 @@
           <a:p>
             <a:r>
               <a:rPr lang="en-US" dirty="0"/>
-              <a:t>Basics</a:t>
+              <a:t>Object-Oriented Programming</a:t>
             </a:r>
             <a:endParaRPr lang="en-CA" dirty="0"/>
           </a:p>
@@ -19109,19 +17232,7 @@
               <a:rPr lang="en-US" altLang="en-US" dirty="0">
                 <a:ea typeface="ＭＳ Ｐゴシック" panose="020B0600070205080204" pitchFamily="34" charset="-128"/>
               </a:rPr>
-              <a:t>Use </a:t>
-            </a:r>
-            <a:r>
-              <a:rPr lang="en-US" altLang="en-US" b="1" dirty="0" err="1">
-                <a:ea typeface="ＭＳ Ｐゴシック" panose="020B0600070205080204" pitchFamily="34" charset="-128"/>
-              </a:rPr>
-              <a:t>String.format</a:t>
-            </a:r>
-            <a:r>
-              <a:rPr lang="en-US" altLang="en-US" dirty="0">
-                <a:ea typeface="ＭＳ Ｐゴシック" panose="020B0600070205080204" pitchFamily="34" charset="-128"/>
-              </a:rPr>
-              <a:t> to combine strings or values to create new strings.</a:t>
+              <a:t>Programming using only Objects</a:t>
             </a:r>
           </a:p>
           <a:p>
@@ -19134,49 +17245,23 @@
               <a:rPr lang="en-US" altLang="en-US" dirty="0">
                 <a:ea typeface="ＭＳ Ｐゴシック" panose="020B0600070205080204" pitchFamily="34" charset="-128"/>
               </a:rPr>
-              <a:t>Multi-dimensional matrices are arrays of arrays in any language.</a:t>
-            </a:r>
-          </a:p>
-          <a:p>
-            <a:pPr lvl="1"/>
+              <a:t>More representative of the real world</a:t>
+            </a:r>
+          </a:p>
+          <a:p>
+            <a:endParaRPr lang="en-US" altLang="en-US" dirty="0">
+              <a:ea typeface="ＭＳ Ｐゴシック" panose="020B0600070205080204" pitchFamily="34" charset="-128"/>
+            </a:endParaRPr>
+          </a:p>
+          <a:p>
             <a:r>
               <a:rPr lang="en-US" altLang="en-US" dirty="0">
                 <a:ea typeface="ＭＳ Ｐゴシック" panose="020B0600070205080204" pitchFamily="34" charset="-128"/>
               </a:rPr>
-              <a:t>2D Matrix is an array of arrays (Has an x, and y directions)</a:t>
-            </a:r>
-          </a:p>
-          <a:p>
-            <a:pPr lvl="1"/>
-            <a:r>
-              <a:rPr lang="en-US" altLang="en-US" dirty="0">
-                <a:ea typeface="ＭＳ Ｐゴシック" panose="020B0600070205080204" pitchFamily="34" charset="-128"/>
-              </a:rPr>
-              <a:t>3D Matrix is an array of arrays of arrays (Has x, y, and z directions)</a:t>
-            </a:r>
-          </a:p>
-          <a:p>
-            <a:pPr lvl="1"/>
-            <a:r>
-              <a:rPr lang="en-US" altLang="en-US" dirty="0">
-                <a:ea typeface="ＭＳ Ｐゴシック" panose="020B0600070205080204" pitchFamily="34" charset="-128"/>
-              </a:rPr>
-              <a:t>4D Matrix is an array of 3D matrices ()</a:t>
-            </a:r>
-          </a:p>
-          <a:p>
-            <a:pPr lvl="1"/>
-            <a:r>
-              <a:rPr lang="en-US" altLang="en-US" dirty="0">
-                <a:ea typeface="ＭＳ Ｐゴシック" panose="020B0600070205080204" pitchFamily="34" charset="-128"/>
-              </a:rPr>
-              <a:t>In imaging, we call each 3D element a voxel (volumetric pixel)</a:t>
-            </a:r>
-          </a:p>
-          <a:p>
-            <a:pPr marL="0" indent="0">
-              <a:buNone/>
-            </a:pPr>
+              <a:t>Reduces redundancy, and make your code more elegant</a:t>
+            </a:r>
+          </a:p>
+          <a:p>
             <a:endParaRPr lang="en-US" altLang="en-US" dirty="0">
               <a:ea typeface="ＭＳ Ｐゴシック" panose="020B0600070205080204" pitchFamily="34" charset="-128"/>
             </a:endParaRPr>
@@ -19235,7 +17320,7 @@
     </p:spTree>
     <p:extLst>
       <p:ext uri="{BB962C8B-B14F-4D97-AF65-F5344CB8AC3E}">
-        <p14:creationId xmlns:p14="http://schemas.microsoft.com/office/powerpoint/2010/main" xmlns="" val="186258679"/>
+        <p14:creationId xmlns:p14="http://schemas.microsoft.com/office/powerpoint/2010/main" xmlns="" val="1244983263"/>
       </p:ext>
     </p:extLst>
   </p:cSld>
@@ -19279,7 +17364,7 @@
           <a:p>
             <a:r>
               <a:rPr lang="en-US" dirty="0"/>
-              <a:t>Object-Oriented Programming</a:t>
+              <a:t>Java</a:t>
             </a:r>
             <a:endParaRPr lang="en-CA" dirty="0"/>
           </a:p>
@@ -19311,7 +17396,7 @@
               <a:rPr lang="en-US" altLang="en-US" dirty="0">
                 <a:ea typeface="ＭＳ Ｐゴシック" panose="020B0600070205080204" pitchFamily="34" charset="-128"/>
               </a:rPr>
-              <a:t>Programming using only Objects</a:t>
+              <a:t>An OOP language</a:t>
             </a:r>
           </a:p>
           <a:p>
@@ -19324,7 +17409,7 @@
               <a:rPr lang="en-US" altLang="en-US" dirty="0">
                 <a:ea typeface="ＭＳ Ｐゴシック" panose="020B0600070205080204" pitchFamily="34" charset="-128"/>
               </a:rPr>
-              <a:t>More representative of the real world</a:t>
+              <a:t>Platform-independent because of the JVM</a:t>
             </a:r>
           </a:p>
           <a:p>
@@ -19337,7 +17422,7 @@
               <a:rPr lang="en-US" altLang="en-US" dirty="0">
                 <a:ea typeface="ＭＳ Ｐゴシック" panose="020B0600070205080204" pitchFamily="34" charset="-128"/>
               </a:rPr>
-              <a:t>Reduces redundancy, and make your code more elegant</a:t>
+              <a:t>Widely used</a:t>
             </a:r>
           </a:p>
           <a:p>
@@ -19399,7 +17484,7 @@
     </p:spTree>
     <p:extLst>
       <p:ext uri="{BB962C8B-B14F-4D97-AF65-F5344CB8AC3E}">
-        <p14:creationId xmlns:p14="http://schemas.microsoft.com/office/powerpoint/2010/main" xmlns="" val="1244983263"/>
+        <p14:creationId xmlns:p14="http://schemas.microsoft.com/office/powerpoint/2010/main" xmlns="" val="1819476712"/>
       </p:ext>
     </p:extLst>
   </p:cSld>
@@ -19442,170 +17527,6 @@
           <a:lstStyle/>
           <a:p>
             <a:r>
-              <a:rPr lang="en-US" dirty="0"/>
-              <a:t>Java</a:t>
-            </a:r>
-            <a:endParaRPr lang="en-CA" dirty="0"/>
-          </a:p>
-        </p:txBody>
-      </p:sp>
-      <p:sp>
-        <p:nvSpPr>
-          <p:cNvPr id="3" name="Content Placeholder 2"/>
-          <p:cNvSpPr>
-            <a:spLocks noGrp="1"/>
-          </p:cNvSpPr>
-          <p:nvPr>
-            <p:ph idx="1"/>
-          </p:nvPr>
-        </p:nvSpPr>
-        <p:spPr>
-          <a:xfrm>
-            <a:off x="640874" y="1168401"/>
-            <a:ext cx="10515600" cy="4399753"/>
-          </a:xfrm>
-        </p:spPr>
-        <p:txBody>
-          <a:bodyPr>
-            <a:normAutofit/>
-          </a:bodyPr>
-          <a:lstStyle/>
-          <a:p>
-            <a:r>
-              <a:rPr lang="en-US" altLang="en-US" dirty="0">
-                <a:ea typeface="ＭＳ Ｐゴシック" panose="020B0600070205080204" pitchFamily="34" charset="-128"/>
-              </a:rPr>
-              <a:t>An OOP language</a:t>
-            </a:r>
-          </a:p>
-          <a:p>
-            <a:endParaRPr lang="en-US" altLang="en-US" dirty="0">
-              <a:ea typeface="ＭＳ Ｐゴシック" panose="020B0600070205080204" pitchFamily="34" charset="-128"/>
-            </a:endParaRPr>
-          </a:p>
-          <a:p>
-            <a:r>
-              <a:rPr lang="en-US" altLang="en-US" dirty="0">
-                <a:ea typeface="ＭＳ Ｐゴシック" panose="020B0600070205080204" pitchFamily="34" charset="-128"/>
-              </a:rPr>
-              <a:t>Platform-independent because of the JVM</a:t>
-            </a:r>
-          </a:p>
-          <a:p>
-            <a:endParaRPr lang="en-US" altLang="en-US" dirty="0">
-              <a:ea typeface="ＭＳ Ｐゴシック" panose="020B0600070205080204" pitchFamily="34" charset="-128"/>
-            </a:endParaRPr>
-          </a:p>
-          <a:p>
-            <a:r>
-              <a:rPr lang="en-US" altLang="en-US" dirty="0">
-                <a:ea typeface="ＭＳ Ｐゴシック" panose="020B0600070205080204" pitchFamily="34" charset="-128"/>
-              </a:rPr>
-              <a:t>Widely used</a:t>
-            </a:r>
-          </a:p>
-          <a:p>
-            <a:endParaRPr lang="en-US" altLang="en-US" dirty="0">
-              <a:ea typeface="ＭＳ Ｐゴシック" panose="020B0600070205080204" pitchFamily="34" charset="-128"/>
-            </a:endParaRPr>
-          </a:p>
-        </p:txBody>
-      </p:sp>
-      <p:sp>
-        <p:nvSpPr>
-          <p:cNvPr id="10" name="Footer Placeholder 9"/>
-          <p:cNvSpPr>
-            <a:spLocks noGrp="1"/>
-          </p:cNvSpPr>
-          <p:nvPr>
-            <p:ph type="ftr" sz="quarter" idx="3"/>
-          </p:nvPr>
-        </p:nvSpPr>
-        <p:spPr/>
-        <p:txBody>
-          <a:bodyPr/>
-          <a:lstStyle/>
-          <a:p>
-            <a:r>
-              <a:rPr lang="en-CA" dirty="0"/>
-              <a:t>CS321: Advanced Programming Techniques</a:t>
-            </a:r>
-          </a:p>
-        </p:txBody>
-      </p:sp>
-      <p:sp>
-        <p:nvSpPr>
-          <p:cNvPr id="12" name="Slide Number Placeholder 11"/>
-          <p:cNvSpPr>
-            <a:spLocks noGrp="1"/>
-          </p:cNvSpPr>
-          <p:nvPr>
-            <p:ph type="sldNum" sz="quarter" idx="4"/>
-          </p:nvPr>
-        </p:nvSpPr>
-        <p:spPr/>
-        <p:txBody>
-          <a:bodyPr/>
-          <a:lstStyle/>
-          <a:p>
-            <a:fld id="{5174927E-2439-42C0-9720-7BBCA09BF46F}" type="slidenum">
-              <a:rPr lang="en-CA" smtClean="0"/>
-              <a:pPr/>
-              <a:t>8</a:t>
-            </a:fld>
-            <a:r>
-              <a:rPr lang="en-CA" dirty="0"/>
-              <a:t> </a:t>
-            </a:r>
-          </a:p>
-        </p:txBody>
-      </p:sp>
-    </p:spTree>
-    <p:extLst>
-      <p:ext uri="{BB962C8B-B14F-4D97-AF65-F5344CB8AC3E}">
-        <p14:creationId xmlns:p14="http://schemas.microsoft.com/office/powerpoint/2010/main" xmlns="" val="1819476712"/>
-      </p:ext>
-    </p:extLst>
-  </p:cSld>
-  <p:clrMapOvr>
-    <a:masterClrMapping/>
-  </p:clrMapOvr>
-</p:sld>
-</file>
-
-<file path=ppt/slides/slide9.xml><?xml version="1.0" encoding="utf-8"?>
-<p:sld xmlns:a="http://schemas.openxmlformats.org/drawingml/2006/main" xmlns:r="http://schemas.openxmlformats.org/officeDocument/2006/relationships" xmlns:p="http://schemas.openxmlformats.org/presentationml/2006/main">
-  <p:cSld>
-    <p:spTree>
-      <p:nvGrpSpPr>
-        <p:cNvPr id="1" name=""/>
-        <p:cNvGrpSpPr/>
-        <p:nvPr/>
-      </p:nvGrpSpPr>
-      <p:grpSpPr>
-        <a:xfrm>
-          <a:off x="0" y="0"/>
-          <a:ext cx="0" cy="0"/>
-          <a:chOff x="0" y="0"/>
-          <a:chExt cx="0" cy="0"/>
-        </a:xfrm>
-      </p:grpSpPr>
-      <p:sp>
-        <p:nvSpPr>
-          <p:cNvPr id="2" name="Title 1"/>
-          <p:cNvSpPr>
-            <a:spLocks noGrp="1"/>
-          </p:cNvSpPr>
-          <p:nvPr>
-            <p:ph type="title"/>
-          </p:nvPr>
-        </p:nvSpPr>
-        <p:spPr/>
-        <p:txBody>
-          <a:bodyPr/>
-          <a:lstStyle/>
-          <a:p>
-            <a:r>
               <a:rPr lang="en-CA" dirty="0"/>
               <a:t>Object-oriented Programming</a:t>
             </a:r>
@@ -19684,7 +17605,7 @@
             <a:fld id="{5174927E-2439-42C0-9720-7BBCA09BF46F}" type="slidenum">
               <a:rPr lang="en-CA" smtClean="0"/>
               <a:pPr/>
-              <a:t>9</a:t>
+              <a:t>8</a:t>
             </a:fld>
             <a:r>
               <a:rPr lang="en-CA" dirty="0"/>
@@ -19814,6 +17735,1673 @@
     <p:extLst>
       <p:ext uri="{BB962C8B-B14F-4D97-AF65-F5344CB8AC3E}">
         <p14:creationId xmlns:p14="http://schemas.microsoft.com/office/powerpoint/2010/main" xmlns="" val="793235412"/>
+      </p:ext>
+    </p:extLst>
+  </p:cSld>
+  <p:clrMapOvr>
+    <a:masterClrMapping/>
+  </p:clrMapOvr>
+</p:sld>
+</file>
+
+<file path=ppt/slides/slide9.xml><?xml version="1.0" encoding="utf-8"?>
+<p:sld xmlns:a="http://schemas.openxmlformats.org/drawingml/2006/main" xmlns:r="http://schemas.openxmlformats.org/officeDocument/2006/relationships" xmlns:p="http://schemas.openxmlformats.org/presentationml/2006/main">
+  <p:cSld>
+    <p:spTree>
+      <p:nvGrpSpPr>
+        <p:cNvPr id="1" name=""/>
+        <p:cNvGrpSpPr/>
+        <p:nvPr/>
+      </p:nvGrpSpPr>
+      <p:grpSpPr>
+        <a:xfrm>
+          <a:off x="0" y="0"/>
+          <a:ext cx="0" cy="0"/>
+          <a:chOff x="0" y="0"/>
+          <a:chExt cx="0" cy="0"/>
+        </a:xfrm>
+      </p:grpSpPr>
+      <p:sp>
+        <p:nvSpPr>
+          <p:cNvPr id="2" name="Title 1"/>
+          <p:cNvSpPr>
+            <a:spLocks noGrp="1"/>
+          </p:cNvSpPr>
+          <p:nvPr>
+            <p:ph type="title"/>
+          </p:nvPr>
+        </p:nvSpPr>
+        <p:spPr/>
+        <p:txBody>
+          <a:bodyPr/>
+          <a:lstStyle/>
+          <a:p>
+            <a:r>
+              <a:rPr lang="en-CA" dirty="0"/>
+              <a:t>Objects</a:t>
+            </a:r>
+          </a:p>
+        </p:txBody>
+      </p:sp>
+      <p:sp>
+        <p:nvSpPr>
+          <p:cNvPr id="3" name="Content Placeholder 2"/>
+          <p:cNvSpPr>
+            <a:spLocks noGrp="1"/>
+          </p:cNvSpPr>
+          <p:nvPr>
+            <p:ph idx="1"/>
+          </p:nvPr>
+        </p:nvSpPr>
+        <p:spPr>
+          <a:xfrm>
+            <a:off x="640874" y="1168401"/>
+            <a:ext cx="10515600" cy="5045586"/>
+          </a:xfrm>
+        </p:spPr>
+        <p:txBody>
+          <a:bodyPr>
+            <a:normAutofit/>
+          </a:bodyPr>
+          <a:lstStyle/>
+          <a:p>
+            <a:pPr marL="0" indent="0">
+              <a:buNone/>
+            </a:pPr>
+            <a:r>
+              <a:rPr lang="en-US" dirty="0"/>
+              <a:t> </a:t>
+            </a:r>
+          </a:p>
+        </p:txBody>
+      </p:sp>
+      <p:sp>
+        <p:nvSpPr>
+          <p:cNvPr id="10" name="Footer Placeholder 9"/>
+          <p:cNvSpPr>
+            <a:spLocks noGrp="1"/>
+          </p:cNvSpPr>
+          <p:nvPr>
+            <p:ph type="ftr" sz="quarter" idx="3"/>
+          </p:nvPr>
+        </p:nvSpPr>
+        <p:spPr/>
+        <p:txBody>
+          <a:bodyPr/>
+          <a:lstStyle/>
+          <a:p>
+            <a:r>
+              <a:rPr lang="en-CA" dirty="0"/>
+              <a:t>CS321: Advanced Programming Techniques</a:t>
+            </a:r>
+          </a:p>
+        </p:txBody>
+      </p:sp>
+      <p:sp>
+        <p:nvSpPr>
+          <p:cNvPr id="12" name="Slide Number Placeholder 11"/>
+          <p:cNvSpPr>
+            <a:spLocks noGrp="1"/>
+          </p:cNvSpPr>
+          <p:nvPr>
+            <p:ph type="sldNum" sz="quarter" idx="4"/>
+          </p:nvPr>
+        </p:nvSpPr>
+        <p:spPr/>
+        <p:txBody>
+          <a:bodyPr/>
+          <a:lstStyle/>
+          <a:p>
+            <a:fld id="{5174927E-2439-42C0-9720-7BBCA09BF46F}" type="slidenum">
+              <a:rPr lang="en-CA" smtClean="0"/>
+              <a:pPr/>
+              <a:t>9</a:t>
+            </a:fld>
+            <a:r>
+              <a:rPr lang="en-CA" dirty="0"/>
+              <a:t> </a:t>
+            </a:r>
+          </a:p>
+        </p:txBody>
+      </p:sp>
+      <p:pic>
+        <p:nvPicPr>
+          <p:cNvPr id="15" name="Picture 14">
+            <a:extLst>
+              <a:ext uri="{FF2B5EF4-FFF2-40B4-BE49-F238E27FC236}">
+                <a16:creationId xmlns:a16="http://schemas.microsoft.com/office/drawing/2014/main" xmlns="" id="{61C04142-3366-49EB-9FEC-88FF5368D17D}"/>
+              </a:ext>
+            </a:extLst>
+          </p:cNvPr>
+          <p:cNvPicPr>
+            <a:picLocks noChangeAspect="1"/>
+          </p:cNvPicPr>
+          <p:nvPr/>
+        </p:nvPicPr>
+        <p:blipFill>
+          <a:blip r:embed="rId2" cstate="print">
+            <a:extLst>
+              <a:ext uri="{28A0092B-C50C-407E-A947-70E740481C1C}">
+                <a14:useLocalDpi xmlns:a14="http://schemas.microsoft.com/office/drawing/2010/main" xmlns="" val="0"/>
+              </a:ext>
+              <a:ext uri="{837473B0-CC2E-450A-ABE3-18F120FF3D39}">
+                <a1611:picAttrSrcUrl xmlns:a1611="http://schemas.microsoft.com/office/drawing/2016/11/main" xmlns="" r:id="rId3"/>
+              </a:ext>
+            </a:extLst>
+          </a:blip>
+          <a:stretch>
+            <a:fillRect/>
+          </a:stretch>
+        </p:blipFill>
+        <p:spPr>
+          <a:xfrm>
+            <a:off x="492300" y="2493964"/>
+            <a:ext cx="2802194" cy="1707587"/>
+          </a:xfrm>
+          <a:prstGeom prst="rect">
+            <a:avLst/>
+          </a:prstGeom>
+        </p:spPr>
+      </p:pic>
+      <p:sp>
+        <p:nvSpPr>
+          <p:cNvPr id="4" name="TextBox 3">
+            <a:extLst>
+              <a:ext uri="{FF2B5EF4-FFF2-40B4-BE49-F238E27FC236}">
+                <a16:creationId xmlns:a16="http://schemas.microsoft.com/office/drawing/2014/main" xmlns="" id="{065F8F52-C484-420F-8838-9BA9EB24F06F}"/>
+              </a:ext>
+            </a:extLst>
+          </p:cNvPr>
+          <p:cNvSpPr txBox="1"/>
+          <p:nvPr/>
+        </p:nvSpPr>
+        <p:spPr>
+          <a:xfrm>
+            <a:off x="4100053" y="4709339"/>
+            <a:ext cx="825908" cy="369332"/>
+          </a:xfrm>
+          <a:prstGeom prst="rect">
+            <a:avLst/>
+          </a:prstGeom>
+          <a:noFill/>
+        </p:spPr>
+        <p:txBody>
+          <a:bodyPr wrap="square" rtlCol="0">
+            <a:spAutoFit/>
+          </a:bodyPr>
+          <a:lstStyle/>
+          <a:p>
+            <a:r>
+              <a:rPr lang="en-CA" dirty="0"/>
+              <a:t>Wings</a:t>
+            </a:r>
+          </a:p>
+        </p:txBody>
+      </p:sp>
+      <p:sp>
+        <p:nvSpPr>
+          <p:cNvPr id="14" name="TextBox 13">
+            <a:extLst>
+              <a:ext uri="{FF2B5EF4-FFF2-40B4-BE49-F238E27FC236}">
+                <a16:creationId xmlns:a16="http://schemas.microsoft.com/office/drawing/2014/main" xmlns="" id="{545FB07B-3C17-49FB-8188-00D3D635E234}"/>
+              </a:ext>
+            </a:extLst>
+          </p:cNvPr>
+          <p:cNvSpPr txBox="1"/>
+          <p:nvPr/>
+        </p:nvSpPr>
+        <p:spPr>
+          <a:xfrm>
+            <a:off x="4100052" y="3630557"/>
+            <a:ext cx="1071715" cy="369332"/>
+          </a:xfrm>
+          <a:prstGeom prst="rect">
+            <a:avLst/>
+          </a:prstGeom>
+          <a:noFill/>
+        </p:spPr>
+        <p:txBody>
+          <a:bodyPr wrap="square" rtlCol="0">
+            <a:spAutoFit/>
+          </a:bodyPr>
+          <a:lstStyle/>
+          <a:p>
+            <a:r>
+              <a:rPr lang="en-CA" dirty="0"/>
+              <a:t>Fuselage</a:t>
+            </a:r>
+          </a:p>
+        </p:txBody>
+      </p:sp>
+      <p:sp>
+        <p:nvSpPr>
+          <p:cNvPr id="16" name="TextBox 15">
+            <a:extLst>
+              <a:ext uri="{FF2B5EF4-FFF2-40B4-BE49-F238E27FC236}">
+                <a16:creationId xmlns:a16="http://schemas.microsoft.com/office/drawing/2014/main" xmlns="" id="{FE719AD3-1761-492D-823C-0AA513693A5E}"/>
+              </a:ext>
+            </a:extLst>
+          </p:cNvPr>
+          <p:cNvSpPr txBox="1"/>
+          <p:nvPr/>
+        </p:nvSpPr>
+        <p:spPr>
+          <a:xfrm>
+            <a:off x="4014908" y="1626350"/>
+            <a:ext cx="1071715" cy="369332"/>
+          </a:xfrm>
+          <a:prstGeom prst="rect">
+            <a:avLst/>
+          </a:prstGeom>
+          <a:noFill/>
+        </p:spPr>
+        <p:txBody>
+          <a:bodyPr wrap="square" rtlCol="0">
+            <a:spAutoFit/>
+          </a:bodyPr>
+          <a:lstStyle/>
+          <a:p>
+            <a:r>
+              <a:rPr lang="en-CA" dirty="0"/>
+              <a:t>Cabin</a:t>
+            </a:r>
+          </a:p>
+        </p:txBody>
+      </p:sp>
+      <p:sp>
+        <p:nvSpPr>
+          <p:cNvPr id="17" name="TextBox 16">
+            <a:extLst>
+              <a:ext uri="{FF2B5EF4-FFF2-40B4-BE49-F238E27FC236}">
+                <a16:creationId xmlns:a16="http://schemas.microsoft.com/office/drawing/2014/main" xmlns="" id="{0AECDDDD-9C69-4208-AA1C-905C5B95F22C}"/>
+              </a:ext>
+            </a:extLst>
+          </p:cNvPr>
+          <p:cNvSpPr txBox="1"/>
+          <p:nvPr/>
+        </p:nvSpPr>
+        <p:spPr>
+          <a:xfrm>
+            <a:off x="4060726" y="2751816"/>
+            <a:ext cx="1071715" cy="369332"/>
+          </a:xfrm>
+          <a:prstGeom prst="rect">
+            <a:avLst/>
+          </a:prstGeom>
+          <a:noFill/>
+        </p:spPr>
+        <p:txBody>
+          <a:bodyPr wrap="square" rtlCol="0">
+            <a:spAutoFit/>
+          </a:bodyPr>
+          <a:lstStyle/>
+          <a:p>
+            <a:r>
+              <a:rPr lang="en-CA" dirty="0"/>
+              <a:t>Tail</a:t>
+            </a:r>
+          </a:p>
+        </p:txBody>
+      </p:sp>
+      <p:cxnSp>
+        <p:nvCxnSpPr>
+          <p:cNvPr id="8" name="Straight Arrow Connector 7">
+            <a:extLst>
+              <a:ext uri="{FF2B5EF4-FFF2-40B4-BE49-F238E27FC236}">
+                <a16:creationId xmlns:a16="http://schemas.microsoft.com/office/drawing/2014/main" xmlns="" id="{8DDBEF33-54E1-493E-BF2F-6C758455DB2F}"/>
+              </a:ext>
+            </a:extLst>
+          </p:cNvPr>
+          <p:cNvCxnSpPr>
+            <a:cxnSpLocks/>
+            <a:endCxn id="17" idx="1"/>
+          </p:cNvCxnSpPr>
+          <p:nvPr/>
+        </p:nvCxnSpPr>
+        <p:spPr>
+          <a:xfrm>
+            <a:off x="3082174" y="2919109"/>
+            <a:ext cx="978552" cy="17373"/>
+          </a:xfrm>
+          <a:prstGeom prst="straightConnector1">
+            <a:avLst/>
+          </a:prstGeom>
+          <a:ln w="38100">
+            <a:solidFill>
+              <a:schemeClr val="tx1"/>
+            </a:solidFill>
+            <a:tailEnd type="triangle"/>
+          </a:ln>
+        </p:spPr>
+        <p:style>
+          <a:lnRef idx="1">
+            <a:schemeClr val="accent1"/>
+          </a:lnRef>
+          <a:fillRef idx="0">
+            <a:schemeClr val="accent1"/>
+          </a:fillRef>
+          <a:effectRef idx="0">
+            <a:schemeClr val="accent1"/>
+          </a:effectRef>
+          <a:fontRef idx="minor">
+            <a:schemeClr val="tx1"/>
+          </a:fontRef>
+        </p:style>
+      </p:cxnSp>
+      <p:cxnSp>
+        <p:nvCxnSpPr>
+          <p:cNvPr id="18" name="Straight Arrow Connector 17">
+            <a:extLst>
+              <a:ext uri="{FF2B5EF4-FFF2-40B4-BE49-F238E27FC236}">
+                <a16:creationId xmlns:a16="http://schemas.microsoft.com/office/drawing/2014/main" xmlns="" id="{F1E47557-78F8-4490-9DC2-B232D55FD35C}"/>
+              </a:ext>
+            </a:extLst>
+          </p:cNvPr>
+          <p:cNvCxnSpPr>
+            <a:cxnSpLocks/>
+          </p:cNvCxnSpPr>
+          <p:nvPr/>
+        </p:nvCxnSpPr>
+        <p:spPr>
+          <a:xfrm flipV="1">
+            <a:off x="1035526" y="1759350"/>
+            <a:ext cx="2946539" cy="992466"/>
+          </a:xfrm>
+          <a:prstGeom prst="straightConnector1">
+            <a:avLst/>
+          </a:prstGeom>
+          <a:ln w="38100">
+            <a:solidFill>
+              <a:schemeClr val="tx1"/>
+            </a:solidFill>
+            <a:tailEnd type="triangle"/>
+          </a:ln>
+        </p:spPr>
+        <p:style>
+          <a:lnRef idx="1">
+            <a:schemeClr val="accent1"/>
+          </a:lnRef>
+          <a:fillRef idx="0">
+            <a:schemeClr val="accent1"/>
+          </a:fillRef>
+          <a:effectRef idx="0">
+            <a:schemeClr val="accent1"/>
+          </a:effectRef>
+          <a:fontRef idx="minor">
+            <a:schemeClr val="tx1"/>
+          </a:fontRef>
+        </p:style>
+      </p:cxnSp>
+      <p:cxnSp>
+        <p:nvCxnSpPr>
+          <p:cNvPr id="22" name="Straight Arrow Connector 21">
+            <a:extLst>
+              <a:ext uri="{FF2B5EF4-FFF2-40B4-BE49-F238E27FC236}">
+                <a16:creationId xmlns:a16="http://schemas.microsoft.com/office/drawing/2014/main" xmlns="" id="{54728F14-6E5A-45E2-AC4A-EFD14011F60B}"/>
+              </a:ext>
+            </a:extLst>
+          </p:cNvPr>
+          <p:cNvCxnSpPr>
+            <a:cxnSpLocks/>
+            <a:endCxn id="14" idx="1"/>
+          </p:cNvCxnSpPr>
+          <p:nvPr/>
+        </p:nvCxnSpPr>
+        <p:spPr>
+          <a:xfrm>
+            <a:off x="2757507" y="3375550"/>
+            <a:ext cx="1342545" cy="439673"/>
+          </a:xfrm>
+          <a:prstGeom prst="straightConnector1">
+            <a:avLst/>
+          </a:prstGeom>
+          <a:ln w="38100">
+            <a:solidFill>
+              <a:schemeClr val="tx1"/>
+            </a:solidFill>
+            <a:tailEnd type="triangle"/>
+          </a:ln>
+        </p:spPr>
+        <p:style>
+          <a:lnRef idx="1">
+            <a:schemeClr val="accent1"/>
+          </a:lnRef>
+          <a:fillRef idx="0">
+            <a:schemeClr val="accent1"/>
+          </a:fillRef>
+          <a:effectRef idx="0">
+            <a:schemeClr val="accent1"/>
+          </a:effectRef>
+          <a:fontRef idx="minor">
+            <a:schemeClr val="tx1"/>
+          </a:fontRef>
+        </p:style>
+      </p:cxnSp>
+      <p:cxnSp>
+        <p:nvCxnSpPr>
+          <p:cNvPr id="25" name="Straight Arrow Connector 24">
+            <a:extLst>
+              <a:ext uri="{FF2B5EF4-FFF2-40B4-BE49-F238E27FC236}">
+                <a16:creationId xmlns:a16="http://schemas.microsoft.com/office/drawing/2014/main" xmlns="" id="{D54D66D9-20DA-42BE-9E8F-546A8ED2AA32}"/>
+              </a:ext>
+            </a:extLst>
+          </p:cNvPr>
+          <p:cNvCxnSpPr>
+            <a:cxnSpLocks/>
+            <a:endCxn id="4" idx="1"/>
+          </p:cNvCxnSpPr>
+          <p:nvPr/>
+        </p:nvCxnSpPr>
+        <p:spPr>
+          <a:xfrm>
+            <a:off x="2100523" y="3955042"/>
+            <a:ext cx="1999530" cy="938963"/>
+          </a:xfrm>
+          <a:prstGeom prst="straightConnector1">
+            <a:avLst/>
+          </a:prstGeom>
+          <a:ln w="38100">
+            <a:solidFill>
+              <a:schemeClr val="tx1"/>
+            </a:solidFill>
+            <a:tailEnd type="triangle"/>
+          </a:ln>
+        </p:spPr>
+        <p:style>
+          <a:lnRef idx="1">
+            <a:schemeClr val="accent1"/>
+          </a:lnRef>
+          <a:fillRef idx="0">
+            <a:schemeClr val="accent1"/>
+          </a:fillRef>
+          <a:effectRef idx="0">
+            <a:schemeClr val="accent1"/>
+          </a:effectRef>
+          <a:fontRef idx="minor">
+            <a:schemeClr val="tx1"/>
+          </a:fontRef>
+        </p:style>
+      </p:cxnSp>
+      <p:cxnSp>
+        <p:nvCxnSpPr>
+          <p:cNvPr id="27" name="Straight Arrow Connector 26">
+            <a:extLst>
+              <a:ext uri="{FF2B5EF4-FFF2-40B4-BE49-F238E27FC236}">
+                <a16:creationId xmlns:a16="http://schemas.microsoft.com/office/drawing/2014/main" xmlns="" id="{104F6FC2-E13D-4097-9667-8F4A154A8D80}"/>
+              </a:ext>
+            </a:extLst>
+          </p:cNvPr>
+          <p:cNvCxnSpPr>
+            <a:cxnSpLocks/>
+          </p:cNvCxnSpPr>
+          <p:nvPr/>
+        </p:nvCxnSpPr>
+        <p:spPr>
+          <a:xfrm flipV="1">
+            <a:off x="4677976" y="2461688"/>
+            <a:ext cx="883307" cy="506111"/>
+          </a:xfrm>
+          <a:prstGeom prst="straightConnector1">
+            <a:avLst/>
+          </a:prstGeom>
+          <a:ln w="38100">
+            <a:solidFill>
+              <a:schemeClr val="tx1"/>
+            </a:solidFill>
+            <a:tailEnd type="triangle"/>
+          </a:ln>
+        </p:spPr>
+        <p:style>
+          <a:lnRef idx="1">
+            <a:schemeClr val="accent1"/>
+          </a:lnRef>
+          <a:fillRef idx="0">
+            <a:schemeClr val="accent1"/>
+          </a:fillRef>
+          <a:effectRef idx="0">
+            <a:schemeClr val="accent1"/>
+          </a:effectRef>
+          <a:fontRef idx="minor">
+            <a:schemeClr val="tx1"/>
+          </a:fontRef>
+        </p:style>
+      </p:cxnSp>
+      <p:cxnSp>
+        <p:nvCxnSpPr>
+          <p:cNvPr id="28" name="Straight Arrow Connector 27">
+            <a:extLst>
+              <a:ext uri="{FF2B5EF4-FFF2-40B4-BE49-F238E27FC236}">
+                <a16:creationId xmlns:a16="http://schemas.microsoft.com/office/drawing/2014/main" xmlns="" id="{29780F90-A07F-4BB0-9F2F-AAC340DC9D38}"/>
+              </a:ext>
+            </a:extLst>
+          </p:cNvPr>
+          <p:cNvCxnSpPr>
+            <a:cxnSpLocks/>
+          </p:cNvCxnSpPr>
+          <p:nvPr/>
+        </p:nvCxnSpPr>
+        <p:spPr>
+          <a:xfrm>
+            <a:off x="4677976" y="2962993"/>
+            <a:ext cx="943591" cy="0"/>
+          </a:xfrm>
+          <a:prstGeom prst="straightConnector1">
+            <a:avLst/>
+          </a:prstGeom>
+          <a:ln w="38100">
+            <a:solidFill>
+              <a:schemeClr val="tx1"/>
+            </a:solidFill>
+            <a:tailEnd type="triangle"/>
+          </a:ln>
+        </p:spPr>
+        <p:style>
+          <a:lnRef idx="1">
+            <a:schemeClr val="accent1"/>
+          </a:lnRef>
+          <a:fillRef idx="0">
+            <a:schemeClr val="accent1"/>
+          </a:fillRef>
+          <a:effectRef idx="0">
+            <a:schemeClr val="accent1"/>
+          </a:effectRef>
+          <a:fontRef idx="minor">
+            <a:schemeClr val="tx1"/>
+          </a:fontRef>
+        </p:style>
+      </p:cxnSp>
+      <p:sp>
+        <p:nvSpPr>
+          <p:cNvPr id="31" name="TextBox 30">
+            <a:extLst>
+              <a:ext uri="{FF2B5EF4-FFF2-40B4-BE49-F238E27FC236}">
+                <a16:creationId xmlns:a16="http://schemas.microsoft.com/office/drawing/2014/main" xmlns="" id="{4C6058E9-F453-4FCC-9697-02D88A979F2A}"/>
+              </a:ext>
+            </a:extLst>
+          </p:cNvPr>
+          <p:cNvSpPr txBox="1"/>
+          <p:nvPr/>
+        </p:nvSpPr>
+        <p:spPr>
+          <a:xfrm>
+            <a:off x="5621567" y="2232251"/>
+            <a:ext cx="1820636" cy="369332"/>
+          </a:xfrm>
+          <a:prstGeom prst="rect">
+            <a:avLst/>
+          </a:prstGeom>
+          <a:noFill/>
+        </p:spPr>
+        <p:txBody>
+          <a:bodyPr wrap="square" rtlCol="0">
+            <a:spAutoFit/>
+          </a:bodyPr>
+          <a:lstStyle/>
+          <a:p>
+            <a:r>
+              <a:rPr lang="en-CA" dirty="0" err="1"/>
+              <a:t>VerticalStabilizer</a:t>
+            </a:r>
+            <a:endParaRPr lang="en-CA" dirty="0"/>
+          </a:p>
+        </p:txBody>
+      </p:sp>
+      <p:sp>
+        <p:nvSpPr>
+          <p:cNvPr id="32" name="TextBox 31">
+            <a:extLst>
+              <a:ext uri="{FF2B5EF4-FFF2-40B4-BE49-F238E27FC236}">
+                <a16:creationId xmlns:a16="http://schemas.microsoft.com/office/drawing/2014/main" xmlns="" id="{78EDB91B-C071-4D7E-B239-6F5257BFA37A}"/>
+              </a:ext>
+            </a:extLst>
+          </p:cNvPr>
+          <p:cNvSpPr txBox="1"/>
+          <p:nvPr/>
+        </p:nvSpPr>
+        <p:spPr>
+          <a:xfrm>
+            <a:off x="5658066" y="2734689"/>
+            <a:ext cx="1820636" cy="369332"/>
+          </a:xfrm>
+          <a:prstGeom prst="rect">
+            <a:avLst/>
+          </a:prstGeom>
+          <a:noFill/>
+        </p:spPr>
+        <p:txBody>
+          <a:bodyPr wrap="square" rtlCol="0">
+            <a:spAutoFit/>
+          </a:bodyPr>
+          <a:lstStyle/>
+          <a:p>
+            <a:r>
+              <a:rPr lang="en-CA" dirty="0" err="1"/>
+              <a:t>TailRudder</a:t>
+            </a:r>
+            <a:endParaRPr lang="en-CA" dirty="0"/>
+          </a:p>
+        </p:txBody>
+      </p:sp>
+      <p:grpSp>
+        <p:nvGrpSpPr>
+          <p:cNvPr id="19" name="Group 18">
+            <a:extLst>
+              <a:ext uri="{FF2B5EF4-FFF2-40B4-BE49-F238E27FC236}">
+                <a16:creationId xmlns:a16="http://schemas.microsoft.com/office/drawing/2014/main" xmlns="" id="{6F513CEE-2FED-431E-B171-29AD4FD8073D}"/>
+              </a:ext>
+            </a:extLst>
+          </p:cNvPr>
+          <p:cNvGrpSpPr/>
+          <p:nvPr/>
+        </p:nvGrpSpPr>
+        <p:grpSpPr>
+          <a:xfrm>
+            <a:off x="4776253" y="1205243"/>
+            <a:ext cx="2831254" cy="734833"/>
+            <a:chOff x="4888056" y="2353112"/>
+            <a:chExt cx="2831254" cy="734833"/>
+          </a:xfrm>
+        </p:grpSpPr>
+        <p:cxnSp>
+          <p:nvCxnSpPr>
+            <p:cNvPr id="33" name="Straight Arrow Connector 32">
+              <a:extLst>
+                <a:ext uri="{FF2B5EF4-FFF2-40B4-BE49-F238E27FC236}">
+                  <a16:creationId xmlns:a16="http://schemas.microsoft.com/office/drawing/2014/main" xmlns="" id="{760F0522-E927-4EF6-875E-2DADA29693AC}"/>
+                </a:ext>
+              </a:extLst>
+            </p:cNvPr>
+            <p:cNvCxnSpPr>
+              <a:cxnSpLocks/>
+            </p:cNvCxnSpPr>
+            <p:nvPr/>
+          </p:nvCxnSpPr>
+          <p:spPr>
+            <a:xfrm>
+              <a:off x="4894795" y="2934207"/>
+              <a:ext cx="943591" cy="0"/>
+            </a:xfrm>
+            <a:prstGeom prst="straightConnector1">
+              <a:avLst/>
+            </a:prstGeom>
+            <a:ln w="38100">
+              <a:solidFill>
+                <a:schemeClr val="tx1"/>
+              </a:solidFill>
+              <a:tailEnd type="triangle"/>
+            </a:ln>
+          </p:spPr>
+          <p:style>
+            <a:lnRef idx="1">
+              <a:schemeClr val="accent1"/>
+            </a:lnRef>
+            <a:fillRef idx="0">
+              <a:schemeClr val="accent1"/>
+            </a:fillRef>
+            <a:effectRef idx="0">
+              <a:schemeClr val="accent1"/>
+            </a:effectRef>
+            <a:fontRef idx="minor">
+              <a:schemeClr val="tx1"/>
+            </a:fontRef>
+          </p:style>
+        </p:cxnSp>
+        <p:sp>
+          <p:nvSpPr>
+            <p:cNvPr id="34" name="TextBox 33">
+              <a:extLst>
+                <a:ext uri="{FF2B5EF4-FFF2-40B4-BE49-F238E27FC236}">
+                  <a16:creationId xmlns:a16="http://schemas.microsoft.com/office/drawing/2014/main" xmlns="" id="{E096BC95-CF89-477C-A149-CADD8535D70D}"/>
+                </a:ext>
+              </a:extLst>
+            </p:cNvPr>
+            <p:cNvSpPr txBox="1"/>
+            <p:nvPr/>
+          </p:nvSpPr>
+          <p:spPr>
+            <a:xfrm>
+              <a:off x="5898674" y="2718613"/>
+              <a:ext cx="1820636" cy="369332"/>
+            </a:xfrm>
+            <a:prstGeom prst="rect">
+              <a:avLst/>
+            </a:prstGeom>
+            <a:noFill/>
+          </p:spPr>
+          <p:txBody>
+            <a:bodyPr wrap="square" rtlCol="0">
+              <a:spAutoFit/>
+            </a:bodyPr>
+            <a:lstStyle/>
+            <a:p>
+              <a:r>
+                <a:rPr lang="en-CA" dirty="0" err="1"/>
+                <a:t>PilotSeat</a:t>
+              </a:r>
+              <a:endParaRPr lang="en-CA" dirty="0"/>
+            </a:p>
+          </p:txBody>
+        </p:sp>
+        <p:cxnSp>
+          <p:nvCxnSpPr>
+            <p:cNvPr id="35" name="Straight Arrow Connector 34">
+              <a:extLst>
+                <a:ext uri="{FF2B5EF4-FFF2-40B4-BE49-F238E27FC236}">
+                  <a16:creationId xmlns:a16="http://schemas.microsoft.com/office/drawing/2014/main" xmlns="" id="{16A5DB64-6D02-469B-8ECF-1AC120A06DE3}"/>
+                </a:ext>
+              </a:extLst>
+            </p:cNvPr>
+            <p:cNvCxnSpPr>
+              <a:cxnSpLocks/>
+            </p:cNvCxnSpPr>
+            <p:nvPr/>
+          </p:nvCxnSpPr>
+          <p:spPr>
+            <a:xfrm flipV="1">
+              <a:off x="4888056" y="2493964"/>
+              <a:ext cx="950330" cy="440243"/>
+            </a:xfrm>
+            <a:prstGeom prst="straightConnector1">
+              <a:avLst/>
+            </a:prstGeom>
+            <a:ln w="38100">
+              <a:solidFill>
+                <a:schemeClr val="tx1"/>
+              </a:solidFill>
+              <a:tailEnd type="triangle"/>
+            </a:ln>
+          </p:spPr>
+          <p:style>
+            <a:lnRef idx="1">
+              <a:schemeClr val="accent1"/>
+            </a:lnRef>
+            <a:fillRef idx="0">
+              <a:schemeClr val="accent1"/>
+            </a:fillRef>
+            <a:effectRef idx="0">
+              <a:schemeClr val="accent1"/>
+            </a:effectRef>
+            <a:fontRef idx="minor">
+              <a:schemeClr val="tx1"/>
+            </a:fontRef>
+          </p:style>
+        </p:cxnSp>
+        <p:sp>
+          <p:nvSpPr>
+            <p:cNvPr id="37" name="TextBox 36">
+              <a:extLst>
+                <a:ext uri="{FF2B5EF4-FFF2-40B4-BE49-F238E27FC236}">
+                  <a16:creationId xmlns:a16="http://schemas.microsoft.com/office/drawing/2014/main" xmlns="" id="{85C4C53D-D5CB-4E7F-937C-C49212F44A70}"/>
+                </a:ext>
+              </a:extLst>
+            </p:cNvPr>
+            <p:cNvSpPr txBox="1"/>
+            <p:nvPr/>
+          </p:nvSpPr>
+          <p:spPr>
+            <a:xfrm>
+              <a:off x="5898674" y="2353112"/>
+              <a:ext cx="1820636" cy="369332"/>
+            </a:xfrm>
+            <a:prstGeom prst="rect">
+              <a:avLst/>
+            </a:prstGeom>
+            <a:noFill/>
+          </p:spPr>
+          <p:txBody>
+            <a:bodyPr wrap="square" rtlCol="0">
+              <a:spAutoFit/>
+            </a:bodyPr>
+            <a:lstStyle/>
+            <a:p>
+              <a:r>
+                <a:rPr lang="en-CA" dirty="0" err="1"/>
+                <a:t>CoPilotSeat</a:t>
+              </a:r>
+              <a:endParaRPr lang="en-CA" dirty="0"/>
+            </a:p>
+          </p:txBody>
+        </p:sp>
+      </p:grpSp>
+      <p:cxnSp>
+        <p:nvCxnSpPr>
+          <p:cNvPr id="38" name="Straight Arrow Connector 37">
+            <a:extLst>
+              <a:ext uri="{FF2B5EF4-FFF2-40B4-BE49-F238E27FC236}">
+                <a16:creationId xmlns:a16="http://schemas.microsoft.com/office/drawing/2014/main" xmlns="" id="{5D867792-63F2-4767-BC8D-917B88AC05E1}"/>
+              </a:ext>
+            </a:extLst>
+          </p:cNvPr>
+          <p:cNvCxnSpPr>
+            <a:cxnSpLocks/>
+          </p:cNvCxnSpPr>
+          <p:nvPr/>
+        </p:nvCxnSpPr>
+        <p:spPr>
+          <a:xfrm>
+            <a:off x="5078162" y="3815223"/>
+            <a:ext cx="943591" cy="0"/>
+          </a:xfrm>
+          <a:prstGeom prst="straightConnector1">
+            <a:avLst/>
+          </a:prstGeom>
+          <a:ln w="38100">
+            <a:solidFill>
+              <a:schemeClr val="tx1"/>
+            </a:solidFill>
+            <a:tailEnd type="triangle"/>
+          </a:ln>
+        </p:spPr>
+        <p:style>
+          <a:lnRef idx="1">
+            <a:schemeClr val="accent1"/>
+          </a:lnRef>
+          <a:fillRef idx="0">
+            <a:schemeClr val="accent1"/>
+          </a:fillRef>
+          <a:effectRef idx="0">
+            <a:schemeClr val="accent1"/>
+          </a:effectRef>
+          <a:fontRef idx="minor">
+            <a:schemeClr val="tx1"/>
+          </a:fontRef>
+        </p:style>
+      </p:cxnSp>
+      <p:sp>
+        <p:nvSpPr>
+          <p:cNvPr id="39" name="TextBox 38">
+            <a:extLst>
+              <a:ext uri="{FF2B5EF4-FFF2-40B4-BE49-F238E27FC236}">
+                <a16:creationId xmlns:a16="http://schemas.microsoft.com/office/drawing/2014/main" xmlns="" id="{94708DE2-B64C-48F4-8076-59A108D618A6}"/>
+              </a:ext>
+            </a:extLst>
+          </p:cNvPr>
+          <p:cNvSpPr txBox="1"/>
+          <p:nvPr/>
+        </p:nvSpPr>
+        <p:spPr>
+          <a:xfrm>
+            <a:off x="6096000" y="3630557"/>
+            <a:ext cx="1820636" cy="369332"/>
+          </a:xfrm>
+          <a:prstGeom prst="rect">
+            <a:avLst/>
+          </a:prstGeom>
+          <a:noFill/>
+        </p:spPr>
+        <p:txBody>
+          <a:bodyPr wrap="square" rtlCol="0">
+            <a:spAutoFit/>
+          </a:bodyPr>
+          <a:lstStyle/>
+          <a:p>
+            <a:r>
+              <a:rPr lang="en-CA" dirty="0" err="1"/>
+              <a:t>PassengerSeats</a:t>
+            </a:r>
+            <a:endParaRPr lang="en-CA" dirty="0"/>
+          </a:p>
+        </p:txBody>
+      </p:sp>
+      <p:cxnSp>
+        <p:nvCxnSpPr>
+          <p:cNvPr id="40" name="Straight Arrow Connector 39">
+            <a:extLst>
+              <a:ext uri="{FF2B5EF4-FFF2-40B4-BE49-F238E27FC236}">
+                <a16:creationId xmlns:a16="http://schemas.microsoft.com/office/drawing/2014/main" xmlns="" id="{5CA8617A-911B-4C68-B5F4-CED221D4F758}"/>
+              </a:ext>
+            </a:extLst>
+          </p:cNvPr>
+          <p:cNvCxnSpPr>
+            <a:cxnSpLocks/>
+          </p:cNvCxnSpPr>
+          <p:nvPr/>
+        </p:nvCxnSpPr>
+        <p:spPr>
+          <a:xfrm flipV="1">
+            <a:off x="5071577" y="3429000"/>
+            <a:ext cx="950176" cy="386223"/>
+          </a:xfrm>
+          <a:prstGeom prst="straightConnector1">
+            <a:avLst/>
+          </a:prstGeom>
+          <a:ln w="38100">
+            <a:solidFill>
+              <a:schemeClr val="tx1"/>
+            </a:solidFill>
+            <a:tailEnd type="triangle"/>
+          </a:ln>
+        </p:spPr>
+        <p:style>
+          <a:lnRef idx="1">
+            <a:schemeClr val="accent1"/>
+          </a:lnRef>
+          <a:fillRef idx="0">
+            <a:schemeClr val="accent1"/>
+          </a:fillRef>
+          <a:effectRef idx="0">
+            <a:schemeClr val="accent1"/>
+          </a:effectRef>
+          <a:fontRef idx="minor">
+            <a:schemeClr val="tx1"/>
+          </a:fontRef>
+        </p:style>
+      </p:cxnSp>
+      <p:sp>
+        <p:nvSpPr>
+          <p:cNvPr id="42" name="TextBox 41">
+            <a:extLst>
+              <a:ext uri="{FF2B5EF4-FFF2-40B4-BE49-F238E27FC236}">
+                <a16:creationId xmlns:a16="http://schemas.microsoft.com/office/drawing/2014/main" xmlns="" id="{10573C7C-31D3-4491-9B05-DACBB0B02145}"/>
+              </a:ext>
+            </a:extLst>
+          </p:cNvPr>
+          <p:cNvSpPr txBox="1"/>
+          <p:nvPr/>
+        </p:nvSpPr>
+        <p:spPr>
+          <a:xfrm>
+            <a:off x="6091390" y="3288687"/>
+            <a:ext cx="1820636" cy="369332"/>
+          </a:xfrm>
+          <a:prstGeom prst="rect">
+            <a:avLst/>
+          </a:prstGeom>
+          <a:noFill/>
+        </p:spPr>
+        <p:txBody>
+          <a:bodyPr wrap="square" rtlCol="0">
+            <a:spAutoFit/>
+          </a:bodyPr>
+          <a:lstStyle/>
+          <a:p>
+            <a:r>
+              <a:rPr lang="en-CA" dirty="0"/>
+              <a:t>Bathroom</a:t>
+            </a:r>
+          </a:p>
+        </p:txBody>
+      </p:sp>
+      <p:cxnSp>
+        <p:nvCxnSpPr>
+          <p:cNvPr id="43" name="Straight Arrow Connector 42">
+            <a:extLst>
+              <a:ext uri="{FF2B5EF4-FFF2-40B4-BE49-F238E27FC236}">
+                <a16:creationId xmlns:a16="http://schemas.microsoft.com/office/drawing/2014/main" xmlns="" id="{BF01DE0F-75F5-4498-A057-FE68F1F8E4FB}"/>
+              </a:ext>
+            </a:extLst>
+          </p:cNvPr>
+          <p:cNvCxnSpPr>
+            <a:cxnSpLocks/>
+          </p:cNvCxnSpPr>
+          <p:nvPr/>
+        </p:nvCxnSpPr>
+        <p:spPr>
+          <a:xfrm>
+            <a:off x="7719310" y="3815223"/>
+            <a:ext cx="943591" cy="0"/>
+          </a:xfrm>
+          <a:prstGeom prst="straightConnector1">
+            <a:avLst/>
+          </a:prstGeom>
+          <a:ln w="38100">
+            <a:solidFill>
+              <a:schemeClr val="tx1"/>
+            </a:solidFill>
+            <a:tailEnd type="triangle"/>
+          </a:ln>
+        </p:spPr>
+        <p:style>
+          <a:lnRef idx="1">
+            <a:schemeClr val="accent1"/>
+          </a:lnRef>
+          <a:fillRef idx="0">
+            <a:schemeClr val="accent1"/>
+          </a:fillRef>
+          <a:effectRef idx="0">
+            <a:schemeClr val="accent1"/>
+          </a:effectRef>
+          <a:fontRef idx="minor">
+            <a:schemeClr val="tx1"/>
+          </a:fontRef>
+        </p:style>
+      </p:cxnSp>
+      <p:sp>
+        <p:nvSpPr>
+          <p:cNvPr id="44" name="TextBox 43">
+            <a:extLst>
+              <a:ext uri="{FF2B5EF4-FFF2-40B4-BE49-F238E27FC236}">
+                <a16:creationId xmlns:a16="http://schemas.microsoft.com/office/drawing/2014/main" xmlns="" id="{21D961B1-8920-45A2-B7B6-24C52F68A83D}"/>
+              </a:ext>
+            </a:extLst>
+          </p:cNvPr>
+          <p:cNvSpPr txBox="1"/>
+          <p:nvPr/>
+        </p:nvSpPr>
+        <p:spPr>
+          <a:xfrm>
+            <a:off x="8662901" y="3628216"/>
+            <a:ext cx="1820636" cy="369332"/>
+          </a:xfrm>
+          <a:prstGeom prst="rect">
+            <a:avLst/>
+          </a:prstGeom>
+          <a:noFill/>
+        </p:spPr>
+        <p:txBody>
+          <a:bodyPr wrap="square" rtlCol="0">
+            <a:spAutoFit/>
+          </a:bodyPr>
+          <a:lstStyle/>
+          <a:p>
+            <a:r>
+              <a:rPr lang="en-CA" dirty="0" err="1"/>
+              <a:t>PassengerSeat</a:t>
+            </a:r>
+            <a:endParaRPr lang="en-CA" dirty="0"/>
+          </a:p>
+        </p:txBody>
+      </p:sp>
+      <p:cxnSp>
+        <p:nvCxnSpPr>
+          <p:cNvPr id="45" name="Straight Arrow Connector 44">
+            <a:extLst>
+              <a:ext uri="{FF2B5EF4-FFF2-40B4-BE49-F238E27FC236}">
+                <a16:creationId xmlns:a16="http://schemas.microsoft.com/office/drawing/2014/main" xmlns="" id="{C1FAEF9C-B2F6-4215-9812-69CE9F14BAFC}"/>
+              </a:ext>
+            </a:extLst>
+          </p:cNvPr>
+          <p:cNvCxnSpPr>
+            <a:cxnSpLocks/>
+          </p:cNvCxnSpPr>
+          <p:nvPr/>
+        </p:nvCxnSpPr>
+        <p:spPr>
+          <a:xfrm flipV="1">
+            <a:off x="10212883" y="3375550"/>
+            <a:ext cx="419228" cy="437333"/>
+          </a:xfrm>
+          <a:prstGeom prst="straightConnector1">
+            <a:avLst/>
+          </a:prstGeom>
+          <a:ln w="38100">
+            <a:solidFill>
+              <a:schemeClr val="tx1"/>
+            </a:solidFill>
+            <a:tailEnd type="triangle"/>
+          </a:ln>
+        </p:spPr>
+        <p:style>
+          <a:lnRef idx="1">
+            <a:schemeClr val="accent1"/>
+          </a:lnRef>
+          <a:fillRef idx="0">
+            <a:schemeClr val="accent1"/>
+          </a:fillRef>
+          <a:effectRef idx="0">
+            <a:schemeClr val="accent1"/>
+          </a:effectRef>
+          <a:fontRef idx="minor">
+            <a:schemeClr val="tx1"/>
+          </a:fontRef>
+        </p:style>
+      </p:cxnSp>
+      <p:sp>
+        <p:nvSpPr>
+          <p:cNvPr id="47" name="TextBox 46">
+            <a:extLst>
+              <a:ext uri="{FF2B5EF4-FFF2-40B4-BE49-F238E27FC236}">
+                <a16:creationId xmlns:a16="http://schemas.microsoft.com/office/drawing/2014/main" xmlns="" id="{5B05E545-DCBA-4D82-8B24-9CA55C349478}"/>
+              </a:ext>
+            </a:extLst>
+          </p:cNvPr>
+          <p:cNvSpPr txBox="1"/>
+          <p:nvPr/>
+        </p:nvSpPr>
+        <p:spPr>
+          <a:xfrm>
+            <a:off x="10609610" y="3082114"/>
+            <a:ext cx="1820636" cy="369332"/>
+          </a:xfrm>
+          <a:prstGeom prst="rect">
+            <a:avLst/>
+          </a:prstGeom>
+          <a:noFill/>
+        </p:spPr>
+        <p:txBody>
+          <a:bodyPr wrap="square" rtlCol="0">
+            <a:spAutoFit/>
+          </a:bodyPr>
+          <a:lstStyle/>
+          <a:p>
+            <a:r>
+              <a:rPr lang="en-CA" dirty="0"/>
+              <a:t>Passenger</a:t>
+            </a:r>
+          </a:p>
+        </p:txBody>
+      </p:sp>
+      <p:cxnSp>
+        <p:nvCxnSpPr>
+          <p:cNvPr id="48" name="Straight Arrow Connector 47">
+            <a:extLst>
+              <a:ext uri="{FF2B5EF4-FFF2-40B4-BE49-F238E27FC236}">
+                <a16:creationId xmlns:a16="http://schemas.microsoft.com/office/drawing/2014/main" xmlns="" id="{3598B223-2123-426C-8451-717BE628A163}"/>
+              </a:ext>
+            </a:extLst>
+          </p:cNvPr>
+          <p:cNvCxnSpPr>
+            <a:cxnSpLocks/>
+            <a:endCxn id="50" idx="1"/>
+          </p:cNvCxnSpPr>
+          <p:nvPr/>
+        </p:nvCxnSpPr>
+        <p:spPr>
+          <a:xfrm flipV="1">
+            <a:off x="10200549" y="3786664"/>
+            <a:ext cx="418740" cy="26220"/>
+          </a:xfrm>
+          <a:prstGeom prst="straightConnector1">
+            <a:avLst/>
+          </a:prstGeom>
+          <a:ln w="38100">
+            <a:solidFill>
+              <a:schemeClr val="tx1"/>
+            </a:solidFill>
+            <a:tailEnd type="triangle"/>
+          </a:ln>
+        </p:spPr>
+        <p:style>
+          <a:lnRef idx="1">
+            <a:schemeClr val="accent1"/>
+          </a:lnRef>
+          <a:fillRef idx="0">
+            <a:schemeClr val="accent1"/>
+          </a:fillRef>
+          <a:effectRef idx="0">
+            <a:schemeClr val="accent1"/>
+          </a:effectRef>
+          <a:fontRef idx="minor">
+            <a:schemeClr val="tx1"/>
+          </a:fontRef>
+        </p:style>
+      </p:cxnSp>
+      <p:sp>
+        <p:nvSpPr>
+          <p:cNvPr id="50" name="TextBox 49">
+            <a:extLst>
+              <a:ext uri="{FF2B5EF4-FFF2-40B4-BE49-F238E27FC236}">
+                <a16:creationId xmlns:a16="http://schemas.microsoft.com/office/drawing/2014/main" xmlns="" id="{548A5FC5-8E8D-4334-94CA-553E93958E21}"/>
+              </a:ext>
+            </a:extLst>
+          </p:cNvPr>
+          <p:cNvSpPr txBox="1"/>
+          <p:nvPr/>
+        </p:nvSpPr>
+        <p:spPr>
+          <a:xfrm>
+            <a:off x="10619289" y="3601998"/>
+            <a:ext cx="1820636" cy="369332"/>
+          </a:xfrm>
+          <a:prstGeom prst="rect">
+            <a:avLst/>
+          </a:prstGeom>
+          <a:noFill/>
+        </p:spPr>
+        <p:txBody>
+          <a:bodyPr wrap="square" rtlCol="0">
+            <a:spAutoFit/>
+          </a:bodyPr>
+          <a:lstStyle/>
+          <a:p>
+            <a:r>
+              <a:rPr lang="en-CA" dirty="0"/>
+              <a:t>Entertainment</a:t>
+            </a:r>
+          </a:p>
+        </p:txBody>
+      </p:sp>
+      <p:cxnSp>
+        <p:nvCxnSpPr>
+          <p:cNvPr id="53" name="Straight Arrow Connector 52">
+            <a:extLst>
+              <a:ext uri="{FF2B5EF4-FFF2-40B4-BE49-F238E27FC236}">
+                <a16:creationId xmlns:a16="http://schemas.microsoft.com/office/drawing/2014/main" xmlns="" id="{90BB1FB3-601E-4C1C-B25F-639594D36DF0}"/>
+              </a:ext>
+            </a:extLst>
+          </p:cNvPr>
+          <p:cNvCxnSpPr>
+            <a:cxnSpLocks/>
+          </p:cNvCxnSpPr>
+          <p:nvPr/>
+        </p:nvCxnSpPr>
+        <p:spPr>
+          <a:xfrm>
+            <a:off x="4925961" y="4899228"/>
+            <a:ext cx="943591" cy="0"/>
+          </a:xfrm>
+          <a:prstGeom prst="straightConnector1">
+            <a:avLst/>
+          </a:prstGeom>
+          <a:ln w="38100">
+            <a:solidFill>
+              <a:schemeClr val="tx1"/>
+            </a:solidFill>
+            <a:tailEnd type="triangle"/>
+          </a:ln>
+        </p:spPr>
+        <p:style>
+          <a:lnRef idx="1">
+            <a:schemeClr val="accent1"/>
+          </a:lnRef>
+          <a:fillRef idx="0">
+            <a:schemeClr val="accent1"/>
+          </a:fillRef>
+          <a:effectRef idx="0">
+            <a:schemeClr val="accent1"/>
+          </a:effectRef>
+          <a:fontRef idx="minor">
+            <a:schemeClr val="tx1"/>
+          </a:fontRef>
+        </p:style>
+      </p:cxnSp>
+      <p:sp>
+        <p:nvSpPr>
+          <p:cNvPr id="56" name="TextBox 55">
+            <a:extLst>
+              <a:ext uri="{FF2B5EF4-FFF2-40B4-BE49-F238E27FC236}">
+                <a16:creationId xmlns:a16="http://schemas.microsoft.com/office/drawing/2014/main" xmlns="" id="{126170BE-DBB8-41CA-A9D4-23D0210E7F14}"/>
+              </a:ext>
+            </a:extLst>
+          </p:cNvPr>
+          <p:cNvSpPr txBox="1"/>
+          <p:nvPr/>
+        </p:nvSpPr>
+        <p:spPr>
+          <a:xfrm>
+            <a:off x="5968523" y="4672734"/>
+            <a:ext cx="1071374" cy="369332"/>
+          </a:xfrm>
+          <a:prstGeom prst="rect">
+            <a:avLst/>
+          </a:prstGeom>
+          <a:noFill/>
+        </p:spPr>
+        <p:txBody>
+          <a:bodyPr wrap="square" rtlCol="0">
+            <a:spAutoFit/>
+          </a:bodyPr>
+          <a:lstStyle/>
+          <a:p>
+            <a:r>
+              <a:rPr lang="en-CA" dirty="0"/>
+              <a:t>Wing</a:t>
+            </a:r>
+          </a:p>
+        </p:txBody>
+      </p:sp>
+      <p:cxnSp>
+        <p:nvCxnSpPr>
+          <p:cNvPr id="57" name="Straight Arrow Connector 56">
+            <a:extLst>
+              <a:ext uri="{FF2B5EF4-FFF2-40B4-BE49-F238E27FC236}">
+                <a16:creationId xmlns:a16="http://schemas.microsoft.com/office/drawing/2014/main" xmlns="" id="{B0C578F6-714B-4824-9ECE-5015FB620964}"/>
+              </a:ext>
+            </a:extLst>
+          </p:cNvPr>
+          <p:cNvCxnSpPr>
+            <a:cxnSpLocks/>
+          </p:cNvCxnSpPr>
+          <p:nvPr/>
+        </p:nvCxnSpPr>
+        <p:spPr>
+          <a:xfrm>
+            <a:off x="6661355" y="4872188"/>
+            <a:ext cx="943591" cy="0"/>
+          </a:xfrm>
+          <a:prstGeom prst="straightConnector1">
+            <a:avLst/>
+          </a:prstGeom>
+          <a:ln w="38100">
+            <a:solidFill>
+              <a:schemeClr val="tx1"/>
+            </a:solidFill>
+            <a:tailEnd type="triangle"/>
+          </a:ln>
+        </p:spPr>
+        <p:style>
+          <a:lnRef idx="1">
+            <a:schemeClr val="accent1"/>
+          </a:lnRef>
+          <a:fillRef idx="0">
+            <a:schemeClr val="accent1"/>
+          </a:fillRef>
+          <a:effectRef idx="0">
+            <a:schemeClr val="accent1"/>
+          </a:effectRef>
+          <a:fontRef idx="minor">
+            <a:schemeClr val="tx1"/>
+          </a:fontRef>
+        </p:style>
+      </p:cxnSp>
+      <p:cxnSp>
+        <p:nvCxnSpPr>
+          <p:cNvPr id="58" name="Straight Arrow Connector 57">
+            <a:extLst>
+              <a:ext uri="{FF2B5EF4-FFF2-40B4-BE49-F238E27FC236}">
+                <a16:creationId xmlns:a16="http://schemas.microsoft.com/office/drawing/2014/main" xmlns="" id="{850D419C-9C5F-43B0-9494-8C763B70C8D8}"/>
+              </a:ext>
+            </a:extLst>
+          </p:cNvPr>
+          <p:cNvCxnSpPr>
+            <a:cxnSpLocks/>
+          </p:cNvCxnSpPr>
+          <p:nvPr/>
+        </p:nvCxnSpPr>
+        <p:spPr>
+          <a:xfrm>
+            <a:off x="6661355" y="4872188"/>
+            <a:ext cx="943591" cy="525722"/>
+          </a:xfrm>
+          <a:prstGeom prst="straightConnector1">
+            <a:avLst/>
+          </a:prstGeom>
+          <a:ln w="38100">
+            <a:solidFill>
+              <a:schemeClr val="tx1"/>
+            </a:solidFill>
+            <a:tailEnd type="triangle"/>
+          </a:ln>
+        </p:spPr>
+        <p:style>
+          <a:lnRef idx="1">
+            <a:schemeClr val="accent1"/>
+          </a:lnRef>
+          <a:fillRef idx="0">
+            <a:schemeClr val="accent1"/>
+          </a:fillRef>
+          <a:effectRef idx="0">
+            <a:schemeClr val="accent1"/>
+          </a:effectRef>
+          <a:fontRef idx="minor">
+            <a:schemeClr val="tx1"/>
+          </a:fontRef>
+        </p:style>
+      </p:cxnSp>
+      <p:sp>
+        <p:nvSpPr>
+          <p:cNvPr id="60" name="TextBox 59">
+            <a:extLst>
+              <a:ext uri="{FF2B5EF4-FFF2-40B4-BE49-F238E27FC236}">
+                <a16:creationId xmlns:a16="http://schemas.microsoft.com/office/drawing/2014/main" xmlns="" id="{00FCB261-BF63-40FC-B508-C6E3BDD9E269}"/>
+              </a:ext>
+            </a:extLst>
+          </p:cNvPr>
+          <p:cNvSpPr txBox="1"/>
+          <p:nvPr/>
+        </p:nvSpPr>
+        <p:spPr>
+          <a:xfrm>
+            <a:off x="7655418" y="4658064"/>
+            <a:ext cx="1071374" cy="369332"/>
+          </a:xfrm>
+          <a:prstGeom prst="rect">
+            <a:avLst/>
+          </a:prstGeom>
+          <a:noFill/>
+        </p:spPr>
+        <p:txBody>
+          <a:bodyPr wrap="square" rtlCol="0">
+            <a:spAutoFit/>
+          </a:bodyPr>
+          <a:lstStyle/>
+          <a:p>
+            <a:r>
+              <a:rPr lang="en-CA" dirty="0"/>
+              <a:t>Engines</a:t>
+            </a:r>
+          </a:p>
+        </p:txBody>
+      </p:sp>
+      <p:sp>
+        <p:nvSpPr>
+          <p:cNvPr id="61" name="TextBox 60">
+            <a:extLst>
+              <a:ext uri="{FF2B5EF4-FFF2-40B4-BE49-F238E27FC236}">
+                <a16:creationId xmlns:a16="http://schemas.microsoft.com/office/drawing/2014/main" xmlns="" id="{9F61E270-C94A-40B7-A722-8E8BDDC11047}"/>
+              </a:ext>
+            </a:extLst>
+          </p:cNvPr>
+          <p:cNvSpPr txBox="1"/>
+          <p:nvPr/>
+        </p:nvSpPr>
+        <p:spPr>
+          <a:xfrm>
+            <a:off x="7655418" y="5182259"/>
+            <a:ext cx="1071374" cy="369332"/>
+          </a:xfrm>
+          <a:prstGeom prst="rect">
+            <a:avLst/>
+          </a:prstGeom>
+          <a:noFill/>
+        </p:spPr>
+        <p:txBody>
+          <a:bodyPr wrap="square" rtlCol="0">
+            <a:spAutoFit/>
+          </a:bodyPr>
+          <a:lstStyle/>
+          <a:p>
+            <a:r>
+              <a:rPr lang="en-CA" dirty="0" err="1"/>
+              <a:t>WingFlap</a:t>
+            </a:r>
+            <a:endParaRPr lang="en-CA" dirty="0"/>
+          </a:p>
+        </p:txBody>
+      </p:sp>
+      <p:cxnSp>
+        <p:nvCxnSpPr>
+          <p:cNvPr id="62" name="Straight Arrow Connector 61">
+            <a:extLst>
+              <a:ext uri="{FF2B5EF4-FFF2-40B4-BE49-F238E27FC236}">
+                <a16:creationId xmlns:a16="http://schemas.microsoft.com/office/drawing/2014/main" xmlns="" id="{CFF82DD4-5FF5-4264-902D-D7599D1875D6}"/>
+              </a:ext>
+            </a:extLst>
+          </p:cNvPr>
+          <p:cNvCxnSpPr>
+            <a:cxnSpLocks/>
+          </p:cNvCxnSpPr>
+          <p:nvPr/>
+        </p:nvCxnSpPr>
+        <p:spPr>
+          <a:xfrm>
+            <a:off x="8629628" y="4833202"/>
+            <a:ext cx="943591" cy="0"/>
+          </a:xfrm>
+          <a:prstGeom prst="straightConnector1">
+            <a:avLst/>
+          </a:prstGeom>
+          <a:ln w="38100">
+            <a:solidFill>
+              <a:schemeClr val="tx1"/>
+            </a:solidFill>
+            <a:tailEnd type="triangle"/>
+          </a:ln>
+        </p:spPr>
+        <p:style>
+          <a:lnRef idx="1">
+            <a:schemeClr val="accent1"/>
+          </a:lnRef>
+          <a:fillRef idx="0">
+            <a:schemeClr val="accent1"/>
+          </a:fillRef>
+          <a:effectRef idx="0">
+            <a:schemeClr val="accent1"/>
+          </a:effectRef>
+          <a:fontRef idx="minor">
+            <a:schemeClr val="tx1"/>
+          </a:fontRef>
+        </p:style>
+      </p:cxnSp>
+      <p:cxnSp>
+        <p:nvCxnSpPr>
+          <p:cNvPr id="63" name="Straight Arrow Connector 62">
+            <a:extLst>
+              <a:ext uri="{FF2B5EF4-FFF2-40B4-BE49-F238E27FC236}">
+                <a16:creationId xmlns:a16="http://schemas.microsoft.com/office/drawing/2014/main" xmlns="" id="{D0F66810-2AF9-4236-95FB-FFBF82C4FD8E}"/>
+              </a:ext>
+            </a:extLst>
+          </p:cNvPr>
+          <p:cNvCxnSpPr>
+            <a:cxnSpLocks/>
+          </p:cNvCxnSpPr>
+          <p:nvPr/>
+        </p:nvCxnSpPr>
+        <p:spPr>
+          <a:xfrm flipV="1">
+            <a:off x="8629628" y="4424523"/>
+            <a:ext cx="943591" cy="408640"/>
+          </a:xfrm>
+          <a:prstGeom prst="straightConnector1">
+            <a:avLst/>
+          </a:prstGeom>
+          <a:ln w="38100">
+            <a:solidFill>
+              <a:schemeClr val="tx1"/>
+            </a:solidFill>
+            <a:tailEnd type="triangle"/>
+          </a:ln>
+        </p:spPr>
+        <p:style>
+          <a:lnRef idx="1">
+            <a:schemeClr val="accent1"/>
+          </a:lnRef>
+          <a:fillRef idx="0">
+            <a:schemeClr val="accent1"/>
+          </a:fillRef>
+          <a:effectRef idx="0">
+            <a:schemeClr val="accent1"/>
+          </a:effectRef>
+          <a:fontRef idx="minor">
+            <a:schemeClr val="tx1"/>
+          </a:fontRef>
+        </p:style>
+      </p:cxnSp>
+      <p:sp>
+        <p:nvSpPr>
+          <p:cNvPr id="65" name="TextBox 64">
+            <a:extLst>
+              <a:ext uri="{FF2B5EF4-FFF2-40B4-BE49-F238E27FC236}">
+                <a16:creationId xmlns:a16="http://schemas.microsoft.com/office/drawing/2014/main" xmlns="" id="{83B2A0EA-96AE-46DE-9582-415750498B5B}"/>
+              </a:ext>
+            </a:extLst>
+          </p:cNvPr>
+          <p:cNvSpPr txBox="1"/>
+          <p:nvPr/>
+        </p:nvSpPr>
+        <p:spPr>
+          <a:xfrm>
+            <a:off x="9655434" y="4210694"/>
+            <a:ext cx="1501039" cy="369332"/>
+          </a:xfrm>
+          <a:prstGeom prst="rect">
+            <a:avLst/>
+          </a:prstGeom>
+          <a:noFill/>
+        </p:spPr>
+        <p:txBody>
+          <a:bodyPr wrap="square" rtlCol="0">
+            <a:spAutoFit/>
+          </a:bodyPr>
+          <a:lstStyle/>
+          <a:p>
+            <a:r>
+              <a:rPr lang="en-CA" dirty="0" err="1"/>
+              <a:t>InnerEngine</a:t>
+            </a:r>
+            <a:endParaRPr lang="en-CA" dirty="0"/>
+          </a:p>
+        </p:txBody>
+      </p:sp>
+      <p:sp>
+        <p:nvSpPr>
+          <p:cNvPr id="66" name="TextBox 65">
+            <a:extLst>
+              <a:ext uri="{FF2B5EF4-FFF2-40B4-BE49-F238E27FC236}">
+                <a16:creationId xmlns:a16="http://schemas.microsoft.com/office/drawing/2014/main" xmlns="" id="{D520A455-DE89-4DDE-8FC6-85DD4E5E4D49}"/>
+              </a:ext>
+            </a:extLst>
+          </p:cNvPr>
+          <p:cNvSpPr txBox="1"/>
+          <p:nvPr/>
+        </p:nvSpPr>
+        <p:spPr>
+          <a:xfrm>
+            <a:off x="9666913" y="4601676"/>
+            <a:ext cx="1501039" cy="369332"/>
+          </a:xfrm>
+          <a:prstGeom prst="rect">
+            <a:avLst/>
+          </a:prstGeom>
+          <a:noFill/>
+        </p:spPr>
+        <p:txBody>
+          <a:bodyPr wrap="square" rtlCol="0">
+            <a:spAutoFit/>
+          </a:bodyPr>
+          <a:lstStyle/>
+          <a:p>
+            <a:r>
+              <a:rPr lang="en-CA" dirty="0" err="1"/>
+              <a:t>OuterEngine</a:t>
+            </a:r>
+            <a:endParaRPr lang="en-CA" dirty="0"/>
+          </a:p>
+        </p:txBody>
+      </p:sp>
+      <p:sp>
+        <p:nvSpPr>
+          <p:cNvPr id="46" name="TextBox 45">
+            <a:extLst>
+              <a:ext uri="{FF2B5EF4-FFF2-40B4-BE49-F238E27FC236}">
+                <a16:creationId xmlns:a16="http://schemas.microsoft.com/office/drawing/2014/main" xmlns="" id="{AED62D3E-1C93-4BB9-81AF-99B4E63BC8E3}"/>
+              </a:ext>
+            </a:extLst>
+          </p:cNvPr>
+          <p:cNvSpPr txBox="1"/>
+          <p:nvPr/>
+        </p:nvSpPr>
+        <p:spPr>
+          <a:xfrm>
+            <a:off x="1256950" y="3076301"/>
+            <a:ext cx="1071715" cy="369332"/>
+          </a:xfrm>
+          <a:prstGeom prst="rect">
+            <a:avLst/>
+          </a:prstGeom>
+          <a:solidFill>
+            <a:schemeClr val="bg2">
+              <a:lumMod val="75000"/>
+            </a:schemeClr>
+          </a:solidFill>
+        </p:spPr>
+        <p:txBody>
+          <a:bodyPr wrap="square" rtlCol="0">
+            <a:spAutoFit/>
+          </a:bodyPr>
+          <a:lstStyle/>
+          <a:p>
+            <a:r>
+              <a:rPr lang="en-CA" b="1" dirty="0"/>
+              <a:t>Airplane</a:t>
+            </a:r>
+          </a:p>
+        </p:txBody>
+      </p:sp>
+    </p:spTree>
+    <p:extLst>
+      <p:ext uri="{BB962C8B-B14F-4D97-AF65-F5344CB8AC3E}">
+        <p14:creationId xmlns:p14="http://schemas.microsoft.com/office/powerpoint/2010/main" xmlns="" val="2779966150"/>
       </p:ext>
     </p:extLst>
   </p:cSld>

--- a/bishops/cs321/resources/CS321_Lecture_12.pptx
+++ b/bishops/cs321/resources/CS321_Lecture_12.pptx
@@ -5,7 +5,7 @@
     <p:sldMasterId id="2147483648" r:id="rId1"/>
   </p:sldMasterIdLst>
   <p:notesMasterIdLst>
-    <p:notesMasterId r:id="rId42"/>
+    <p:notesMasterId r:id="rId41"/>
   </p:notesMasterIdLst>
   <p:sldIdLst>
     <p:sldId id="256" r:id="rId2"/>
@@ -38,16 +38,15 @@
     <p:sldId id="270" r:id="rId29"/>
     <p:sldId id="344" r:id="rId30"/>
     <p:sldId id="260" r:id="rId31"/>
-    <p:sldId id="261" r:id="rId32"/>
-    <p:sldId id="265" r:id="rId33"/>
-    <p:sldId id="326" r:id="rId34"/>
-    <p:sldId id="328" r:id="rId35"/>
-    <p:sldId id="345" r:id="rId36"/>
-    <p:sldId id="329" r:id="rId37"/>
-    <p:sldId id="346" r:id="rId38"/>
-    <p:sldId id="297" r:id="rId39"/>
-    <p:sldId id="323" r:id="rId40"/>
-    <p:sldId id="325" r:id="rId41"/>
+    <p:sldId id="265" r:id="rId32"/>
+    <p:sldId id="326" r:id="rId33"/>
+    <p:sldId id="328" r:id="rId34"/>
+    <p:sldId id="345" r:id="rId35"/>
+    <p:sldId id="329" r:id="rId36"/>
+    <p:sldId id="346" r:id="rId37"/>
+    <p:sldId id="297" r:id="rId38"/>
+    <p:sldId id="323" r:id="rId39"/>
+    <p:sldId id="325" r:id="rId40"/>
   </p:sldIdLst>
   <p:sldSz cx="12192000" cy="6858000"/>
   <p:notesSz cx="6858000" cy="9144000"/>
@@ -148,7 +147,7 @@
   </p:defaultTextStyle>
   <p:extLst>
     <p:ext uri="{EFAFB233-063F-42B5-8137-9DF3F51BA10A}">
-      <p15:sldGuideLst xmlns:p15="http://schemas.microsoft.com/office/powerpoint/2012/main" xmlns=""/>
+      <p15:sldGuideLst xmlns="" xmlns:p15="http://schemas.microsoft.com/office/powerpoint/2012/main"/>
     </p:ext>
   </p:extLst>
 </p:presentation>
@@ -159,7 +158,7 @@
   <p:cmAuthor id="1" name="Gregory" initials="G" lastIdx="1" clrIdx="0">
     <p:extLst>
       <p:ext uri="{19B8F6BF-5375-455C-9EA6-DF929625EA0E}">
-        <p15:presenceInfo xmlns:p15="http://schemas.microsoft.com/office/powerpoint/2012/main" xmlns="" userId="Gregory" providerId="None"/>
+        <p15:presenceInfo xmlns="" xmlns:p15="http://schemas.microsoft.com/office/powerpoint/2012/main" userId="Gregory" providerId="None"/>
       </p:ext>
     </p:extLst>
   </p:cmAuthor>
@@ -418,7 +417,7 @@
     </p:spTree>
     <p:extLst>
       <p:ext uri="{BB962C8B-B14F-4D97-AF65-F5344CB8AC3E}">
-        <p14:creationId xmlns:p14="http://schemas.microsoft.com/office/powerpoint/2010/main" xmlns="" val="4237529172"/>
+        <p14:creationId xmlns="" xmlns:p14="http://schemas.microsoft.com/office/powerpoint/2010/main" val="4237529172"/>
       </p:ext>
     </p:extLst>
   </p:cSld>
@@ -593,7 +592,7 @@
     </p:spTree>
     <p:extLst>
       <p:ext uri="{BB962C8B-B14F-4D97-AF65-F5344CB8AC3E}">
-        <p14:creationId xmlns:p14="http://schemas.microsoft.com/office/powerpoint/2010/main" xmlns="" val="2340334442"/>
+        <p14:creationId xmlns="" xmlns:p14="http://schemas.microsoft.com/office/powerpoint/2010/main" val="2340334442"/>
       </p:ext>
     </p:extLst>
   </p:cSld>
@@ -678,7 +677,7 @@
     </p:spTree>
     <p:extLst>
       <p:ext uri="{BB962C8B-B14F-4D97-AF65-F5344CB8AC3E}">
-        <p14:creationId xmlns:p14="http://schemas.microsoft.com/office/powerpoint/2010/main" xmlns="" val="1863914651"/>
+        <p14:creationId xmlns="" xmlns:p14="http://schemas.microsoft.com/office/powerpoint/2010/main" val="1863914651"/>
       </p:ext>
     </p:extLst>
   </p:cSld>
@@ -882,7 +881,7 @@
     </p:spTree>
     <p:extLst>
       <p:ext uri="{BB962C8B-B14F-4D97-AF65-F5344CB8AC3E}">
-        <p14:creationId xmlns:p14="http://schemas.microsoft.com/office/powerpoint/2010/main" xmlns="" val="1900560834"/>
+        <p14:creationId xmlns="" xmlns:p14="http://schemas.microsoft.com/office/powerpoint/2010/main" val="1900560834"/>
       </p:ext>
     </p:extLst>
   </p:cSld>
@@ -1056,7 +1055,7 @@
     </p:spTree>
     <p:extLst>
       <p:ext uri="{BB962C8B-B14F-4D97-AF65-F5344CB8AC3E}">
-        <p14:creationId xmlns:p14="http://schemas.microsoft.com/office/powerpoint/2010/main" xmlns="" val="3722958745"/>
+        <p14:creationId xmlns="" xmlns:p14="http://schemas.microsoft.com/office/powerpoint/2010/main" val="3722958745"/>
       </p:ext>
     </p:extLst>
   </p:cSld>
@@ -1292,7 +1291,7 @@
     </p:spTree>
     <p:extLst>
       <p:ext uri="{BB962C8B-B14F-4D97-AF65-F5344CB8AC3E}">
-        <p14:creationId xmlns:p14="http://schemas.microsoft.com/office/powerpoint/2010/main" xmlns="" val="1822376042"/>
+        <p14:creationId xmlns="" xmlns:p14="http://schemas.microsoft.com/office/powerpoint/2010/main" val="1822376042"/>
       </p:ext>
     </p:extLst>
   </p:cSld>
@@ -1542,7 +1541,7 @@
     </p:spTree>
     <p:extLst>
       <p:ext uri="{BB962C8B-B14F-4D97-AF65-F5344CB8AC3E}">
-        <p14:creationId xmlns:p14="http://schemas.microsoft.com/office/powerpoint/2010/main" xmlns="" val="3411672561"/>
+        <p14:creationId xmlns="" xmlns:p14="http://schemas.microsoft.com/office/powerpoint/2010/main" val="3411672561"/>
       </p:ext>
     </p:extLst>
   </p:cSld>
@@ -1778,7 +1777,7 @@
     </p:spTree>
     <p:extLst>
       <p:ext uri="{BB962C8B-B14F-4D97-AF65-F5344CB8AC3E}">
-        <p14:creationId xmlns:p14="http://schemas.microsoft.com/office/powerpoint/2010/main" xmlns="" val="1093008526"/>
+        <p14:creationId xmlns="" xmlns:p14="http://schemas.microsoft.com/office/powerpoint/2010/main" val="1093008526"/>
       </p:ext>
     </p:extLst>
   </p:cSld>
@@ -2149,7 +2148,7 @@
     </p:spTree>
     <p:extLst>
       <p:ext uri="{BB962C8B-B14F-4D97-AF65-F5344CB8AC3E}">
-        <p14:creationId xmlns:p14="http://schemas.microsoft.com/office/powerpoint/2010/main" xmlns="" val="1087924878"/>
+        <p14:creationId xmlns="" xmlns:p14="http://schemas.microsoft.com/office/powerpoint/2010/main" val="1087924878"/>
       </p:ext>
     </p:extLst>
   </p:cSld>
@@ -2271,7 +2270,7 @@
     </p:spTree>
     <p:extLst>
       <p:ext uri="{BB962C8B-B14F-4D97-AF65-F5344CB8AC3E}">
-        <p14:creationId xmlns:p14="http://schemas.microsoft.com/office/powerpoint/2010/main" xmlns="" val="3802387408"/>
+        <p14:creationId xmlns="" xmlns:p14="http://schemas.microsoft.com/office/powerpoint/2010/main" val="3802387408"/>
       </p:ext>
     </p:extLst>
   </p:cSld>
@@ -2370,7 +2369,7 @@
     </p:spTree>
     <p:extLst>
       <p:ext uri="{BB962C8B-B14F-4D97-AF65-F5344CB8AC3E}">
-        <p14:creationId xmlns:p14="http://schemas.microsoft.com/office/powerpoint/2010/main" xmlns="" val="4234091411"/>
+        <p14:creationId xmlns="" xmlns:p14="http://schemas.microsoft.com/office/powerpoint/2010/main" val="4234091411"/>
       </p:ext>
     </p:extLst>
   </p:cSld>
@@ -2651,7 +2650,7 @@
     </p:spTree>
     <p:extLst>
       <p:ext uri="{BB962C8B-B14F-4D97-AF65-F5344CB8AC3E}">
-        <p14:creationId xmlns:p14="http://schemas.microsoft.com/office/powerpoint/2010/main" xmlns="" val="4189422420"/>
+        <p14:creationId xmlns="" xmlns:p14="http://schemas.microsoft.com/office/powerpoint/2010/main" val="4189422420"/>
       </p:ext>
     </p:extLst>
   </p:cSld>
@@ -2908,7 +2907,7 @@
     </p:spTree>
     <p:extLst>
       <p:ext uri="{BB962C8B-B14F-4D97-AF65-F5344CB8AC3E}">
-        <p14:creationId xmlns:p14="http://schemas.microsoft.com/office/powerpoint/2010/main" xmlns="" val="3252977898"/>
+        <p14:creationId xmlns="" xmlns:p14="http://schemas.microsoft.com/office/powerpoint/2010/main" val="3252977898"/>
       </p:ext>
     </p:extLst>
   </p:cSld>
@@ -3177,7 +3176,7 @@
           <a:blip r:embed="rId13" cstate="print">
             <a:extLst>
               <a:ext uri="{28A0092B-C50C-407E-A947-70E740481C1C}">
-                <a14:useLocalDpi xmlns:a14="http://schemas.microsoft.com/office/drawing/2010/main" xmlns="" val="0"/>
+                <a14:useLocalDpi xmlns="" xmlns:a14="http://schemas.microsoft.com/office/drawing/2010/main" val="0"/>
               </a:ext>
             </a:extLst>
           </a:blip>
@@ -3198,7 +3197,7 @@
     </p:spTree>
     <p:extLst>
       <p:ext uri="{BB962C8B-B14F-4D97-AF65-F5344CB8AC3E}">
-        <p14:creationId xmlns:p14="http://schemas.microsoft.com/office/powerpoint/2010/main" xmlns="" val="4230061028"/>
+        <p14:creationId xmlns="" xmlns:p14="http://schemas.microsoft.com/office/powerpoint/2010/main" val="4230061028"/>
       </p:ext>
     </p:extLst>
   </p:cSld>
@@ -3650,7 +3649,7 @@
           <p:cNvPr id="13" name="Picture 8" descr="http://osiris.ubishops.ca/~alussier/images/transparentlogo_bu.png">
             <a:extLst>
               <a:ext uri="{FF2B5EF4-FFF2-40B4-BE49-F238E27FC236}">
-                <a16:creationId xmlns:a16="http://schemas.microsoft.com/office/drawing/2014/main" xmlns="" id="{CCB9A035-2F1C-4B96-A5DB-70B72D6E4AD8}"/>
+                <a16:creationId xmlns="" xmlns:a16="http://schemas.microsoft.com/office/drawing/2014/main" id="{CCB9A035-2F1C-4B96-A5DB-70B72D6E4AD8}"/>
               </a:ext>
             </a:extLst>
           </p:cNvPr>
@@ -3663,7 +3662,7 @@
           <a:blip r:embed="rId3" cstate="print">
             <a:extLst>
               <a:ext uri="{28A0092B-C50C-407E-A947-70E740481C1C}">
-                <a14:useLocalDpi xmlns:a14="http://schemas.microsoft.com/office/drawing/2010/main" xmlns="" val="0"/>
+                <a14:useLocalDpi xmlns="" xmlns:a14="http://schemas.microsoft.com/office/drawing/2010/main" val="0"/>
               </a:ext>
             </a:extLst>
           </a:blip>
@@ -3683,7 +3682,7 @@
           <a:noFill/>
           <a:extLst>
             <a:ext uri="{909E8E84-426E-40DD-AFC4-6F175D3DCCD1}">
-              <a14:hiddenFill xmlns:a14="http://schemas.microsoft.com/office/drawing/2010/main" xmlns="">
+              <a14:hiddenFill xmlns="" xmlns:a14="http://schemas.microsoft.com/office/drawing/2010/main">
                 <a:solidFill>
                   <a:srgbClr val="FFFFFF"/>
                 </a:solidFill>
@@ -3695,13 +3694,20 @@
     </p:spTree>
     <p:extLst>
       <p:ext uri="{BB962C8B-B14F-4D97-AF65-F5344CB8AC3E}">
-        <p14:creationId xmlns:p14="http://schemas.microsoft.com/office/powerpoint/2010/main" xmlns="" val="4177077622"/>
+        <p14:creationId xmlns="" xmlns:p14="http://schemas.microsoft.com/office/powerpoint/2010/main" val="4177077622"/>
       </p:ext>
     </p:extLst>
   </p:cSld>
   <p:clrMapOvr>
     <a:masterClrMapping/>
   </p:clrMapOvr>
+  <p:timing>
+    <p:tnLst>
+      <p:par>
+        <p:cTn id="1" dur="indefinite" restart="never" nodeType="tmRoot"/>
+      </p:par>
+    </p:tnLst>
+  </p:timing>
 </p:sld>
 </file>
 
@@ -3727,7 +3733,7 @@
           <p:cNvPr id="7" name="Picture 6">
             <a:extLst>
               <a:ext uri="{FF2B5EF4-FFF2-40B4-BE49-F238E27FC236}">
-                <a16:creationId xmlns:a16="http://schemas.microsoft.com/office/drawing/2014/main" xmlns="" id="{CBE07435-6B16-411D-BE0D-FB61038A8F09}"/>
+                <a16:creationId xmlns="" xmlns:a16="http://schemas.microsoft.com/office/drawing/2014/main" id="{CBE07435-6B16-411D-BE0D-FB61038A8F09}"/>
               </a:ext>
             </a:extLst>
           </p:cNvPr>
@@ -3740,10 +3746,10 @@
           <a:blip r:embed="rId2" cstate="print">
             <a:extLst>
               <a:ext uri="{28A0092B-C50C-407E-A947-70E740481C1C}">
-                <a14:useLocalDpi xmlns:a14="http://schemas.microsoft.com/office/drawing/2010/main" xmlns="" val="0"/>
+                <a14:useLocalDpi xmlns="" xmlns:a14="http://schemas.microsoft.com/office/drawing/2010/main" val="0"/>
               </a:ext>
               <a:ext uri="{837473B0-CC2E-450A-ABE3-18F120FF3D39}">
-                <a1611:picAttrSrcUrl xmlns:a1611="http://schemas.microsoft.com/office/drawing/2016/11/main" xmlns="" r:id="rId3"/>
+                <a1611:picAttrSrcUrl xmlns="" xmlns:a1611="http://schemas.microsoft.com/office/drawing/2016/11/main" r:id="rId3"/>
               </a:ext>
             </a:extLst>
           </a:blip>
@@ -3869,7 +3875,7 @@
           <p:cNvPr id="4" name="TextBox 3">
             <a:extLst>
               <a:ext uri="{FF2B5EF4-FFF2-40B4-BE49-F238E27FC236}">
-                <a16:creationId xmlns:a16="http://schemas.microsoft.com/office/drawing/2014/main" xmlns="" id="{065F8F52-C484-420F-8838-9BA9EB24F06F}"/>
+                <a16:creationId xmlns="" xmlns:a16="http://schemas.microsoft.com/office/drawing/2014/main" id="{065F8F52-C484-420F-8838-9BA9EB24F06F}"/>
               </a:ext>
             </a:extLst>
           </p:cNvPr>
@@ -3904,7 +3910,7 @@
           <p:cNvPr id="14" name="TextBox 13">
             <a:extLst>
               <a:ext uri="{FF2B5EF4-FFF2-40B4-BE49-F238E27FC236}">
-                <a16:creationId xmlns:a16="http://schemas.microsoft.com/office/drawing/2014/main" xmlns="" id="{545FB07B-3C17-49FB-8188-00D3D635E234}"/>
+                <a16:creationId xmlns="" xmlns:a16="http://schemas.microsoft.com/office/drawing/2014/main" id="{545FB07B-3C17-49FB-8188-00D3D635E234}"/>
               </a:ext>
             </a:extLst>
           </p:cNvPr>
@@ -3940,7 +3946,7 @@
           <p:cNvPr id="16" name="TextBox 15">
             <a:extLst>
               <a:ext uri="{FF2B5EF4-FFF2-40B4-BE49-F238E27FC236}">
-                <a16:creationId xmlns:a16="http://schemas.microsoft.com/office/drawing/2014/main" xmlns="" id="{FE719AD3-1761-492D-823C-0AA513693A5E}"/>
+                <a16:creationId xmlns="" xmlns:a16="http://schemas.microsoft.com/office/drawing/2014/main" id="{FE719AD3-1761-492D-823C-0AA513693A5E}"/>
               </a:ext>
             </a:extLst>
           </p:cNvPr>
@@ -3975,7 +3981,7 @@
           <p:cNvPr id="18" name="Straight Arrow Connector 17">
             <a:extLst>
               <a:ext uri="{FF2B5EF4-FFF2-40B4-BE49-F238E27FC236}">
-                <a16:creationId xmlns:a16="http://schemas.microsoft.com/office/drawing/2014/main" xmlns="" id="{F1E47557-78F8-4490-9DC2-B232D55FD35C}"/>
+                <a16:creationId xmlns="" xmlns:a16="http://schemas.microsoft.com/office/drawing/2014/main" id="{F1E47557-78F8-4490-9DC2-B232D55FD35C}"/>
               </a:ext>
             </a:extLst>
           </p:cNvPr>
@@ -4019,7 +4025,7 @@
           <p:cNvPr id="22" name="Straight Arrow Connector 21">
             <a:extLst>
               <a:ext uri="{FF2B5EF4-FFF2-40B4-BE49-F238E27FC236}">
-                <a16:creationId xmlns:a16="http://schemas.microsoft.com/office/drawing/2014/main" xmlns="" id="{54728F14-6E5A-45E2-AC4A-EFD14011F60B}"/>
+                <a16:creationId xmlns="" xmlns:a16="http://schemas.microsoft.com/office/drawing/2014/main" id="{54728F14-6E5A-45E2-AC4A-EFD14011F60B}"/>
               </a:ext>
             </a:extLst>
           </p:cNvPr>
@@ -4064,7 +4070,7 @@
           <p:cNvPr id="25" name="Straight Arrow Connector 24">
             <a:extLst>
               <a:ext uri="{FF2B5EF4-FFF2-40B4-BE49-F238E27FC236}">
-                <a16:creationId xmlns:a16="http://schemas.microsoft.com/office/drawing/2014/main" xmlns="" id="{D54D66D9-20DA-42BE-9E8F-546A8ED2AA32}"/>
+                <a16:creationId xmlns="" xmlns:a16="http://schemas.microsoft.com/office/drawing/2014/main" id="{D54D66D9-20DA-42BE-9E8F-546A8ED2AA32}"/>
               </a:ext>
             </a:extLst>
           </p:cNvPr>
@@ -4109,7 +4115,7 @@
           <p:cNvPr id="19" name="Group 18">
             <a:extLst>
               <a:ext uri="{FF2B5EF4-FFF2-40B4-BE49-F238E27FC236}">
-                <a16:creationId xmlns:a16="http://schemas.microsoft.com/office/drawing/2014/main" xmlns="" id="{6F513CEE-2FED-431E-B171-29AD4FD8073D}"/>
+                <a16:creationId xmlns="" xmlns:a16="http://schemas.microsoft.com/office/drawing/2014/main" id="{6F513CEE-2FED-431E-B171-29AD4FD8073D}"/>
               </a:ext>
             </a:extLst>
           </p:cNvPr>
@@ -4129,7 +4135,7 @@
             <p:cNvPr id="33" name="Straight Arrow Connector 32">
               <a:extLst>
                 <a:ext uri="{FF2B5EF4-FFF2-40B4-BE49-F238E27FC236}">
-                  <a16:creationId xmlns:a16="http://schemas.microsoft.com/office/drawing/2014/main" xmlns="" id="{760F0522-E927-4EF6-875E-2DADA29693AC}"/>
+                  <a16:creationId xmlns="" xmlns:a16="http://schemas.microsoft.com/office/drawing/2014/main" id="{760F0522-E927-4EF6-875E-2DADA29693AC}"/>
                 </a:ext>
               </a:extLst>
             </p:cNvPr>
@@ -4173,7 +4179,7 @@
             <p:cNvPr id="34" name="TextBox 33">
               <a:extLst>
                 <a:ext uri="{FF2B5EF4-FFF2-40B4-BE49-F238E27FC236}">
-                  <a16:creationId xmlns:a16="http://schemas.microsoft.com/office/drawing/2014/main" xmlns="" id="{E096BC95-CF89-477C-A149-CADD8535D70D}"/>
+                  <a16:creationId xmlns="" xmlns:a16="http://schemas.microsoft.com/office/drawing/2014/main" id="{E096BC95-CF89-477C-A149-CADD8535D70D}"/>
                 </a:ext>
               </a:extLst>
             </p:cNvPr>
@@ -4208,7 +4214,7 @@
             <p:cNvPr id="35" name="Straight Arrow Connector 34">
               <a:extLst>
                 <a:ext uri="{FF2B5EF4-FFF2-40B4-BE49-F238E27FC236}">
-                  <a16:creationId xmlns:a16="http://schemas.microsoft.com/office/drawing/2014/main" xmlns="" id="{16A5DB64-6D02-469B-8ECF-1AC120A06DE3}"/>
+                  <a16:creationId xmlns="" xmlns:a16="http://schemas.microsoft.com/office/drawing/2014/main" id="{16A5DB64-6D02-469B-8ECF-1AC120A06DE3}"/>
                 </a:ext>
               </a:extLst>
             </p:cNvPr>
@@ -4252,7 +4258,7 @@
             <p:cNvPr id="37" name="TextBox 36">
               <a:extLst>
                 <a:ext uri="{FF2B5EF4-FFF2-40B4-BE49-F238E27FC236}">
-                  <a16:creationId xmlns:a16="http://schemas.microsoft.com/office/drawing/2014/main" xmlns="" id="{85C4C53D-D5CB-4E7F-937C-C49212F44A70}"/>
+                  <a16:creationId xmlns="" xmlns:a16="http://schemas.microsoft.com/office/drawing/2014/main" id="{85C4C53D-D5CB-4E7F-937C-C49212F44A70}"/>
                 </a:ext>
               </a:extLst>
             </p:cNvPr>
@@ -4288,7 +4294,7 @@
           <p:cNvPr id="49" name="TextBox 48">
             <a:extLst>
               <a:ext uri="{FF2B5EF4-FFF2-40B4-BE49-F238E27FC236}">
-                <a16:creationId xmlns:a16="http://schemas.microsoft.com/office/drawing/2014/main" xmlns="" id="{AD4E479C-C7D3-4FA7-8EE4-DA3F6846CEBF}"/>
+                <a16:creationId xmlns="" xmlns:a16="http://schemas.microsoft.com/office/drawing/2014/main" id="{AD4E479C-C7D3-4FA7-8EE4-DA3F6846CEBF}"/>
               </a:ext>
             </a:extLst>
           </p:cNvPr>
@@ -4323,7 +4329,7 @@
           <p:cNvPr id="51" name="Straight Arrow Connector 50">
             <a:extLst>
               <a:ext uri="{FF2B5EF4-FFF2-40B4-BE49-F238E27FC236}">
-                <a16:creationId xmlns:a16="http://schemas.microsoft.com/office/drawing/2014/main" xmlns="" id="{B7A35247-303C-440E-9EF8-CFF4A62CB795}"/>
+                <a16:creationId xmlns="" xmlns:a16="http://schemas.microsoft.com/office/drawing/2014/main" id="{B7A35247-303C-440E-9EF8-CFF4A62CB795}"/>
               </a:ext>
             </a:extLst>
           </p:cNvPr>
@@ -4367,7 +4373,7 @@
           <p:cNvPr id="52" name="TextBox 51">
             <a:extLst>
               <a:ext uri="{FF2B5EF4-FFF2-40B4-BE49-F238E27FC236}">
-                <a16:creationId xmlns:a16="http://schemas.microsoft.com/office/drawing/2014/main" xmlns="" id="{D2456DF6-62CB-4E4B-B3FA-997F2B3B16E6}"/>
+                <a16:creationId xmlns="" xmlns:a16="http://schemas.microsoft.com/office/drawing/2014/main" id="{D2456DF6-62CB-4E4B-B3FA-997F2B3B16E6}"/>
               </a:ext>
             </a:extLst>
           </p:cNvPr>
@@ -4402,7 +4408,7 @@
           <p:cNvPr id="54" name="Straight Arrow Connector 53">
             <a:extLst>
               <a:ext uri="{FF2B5EF4-FFF2-40B4-BE49-F238E27FC236}">
-                <a16:creationId xmlns:a16="http://schemas.microsoft.com/office/drawing/2014/main" xmlns="" id="{1958F21B-DD9D-4F87-A9FC-CBF5255F1B3C}"/>
+                <a16:creationId xmlns="" xmlns:a16="http://schemas.microsoft.com/office/drawing/2014/main" id="{1958F21B-DD9D-4F87-A9FC-CBF5255F1B3C}"/>
               </a:ext>
             </a:extLst>
           </p:cNvPr>
@@ -4447,7 +4453,7 @@
           <p:cNvPr id="55" name="TextBox 54">
             <a:extLst>
               <a:ext uri="{FF2B5EF4-FFF2-40B4-BE49-F238E27FC236}">
-                <a16:creationId xmlns:a16="http://schemas.microsoft.com/office/drawing/2014/main" xmlns="" id="{E7E4DA4C-EC3A-4ACF-8EBB-A00C0F8FF55E}"/>
+                <a16:creationId xmlns="" xmlns:a16="http://schemas.microsoft.com/office/drawing/2014/main" id="{E7E4DA4C-EC3A-4ACF-8EBB-A00C0F8FF55E}"/>
               </a:ext>
             </a:extLst>
           </p:cNvPr>
@@ -4482,7 +4488,7 @@
           <p:cNvPr id="59" name="Straight Arrow Connector 58">
             <a:extLst>
               <a:ext uri="{FF2B5EF4-FFF2-40B4-BE49-F238E27FC236}">
-                <a16:creationId xmlns:a16="http://schemas.microsoft.com/office/drawing/2014/main" xmlns="" id="{0CC8607E-5F22-4E9F-A601-DE0D6E1F20A4}"/>
+                <a16:creationId xmlns="" xmlns:a16="http://schemas.microsoft.com/office/drawing/2014/main" id="{0CC8607E-5F22-4E9F-A601-DE0D6E1F20A4}"/>
               </a:ext>
             </a:extLst>
           </p:cNvPr>
@@ -4527,7 +4533,7 @@
           <p:cNvPr id="64" name="Straight Arrow Connector 63">
             <a:extLst>
               <a:ext uri="{FF2B5EF4-FFF2-40B4-BE49-F238E27FC236}">
-                <a16:creationId xmlns:a16="http://schemas.microsoft.com/office/drawing/2014/main" xmlns="" id="{71FB8733-BFA2-4CDB-98C3-F2442114AFB8}"/>
+                <a16:creationId xmlns="" xmlns:a16="http://schemas.microsoft.com/office/drawing/2014/main" id="{71FB8733-BFA2-4CDB-98C3-F2442114AFB8}"/>
               </a:ext>
             </a:extLst>
           </p:cNvPr>
@@ -4572,7 +4578,7 @@
           <p:cNvPr id="67" name="TextBox 66">
             <a:extLst>
               <a:ext uri="{FF2B5EF4-FFF2-40B4-BE49-F238E27FC236}">
-                <a16:creationId xmlns:a16="http://schemas.microsoft.com/office/drawing/2014/main" xmlns="" id="{DC0BFD13-F3B3-4BCC-8F72-4820D3CA3F2F}"/>
+                <a16:creationId xmlns="" xmlns:a16="http://schemas.microsoft.com/office/drawing/2014/main" id="{DC0BFD13-F3B3-4BCC-8F72-4820D3CA3F2F}"/>
               </a:ext>
             </a:extLst>
           </p:cNvPr>
@@ -4607,7 +4613,7 @@
           <p:cNvPr id="78" name="Group 77">
             <a:extLst>
               <a:ext uri="{FF2B5EF4-FFF2-40B4-BE49-F238E27FC236}">
-                <a16:creationId xmlns:a16="http://schemas.microsoft.com/office/drawing/2014/main" xmlns="" id="{B0D8A55A-C35F-4DD8-A7AC-42C2A2C91E9E}"/>
+                <a16:creationId xmlns="" xmlns:a16="http://schemas.microsoft.com/office/drawing/2014/main" id="{B0D8A55A-C35F-4DD8-A7AC-42C2A2C91E9E}"/>
               </a:ext>
             </a:extLst>
           </p:cNvPr>
@@ -4627,7 +4633,7 @@
             <p:cNvPr id="17" name="TextBox 16">
               <a:extLst>
                 <a:ext uri="{FF2B5EF4-FFF2-40B4-BE49-F238E27FC236}">
-                  <a16:creationId xmlns:a16="http://schemas.microsoft.com/office/drawing/2014/main" xmlns="" id="{0AECDDDD-9C69-4208-AA1C-905C5B95F22C}"/>
+                  <a16:creationId xmlns="" xmlns:a16="http://schemas.microsoft.com/office/drawing/2014/main" id="{0AECDDDD-9C69-4208-AA1C-905C5B95F22C}"/>
                 </a:ext>
               </a:extLst>
             </p:cNvPr>
@@ -4662,7 +4668,7 @@
             <p:cNvPr id="8" name="Straight Arrow Connector 7">
               <a:extLst>
                 <a:ext uri="{FF2B5EF4-FFF2-40B4-BE49-F238E27FC236}">
-                  <a16:creationId xmlns:a16="http://schemas.microsoft.com/office/drawing/2014/main" xmlns="" id="{8DDBEF33-54E1-493E-BF2F-6C758455DB2F}"/>
+                  <a16:creationId xmlns="" xmlns:a16="http://schemas.microsoft.com/office/drawing/2014/main" id="{8DDBEF33-54E1-493E-BF2F-6C758455DB2F}"/>
                 </a:ext>
               </a:extLst>
             </p:cNvPr>
@@ -4707,7 +4713,7 @@
             <p:cNvPr id="29" name="Group 28">
               <a:extLst>
                 <a:ext uri="{FF2B5EF4-FFF2-40B4-BE49-F238E27FC236}">
-                  <a16:creationId xmlns:a16="http://schemas.microsoft.com/office/drawing/2014/main" xmlns="" id="{E0A9ECB2-F47D-41E6-A396-253B7A4ED88E}"/>
+                  <a16:creationId xmlns="" xmlns:a16="http://schemas.microsoft.com/office/drawing/2014/main" id="{E0A9ECB2-F47D-41E6-A396-253B7A4ED88E}"/>
                 </a:ext>
               </a:extLst>
             </p:cNvPr>
@@ -4727,7 +4733,7 @@
               <p:cNvPr id="27" name="Straight Arrow Connector 26">
                 <a:extLst>
                   <a:ext uri="{FF2B5EF4-FFF2-40B4-BE49-F238E27FC236}">
-                    <a16:creationId xmlns:a16="http://schemas.microsoft.com/office/drawing/2014/main" xmlns="" id="{104F6FC2-E13D-4097-9667-8F4A154A8D80}"/>
+                    <a16:creationId xmlns="" xmlns:a16="http://schemas.microsoft.com/office/drawing/2014/main" id="{104F6FC2-E13D-4097-9667-8F4A154A8D80}"/>
                   </a:ext>
                 </a:extLst>
               </p:cNvPr>
@@ -4771,7 +4777,7 @@
               <p:cNvPr id="28" name="Straight Arrow Connector 27">
                 <a:extLst>
                   <a:ext uri="{FF2B5EF4-FFF2-40B4-BE49-F238E27FC236}">
-                    <a16:creationId xmlns:a16="http://schemas.microsoft.com/office/drawing/2014/main" xmlns="" id="{29780F90-A07F-4BB0-9F2F-AAC340DC9D38}"/>
+                    <a16:creationId xmlns="" xmlns:a16="http://schemas.microsoft.com/office/drawing/2014/main" id="{29780F90-A07F-4BB0-9F2F-AAC340DC9D38}"/>
                   </a:ext>
                 </a:extLst>
               </p:cNvPr>
@@ -4815,7 +4821,7 @@
               <p:cNvPr id="32" name="TextBox 31">
                 <a:extLst>
                   <a:ext uri="{FF2B5EF4-FFF2-40B4-BE49-F238E27FC236}">
-                    <a16:creationId xmlns:a16="http://schemas.microsoft.com/office/drawing/2014/main" xmlns="" id="{78EDB91B-C071-4D7E-B239-6F5257BFA37A}"/>
+                    <a16:creationId xmlns="" xmlns:a16="http://schemas.microsoft.com/office/drawing/2014/main" id="{78EDB91B-C071-4D7E-B239-6F5257BFA37A}"/>
                   </a:ext>
                 </a:extLst>
               </p:cNvPr>
@@ -4851,7 +4857,7 @@
             <p:cNvPr id="68" name="TextBox 67">
               <a:extLst>
                 <a:ext uri="{FF2B5EF4-FFF2-40B4-BE49-F238E27FC236}">
-                  <a16:creationId xmlns:a16="http://schemas.microsoft.com/office/drawing/2014/main" xmlns="" id="{0A60C194-FFE9-4535-BDE8-2F20E4E57547}"/>
+                  <a16:creationId xmlns="" xmlns:a16="http://schemas.microsoft.com/office/drawing/2014/main" id="{0A60C194-FFE9-4535-BDE8-2F20E4E57547}"/>
                 </a:ext>
               </a:extLst>
             </p:cNvPr>
@@ -4886,7 +4892,7 @@
             <p:cNvPr id="69" name="Straight Arrow Connector 68">
               <a:extLst>
                 <a:ext uri="{FF2B5EF4-FFF2-40B4-BE49-F238E27FC236}">
-                  <a16:creationId xmlns:a16="http://schemas.microsoft.com/office/drawing/2014/main" xmlns="" id="{47E19BB3-F762-4D66-86F3-4DF00CE8304A}"/>
+                  <a16:creationId xmlns="" xmlns:a16="http://schemas.microsoft.com/office/drawing/2014/main" id="{47E19BB3-F762-4D66-86F3-4DF00CE8304A}"/>
                 </a:ext>
               </a:extLst>
             </p:cNvPr>
@@ -4930,7 +4936,7 @@
             <p:cNvPr id="70" name="TextBox 69">
               <a:extLst>
                 <a:ext uri="{FF2B5EF4-FFF2-40B4-BE49-F238E27FC236}">
-                  <a16:creationId xmlns:a16="http://schemas.microsoft.com/office/drawing/2014/main" xmlns="" id="{3B75113D-26B4-4A15-9FFC-2D447FA3EC79}"/>
+                  <a16:creationId xmlns="" xmlns:a16="http://schemas.microsoft.com/office/drawing/2014/main" id="{3B75113D-26B4-4A15-9FFC-2D447FA3EC79}"/>
                 </a:ext>
               </a:extLst>
             </p:cNvPr>
@@ -4965,7 +4971,7 @@
             <p:cNvPr id="71" name="Straight Arrow Connector 70">
               <a:extLst>
                 <a:ext uri="{FF2B5EF4-FFF2-40B4-BE49-F238E27FC236}">
-                  <a16:creationId xmlns:a16="http://schemas.microsoft.com/office/drawing/2014/main" xmlns="" id="{EBF545C9-EA5A-4CE0-A939-9A1C6615DDD5}"/>
+                  <a16:creationId xmlns="" xmlns:a16="http://schemas.microsoft.com/office/drawing/2014/main" id="{EBF545C9-EA5A-4CE0-A939-9A1C6615DDD5}"/>
                 </a:ext>
               </a:extLst>
             </p:cNvPr>
@@ -5009,7 +5015,7 @@
             <p:cNvPr id="72" name="TextBox 71">
               <a:extLst>
                 <a:ext uri="{FF2B5EF4-FFF2-40B4-BE49-F238E27FC236}">
-                  <a16:creationId xmlns:a16="http://schemas.microsoft.com/office/drawing/2014/main" xmlns="" id="{4C9035C0-A0A4-430A-91A1-6C4219863EDE}"/>
+                  <a16:creationId xmlns="" xmlns:a16="http://schemas.microsoft.com/office/drawing/2014/main" id="{4C9035C0-A0A4-430A-91A1-6C4219863EDE}"/>
                 </a:ext>
               </a:extLst>
             </p:cNvPr>
@@ -5045,7 +5051,7 @@
           <p:cNvPr id="74" name="TextBox 73">
             <a:extLst>
               <a:ext uri="{FF2B5EF4-FFF2-40B4-BE49-F238E27FC236}">
-                <a16:creationId xmlns:a16="http://schemas.microsoft.com/office/drawing/2014/main" xmlns="" id="{50741080-9C80-4250-AC0F-FFD661CBFA1F}"/>
+                <a16:creationId xmlns="" xmlns:a16="http://schemas.microsoft.com/office/drawing/2014/main" id="{50741080-9C80-4250-AC0F-FFD661CBFA1F}"/>
               </a:ext>
             </a:extLst>
           </p:cNvPr>
@@ -5081,7 +5087,7 @@
           <p:cNvPr id="75" name="Straight Arrow Connector 74">
             <a:extLst>
               <a:ext uri="{FF2B5EF4-FFF2-40B4-BE49-F238E27FC236}">
-                <a16:creationId xmlns:a16="http://schemas.microsoft.com/office/drawing/2014/main" xmlns="" id="{6B3F6054-C557-4674-912C-7B62D069A0A5}"/>
+                <a16:creationId xmlns="" xmlns:a16="http://schemas.microsoft.com/office/drawing/2014/main" id="{6B3F6054-C557-4674-912C-7B62D069A0A5}"/>
               </a:ext>
             </a:extLst>
           </p:cNvPr>
@@ -5126,7 +5132,7 @@
           <p:cNvPr id="81" name="TextBox 80">
             <a:extLst>
               <a:ext uri="{FF2B5EF4-FFF2-40B4-BE49-F238E27FC236}">
-                <a16:creationId xmlns:a16="http://schemas.microsoft.com/office/drawing/2014/main" xmlns="" id="{1544325F-61CC-4767-9E91-0BFCAF00FECD}"/>
+                <a16:creationId xmlns="" xmlns:a16="http://schemas.microsoft.com/office/drawing/2014/main" id="{1544325F-61CC-4767-9E91-0BFCAF00FECD}"/>
               </a:ext>
             </a:extLst>
           </p:cNvPr>
@@ -5162,7 +5168,7 @@
           <p:cNvPr id="82" name="Straight Arrow Connector 81">
             <a:extLst>
               <a:ext uri="{FF2B5EF4-FFF2-40B4-BE49-F238E27FC236}">
-                <a16:creationId xmlns:a16="http://schemas.microsoft.com/office/drawing/2014/main" xmlns="" id="{3DC0B780-9162-4D43-8BD5-694331D969B9}"/>
+                <a16:creationId xmlns="" xmlns:a16="http://schemas.microsoft.com/office/drawing/2014/main" id="{3DC0B780-9162-4D43-8BD5-694331D969B9}"/>
               </a:ext>
             </a:extLst>
           </p:cNvPr>
@@ -5206,7 +5212,7 @@
           <p:cNvPr id="44" name="TextBox 43">
             <a:extLst>
               <a:ext uri="{FF2B5EF4-FFF2-40B4-BE49-F238E27FC236}">
-                <a16:creationId xmlns:a16="http://schemas.microsoft.com/office/drawing/2014/main" xmlns="" id="{5D331EED-21ED-4FC2-B7DC-83316B7E165D}"/>
+                <a16:creationId xmlns="" xmlns:a16="http://schemas.microsoft.com/office/drawing/2014/main" id="{5D331EED-21ED-4FC2-B7DC-83316B7E165D}"/>
               </a:ext>
             </a:extLst>
           </p:cNvPr>
@@ -5244,13 +5250,20 @@
     </p:spTree>
     <p:extLst>
       <p:ext uri="{BB962C8B-B14F-4D97-AF65-F5344CB8AC3E}">
-        <p14:creationId xmlns:p14="http://schemas.microsoft.com/office/powerpoint/2010/main" xmlns="" val="1256710779"/>
+        <p14:creationId xmlns="" xmlns:p14="http://schemas.microsoft.com/office/powerpoint/2010/main" val="1256710779"/>
       </p:ext>
     </p:extLst>
   </p:cSld>
   <p:clrMapOvr>
     <a:masterClrMapping/>
   </p:clrMapOvr>
+  <p:timing>
+    <p:tnLst>
+      <p:par>
+        <p:cTn id="1" dur="indefinite" restart="never" nodeType="tmRoot"/>
+      </p:par>
+    </p:tnLst>
+  </p:timing>
 </p:sld>
 </file>
 
@@ -5385,7 +5398,7 @@
           <p:cNvPr id="7" name="Picture 6">
             <a:extLst>
               <a:ext uri="{FF2B5EF4-FFF2-40B4-BE49-F238E27FC236}">
-                <a16:creationId xmlns:a16="http://schemas.microsoft.com/office/drawing/2014/main" xmlns="" id="{8BAB5EDB-C339-4658-978D-CB7B86C318C8}"/>
+                <a16:creationId xmlns="" xmlns:a16="http://schemas.microsoft.com/office/drawing/2014/main" id="{8BAB5EDB-C339-4658-978D-CB7B86C318C8}"/>
               </a:ext>
             </a:extLst>
           </p:cNvPr>
@@ -5398,10 +5411,10 @@
           <a:blip r:embed="rId2" cstate="print">
             <a:extLst>
               <a:ext uri="{28A0092B-C50C-407E-A947-70E740481C1C}">
-                <a14:useLocalDpi xmlns:a14="http://schemas.microsoft.com/office/drawing/2010/main" xmlns="" val="0"/>
+                <a14:useLocalDpi xmlns="" xmlns:a14="http://schemas.microsoft.com/office/drawing/2010/main" val="0"/>
               </a:ext>
               <a:ext uri="{837473B0-CC2E-450A-ABE3-18F120FF3D39}">
-                <a1611:picAttrSrcUrl xmlns:a1611="http://schemas.microsoft.com/office/drawing/2016/11/main" xmlns="" r:id="rId3"/>
+                <a1611:picAttrSrcUrl xmlns="" xmlns:a1611="http://schemas.microsoft.com/office/drawing/2016/11/main" r:id="rId3"/>
               </a:ext>
             </a:extLst>
           </a:blip>
@@ -5424,7 +5437,7 @@
           <p:cNvPr id="9" name="Picture 8">
             <a:extLst>
               <a:ext uri="{FF2B5EF4-FFF2-40B4-BE49-F238E27FC236}">
-                <a16:creationId xmlns:a16="http://schemas.microsoft.com/office/drawing/2014/main" xmlns="" id="{217DD399-6BEC-42B0-8C8F-80C05C13BB8F}"/>
+                <a16:creationId xmlns="" xmlns:a16="http://schemas.microsoft.com/office/drawing/2014/main" id="{217DD399-6BEC-42B0-8C8F-80C05C13BB8F}"/>
               </a:ext>
             </a:extLst>
           </p:cNvPr>
@@ -5437,10 +5450,10 @@
           <a:blip r:embed="rId4" cstate="print">
             <a:extLst>
               <a:ext uri="{28A0092B-C50C-407E-A947-70E740481C1C}">
-                <a14:useLocalDpi xmlns:a14="http://schemas.microsoft.com/office/drawing/2010/main" xmlns="" val="0"/>
+                <a14:useLocalDpi xmlns="" xmlns:a14="http://schemas.microsoft.com/office/drawing/2010/main" val="0"/>
               </a:ext>
               <a:ext uri="{837473B0-CC2E-450A-ABE3-18F120FF3D39}">
-                <a1611:picAttrSrcUrl xmlns:a1611="http://schemas.microsoft.com/office/drawing/2016/11/main" xmlns="" r:id="rId5"/>
+                <a1611:picAttrSrcUrl xmlns="" xmlns:a1611="http://schemas.microsoft.com/office/drawing/2016/11/main" r:id="rId5"/>
               </a:ext>
             </a:extLst>
           </a:blip>
@@ -5463,7 +5476,7 @@
           <p:cNvPr id="5" name="Straight Arrow Connector 4">
             <a:extLst>
               <a:ext uri="{FF2B5EF4-FFF2-40B4-BE49-F238E27FC236}">
-                <a16:creationId xmlns:a16="http://schemas.microsoft.com/office/drawing/2014/main" xmlns="" id="{807C7073-511B-46BE-8CEC-CAFF15AD79B2}"/>
+                <a16:creationId xmlns="" xmlns:a16="http://schemas.microsoft.com/office/drawing/2014/main" id="{807C7073-511B-46BE-8CEC-CAFF15AD79B2}"/>
               </a:ext>
             </a:extLst>
           </p:cNvPr>
@@ -5507,7 +5520,7 @@
           <p:cNvPr id="13" name="TextBox 12">
             <a:extLst>
               <a:ext uri="{FF2B5EF4-FFF2-40B4-BE49-F238E27FC236}">
-                <a16:creationId xmlns:a16="http://schemas.microsoft.com/office/drawing/2014/main" xmlns="" id="{E056EDE4-8844-4846-B0A1-BE530F4D7466}"/>
+                <a16:creationId xmlns="" xmlns:a16="http://schemas.microsoft.com/office/drawing/2014/main" id="{E056EDE4-8844-4846-B0A1-BE530F4D7466}"/>
               </a:ext>
             </a:extLst>
           </p:cNvPr>
@@ -5549,7 +5562,7 @@
           <p:cNvPr id="14" name="TextBox 13">
             <a:extLst>
               <a:ext uri="{FF2B5EF4-FFF2-40B4-BE49-F238E27FC236}">
-                <a16:creationId xmlns:a16="http://schemas.microsoft.com/office/drawing/2014/main" xmlns="" id="{16109C71-5DB7-418B-ACC6-6B9C83D6F5BB}"/>
+                <a16:creationId xmlns="" xmlns:a16="http://schemas.microsoft.com/office/drawing/2014/main" id="{16109C71-5DB7-418B-ACC6-6B9C83D6F5BB}"/>
               </a:ext>
             </a:extLst>
           </p:cNvPr>
@@ -5599,7 +5612,7 @@
           <p:cNvPr id="15" name="Straight Arrow Connector 14">
             <a:extLst>
               <a:ext uri="{FF2B5EF4-FFF2-40B4-BE49-F238E27FC236}">
-                <a16:creationId xmlns:a16="http://schemas.microsoft.com/office/drawing/2014/main" xmlns="" id="{005BF5B4-EE3E-4309-A841-F9E134AE9FC1}"/>
+                <a16:creationId xmlns="" xmlns:a16="http://schemas.microsoft.com/office/drawing/2014/main" id="{005BF5B4-EE3E-4309-A841-F9E134AE9FC1}"/>
               </a:ext>
             </a:extLst>
           </p:cNvPr>
@@ -5641,13 +5654,20 @@
     </p:spTree>
     <p:extLst>
       <p:ext uri="{BB962C8B-B14F-4D97-AF65-F5344CB8AC3E}">
-        <p14:creationId xmlns:p14="http://schemas.microsoft.com/office/powerpoint/2010/main" xmlns="" val="100707161"/>
+        <p14:creationId xmlns="" xmlns:p14="http://schemas.microsoft.com/office/powerpoint/2010/main" val="100707161"/>
       </p:ext>
     </p:extLst>
   </p:cSld>
   <p:clrMapOvr>
     <a:masterClrMapping/>
   </p:clrMapOvr>
+  <p:timing>
+    <p:tnLst>
+      <p:par>
+        <p:cTn id="1" dur="indefinite" restart="never" nodeType="tmRoot"/>
+      </p:par>
+    </p:tnLst>
+  </p:timing>
 </p:sld>
 </file>
 
@@ -5782,7 +5802,7 @@
           <p:cNvPr id="7" name="Picture 6">
             <a:extLst>
               <a:ext uri="{FF2B5EF4-FFF2-40B4-BE49-F238E27FC236}">
-                <a16:creationId xmlns:a16="http://schemas.microsoft.com/office/drawing/2014/main" xmlns="" id="{8BAB5EDB-C339-4658-978D-CB7B86C318C8}"/>
+                <a16:creationId xmlns="" xmlns:a16="http://schemas.microsoft.com/office/drawing/2014/main" id="{8BAB5EDB-C339-4658-978D-CB7B86C318C8}"/>
               </a:ext>
             </a:extLst>
           </p:cNvPr>
@@ -5795,10 +5815,10 @@
           <a:blip r:embed="rId2" cstate="print">
             <a:extLst>
               <a:ext uri="{28A0092B-C50C-407E-A947-70E740481C1C}">
-                <a14:useLocalDpi xmlns:a14="http://schemas.microsoft.com/office/drawing/2010/main" xmlns="" val="0"/>
+                <a14:useLocalDpi xmlns="" xmlns:a14="http://schemas.microsoft.com/office/drawing/2010/main" val="0"/>
               </a:ext>
               <a:ext uri="{837473B0-CC2E-450A-ABE3-18F120FF3D39}">
-                <a1611:picAttrSrcUrl xmlns:a1611="http://schemas.microsoft.com/office/drawing/2016/11/main" xmlns="" r:id="rId3"/>
+                <a1611:picAttrSrcUrl xmlns="" xmlns:a1611="http://schemas.microsoft.com/office/drawing/2016/11/main" r:id="rId3"/>
               </a:ext>
             </a:extLst>
           </a:blip>
@@ -5821,7 +5841,7 @@
           <p:cNvPr id="9" name="Picture 8">
             <a:extLst>
               <a:ext uri="{FF2B5EF4-FFF2-40B4-BE49-F238E27FC236}">
-                <a16:creationId xmlns:a16="http://schemas.microsoft.com/office/drawing/2014/main" xmlns="" id="{217DD399-6BEC-42B0-8C8F-80C05C13BB8F}"/>
+                <a16:creationId xmlns="" xmlns:a16="http://schemas.microsoft.com/office/drawing/2014/main" id="{217DD399-6BEC-42B0-8C8F-80C05C13BB8F}"/>
               </a:ext>
             </a:extLst>
           </p:cNvPr>
@@ -5834,10 +5854,10 @@
           <a:blip r:embed="rId4" cstate="print">
             <a:extLst>
               <a:ext uri="{28A0092B-C50C-407E-A947-70E740481C1C}">
-                <a14:useLocalDpi xmlns:a14="http://schemas.microsoft.com/office/drawing/2010/main" xmlns="" val="0"/>
+                <a14:useLocalDpi xmlns="" xmlns:a14="http://schemas.microsoft.com/office/drawing/2010/main" val="0"/>
               </a:ext>
               <a:ext uri="{837473B0-CC2E-450A-ABE3-18F120FF3D39}">
-                <a1611:picAttrSrcUrl xmlns:a1611="http://schemas.microsoft.com/office/drawing/2016/11/main" xmlns="" r:id="rId5"/>
+                <a1611:picAttrSrcUrl xmlns="" xmlns:a1611="http://schemas.microsoft.com/office/drawing/2016/11/main" r:id="rId5"/>
               </a:ext>
             </a:extLst>
           </a:blip>
@@ -5860,7 +5880,7 @@
           <p:cNvPr id="5" name="Straight Arrow Connector 4">
             <a:extLst>
               <a:ext uri="{FF2B5EF4-FFF2-40B4-BE49-F238E27FC236}">
-                <a16:creationId xmlns:a16="http://schemas.microsoft.com/office/drawing/2014/main" xmlns="" id="{807C7073-511B-46BE-8CEC-CAFF15AD79B2}"/>
+                <a16:creationId xmlns="" xmlns:a16="http://schemas.microsoft.com/office/drawing/2014/main" id="{807C7073-511B-46BE-8CEC-CAFF15AD79B2}"/>
               </a:ext>
             </a:extLst>
           </p:cNvPr>
@@ -5904,7 +5924,7 @@
           <p:cNvPr id="13" name="TextBox 12">
             <a:extLst>
               <a:ext uri="{FF2B5EF4-FFF2-40B4-BE49-F238E27FC236}">
-                <a16:creationId xmlns:a16="http://schemas.microsoft.com/office/drawing/2014/main" xmlns="" id="{E056EDE4-8844-4846-B0A1-BE530F4D7466}"/>
+                <a16:creationId xmlns="" xmlns:a16="http://schemas.microsoft.com/office/drawing/2014/main" id="{E056EDE4-8844-4846-B0A1-BE530F4D7466}"/>
               </a:ext>
             </a:extLst>
           </p:cNvPr>
@@ -5946,7 +5966,7 @@
           <p:cNvPr id="14" name="TextBox 13">
             <a:extLst>
               <a:ext uri="{FF2B5EF4-FFF2-40B4-BE49-F238E27FC236}">
-                <a16:creationId xmlns:a16="http://schemas.microsoft.com/office/drawing/2014/main" xmlns="" id="{16109C71-5DB7-418B-ACC6-6B9C83D6F5BB}"/>
+                <a16:creationId xmlns="" xmlns:a16="http://schemas.microsoft.com/office/drawing/2014/main" id="{16109C71-5DB7-418B-ACC6-6B9C83D6F5BB}"/>
               </a:ext>
             </a:extLst>
           </p:cNvPr>
@@ -5996,7 +6016,7 @@
           <p:cNvPr id="15" name="Straight Arrow Connector 14">
             <a:extLst>
               <a:ext uri="{FF2B5EF4-FFF2-40B4-BE49-F238E27FC236}">
-                <a16:creationId xmlns:a16="http://schemas.microsoft.com/office/drawing/2014/main" xmlns="" id="{005BF5B4-EE3E-4309-A841-F9E134AE9FC1}"/>
+                <a16:creationId xmlns="" xmlns:a16="http://schemas.microsoft.com/office/drawing/2014/main" id="{005BF5B4-EE3E-4309-A841-F9E134AE9FC1}"/>
               </a:ext>
             </a:extLst>
           </p:cNvPr>
@@ -6040,7 +6060,7 @@
           <p:cNvPr id="17" name="Oval 16">
             <a:extLst>
               <a:ext uri="{FF2B5EF4-FFF2-40B4-BE49-F238E27FC236}">
-                <a16:creationId xmlns:a16="http://schemas.microsoft.com/office/drawing/2014/main" xmlns="" id="{DBA27E3B-CE81-443B-8B7B-F3E80DB22152}"/>
+                <a16:creationId xmlns="" xmlns:a16="http://schemas.microsoft.com/office/drawing/2014/main" id="{DBA27E3B-CE81-443B-8B7B-F3E80DB22152}"/>
               </a:ext>
             </a:extLst>
           </p:cNvPr>
@@ -6088,7 +6108,7 @@
           <p:cNvPr id="19" name="Oval 18">
             <a:extLst>
               <a:ext uri="{FF2B5EF4-FFF2-40B4-BE49-F238E27FC236}">
-                <a16:creationId xmlns:a16="http://schemas.microsoft.com/office/drawing/2014/main" xmlns="" id="{059E428F-9429-45DA-A48E-0CC5482E0B5D}"/>
+                <a16:creationId xmlns="" xmlns:a16="http://schemas.microsoft.com/office/drawing/2014/main" id="{059E428F-9429-45DA-A48E-0CC5482E0B5D}"/>
               </a:ext>
             </a:extLst>
           </p:cNvPr>
@@ -6138,13 +6158,20 @@
     </p:spTree>
     <p:extLst>
       <p:ext uri="{BB962C8B-B14F-4D97-AF65-F5344CB8AC3E}">
-        <p14:creationId xmlns:p14="http://schemas.microsoft.com/office/powerpoint/2010/main" xmlns="" val="3902734336"/>
+        <p14:creationId xmlns="" xmlns:p14="http://schemas.microsoft.com/office/powerpoint/2010/main" val="3902734336"/>
       </p:ext>
     </p:extLst>
   </p:cSld>
   <p:clrMapOvr>
     <a:masterClrMapping/>
   </p:clrMapOvr>
+  <p:timing>
+    <p:tnLst>
+      <p:par>
+        <p:cTn id="1" dur="indefinite" restart="never" nodeType="tmRoot"/>
+      </p:par>
+    </p:tnLst>
+  </p:timing>
 </p:sld>
 </file>
 
@@ -6279,7 +6306,7 @@
           <p:cNvPr id="7" name="Picture 6">
             <a:extLst>
               <a:ext uri="{FF2B5EF4-FFF2-40B4-BE49-F238E27FC236}">
-                <a16:creationId xmlns:a16="http://schemas.microsoft.com/office/drawing/2014/main" xmlns="" id="{8BAB5EDB-C339-4658-978D-CB7B86C318C8}"/>
+                <a16:creationId xmlns="" xmlns:a16="http://schemas.microsoft.com/office/drawing/2014/main" id="{8BAB5EDB-C339-4658-978D-CB7B86C318C8}"/>
               </a:ext>
             </a:extLst>
           </p:cNvPr>
@@ -6292,10 +6319,10 @@
           <a:blip r:embed="rId2" cstate="print">
             <a:extLst>
               <a:ext uri="{28A0092B-C50C-407E-A947-70E740481C1C}">
-                <a14:useLocalDpi xmlns:a14="http://schemas.microsoft.com/office/drawing/2010/main" xmlns="" val="0"/>
+                <a14:useLocalDpi xmlns="" xmlns:a14="http://schemas.microsoft.com/office/drawing/2010/main" val="0"/>
               </a:ext>
               <a:ext uri="{837473B0-CC2E-450A-ABE3-18F120FF3D39}">
-                <a1611:picAttrSrcUrl xmlns:a1611="http://schemas.microsoft.com/office/drawing/2016/11/main" xmlns="" r:id="rId3"/>
+                <a1611:picAttrSrcUrl xmlns="" xmlns:a1611="http://schemas.microsoft.com/office/drawing/2016/11/main" r:id="rId3"/>
               </a:ext>
             </a:extLst>
           </a:blip>
@@ -6318,7 +6345,7 @@
           <p:cNvPr id="9" name="Picture 8">
             <a:extLst>
               <a:ext uri="{FF2B5EF4-FFF2-40B4-BE49-F238E27FC236}">
-                <a16:creationId xmlns:a16="http://schemas.microsoft.com/office/drawing/2014/main" xmlns="" id="{217DD399-6BEC-42B0-8C8F-80C05C13BB8F}"/>
+                <a16:creationId xmlns="" xmlns:a16="http://schemas.microsoft.com/office/drawing/2014/main" id="{217DD399-6BEC-42B0-8C8F-80C05C13BB8F}"/>
               </a:ext>
             </a:extLst>
           </p:cNvPr>
@@ -6331,10 +6358,10 @@
           <a:blip r:embed="rId4" cstate="print">
             <a:extLst>
               <a:ext uri="{28A0092B-C50C-407E-A947-70E740481C1C}">
-                <a14:useLocalDpi xmlns:a14="http://schemas.microsoft.com/office/drawing/2010/main" xmlns="" val="0"/>
+                <a14:useLocalDpi xmlns="" xmlns:a14="http://schemas.microsoft.com/office/drawing/2010/main" val="0"/>
               </a:ext>
               <a:ext uri="{837473B0-CC2E-450A-ABE3-18F120FF3D39}">
-                <a1611:picAttrSrcUrl xmlns:a1611="http://schemas.microsoft.com/office/drawing/2016/11/main" xmlns="" r:id="rId5"/>
+                <a1611:picAttrSrcUrl xmlns="" xmlns:a1611="http://schemas.microsoft.com/office/drawing/2016/11/main" r:id="rId5"/>
               </a:ext>
             </a:extLst>
           </a:blip>
@@ -6357,7 +6384,7 @@
           <p:cNvPr id="5" name="Straight Arrow Connector 4">
             <a:extLst>
               <a:ext uri="{FF2B5EF4-FFF2-40B4-BE49-F238E27FC236}">
-                <a16:creationId xmlns:a16="http://schemas.microsoft.com/office/drawing/2014/main" xmlns="" id="{807C7073-511B-46BE-8CEC-CAFF15AD79B2}"/>
+                <a16:creationId xmlns="" xmlns:a16="http://schemas.microsoft.com/office/drawing/2014/main" id="{807C7073-511B-46BE-8CEC-CAFF15AD79B2}"/>
               </a:ext>
             </a:extLst>
           </p:cNvPr>
@@ -6401,7 +6428,7 @@
           <p:cNvPr id="13" name="TextBox 12">
             <a:extLst>
               <a:ext uri="{FF2B5EF4-FFF2-40B4-BE49-F238E27FC236}">
-                <a16:creationId xmlns:a16="http://schemas.microsoft.com/office/drawing/2014/main" xmlns="" id="{E056EDE4-8844-4846-B0A1-BE530F4D7466}"/>
+                <a16:creationId xmlns="" xmlns:a16="http://schemas.microsoft.com/office/drawing/2014/main" id="{E056EDE4-8844-4846-B0A1-BE530F4D7466}"/>
               </a:ext>
             </a:extLst>
           </p:cNvPr>
@@ -6443,7 +6470,7 @@
           <p:cNvPr id="14" name="TextBox 13">
             <a:extLst>
               <a:ext uri="{FF2B5EF4-FFF2-40B4-BE49-F238E27FC236}">
-                <a16:creationId xmlns:a16="http://schemas.microsoft.com/office/drawing/2014/main" xmlns="" id="{16109C71-5DB7-418B-ACC6-6B9C83D6F5BB}"/>
+                <a16:creationId xmlns="" xmlns:a16="http://schemas.microsoft.com/office/drawing/2014/main" id="{16109C71-5DB7-418B-ACC6-6B9C83D6F5BB}"/>
               </a:ext>
             </a:extLst>
           </p:cNvPr>
@@ -6493,7 +6520,7 @@
           <p:cNvPr id="15" name="Straight Arrow Connector 14">
             <a:extLst>
               <a:ext uri="{FF2B5EF4-FFF2-40B4-BE49-F238E27FC236}">
-                <a16:creationId xmlns:a16="http://schemas.microsoft.com/office/drawing/2014/main" xmlns="" id="{005BF5B4-EE3E-4309-A841-F9E134AE9FC1}"/>
+                <a16:creationId xmlns="" xmlns:a16="http://schemas.microsoft.com/office/drawing/2014/main" id="{005BF5B4-EE3E-4309-A841-F9E134AE9FC1}"/>
               </a:ext>
             </a:extLst>
           </p:cNvPr>
@@ -6537,7 +6564,7 @@
           <p:cNvPr id="8" name="Straight Connector 7">
             <a:extLst>
               <a:ext uri="{FF2B5EF4-FFF2-40B4-BE49-F238E27FC236}">
-                <a16:creationId xmlns:a16="http://schemas.microsoft.com/office/drawing/2014/main" xmlns="" id="{3B59536B-137F-41E4-BA0A-2C4C1A71E1C1}"/>
+                <a16:creationId xmlns="" xmlns:a16="http://schemas.microsoft.com/office/drawing/2014/main" id="{3B59536B-137F-41E4-BA0A-2C4C1A71E1C1}"/>
               </a:ext>
             </a:extLst>
           </p:cNvPr>
@@ -6578,7 +6605,7 @@
           <p:cNvPr id="16" name="Straight Connector 15">
             <a:extLst>
               <a:ext uri="{FF2B5EF4-FFF2-40B4-BE49-F238E27FC236}">
-                <a16:creationId xmlns:a16="http://schemas.microsoft.com/office/drawing/2014/main" xmlns="" id="{D5F83E8C-4962-4D60-9C76-2445177C0A91}"/>
+                <a16:creationId xmlns="" xmlns:a16="http://schemas.microsoft.com/office/drawing/2014/main" id="{D5F83E8C-4962-4D60-9C76-2445177C0A91}"/>
               </a:ext>
             </a:extLst>
           </p:cNvPr>
@@ -6619,13 +6646,20 @@
     </p:spTree>
     <p:extLst>
       <p:ext uri="{BB962C8B-B14F-4D97-AF65-F5344CB8AC3E}">
-        <p14:creationId xmlns:p14="http://schemas.microsoft.com/office/powerpoint/2010/main" xmlns="" val="3140037942"/>
+        <p14:creationId xmlns="" xmlns:p14="http://schemas.microsoft.com/office/powerpoint/2010/main" val="3140037942"/>
       </p:ext>
     </p:extLst>
   </p:cSld>
   <p:clrMapOvr>
     <a:masterClrMapping/>
   </p:clrMapOvr>
+  <p:timing>
+    <p:tnLst>
+      <p:par>
+        <p:cTn id="1" dur="indefinite" restart="never" nodeType="tmRoot"/>
+      </p:par>
+    </p:tnLst>
+  </p:timing>
 </p:sld>
 </file>
 
@@ -6760,7 +6794,7 @@
           <p:cNvPr id="7" name="Picture 6">
             <a:extLst>
               <a:ext uri="{FF2B5EF4-FFF2-40B4-BE49-F238E27FC236}">
-                <a16:creationId xmlns:a16="http://schemas.microsoft.com/office/drawing/2014/main" xmlns="" id="{8BAB5EDB-C339-4658-978D-CB7B86C318C8}"/>
+                <a16:creationId xmlns="" xmlns:a16="http://schemas.microsoft.com/office/drawing/2014/main" id="{8BAB5EDB-C339-4658-978D-CB7B86C318C8}"/>
               </a:ext>
             </a:extLst>
           </p:cNvPr>
@@ -6773,10 +6807,10 @@
           <a:blip r:embed="rId2" cstate="print">
             <a:extLst>
               <a:ext uri="{28A0092B-C50C-407E-A947-70E740481C1C}">
-                <a14:useLocalDpi xmlns:a14="http://schemas.microsoft.com/office/drawing/2010/main" xmlns="" val="0"/>
+                <a14:useLocalDpi xmlns="" xmlns:a14="http://schemas.microsoft.com/office/drawing/2010/main" val="0"/>
               </a:ext>
               <a:ext uri="{837473B0-CC2E-450A-ABE3-18F120FF3D39}">
-                <a1611:picAttrSrcUrl xmlns:a1611="http://schemas.microsoft.com/office/drawing/2016/11/main" xmlns="" r:id="rId3"/>
+                <a1611:picAttrSrcUrl xmlns="" xmlns:a1611="http://schemas.microsoft.com/office/drawing/2016/11/main" r:id="rId3"/>
               </a:ext>
             </a:extLst>
           </a:blip>
@@ -6799,7 +6833,7 @@
           <p:cNvPr id="9" name="Picture 8">
             <a:extLst>
               <a:ext uri="{FF2B5EF4-FFF2-40B4-BE49-F238E27FC236}">
-                <a16:creationId xmlns:a16="http://schemas.microsoft.com/office/drawing/2014/main" xmlns="" id="{217DD399-6BEC-42B0-8C8F-80C05C13BB8F}"/>
+                <a16:creationId xmlns="" xmlns:a16="http://schemas.microsoft.com/office/drawing/2014/main" id="{217DD399-6BEC-42B0-8C8F-80C05C13BB8F}"/>
               </a:ext>
             </a:extLst>
           </p:cNvPr>
@@ -6812,10 +6846,10 @@
           <a:blip r:embed="rId4" cstate="print">
             <a:extLst>
               <a:ext uri="{28A0092B-C50C-407E-A947-70E740481C1C}">
-                <a14:useLocalDpi xmlns:a14="http://schemas.microsoft.com/office/drawing/2010/main" xmlns="" val="0"/>
+                <a14:useLocalDpi xmlns="" xmlns:a14="http://schemas.microsoft.com/office/drawing/2010/main" val="0"/>
               </a:ext>
               <a:ext uri="{837473B0-CC2E-450A-ABE3-18F120FF3D39}">
-                <a1611:picAttrSrcUrl xmlns:a1611="http://schemas.microsoft.com/office/drawing/2016/11/main" xmlns="" r:id="rId5"/>
+                <a1611:picAttrSrcUrl xmlns="" xmlns:a1611="http://schemas.microsoft.com/office/drawing/2016/11/main" r:id="rId5"/>
               </a:ext>
             </a:extLst>
           </a:blip>
@@ -6838,7 +6872,7 @@
           <p:cNvPr id="5" name="Straight Arrow Connector 4">
             <a:extLst>
               <a:ext uri="{FF2B5EF4-FFF2-40B4-BE49-F238E27FC236}">
-                <a16:creationId xmlns:a16="http://schemas.microsoft.com/office/drawing/2014/main" xmlns="" id="{807C7073-511B-46BE-8CEC-CAFF15AD79B2}"/>
+                <a16:creationId xmlns="" xmlns:a16="http://schemas.microsoft.com/office/drawing/2014/main" id="{807C7073-511B-46BE-8CEC-CAFF15AD79B2}"/>
               </a:ext>
             </a:extLst>
           </p:cNvPr>
@@ -6882,7 +6916,7 @@
           <p:cNvPr id="13" name="TextBox 12">
             <a:extLst>
               <a:ext uri="{FF2B5EF4-FFF2-40B4-BE49-F238E27FC236}">
-                <a16:creationId xmlns:a16="http://schemas.microsoft.com/office/drawing/2014/main" xmlns="" id="{E056EDE4-8844-4846-B0A1-BE530F4D7466}"/>
+                <a16:creationId xmlns="" xmlns:a16="http://schemas.microsoft.com/office/drawing/2014/main" id="{E056EDE4-8844-4846-B0A1-BE530F4D7466}"/>
               </a:ext>
             </a:extLst>
           </p:cNvPr>
@@ -6924,7 +6958,7 @@
           <p:cNvPr id="14" name="TextBox 13">
             <a:extLst>
               <a:ext uri="{FF2B5EF4-FFF2-40B4-BE49-F238E27FC236}">
-                <a16:creationId xmlns:a16="http://schemas.microsoft.com/office/drawing/2014/main" xmlns="" id="{16109C71-5DB7-418B-ACC6-6B9C83D6F5BB}"/>
+                <a16:creationId xmlns="" xmlns:a16="http://schemas.microsoft.com/office/drawing/2014/main" id="{16109C71-5DB7-418B-ACC6-6B9C83D6F5BB}"/>
               </a:ext>
             </a:extLst>
           </p:cNvPr>
@@ -6974,7 +7008,7 @@
           <p:cNvPr id="15" name="Straight Arrow Connector 14">
             <a:extLst>
               <a:ext uri="{FF2B5EF4-FFF2-40B4-BE49-F238E27FC236}">
-                <a16:creationId xmlns:a16="http://schemas.microsoft.com/office/drawing/2014/main" xmlns="" id="{005BF5B4-EE3E-4309-A841-F9E134AE9FC1}"/>
+                <a16:creationId xmlns="" xmlns:a16="http://schemas.microsoft.com/office/drawing/2014/main" id="{005BF5B4-EE3E-4309-A841-F9E134AE9FC1}"/>
               </a:ext>
             </a:extLst>
           </p:cNvPr>
@@ -7018,7 +7052,7 @@
           <p:cNvPr id="4" name="Freeform: Shape 3">
             <a:extLst>
               <a:ext uri="{FF2B5EF4-FFF2-40B4-BE49-F238E27FC236}">
-                <a16:creationId xmlns:a16="http://schemas.microsoft.com/office/drawing/2014/main" xmlns="" id="{D0BEC306-7EB5-4B09-8E8E-D0C74D8CB22E}"/>
+                <a16:creationId xmlns="" xmlns:a16="http://schemas.microsoft.com/office/drawing/2014/main" id="{D0BEC306-7EB5-4B09-8E8E-D0C74D8CB22E}"/>
               </a:ext>
             </a:extLst>
           </p:cNvPr>
@@ -7171,7 +7205,7 @@
           <p:cNvPr id="11" name="Rectangle 10">
             <a:extLst>
               <a:ext uri="{FF2B5EF4-FFF2-40B4-BE49-F238E27FC236}">
-                <a16:creationId xmlns:a16="http://schemas.microsoft.com/office/drawing/2014/main" xmlns="" id="{9C0FB370-DD8C-4F2B-AF04-E541C7C8FFFB}"/>
+                <a16:creationId xmlns="" xmlns:a16="http://schemas.microsoft.com/office/drawing/2014/main" id="{9C0FB370-DD8C-4F2B-AF04-E541C7C8FFFB}"/>
               </a:ext>
             </a:extLst>
           </p:cNvPr>
@@ -7219,7 +7253,7 @@
           <p:cNvPr id="17" name="Rectangle 16">
             <a:extLst>
               <a:ext uri="{FF2B5EF4-FFF2-40B4-BE49-F238E27FC236}">
-                <a16:creationId xmlns:a16="http://schemas.microsoft.com/office/drawing/2014/main" xmlns="" id="{1291B997-CF72-4B83-8055-5AAA79536704}"/>
+                <a16:creationId xmlns="" xmlns:a16="http://schemas.microsoft.com/office/drawing/2014/main" id="{1291B997-CF72-4B83-8055-5AAA79536704}"/>
               </a:ext>
             </a:extLst>
           </p:cNvPr>
@@ -7269,13 +7303,20 @@
     </p:spTree>
     <p:extLst>
       <p:ext uri="{BB962C8B-B14F-4D97-AF65-F5344CB8AC3E}">
-        <p14:creationId xmlns:p14="http://schemas.microsoft.com/office/powerpoint/2010/main" xmlns="" val="2557757287"/>
+        <p14:creationId xmlns="" xmlns:p14="http://schemas.microsoft.com/office/powerpoint/2010/main" val="2557757287"/>
       </p:ext>
     </p:extLst>
   </p:cSld>
   <p:clrMapOvr>
     <a:masterClrMapping/>
   </p:clrMapOvr>
+  <p:timing>
+    <p:tnLst>
+      <p:par>
+        <p:cTn id="1" dur="indefinite" restart="never" nodeType="tmRoot"/>
+      </p:par>
+    </p:tnLst>
+  </p:timing>
 </p:sld>
 </file>
 
@@ -7480,13 +7521,20 @@
     </p:spTree>
     <p:extLst>
       <p:ext uri="{BB962C8B-B14F-4D97-AF65-F5344CB8AC3E}">
-        <p14:creationId xmlns:p14="http://schemas.microsoft.com/office/powerpoint/2010/main" xmlns="" val="3365457725"/>
+        <p14:creationId xmlns="" xmlns:p14="http://schemas.microsoft.com/office/powerpoint/2010/main" val="3365457725"/>
       </p:ext>
     </p:extLst>
   </p:cSld>
   <p:clrMapOvr>
     <a:masterClrMapping/>
   </p:clrMapOvr>
+  <p:timing>
+    <p:tnLst>
+      <p:par>
+        <p:cTn id="1" dur="indefinite" restart="never" nodeType="tmRoot"/>
+      </p:par>
+    </p:tnLst>
+  </p:timing>
 </p:sld>
 </file>
 
@@ -7678,13 +7726,20 @@
     </p:spTree>
     <p:extLst>
       <p:ext uri="{BB962C8B-B14F-4D97-AF65-F5344CB8AC3E}">
-        <p14:creationId xmlns:p14="http://schemas.microsoft.com/office/powerpoint/2010/main" xmlns="" val="2737390811"/>
+        <p14:creationId xmlns="" xmlns:p14="http://schemas.microsoft.com/office/powerpoint/2010/main" val="2737390811"/>
       </p:ext>
     </p:extLst>
   </p:cSld>
   <p:clrMapOvr>
     <a:masterClrMapping/>
   </p:clrMapOvr>
+  <p:timing>
+    <p:tnLst>
+      <p:par>
+        <p:cTn id="1" dur="indefinite" restart="never" nodeType="tmRoot"/>
+      </p:par>
+    </p:tnLst>
+  </p:timing>
 </p:sld>
 </file>
 
@@ -7860,13 +7915,20 @@
     </p:spTree>
     <p:extLst>
       <p:ext uri="{BB962C8B-B14F-4D97-AF65-F5344CB8AC3E}">
-        <p14:creationId xmlns:p14="http://schemas.microsoft.com/office/powerpoint/2010/main" xmlns="" val="3470026828"/>
+        <p14:creationId xmlns="" xmlns:p14="http://schemas.microsoft.com/office/powerpoint/2010/main" val="3470026828"/>
       </p:ext>
     </p:extLst>
   </p:cSld>
   <p:clrMapOvr>
     <a:masterClrMapping/>
   </p:clrMapOvr>
+  <p:timing>
+    <p:tnLst>
+      <p:par>
+        <p:cTn id="1" dur="indefinite" restart="never" nodeType="tmRoot"/>
+      </p:par>
+    </p:tnLst>
+  </p:timing>
 </p:sld>
 </file>
 
@@ -8100,13 +8162,20 @@
     </p:spTree>
     <p:extLst>
       <p:ext uri="{BB962C8B-B14F-4D97-AF65-F5344CB8AC3E}">
-        <p14:creationId xmlns:p14="http://schemas.microsoft.com/office/powerpoint/2010/main" xmlns="" val="1157039037"/>
+        <p14:creationId xmlns="" xmlns:p14="http://schemas.microsoft.com/office/powerpoint/2010/main" val="1157039037"/>
       </p:ext>
     </p:extLst>
   </p:cSld>
   <p:clrMapOvr>
     <a:masterClrMapping/>
   </p:clrMapOvr>
+  <p:timing>
+    <p:tnLst>
+      <p:par>
+        <p:cTn id="1" dur="indefinite" restart="never" nodeType="tmRoot"/>
+      </p:par>
+    </p:tnLst>
+  </p:timing>
 </p:sld>
 </file>
 
@@ -8352,13 +8421,20 @@
     </p:spTree>
     <p:extLst>
       <p:ext uri="{BB962C8B-B14F-4D97-AF65-F5344CB8AC3E}">
-        <p14:creationId xmlns:p14="http://schemas.microsoft.com/office/powerpoint/2010/main" xmlns="" val="1161006655"/>
+        <p14:creationId xmlns="" xmlns:p14="http://schemas.microsoft.com/office/powerpoint/2010/main" val="1161006655"/>
       </p:ext>
     </p:extLst>
   </p:cSld>
   <p:clrMapOvr>
     <a:masterClrMapping/>
   </p:clrMapOvr>
+  <p:timing>
+    <p:tnLst>
+      <p:par>
+        <p:cTn id="1" dur="indefinite" restart="never" nodeType="tmRoot"/>
+      </p:par>
+    </p:tnLst>
+  </p:timing>
 </p:sld>
 </file>
 
@@ -8577,13 +8653,20 @@
     </p:spTree>
     <p:extLst>
       <p:ext uri="{BB962C8B-B14F-4D97-AF65-F5344CB8AC3E}">
-        <p14:creationId xmlns:p14="http://schemas.microsoft.com/office/powerpoint/2010/main" xmlns="" val="3107128514"/>
+        <p14:creationId xmlns="" xmlns:p14="http://schemas.microsoft.com/office/powerpoint/2010/main" val="3107128514"/>
       </p:ext>
     </p:extLst>
   </p:cSld>
   <p:clrMapOvr>
     <a:masterClrMapping/>
   </p:clrMapOvr>
+  <p:timing>
+    <p:tnLst>
+      <p:par>
+        <p:cTn id="1" dur="indefinite" restart="never" nodeType="tmRoot"/>
+      </p:par>
+    </p:tnLst>
+  </p:timing>
 </p:sld>
 </file>
 
@@ -8746,13 +8829,20 @@
     </p:spTree>
     <p:extLst>
       <p:ext uri="{BB962C8B-B14F-4D97-AF65-F5344CB8AC3E}">
-        <p14:creationId xmlns:p14="http://schemas.microsoft.com/office/powerpoint/2010/main" xmlns="" val="202686773"/>
+        <p14:creationId xmlns="" xmlns:p14="http://schemas.microsoft.com/office/powerpoint/2010/main" val="202686773"/>
       </p:ext>
     </p:extLst>
   </p:cSld>
   <p:clrMapOvr>
     <a:masterClrMapping/>
   </p:clrMapOvr>
+  <p:timing>
+    <p:tnLst>
+      <p:par>
+        <p:cTn id="1" dur="indefinite" restart="never" nodeType="tmRoot"/>
+      </p:par>
+    </p:tnLst>
+  </p:timing>
 </p:sld>
 </file>
 
@@ -8921,13 +9011,20 @@
     </p:spTree>
     <p:extLst>
       <p:ext uri="{BB962C8B-B14F-4D97-AF65-F5344CB8AC3E}">
-        <p14:creationId xmlns:p14="http://schemas.microsoft.com/office/powerpoint/2010/main" xmlns="" val="1490306992"/>
+        <p14:creationId xmlns="" xmlns:p14="http://schemas.microsoft.com/office/powerpoint/2010/main" val="1490306992"/>
       </p:ext>
     </p:extLst>
   </p:cSld>
   <p:clrMapOvr>
     <a:masterClrMapping/>
   </p:clrMapOvr>
+  <p:timing>
+    <p:tnLst>
+      <p:par>
+        <p:cTn id="1" dur="indefinite" restart="never" nodeType="tmRoot"/>
+      </p:par>
+    </p:tnLst>
+  </p:timing>
 </p:sld>
 </file>
 
@@ -9158,13 +9255,20 @@
     </p:spTree>
     <p:extLst>
       <p:ext uri="{BB962C8B-B14F-4D97-AF65-F5344CB8AC3E}">
-        <p14:creationId xmlns:p14="http://schemas.microsoft.com/office/powerpoint/2010/main" xmlns="" val="2609893494"/>
+        <p14:creationId xmlns="" xmlns:p14="http://schemas.microsoft.com/office/powerpoint/2010/main" val="2609893494"/>
       </p:ext>
     </p:extLst>
   </p:cSld>
   <p:clrMapOvr>
     <a:masterClrMapping/>
   </p:clrMapOvr>
+  <p:timing>
+    <p:tnLst>
+      <p:par>
+        <p:cTn id="1" dur="indefinite" restart="never" nodeType="tmRoot"/>
+      </p:par>
+    </p:tnLst>
+  </p:timing>
 </p:sld>
 </file>
 
@@ -9328,13 +9432,20 @@
     </p:spTree>
     <p:extLst>
       <p:ext uri="{BB962C8B-B14F-4D97-AF65-F5344CB8AC3E}">
-        <p14:creationId xmlns:p14="http://schemas.microsoft.com/office/powerpoint/2010/main" xmlns="" val="2325078793"/>
+        <p14:creationId xmlns="" xmlns:p14="http://schemas.microsoft.com/office/powerpoint/2010/main" val="2325078793"/>
       </p:ext>
     </p:extLst>
   </p:cSld>
   <p:clrMapOvr>
     <a:masterClrMapping/>
   </p:clrMapOvr>
+  <p:timing>
+    <p:tnLst>
+      <p:par>
+        <p:cTn id="1" dur="indefinite" restart="never" nodeType="tmRoot"/>
+      </p:par>
+    </p:tnLst>
+  </p:timing>
 </p:sld>
 </file>
 
@@ -9360,7 +9471,7 @@
           <p:cNvPr id="2" name="Title 1">
             <a:extLst>
               <a:ext uri="{FF2B5EF4-FFF2-40B4-BE49-F238E27FC236}">
-                <a16:creationId xmlns:a16="http://schemas.microsoft.com/office/drawing/2014/main" xmlns="" id="{D3144BBF-69E2-47B3-A5D4-FB03B54F0F96}"/>
+                <a16:creationId xmlns="" xmlns:a16="http://schemas.microsoft.com/office/drawing/2014/main" id="{D3144BBF-69E2-47B3-A5D4-FB03B54F0F96}"/>
               </a:ext>
             </a:extLst>
           </p:cNvPr>
@@ -9388,7 +9499,7 @@
           <p:cNvPr id="3" name="Content Placeholder 2">
             <a:extLst>
               <a:ext uri="{FF2B5EF4-FFF2-40B4-BE49-F238E27FC236}">
-                <a16:creationId xmlns:a16="http://schemas.microsoft.com/office/drawing/2014/main" xmlns="" id="{B981305C-A702-4FE5-A134-6B1E026A73CE}"/>
+                <a16:creationId xmlns="" xmlns:a16="http://schemas.microsoft.com/office/drawing/2014/main" id="{B981305C-A702-4FE5-A134-6B1E026A73CE}"/>
               </a:ext>
             </a:extLst>
           </p:cNvPr>
@@ -9478,7 +9589,7 @@
           <p:cNvPr id="6" name="Slide Number Placeholder 5">
             <a:extLst>
               <a:ext uri="{FF2B5EF4-FFF2-40B4-BE49-F238E27FC236}">
-                <a16:creationId xmlns:a16="http://schemas.microsoft.com/office/drawing/2014/main" xmlns="" id="{E0B06360-FB4C-4A3F-AFC2-967508E6478B}"/>
+                <a16:creationId xmlns="" xmlns:a16="http://schemas.microsoft.com/office/drawing/2014/main" id="{E0B06360-FB4C-4A3F-AFC2-967508E6478B}"/>
               </a:ext>
             </a:extLst>
           </p:cNvPr>
@@ -9536,13 +9647,20 @@
     </p:spTree>
     <p:extLst>
       <p:ext uri="{BB962C8B-B14F-4D97-AF65-F5344CB8AC3E}">
-        <p14:creationId xmlns:p14="http://schemas.microsoft.com/office/powerpoint/2010/main" xmlns="" val="154311472"/>
+        <p14:creationId xmlns="" xmlns:p14="http://schemas.microsoft.com/office/powerpoint/2010/main" val="154311472"/>
       </p:ext>
     </p:extLst>
   </p:cSld>
   <p:clrMapOvr>
     <a:masterClrMapping/>
   </p:clrMapOvr>
+  <p:timing>
+    <p:tnLst>
+      <p:par>
+        <p:cTn id="1" dur="indefinite" restart="never" nodeType="tmRoot"/>
+      </p:par>
+    </p:tnLst>
+  </p:timing>
 </p:sld>
 </file>
 
@@ -9568,7 +9686,7 @@
           <p:cNvPr id="2" name="Title 1">
             <a:extLst>
               <a:ext uri="{FF2B5EF4-FFF2-40B4-BE49-F238E27FC236}">
-                <a16:creationId xmlns:a16="http://schemas.microsoft.com/office/drawing/2014/main" xmlns="" id="{0A921011-18FC-475B-B283-A4E0D7C676E2}"/>
+                <a16:creationId xmlns="" xmlns:a16="http://schemas.microsoft.com/office/drawing/2014/main" id="{0A921011-18FC-475B-B283-A4E0D7C676E2}"/>
               </a:ext>
             </a:extLst>
           </p:cNvPr>
@@ -9596,7 +9714,7 @@
           <p:cNvPr id="3" name="Content Placeholder 2">
             <a:extLst>
               <a:ext uri="{FF2B5EF4-FFF2-40B4-BE49-F238E27FC236}">
-                <a16:creationId xmlns:a16="http://schemas.microsoft.com/office/drawing/2014/main" xmlns="" id="{E519EC20-1B41-4FDC-B979-74F142F690A2}"/>
+                <a16:creationId xmlns="" xmlns:a16="http://schemas.microsoft.com/office/drawing/2014/main" id="{E519EC20-1B41-4FDC-B979-74F142F690A2}"/>
               </a:ext>
             </a:extLst>
           </p:cNvPr>
@@ -9650,7 +9768,7 @@
           <p:cNvPr id="6" name="Slide Number Placeholder 5">
             <a:extLst>
               <a:ext uri="{FF2B5EF4-FFF2-40B4-BE49-F238E27FC236}">
-                <a16:creationId xmlns:a16="http://schemas.microsoft.com/office/drawing/2014/main" xmlns="" id="{2BFBBD55-E3C1-4C22-8665-BC6CC0B5B10F}"/>
+                <a16:creationId xmlns="" xmlns:a16="http://schemas.microsoft.com/office/drawing/2014/main" id="{2BFBBD55-E3C1-4C22-8665-BC6CC0B5B10F}"/>
               </a:ext>
             </a:extLst>
           </p:cNvPr>
@@ -9708,13 +9826,20 @@
     </p:spTree>
     <p:extLst>
       <p:ext uri="{BB962C8B-B14F-4D97-AF65-F5344CB8AC3E}">
-        <p14:creationId xmlns:p14="http://schemas.microsoft.com/office/powerpoint/2010/main" xmlns="" val="2701822725"/>
+        <p14:creationId xmlns="" xmlns:p14="http://schemas.microsoft.com/office/powerpoint/2010/main" val="2701822725"/>
       </p:ext>
     </p:extLst>
   </p:cSld>
   <p:clrMapOvr>
     <a:masterClrMapping/>
   </p:clrMapOvr>
+  <p:timing>
+    <p:tnLst>
+      <p:par>
+        <p:cTn id="1" dur="indefinite" restart="never" nodeType="tmRoot"/>
+      </p:par>
+    </p:tnLst>
+  </p:timing>
 </p:sld>
 </file>
 
@@ -9935,7 +10060,7 @@
           <p:cNvPr id="7" name="Text Box 2">
             <a:extLst>
               <a:ext uri="{FF2B5EF4-FFF2-40B4-BE49-F238E27FC236}">
-                <a16:creationId xmlns:a16="http://schemas.microsoft.com/office/drawing/2014/main" xmlns="" id="{FCE9DDDC-8F7E-44FA-97F1-BF6F02C1B1A8}"/>
+                <a16:creationId xmlns="" xmlns:a16="http://schemas.microsoft.com/office/drawing/2014/main" id="{FCE9DDDC-8F7E-44FA-97F1-BF6F02C1B1A8}"/>
               </a:ext>
             </a:extLst>
           </p:cNvPr>
@@ -10043,13 +10168,20 @@
     </p:spTree>
     <p:extLst>
       <p:ext uri="{BB962C8B-B14F-4D97-AF65-F5344CB8AC3E}">
-        <p14:creationId xmlns:p14="http://schemas.microsoft.com/office/powerpoint/2010/main" xmlns="" val="3854217108"/>
+        <p14:creationId xmlns="" xmlns:p14="http://schemas.microsoft.com/office/powerpoint/2010/main" val="3854217108"/>
       </p:ext>
     </p:extLst>
   </p:cSld>
   <p:clrMapOvr>
     <a:masterClrMapping/>
   </p:clrMapOvr>
+  <p:timing>
+    <p:tnLst>
+      <p:par>
+        <p:cTn id="1" dur="indefinite" restart="never" nodeType="tmRoot"/>
+      </p:par>
+    </p:tnLst>
+  </p:timing>
 </p:sld>
 </file>
 
@@ -10181,7 +10313,7 @@
           <p:cNvPr id="7" name="Text Box 2">
             <a:extLst>
               <a:ext uri="{FF2B5EF4-FFF2-40B4-BE49-F238E27FC236}">
-                <a16:creationId xmlns:a16="http://schemas.microsoft.com/office/drawing/2014/main" xmlns="" id="{F5F1EF1B-FDCC-44CE-90EB-0CB7313C951B}"/>
+                <a16:creationId xmlns="" xmlns:a16="http://schemas.microsoft.com/office/drawing/2014/main" id="{F5F1EF1B-FDCC-44CE-90EB-0CB7313C951B}"/>
               </a:ext>
             </a:extLst>
           </p:cNvPr>
@@ -10207,7 +10339,7 @@
           <a:effectLst/>
           <a:extLst>
             <a:ext uri="{91240B29-F687-4F45-9708-019B960494DF}">
-              <a14:hiddenLine xmlns:a14="http://schemas.microsoft.com/office/drawing/2010/main" xmlns="" w="9525">
+              <a14:hiddenLine xmlns="" xmlns:a14="http://schemas.microsoft.com/office/drawing/2010/main" w="9525">
                 <a:solidFill>
                   <a:schemeClr val="tx1"/>
                 </a:solidFill>
@@ -10217,7 +10349,7 @@
               </a14:hiddenLine>
             </a:ext>
             <a:ext uri="{AF507438-7753-43E0-B8FC-AC1667EBCBE1}">
-              <a14:hiddenEffects xmlns:a14="http://schemas.microsoft.com/office/drawing/2010/main" xmlns="">
+              <a14:hiddenEffects xmlns="" xmlns:a14="http://schemas.microsoft.com/office/drawing/2010/main">
                 <a:effectLst>
                   <a:outerShdw blurRad="63500" dist="38099" dir="2700000" algn="ctr" rotWithShape="0">
                     <a:schemeClr val="bg2">
@@ -10965,13 +11097,20 @@
     </p:spTree>
     <p:extLst>
       <p:ext uri="{BB962C8B-B14F-4D97-AF65-F5344CB8AC3E}">
-        <p14:creationId xmlns:p14="http://schemas.microsoft.com/office/powerpoint/2010/main" xmlns="" val="2052681984"/>
+        <p14:creationId xmlns="" xmlns:p14="http://schemas.microsoft.com/office/powerpoint/2010/main" val="2052681984"/>
       </p:ext>
     </p:extLst>
   </p:cSld>
   <p:clrMapOvr>
     <a:masterClrMapping/>
   </p:clrMapOvr>
+  <p:timing>
+    <p:tnLst>
+      <p:par>
+        <p:cTn id="1" dur="indefinite" restart="never" nodeType="tmRoot"/>
+      </p:par>
+    </p:tnLst>
+  </p:timing>
 </p:sld>
 </file>
 
@@ -11102,7 +11241,7 @@
           <p:cNvPr id="8" name="Text Box 2">
             <a:extLst>
               <a:ext uri="{FF2B5EF4-FFF2-40B4-BE49-F238E27FC236}">
-                <a16:creationId xmlns:a16="http://schemas.microsoft.com/office/drawing/2014/main" xmlns="" id="{5B1405A6-0C74-4EF0-8929-81614C79A953}"/>
+                <a16:creationId xmlns="" xmlns:a16="http://schemas.microsoft.com/office/drawing/2014/main" id="{5B1405A6-0C74-4EF0-8929-81614C79A953}"/>
               </a:ext>
             </a:extLst>
           </p:cNvPr>
@@ -11128,7 +11267,7 @@
           <a:effectLst/>
           <a:extLst>
             <a:ext uri="{91240B29-F687-4F45-9708-019B960494DF}">
-              <a14:hiddenLine xmlns:a14="http://schemas.microsoft.com/office/drawing/2010/main" xmlns="" w="9525">
+              <a14:hiddenLine xmlns="" xmlns:a14="http://schemas.microsoft.com/office/drawing/2010/main" w="9525">
                 <a:solidFill>
                   <a:schemeClr val="tx1"/>
                 </a:solidFill>
@@ -11138,7 +11277,7 @@
               </a14:hiddenLine>
             </a:ext>
             <a:ext uri="{AF507438-7753-43E0-B8FC-AC1667EBCBE1}">
-              <a14:hiddenEffects xmlns:a14="http://schemas.microsoft.com/office/drawing/2010/main" xmlns="">
+              <a14:hiddenEffects xmlns="" xmlns:a14="http://schemas.microsoft.com/office/drawing/2010/main">
                 <a:effectLst>
                   <a:outerShdw blurRad="63500" dist="38099" dir="2700000" algn="ctr" rotWithShape="0">
                     <a:schemeClr val="bg2">
@@ -11261,7 +11400,7 @@
           <p:cNvPr id="9" name="Text Box 4">
             <a:extLst>
               <a:ext uri="{FF2B5EF4-FFF2-40B4-BE49-F238E27FC236}">
-                <a16:creationId xmlns:a16="http://schemas.microsoft.com/office/drawing/2014/main" xmlns="" id="{CCB8AA77-4B0D-4B6B-82D7-3BA5489CF8EC}"/>
+                <a16:creationId xmlns="" xmlns:a16="http://schemas.microsoft.com/office/drawing/2014/main" id="{CCB8AA77-4B0D-4B6B-82D7-3BA5489CF8EC}"/>
               </a:ext>
             </a:extLst>
           </p:cNvPr>
@@ -11285,14 +11424,14 @@
           <a:effectLst/>
           <a:extLst>
             <a:ext uri="{909E8E84-426E-40DD-AFC4-6F175D3DCCD1}">
-              <a14:hiddenFill xmlns:a14="http://schemas.microsoft.com/office/drawing/2010/main" xmlns="">
+              <a14:hiddenFill xmlns="" xmlns:a14="http://schemas.microsoft.com/office/drawing/2010/main">
                 <a:solidFill>
                   <a:schemeClr val="accent1"/>
                 </a:solidFill>
               </a14:hiddenFill>
             </a:ext>
             <a:ext uri="{91240B29-F687-4F45-9708-019B960494DF}">
-              <a14:hiddenLine xmlns:a14="http://schemas.microsoft.com/office/drawing/2010/main" xmlns="" w="9525">
+              <a14:hiddenLine xmlns="" xmlns:a14="http://schemas.microsoft.com/office/drawing/2010/main" w="9525">
                 <a:solidFill>
                   <a:schemeClr val="tx1"/>
                 </a:solidFill>
@@ -11302,7 +11441,7 @@
               </a14:hiddenLine>
             </a:ext>
             <a:ext uri="{AF507438-7753-43E0-B8FC-AC1667EBCBE1}">
-              <a14:hiddenEffects xmlns:a14="http://schemas.microsoft.com/office/drawing/2010/main" xmlns="">
+              <a14:hiddenEffects xmlns="" xmlns:a14="http://schemas.microsoft.com/office/drawing/2010/main">
                 <a:effectLst>
                   <a:outerShdw blurRad="63500" dist="38099" dir="2700000" algn="ctr" rotWithShape="0">
                     <a:schemeClr val="bg2">
@@ -11501,13 +11640,20 @@
     </p:spTree>
     <p:extLst>
       <p:ext uri="{BB962C8B-B14F-4D97-AF65-F5344CB8AC3E}">
-        <p14:creationId xmlns:p14="http://schemas.microsoft.com/office/powerpoint/2010/main" xmlns="" val="1983291541"/>
+        <p14:creationId xmlns="" xmlns:p14="http://schemas.microsoft.com/office/powerpoint/2010/main" val="1983291541"/>
       </p:ext>
     </p:extLst>
   </p:cSld>
   <p:clrMapOvr>
     <a:masterClrMapping/>
   </p:clrMapOvr>
+  <p:timing>
+    <p:tnLst>
+      <p:par>
+        <p:cTn id="1" dur="indefinite" restart="never" nodeType="tmRoot"/>
+      </p:par>
+    </p:tnLst>
+  </p:timing>
 </p:sld>
 </file>
 
@@ -11533,7 +11679,7 @@
           <p:cNvPr id="2" name="Title 1">
             <a:extLst>
               <a:ext uri="{FF2B5EF4-FFF2-40B4-BE49-F238E27FC236}">
-                <a16:creationId xmlns:a16="http://schemas.microsoft.com/office/drawing/2014/main" xmlns="" id="{0A921011-18FC-475B-B283-A4E0D7C676E2}"/>
+                <a16:creationId xmlns="" xmlns:a16="http://schemas.microsoft.com/office/drawing/2014/main" id="{0A921011-18FC-475B-B283-A4E0D7C676E2}"/>
               </a:ext>
             </a:extLst>
           </p:cNvPr>
@@ -11561,7 +11707,7 @@
           <p:cNvPr id="3" name="Content Placeholder 2">
             <a:extLst>
               <a:ext uri="{FF2B5EF4-FFF2-40B4-BE49-F238E27FC236}">
-                <a16:creationId xmlns:a16="http://schemas.microsoft.com/office/drawing/2014/main" xmlns="" id="{E519EC20-1B41-4FDC-B979-74F142F690A2}"/>
+                <a16:creationId xmlns="" xmlns:a16="http://schemas.microsoft.com/office/drawing/2014/main" id="{E519EC20-1B41-4FDC-B979-74F142F690A2}"/>
               </a:ext>
             </a:extLst>
           </p:cNvPr>
@@ -11612,7 +11758,7 @@
           <p:cNvPr id="6" name="Slide Number Placeholder 5">
             <a:extLst>
               <a:ext uri="{FF2B5EF4-FFF2-40B4-BE49-F238E27FC236}">
-                <a16:creationId xmlns:a16="http://schemas.microsoft.com/office/drawing/2014/main" xmlns="" id="{2BFBBD55-E3C1-4C22-8665-BC6CC0B5B10F}"/>
+                <a16:creationId xmlns="" xmlns:a16="http://schemas.microsoft.com/office/drawing/2014/main" id="{2BFBBD55-E3C1-4C22-8665-BC6CC0B5B10F}"/>
               </a:ext>
             </a:extLst>
           </p:cNvPr>
@@ -11671,13 +11817,20 @@
     </p:spTree>
     <p:extLst>
       <p:ext uri="{BB962C8B-B14F-4D97-AF65-F5344CB8AC3E}">
-        <p14:creationId xmlns:p14="http://schemas.microsoft.com/office/powerpoint/2010/main" xmlns="" val="2735913249"/>
+        <p14:creationId xmlns="" xmlns:p14="http://schemas.microsoft.com/office/powerpoint/2010/main" val="2735913249"/>
       </p:ext>
     </p:extLst>
   </p:cSld>
   <p:clrMapOvr>
     <a:masterClrMapping/>
   </p:clrMapOvr>
+  <p:timing>
+    <p:tnLst>
+      <p:par>
+        <p:cTn id="1" dur="indefinite" restart="never" nodeType="tmRoot"/>
+      </p:par>
+    </p:tnLst>
+  </p:timing>
 </p:sld>
 </file>
 
@@ -11863,13 +12016,20 @@
     </p:spTree>
     <p:extLst>
       <p:ext uri="{BB962C8B-B14F-4D97-AF65-F5344CB8AC3E}">
-        <p14:creationId xmlns:p14="http://schemas.microsoft.com/office/powerpoint/2010/main" xmlns="" val="51204498"/>
+        <p14:creationId xmlns="" xmlns:p14="http://schemas.microsoft.com/office/powerpoint/2010/main" val="51204498"/>
       </p:ext>
     </p:extLst>
   </p:cSld>
   <p:clrMapOvr>
     <a:masterClrMapping/>
   </p:clrMapOvr>
+  <p:timing>
+    <p:tnLst>
+      <p:par>
+        <p:cTn id="1" dur="indefinite" restart="never" nodeType="tmRoot"/>
+      </p:par>
+    </p:tnLst>
+  </p:timing>
 </p:sld>
 </file>
 
@@ -12124,13 +12284,20 @@
     </p:spTree>
     <p:extLst>
       <p:ext uri="{BB962C8B-B14F-4D97-AF65-F5344CB8AC3E}">
-        <p14:creationId xmlns:p14="http://schemas.microsoft.com/office/powerpoint/2010/main" xmlns="" val="355146014"/>
+        <p14:creationId xmlns="" xmlns:p14="http://schemas.microsoft.com/office/powerpoint/2010/main" val="355146014"/>
       </p:ext>
     </p:extLst>
   </p:cSld>
   <p:clrMapOvr>
     <a:masterClrMapping/>
   </p:clrMapOvr>
+  <p:timing>
+    <p:tnLst>
+      <p:par>
+        <p:cTn id="1" dur="indefinite" restart="never" nodeType="tmRoot"/>
+      </p:par>
+    </p:tnLst>
+  </p:timing>
 </p:sld>
 </file>
 
@@ -12168,7 +12335,7 @@
           <a:p>
             <a:r>
               <a:rPr lang="en-US" dirty="0"/>
-              <a:t>Using Linters</a:t>
+              <a:t>Advantages to using Linters</a:t>
             </a:r>
             <a:endParaRPr lang="en-CA" dirty="0"/>
           </a:p>
@@ -12198,16 +12365,24 @@
           <a:p>
             <a:r>
               <a:rPr lang="en-US" dirty="0"/>
-              <a:t>Automated code checks before landing your code to the default branch of your repository</a:t>
-            </a:r>
-          </a:p>
-          <a:p>
+              <a:t>Quicker, and more powerful code reviews</a:t>
+            </a:r>
+          </a:p>
+          <a:p>
+            <a:pPr lvl="1"/>
+            <a:r>
+              <a:rPr lang="en-US" dirty="0"/>
+              <a:t>People can spend more time on the internals rather than the structure</a:t>
+            </a:r>
+          </a:p>
+          <a:p>
+            <a:pPr lvl="1"/>
             <a:endParaRPr lang="en-US" dirty="0"/>
           </a:p>
           <a:p>
             <a:r>
               <a:rPr lang="en-US" dirty="0"/>
-              <a:t>Usually happens during code reviews with some form of continuous integration (CI) tooling</a:t>
+              <a:t>Consistent code quality</a:t>
             </a:r>
           </a:p>
           <a:p>
@@ -12216,11 +12391,24 @@
           <a:p>
             <a:r>
               <a:rPr lang="en-US" dirty="0"/>
-              <a:t>Running these linters locally will (in most cases) automatically reformat your code</a:t>
+              <a:t>Enforcement of organizational standards</a:t>
             </a:r>
           </a:p>
           <a:p>
             <a:endParaRPr lang="en-US" dirty="0"/>
+          </a:p>
+          <a:p>
+            <a:r>
+              <a:rPr lang="en-US" dirty="0"/>
+              <a:t>No need to stress about your formatting anymore</a:t>
+            </a:r>
+          </a:p>
+          <a:p>
+            <a:pPr lvl="1"/>
+            <a:r>
+              <a:rPr lang="en-US" dirty="0"/>
+              <a:t>E.g. a misplaced curly brace `{` on line 10,276</a:t>
+            </a:r>
           </a:p>
         </p:txBody>
       </p:sp>
@@ -12276,13 +12464,20 @@
     </p:spTree>
     <p:extLst>
       <p:ext uri="{BB962C8B-B14F-4D97-AF65-F5344CB8AC3E}">
-        <p14:creationId xmlns:p14="http://schemas.microsoft.com/office/powerpoint/2010/main" xmlns="" val="3357882366"/>
+        <p14:creationId xmlns="" xmlns:p14="http://schemas.microsoft.com/office/powerpoint/2010/main" val="2425407270"/>
       </p:ext>
     </p:extLst>
   </p:cSld>
   <p:clrMapOvr>
     <a:masterClrMapping/>
   </p:clrMapOvr>
+  <p:timing>
+    <p:tnLst>
+      <p:par>
+        <p:cTn id="1" dur="indefinite" restart="never" nodeType="tmRoot"/>
+      </p:par>
+    </p:tnLst>
+  </p:timing>
 </p:sld>
 </file>
 
@@ -12320,7 +12515,7 @@
           <a:p>
             <a:r>
               <a:rPr lang="en-US" dirty="0"/>
-              <a:t>Advantages to using Linters</a:t>
+              <a:t>Key Points for Errors/Exceptions</a:t>
             </a:r>
             <a:endParaRPr lang="en-CA" dirty="0"/>
           </a:p>
@@ -12339,7 +12534,7 @@
         <p:spPr>
           <a:xfrm>
             <a:off x="640874" y="1168401"/>
-            <a:ext cx="10515600" cy="4399753"/>
+            <a:ext cx="10515600" cy="4966928"/>
           </a:xfrm>
         </p:spPr>
         <p:txBody>
@@ -12349,51 +12544,75 @@
           <a:lstStyle/>
           <a:p>
             <a:r>
-              <a:rPr lang="en-US" dirty="0"/>
-              <a:t>Quicker, and more powerful code reviews</a:t>
+              <a:rPr lang="en-US" altLang="en-US" dirty="0">
+                <a:ea typeface="ＭＳ Ｐゴシック" panose="020B0600070205080204" pitchFamily="34" charset="-128"/>
+              </a:rPr>
+              <a:t>Errors are internal, exceptions are external</a:t>
+            </a:r>
+          </a:p>
+          <a:p>
+            <a:endParaRPr lang="en-US" altLang="en-US" dirty="0">
+              <a:ea typeface="ＭＳ Ｐゴシック" panose="020B0600070205080204" pitchFamily="34" charset="-128"/>
+            </a:endParaRPr>
+          </a:p>
+          <a:p>
+            <a:r>
+              <a:rPr lang="en-US" altLang="en-US" dirty="0">
+                <a:ea typeface="ＭＳ Ｐゴシック" panose="020B0600070205080204" pitchFamily="34" charset="-128"/>
+              </a:rPr>
+              <a:t>Check and sanitize input before doing anything</a:t>
             </a:r>
           </a:p>
           <a:p>
             <a:pPr lvl="1"/>
             <a:r>
-              <a:rPr lang="en-US" dirty="0"/>
-              <a:t>People can spend more time on the internals rather than the structure</a:t>
+              <a:rPr lang="en-US" altLang="en-US" dirty="0">
+                <a:ea typeface="ＭＳ Ｐゴシック" panose="020B0600070205080204" pitchFamily="34" charset="-128"/>
+              </a:rPr>
+              <a:t>Setup default values if needed</a:t>
             </a:r>
           </a:p>
           <a:p>
             <a:pPr lvl="1"/>
-            <a:endParaRPr lang="en-US" dirty="0"/>
-          </a:p>
-          <a:p>
-            <a:r>
-              <a:rPr lang="en-US" dirty="0"/>
-              <a:t>Consistent code quality</a:t>
-            </a:r>
-          </a:p>
-          <a:p>
-            <a:endParaRPr lang="en-US" dirty="0"/>
-          </a:p>
-          <a:p>
-            <a:r>
-              <a:rPr lang="en-US" dirty="0"/>
-              <a:t>Enforcement of organizational standards</a:t>
-            </a:r>
-          </a:p>
-          <a:p>
-            <a:endParaRPr lang="en-US" dirty="0"/>
-          </a:p>
-          <a:p>
-            <a:r>
-              <a:rPr lang="en-US" dirty="0"/>
-              <a:t>No need to stress about your formatting anymore</a:t>
+            <a:r>
+              <a:rPr lang="en-US" altLang="en-US" dirty="0">
+                <a:ea typeface="ＭＳ Ｐゴシック" panose="020B0600070205080204" pitchFamily="34" charset="-128"/>
+              </a:rPr>
+              <a:t>Raise exceptions when you can’t set a default value.</a:t>
             </a:r>
           </a:p>
           <a:p>
             <a:pPr lvl="1"/>
-            <a:r>
-              <a:rPr lang="en-US" dirty="0"/>
-              <a:t>E.g. a misplaced curly brace `{` on line 10,276</a:t>
-            </a:r>
+            <a:endParaRPr lang="en-US" altLang="en-US" dirty="0">
+              <a:ea typeface="ＭＳ Ｐゴシック" panose="020B0600070205080204" pitchFamily="34" charset="-128"/>
+            </a:endParaRPr>
+          </a:p>
+          <a:p>
+            <a:r>
+              <a:rPr lang="en-US" altLang="en-US" dirty="0">
+                <a:ea typeface="ＭＳ Ｐゴシック" panose="020B0600070205080204" pitchFamily="34" charset="-128"/>
+              </a:rPr>
+              <a:t>Put try/catch around crucial pieces of code that can potentially crash your program, not everything.</a:t>
+            </a:r>
+          </a:p>
+          <a:p>
+            <a:pPr lvl="1"/>
+            <a:r>
+              <a:rPr lang="en-US" altLang="en-US" dirty="0">
+                <a:ea typeface="ＭＳ Ｐゴシック" panose="020B0600070205080204" pitchFamily="34" charset="-128"/>
+              </a:rPr>
+              <a:t>These are areas that you have less control over (e.g. making a network request, file manipulations, using source-code from dependencies, running external programs).</a:t>
+            </a:r>
+          </a:p>
+          <a:p>
+            <a:endParaRPr lang="en-US" altLang="en-US" dirty="0">
+              <a:ea typeface="ＭＳ Ｐゴシック" panose="020B0600070205080204" pitchFamily="34" charset="-128"/>
+            </a:endParaRPr>
+          </a:p>
+          <a:p>
+            <a:endParaRPr lang="en-US" altLang="en-US" dirty="0">
+              <a:ea typeface="ＭＳ Ｐゴシック" panose="020B0600070205080204" pitchFamily="34" charset="-128"/>
+            </a:endParaRPr>
           </a:p>
         </p:txBody>
       </p:sp>
@@ -12449,13 +12668,20 @@
     </p:spTree>
     <p:extLst>
       <p:ext uri="{BB962C8B-B14F-4D97-AF65-F5344CB8AC3E}">
-        <p14:creationId xmlns:p14="http://schemas.microsoft.com/office/powerpoint/2010/main" xmlns="" val="2425407270"/>
+        <p14:creationId xmlns="" xmlns:p14="http://schemas.microsoft.com/office/powerpoint/2010/main" val="839201425"/>
       </p:ext>
     </p:extLst>
   </p:cSld>
   <p:clrMapOvr>
     <a:masterClrMapping/>
   </p:clrMapOvr>
+  <p:timing>
+    <p:tnLst>
+      <p:par>
+        <p:cTn id="1" dur="indefinite" restart="never" nodeType="tmRoot"/>
+      </p:par>
+    </p:tnLst>
+  </p:timing>
 </p:sld>
 </file>
 
@@ -12525,7 +12751,7 @@
               <a:rPr lang="en-US" altLang="en-US" dirty="0">
                 <a:ea typeface="ＭＳ Ｐゴシック" panose="020B0600070205080204" pitchFamily="34" charset="-128"/>
               </a:rPr>
-              <a:t>Errors are internal, exceptions are external</a:t>
+              <a:t>When building large programs, remember where you generate and catch exceptions. Sometimes you maybe duplicating code and some catch code becomes unreachable as you always catch an exception earlier.</a:t>
             </a:r>
           </a:p>
           <a:p>
@@ -12538,54 +12764,8 @@
               <a:rPr lang="en-US" altLang="en-US" dirty="0">
                 <a:ea typeface="ＭＳ Ｐゴシック" panose="020B0600070205080204" pitchFamily="34" charset="-128"/>
               </a:rPr>
-              <a:t>Check and sanitize input before doing anything</a:t>
-            </a:r>
-          </a:p>
-          <a:p>
-            <a:pPr lvl="1"/>
-            <a:r>
-              <a:rPr lang="en-US" altLang="en-US" dirty="0">
-                <a:ea typeface="ＭＳ Ｐゴシック" panose="020B0600070205080204" pitchFamily="34" charset="-128"/>
-              </a:rPr>
-              <a:t>Setup default values if needed</a:t>
-            </a:r>
-          </a:p>
-          <a:p>
-            <a:pPr lvl="1"/>
-            <a:r>
-              <a:rPr lang="en-US" altLang="en-US" dirty="0">
-                <a:ea typeface="ＭＳ Ｐゴシック" panose="020B0600070205080204" pitchFamily="34" charset="-128"/>
-              </a:rPr>
-              <a:t>Raise exceptions when you can’t set a default value.</a:t>
-            </a:r>
-          </a:p>
-          <a:p>
-            <a:pPr lvl="1"/>
-            <a:endParaRPr lang="en-US" altLang="en-US" dirty="0">
-              <a:ea typeface="ＭＳ Ｐゴシック" panose="020B0600070205080204" pitchFamily="34" charset="-128"/>
-            </a:endParaRPr>
-          </a:p>
-          <a:p>
-            <a:r>
-              <a:rPr lang="en-US" altLang="en-US" dirty="0">
-                <a:ea typeface="ＭＳ Ｐゴシック" panose="020B0600070205080204" pitchFamily="34" charset="-128"/>
-              </a:rPr>
-              <a:t>Put try/catch around crucial pieces of code that can potentially crash your program, not everything.</a:t>
-            </a:r>
-          </a:p>
-          <a:p>
-            <a:pPr lvl="1"/>
-            <a:r>
-              <a:rPr lang="en-US" altLang="en-US" dirty="0">
-                <a:ea typeface="ＭＳ Ｐゴシック" panose="020B0600070205080204" pitchFamily="34" charset="-128"/>
-              </a:rPr>
-              <a:t>These are areas that you have less control over (e.g. making a network request, file manipulations, using source-code from dependencies, running external programs).</a:t>
-            </a:r>
-          </a:p>
-          <a:p>
-            <a:endParaRPr lang="en-US" altLang="en-US" dirty="0">
-              <a:ea typeface="ＭＳ Ｐゴシック" panose="020B0600070205080204" pitchFamily="34" charset="-128"/>
-            </a:endParaRPr>
+              <a:t>Logging is incredibly important for debugging errors!</a:t>
+            </a:r>
           </a:p>
           <a:p>
             <a:endParaRPr lang="en-US" altLang="en-US" dirty="0">
@@ -12646,13 +12826,20 @@
     </p:spTree>
     <p:extLst>
       <p:ext uri="{BB962C8B-B14F-4D97-AF65-F5344CB8AC3E}">
-        <p14:creationId xmlns:p14="http://schemas.microsoft.com/office/powerpoint/2010/main" xmlns="" val="839201425"/>
+        <p14:creationId xmlns="" xmlns:p14="http://schemas.microsoft.com/office/powerpoint/2010/main" val="2336250104"/>
       </p:ext>
     </p:extLst>
   </p:cSld>
   <p:clrMapOvr>
     <a:masterClrMapping/>
   </p:clrMapOvr>
+  <p:timing>
+    <p:tnLst>
+      <p:par>
+        <p:cTn id="1" dur="indefinite" restart="never" nodeType="tmRoot"/>
+      </p:par>
+    </p:tnLst>
+  </p:timing>
 </p:sld>
 </file>
 
@@ -12709,7 +12896,7 @@
         <p:spPr>
           <a:xfrm>
             <a:off x="640874" y="1168401"/>
-            <a:ext cx="10515600" cy="4966928"/>
+            <a:ext cx="10515600" cy="4399753"/>
           </a:xfrm>
         </p:spPr>
         <p:txBody>
@@ -12722,20 +12909,25 @@
               <a:rPr lang="en-US" altLang="en-US" dirty="0">
                 <a:ea typeface="ＭＳ Ｐゴシック" panose="020B0600070205080204" pitchFamily="34" charset="-128"/>
               </a:rPr>
-              <a:t>When building large programs, remember where you generate and catch exceptions. Sometimes you maybe duplicating code and some catch code becomes unreachable as you always catch an exception earlier.</a:t>
-            </a:r>
-          </a:p>
-          <a:p>
-            <a:endParaRPr lang="en-US" altLang="en-US" dirty="0">
-              <a:ea typeface="ＭＳ Ｐゴシック" panose="020B0600070205080204" pitchFamily="34" charset="-128"/>
-            </a:endParaRPr>
-          </a:p>
-          <a:p>
+              <a:t>These become really important in weakly-typed languages!</a:t>
+            </a:r>
+          </a:p>
+          <a:p>
+            <a:pPr lvl="1"/>
             <a:r>
               <a:rPr lang="en-US" altLang="en-US" dirty="0">
                 <a:ea typeface="ＭＳ Ｐゴシック" panose="020B0600070205080204" pitchFamily="34" charset="-128"/>
               </a:rPr>
-              <a:t>Logging is incredibly important for debugging errors!</a:t>
+              <a:t>You can pass any type as any parameter in any method</a:t>
+            </a:r>
+          </a:p>
+          <a:p>
+            <a:pPr lvl="1"/>
+            <a:r>
+              <a:rPr lang="en-US" altLang="en-US" dirty="0">
+                <a:ea typeface="ＭＳ Ｐゴシック" panose="020B0600070205080204" pitchFamily="34" charset="-128"/>
+              </a:rPr>
+              <a:t>Exceptions will help</a:t>
             </a:r>
           </a:p>
           <a:p>
@@ -12797,13 +12989,20 @@
     </p:spTree>
     <p:extLst>
       <p:ext uri="{BB962C8B-B14F-4D97-AF65-F5344CB8AC3E}">
-        <p14:creationId xmlns:p14="http://schemas.microsoft.com/office/powerpoint/2010/main" xmlns="" val="2336250104"/>
+        <p14:creationId xmlns="" xmlns:p14="http://schemas.microsoft.com/office/powerpoint/2010/main" val="51877935"/>
       </p:ext>
     </p:extLst>
   </p:cSld>
   <p:clrMapOvr>
     <a:masterClrMapping/>
   </p:clrMapOvr>
+  <p:timing>
+    <p:tnLst>
+      <p:par>
+        <p:cTn id="1" dur="indefinite" restart="never" nodeType="tmRoot"/>
+      </p:par>
+    </p:tnLst>
+  </p:timing>
 </p:sld>
 </file>
 
@@ -12873,16 +13072,19 @@
               <a:rPr lang="en-US" altLang="en-US" dirty="0">
                 <a:ea typeface="ＭＳ Ｐゴシック" panose="020B0600070205080204" pitchFamily="34" charset="-128"/>
               </a:rPr>
-              <a:t>These become really important in weakly-typed languages!</a:t>
-            </a:r>
-          </a:p>
-          <a:p>
-            <a:pPr lvl="1"/>
+              <a:t>Keyboard Interrupts (</a:t>
+            </a:r>
+            <a:r>
+              <a:rPr lang="en-US" altLang="en-US" dirty="0" err="1">
+                <a:ea typeface="ＭＳ Ｐゴシック" panose="020B0600070205080204" pitchFamily="34" charset="-128"/>
+              </a:rPr>
+              <a:t>Ctrl+C</a:t>
+            </a:r>
             <a:r>
               <a:rPr lang="en-US" altLang="en-US" dirty="0">
                 <a:ea typeface="ＭＳ Ｐゴシック" panose="020B0600070205080204" pitchFamily="34" charset="-128"/>
               </a:rPr>
-              <a:t>You can pass any type as any parameter in any method</a:t>
+              <a:t>) </a:t>
             </a:r>
           </a:p>
           <a:p>
@@ -12891,13 +13093,35 @@
               <a:rPr lang="en-US" altLang="en-US" dirty="0">
                 <a:ea typeface="ＭＳ Ｐゴシック" panose="020B0600070205080204" pitchFamily="34" charset="-128"/>
               </a:rPr>
-              <a:t>Exceptions will help</a:t>
-            </a:r>
-          </a:p>
-          <a:p>
+              <a:t>There are cases where you absolutely want to catch these to prevent data corruption</a:t>
+            </a:r>
+          </a:p>
+          <a:p>
+            <a:pPr lvl="1"/>
             <a:endParaRPr lang="en-US" altLang="en-US" dirty="0">
               <a:ea typeface="ＭＳ Ｐゴシック" panose="020B0600070205080204" pitchFamily="34" charset="-128"/>
             </a:endParaRPr>
+          </a:p>
+          <a:p>
+            <a:pPr lvl="1"/>
+            <a:r>
+              <a:rPr lang="en-US" altLang="en-US" dirty="0">
+                <a:ea typeface="ＭＳ Ｐゴシック" panose="020B0600070205080204" pitchFamily="34" charset="-128"/>
+              </a:rPr>
+              <a:t>In general, don’t catch these or make a routine that handles a special shutdown on (</a:t>
+            </a:r>
+            <a:r>
+              <a:rPr lang="en-US" altLang="en-US" dirty="0" err="1">
+                <a:ea typeface="ＭＳ Ｐゴシック" panose="020B0600070205080204" pitchFamily="34" charset="-128"/>
+              </a:rPr>
+              <a:t>Ctrl+C</a:t>
+            </a:r>
+            <a:r>
+              <a:rPr lang="en-US" altLang="en-US" dirty="0">
+                <a:ea typeface="ＭＳ Ｐゴシック" panose="020B0600070205080204" pitchFamily="34" charset="-128"/>
+              </a:rPr>
+              <a:t>) for critical pieces</a:t>
+            </a:r>
           </a:p>
         </p:txBody>
       </p:sp>
@@ -12953,13 +13177,20 @@
     </p:spTree>
     <p:extLst>
       <p:ext uri="{BB962C8B-B14F-4D97-AF65-F5344CB8AC3E}">
-        <p14:creationId xmlns:p14="http://schemas.microsoft.com/office/powerpoint/2010/main" xmlns="" val="51877935"/>
+        <p14:creationId xmlns="" xmlns:p14="http://schemas.microsoft.com/office/powerpoint/2010/main" val="739683668"/>
       </p:ext>
     </p:extLst>
   </p:cSld>
   <p:clrMapOvr>
     <a:masterClrMapping/>
   </p:clrMapOvr>
+  <p:timing>
+    <p:tnLst>
+      <p:par>
+        <p:cTn id="1" dur="indefinite" restart="never" nodeType="tmRoot"/>
+      </p:par>
+    </p:tnLst>
+  </p:timing>
 </p:sld>
 </file>
 
@@ -12997,7 +13228,7 @@
           <a:p>
             <a:r>
               <a:rPr lang="en-US" dirty="0"/>
-              <a:t>Key Points for Errors/Exceptions</a:t>
+              <a:t>Generics</a:t>
             </a:r>
             <a:endParaRPr lang="en-CA" dirty="0"/>
           </a:p>
@@ -13029,55 +13260,33 @@
               <a:rPr lang="en-US" altLang="en-US" dirty="0">
                 <a:ea typeface="ＭＳ Ｐゴシック" panose="020B0600070205080204" pitchFamily="34" charset="-128"/>
               </a:rPr>
-              <a:t>Keyboard Interrupts (</a:t>
-            </a:r>
-            <a:r>
-              <a:rPr lang="en-US" altLang="en-US" dirty="0" err="1">
-                <a:ea typeface="ＭＳ Ｐゴシック" panose="020B0600070205080204" pitchFamily="34" charset="-128"/>
-              </a:rPr>
-              <a:t>Ctrl+C</a:t>
-            </a:r>
-            <a:r>
-              <a:rPr lang="en-US" altLang="en-US" dirty="0">
-                <a:ea typeface="ＭＳ Ｐゴシック" panose="020B0600070205080204" pitchFamily="34" charset="-128"/>
-              </a:rPr>
-              <a:t>) </a:t>
-            </a:r>
-          </a:p>
-          <a:p>
-            <a:pPr lvl="1"/>
-            <a:r>
-              <a:rPr lang="en-US" altLang="en-US" dirty="0">
-                <a:ea typeface="ＭＳ Ｐゴシック" panose="020B0600070205080204" pitchFamily="34" charset="-128"/>
-              </a:rPr>
-              <a:t>There are cases where you absolutely want to catch these to prevent data corruption</a:t>
-            </a:r>
-          </a:p>
-          <a:p>
-            <a:pPr lvl="1"/>
+              <a:t>A way to build classes with arbitrary or unknown types (classes) that may or may not need to define a particular set of methods.</a:t>
+            </a:r>
+          </a:p>
+          <a:p>
             <a:endParaRPr lang="en-US" altLang="en-US" dirty="0">
               <a:ea typeface="ＭＳ Ｐゴシック" panose="020B0600070205080204" pitchFamily="34" charset="-128"/>
             </a:endParaRPr>
           </a:p>
           <a:p>
-            <a:pPr lvl="1"/>
             <a:r>
               <a:rPr lang="en-US" altLang="en-US" dirty="0">
                 <a:ea typeface="ＭＳ Ｐゴシック" panose="020B0600070205080204" pitchFamily="34" charset="-128"/>
               </a:rPr>
-              <a:t>In general, don’t catch these or make a routine that handles a special shutdown on (</a:t>
-            </a:r>
-            <a:r>
-              <a:rPr lang="en-US" altLang="en-US" dirty="0" err="1">
-                <a:ea typeface="ＭＳ Ｐゴシック" panose="020B0600070205080204" pitchFamily="34" charset="-128"/>
-              </a:rPr>
-              <a:t>Ctrl+C</a:t>
-            </a:r>
+              <a:t>Useful for building methods that can be used on any type (think the max method which uses the Comparable interface)</a:t>
+            </a:r>
+          </a:p>
+          <a:p>
+            <a:endParaRPr lang="en-US" altLang="en-US" dirty="0">
+              <a:ea typeface="ＭＳ Ｐゴシック" panose="020B0600070205080204" pitchFamily="34" charset="-128"/>
+            </a:endParaRPr>
+          </a:p>
+          <a:p>
             <a:r>
               <a:rPr lang="en-US" altLang="en-US" dirty="0">
                 <a:ea typeface="ＭＳ Ｐゴシック" panose="020B0600070205080204" pitchFamily="34" charset="-128"/>
               </a:rPr>
-              <a:t>) for critical pieces</a:t>
+              <a:t>Useful for building classes that perform operations on or with a parametrized type (superhero/villain example)</a:t>
             </a:r>
           </a:p>
         </p:txBody>
@@ -13134,176 +13343,24 @@
     </p:spTree>
     <p:extLst>
       <p:ext uri="{BB962C8B-B14F-4D97-AF65-F5344CB8AC3E}">
-        <p14:creationId xmlns:p14="http://schemas.microsoft.com/office/powerpoint/2010/main" xmlns="" val="739683668"/>
+        <p14:creationId xmlns="" xmlns:p14="http://schemas.microsoft.com/office/powerpoint/2010/main" val="1261194124"/>
       </p:ext>
     </p:extLst>
   </p:cSld>
   <p:clrMapOvr>
     <a:masterClrMapping/>
   </p:clrMapOvr>
+  <p:timing>
+    <p:tnLst>
+      <p:par>
+        <p:cTn id="1" dur="indefinite" restart="never" nodeType="tmRoot"/>
+      </p:par>
+    </p:tnLst>
+  </p:timing>
 </p:sld>
 </file>
 
 <file path=ppt/slides/slide37.xml><?xml version="1.0" encoding="utf-8"?>
-<p:sld xmlns:a="http://schemas.openxmlformats.org/drawingml/2006/main" xmlns:r="http://schemas.openxmlformats.org/officeDocument/2006/relationships" xmlns:p="http://schemas.openxmlformats.org/presentationml/2006/main">
-  <p:cSld>
-    <p:spTree>
-      <p:nvGrpSpPr>
-        <p:cNvPr id="1" name=""/>
-        <p:cNvGrpSpPr/>
-        <p:nvPr/>
-      </p:nvGrpSpPr>
-      <p:grpSpPr>
-        <a:xfrm>
-          <a:off x="0" y="0"/>
-          <a:ext cx="0" cy="0"/>
-          <a:chOff x="0" y="0"/>
-          <a:chExt cx="0" cy="0"/>
-        </a:xfrm>
-      </p:grpSpPr>
-      <p:sp>
-        <p:nvSpPr>
-          <p:cNvPr id="2" name="Title 1"/>
-          <p:cNvSpPr>
-            <a:spLocks noGrp="1"/>
-          </p:cNvSpPr>
-          <p:nvPr>
-            <p:ph type="title"/>
-          </p:nvPr>
-        </p:nvSpPr>
-        <p:spPr/>
-        <p:txBody>
-          <a:bodyPr/>
-          <a:lstStyle/>
-          <a:p>
-            <a:r>
-              <a:rPr lang="en-US" dirty="0"/>
-              <a:t>Generics</a:t>
-            </a:r>
-            <a:endParaRPr lang="en-CA" dirty="0"/>
-          </a:p>
-        </p:txBody>
-      </p:sp>
-      <p:sp>
-        <p:nvSpPr>
-          <p:cNvPr id="3" name="Content Placeholder 2"/>
-          <p:cNvSpPr>
-            <a:spLocks noGrp="1"/>
-          </p:cNvSpPr>
-          <p:nvPr>
-            <p:ph idx="1"/>
-          </p:nvPr>
-        </p:nvSpPr>
-        <p:spPr>
-          <a:xfrm>
-            <a:off x="640874" y="1168401"/>
-            <a:ext cx="10515600" cy="4399753"/>
-          </a:xfrm>
-        </p:spPr>
-        <p:txBody>
-          <a:bodyPr>
-            <a:normAutofit/>
-          </a:bodyPr>
-          <a:lstStyle/>
-          <a:p>
-            <a:r>
-              <a:rPr lang="en-US" altLang="en-US" dirty="0">
-                <a:ea typeface="ＭＳ Ｐゴシック" panose="020B0600070205080204" pitchFamily="34" charset="-128"/>
-              </a:rPr>
-              <a:t>A way to build classes with arbitrary or unknown types (classes) that may or may not need to define a particular set of methods.</a:t>
-            </a:r>
-          </a:p>
-          <a:p>
-            <a:endParaRPr lang="en-US" altLang="en-US" dirty="0">
-              <a:ea typeface="ＭＳ Ｐゴシック" panose="020B0600070205080204" pitchFamily="34" charset="-128"/>
-            </a:endParaRPr>
-          </a:p>
-          <a:p>
-            <a:r>
-              <a:rPr lang="en-US" altLang="en-US" dirty="0">
-                <a:ea typeface="ＭＳ Ｐゴシック" panose="020B0600070205080204" pitchFamily="34" charset="-128"/>
-              </a:rPr>
-              <a:t>Useful for building methods that can be used on any type (think the max method which uses the Comparable interface)</a:t>
-            </a:r>
-          </a:p>
-          <a:p>
-            <a:endParaRPr lang="en-US" altLang="en-US" dirty="0">
-              <a:ea typeface="ＭＳ Ｐゴシック" panose="020B0600070205080204" pitchFamily="34" charset="-128"/>
-            </a:endParaRPr>
-          </a:p>
-          <a:p>
-            <a:r>
-              <a:rPr lang="en-US" altLang="en-US" dirty="0">
-                <a:ea typeface="ＭＳ Ｐゴシック" panose="020B0600070205080204" pitchFamily="34" charset="-128"/>
-              </a:rPr>
-              <a:t>Useful for building classes that perform operations on or with a parametrized type (superhero/villain example)</a:t>
-            </a:r>
-          </a:p>
-        </p:txBody>
-      </p:sp>
-      <p:sp>
-        <p:nvSpPr>
-          <p:cNvPr id="10" name="Footer Placeholder 9"/>
-          <p:cNvSpPr>
-            <a:spLocks noGrp="1"/>
-          </p:cNvSpPr>
-          <p:nvPr>
-            <p:ph type="ftr" sz="quarter" idx="3"/>
-          </p:nvPr>
-        </p:nvSpPr>
-        <p:spPr/>
-        <p:txBody>
-          <a:bodyPr/>
-          <a:lstStyle/>
-          <a:p>
-            <a:r>
-              <a:rPr lang="en-CA" dirty="0"/>
-              <a:t>CS321: Advanced Programming Techniques</a:t>
-            </a:r>
-          </a:p>
-        </p:txBody>
-      </p:sp>
-      <p:sp>
-        <p:nvSpPr>
-          <p:cNvPr id="12" name="Slide Number Placeholder 11"/>
-          <p:cNvSpPr>
-            <a:spLocks noGrp="1"/>
-          </p:cNvSpPr>
-          <p:nvPr>
-            <p:ph type="sldNum" sz="quarter" idx="4"/>
-          </p:nvPr>
-        </p:nvSpPr>
-        <p:spPr/>
-        <p:txBody>
-          <a:bodyPr/>
-          <a:lstStyle/>
-          <a:p>
-            <a:fld id="{5174927E-2439-42C0-9720-7BBCA09BF46F}" type="slidenum">
-              <a:rPr lang="en-CA" smtClean="0"/>
-              <a:pPr/>
-              <a:t>37</a:t>
-            </a:fld>
-            <a:r>
-              <a:rPr lang="en-CA" dirty="0"/>
-              <a:t> </a:t>
-            </a:r>
-          </a:p>
-        </p:txBody>
-      </p:sp>
-    </p:spTree>
-    <p:extLst>
-      <p:ext uri="{BB962C8B-B14F-4D97-AF65-F5344CB8AC3E}">
-        <p14:creationId xmlns:p14="http://schemas.microsoft.com/office/powerpoint/2010/main" xmlns="" val="1261194124"/>
-      </p:ext>
-    </p:extLst>
-  </p:cSld>
-  <p:clrMapOvr>
-    <a:masterClrMapping/>
-  </p:clrMapOvr>
-</p:sld>
-</file>
-
-<file path=ppt/slides/slide38.xml><?xml version="1.0" encoding="utf-8"?>
 <p:sld xmlns:a="http://schemas.openxmlformats.org/drawingml/2006/main" xmlns:r="http://schemas.openxmlformats.org/officeDocument/2006/relationships" xmlns:p="http://schemas.openxmlformats.org/presentationml/2006/main">
   <p:cSld>
     <p:spTree>
@@ -13773,7 +13830,7 @@
             <a:fld id="{5174927E-2439-42C0-9720-7BBCA09BF46F}" type="slidenum">
               <a:rPr lang="en-CA" smtClean="0"/>
               <a:pPr/>
-              <a:t>38</a:t>
+              <a:t>37</a:t>
             </a:fld>
             <a:r>
               <a:rPr lang="en-CA" dirty="0"/>
@@ -13785,17 +13842,24 @@
     </p:spTree>
     <p:extLst>
       <p:ext uri="{BB962C8B-B14F-4D97-AF65-F5344CB8AC3E}">
-        <p14:creationId xmlns:p14="http://schemas.microsoft.com/office/powerpoint/2010/main" xmlns="" val="2928778702"/>
+        <p14:creationId xmlns="" xmlns:p14="http://schemas.microsoft.com/office/powerpoint/2010/main" val="2928778702"/>
       </p:ext>
     </p:extLst>
   </p:cSld>
   <p:clrMapOvr>
     <a:masterClrMapping/>
   </p:clrMapOvr>
+  <p:timing>
+    <p:tnLst>
+      <p:par>
+        <p:cTn id="1" dur="indefinite" restart="never" nodeType="tmRoot"/>
+      </p:par>
+    </p:tnLst>
+  </p:timing>
 </p:sld>
 </file>
 
-<file path=ppt/slides/slide39.xml><?xml version="1.0" encoding="utf-8"?>
+<file path=ppt/slides/slide38.xml><?xml version="1.0" encoding="utf-8"?>
 <p:sld xmlns:a="http://schemas.openxmlformats.org/drawingml/2006/main" xmlns:r="http://schemas.openxmlformats.org/officeDocument/2006/relationships" xmlns:p="http://schemas.openxmlformats.org/presentationml/2006/main">
   <p:cSld>
     <p:spTree>
@@ -13878,7 +13942,7 @@
             <a:fld id="{5174927E-2439-42C0-9720-7BBCA09BF46F}" type="slidenum">
               <a:rPr lang="en-CA" smtClean="0"/>
               <a:pPr/>
-              <a:t>39</a:t>
+              <a:t>38</a:t>
             </a:fld>
             <a:r>
               <a:rPr lang="en-CA" dirty="0"/>
@@ -13892,7 +13956,7 @@
           <p:cNvPr id="3" name="Content Placeholder 2">
             <a:extLst>
               <a:ext uri="{FF2B5EF4-FFF2-40B4-BE49-F238E27FC236}">
-                <a16:creationId xmlns:a16="http://schemas.microsoft.com/office/drawing/2014/main" xmlns="" id="{02D9390E-2D69-457A-8A63-8012338D7B7D}"/>
+                <a16:creationId xmlns="" xmlns:a16="http://schemas.microsoft.com/office/drawing/2014/main" id="{02D9390E-2D69-457A-8A63-8012338D7B7D}"/>
               </a:ext>
             </a:extLst>
           </p:cNvPr>
@@ -13923,7 +13987,7 @@
           <p:cNvPr id="7" name="Rectangle 3">
             <a:extLst>
               <a:ext uri="{FF2B5EF4-FFF2-40B4-BE49-F238E27FC236}">
-                <a16:creationId xmlns:a16="http://schemas.microsoft.com/office/drawing/2014/main" xmlns="" id="{FA306D2D-5583-40F8-B92D-FC2433F89369}"/>
+                <a16:creationId xmlns="" xmlns:a16="http://schemas.microsoft.com/office/drawing/2014/main" id="{FA306D2D-5583-40F8-B92D-FC2433F89369}"/>
               </a:ext>
             </a:extLst>
           </p:cNvPr>
@@ -13946,14 +14010,14 @@
           </a:ln>
           <a:extLst>
             <a:ext uri="{909E8E84-426E-40DD-AFC4-6F175D3DCCD1}">
-              <a14:hiddenFill xmlns:a14="http://schemas.microsoft.com/office/drawing/2010/main" xmlns="">
+              <a14:hiddenFill xmlns="" xmlns:a14="http://schemas.microsoft.com/office/drawing/2010/main">
                 <a:solidFill>
                   <a:srgbClr val="FFFFFF"/>
                 </a:solidFill>
               </a14:hiddenFill>
             </a:ext>
             <a:ext uri="{91240B29-F687-4F45-9708-019B960494DF}">
-              <a14:hiddenLine xmlns:a14="http://schemas.microsoft.com/office/drawing/2010/main" xmlns="" w="9525">
+              <a14:hiddenLine xmlns="" xmlns:a14="http://schemas.microsoft.com/office/drawing/2010/main" w="9525">
                 <a:solidFill>
                   <a:srgbClr val="000000"/>
                 </a:solidFill>
@@ -14783,7 +14847,7 @@
           <p:cNvPr id="8" name="Rectangle 4">
             <a:extLst>
               <a:ext uri="{FF2B5EF4-FFF2-40B4-BE49-F238E27FC236}">
-                <a16:creationId xmlns:a16="http://schemas.microsoft.com/office/drawing/2014/main" xmlns="" id="{5AC9BB54-4D92-4420-9C28-A540F9048C51}"/>
+                <a16:creationId xmlns="" xmlns:a16="http://schemas.microsoft.com/office/drawing/2014/main" id="{5AC9BB54-4D92-4420-9C28-A540F9048C51}"/>
               </a:ext>
             </a:extLst>
           </p:cNvPr>
@@ -14811,7 +14875,7 @@
           </a:ln>
           <a:extLst>
             <a:ext uri="{909E8E84-426E-40DD-AFC4-6F175D3DCCD1}">
-              <a14:hiddenFill xmlns:a14="http://schemas.microsoft.com/office/drawing/2010/main" xmlns="">
+              <a14:hiddenFill xmlns="" xmlns:a14="http://schemas.microsoft.com/office/drawing/2010/main">
                 <a:solidFill>
                   <a:srgbClr val="FFFFFF"/>
                 </a:solidFill>
@@ -15016,17 +15080,24 @@
     </p:spTree>
     <p:extLst>
       <p:ext uri="{BB962C8B-B14F-4D97-AF65-F5344CB8AC3E}">
-        <p14:creationId xmlns:p14="http://schemas.microsoft.com/office/powerpoint/2010/main" xmlns="" val="3326900570"/>
+        <p14:creationId xmlns="" xmlns:p14="http://schemas.microsoft.com/office/powerpoint/2010/main" val="3326900570"/>
       </p:ext>
     </p:extLst>
   </p:cSld>
   <p:clrMapOvr>
     <a:masterClrMapping/>
   </p:clrMapOvr>
+  <p:timing>
+    <p:tnLst>
+      <p:par>
+        <p:cTn id="1" dur="indefinite" restart="never" nodeType="tmRoot"/>
+      </p:par>
+    </p:tnLst>
+  </p:timing>
 </p:sld>
 </file>
 
-<file path=ppt/slides/slide4.xml><?xml version="1.0" encoding="utf-8"?>
+<file path=ppt/slides/slide39.xml><?xml version="1.0" encoding="utf-8"?>
 <p:sld xmlns:a="http://schemas.openxmlformats.org/drawingml/2006/main" xmlns:r="http://schemas.openxmlformats.org/officeDocument/2006/relationships" xmlns:p="http://schemas.openxmlformats.org/presentationml/2006/main">
   <p:cSld>
     <p:spTree>
@@ -15053,173 +15124,6 @@
             <p:ph type="title"/>
           </p:nvPr>
         </p:nvSpPr>
-        <p:spPr/>
-        <p:txBody>
-          <a:bodyPr/>
-          <a:lstStyle/>
-          <a:p>
-            <a:r>
-              <a:rPr lang="en-US" dirty="0"/>
-              <a:t>Basics</a:t>
-            </a:r>
-            <a:endParaRPr lang="en-CA" dirty="0"/>
-          </a:p>
-        </p:txBody>
-      </p:sp>
-      <p:sp>
-        <p:nvSpPr>
-          <p:cNvPr id="3" name="Content Placeholder 2"/>
-          <p:cNvSpPr>
-            <a:spLocks noGrp="1"/>
-          </p:cNvSpPr>
-          <p:nvPr>
-            <p:ph idx="1"/>
-          </p:nvPr>
-        </p:nvSpPr>
-        <p:spPr>
-          <a:xfrm>
-            <a:off x="640874" y="1168401"/>
-            <a:ext cx="10515600" cy="4399753"/>
-          </a:xfrm>
-        </p:spPr>
-        <p:txBody>
-          <a:bodyPr>
-            <a:normAutofit/>
-          </a:bodyPr>
-          <a:lstStyle/>
-          <a:p>
-            <a:r>
-              <a:rPr lang="en-US" altLang="en-US" dirty="0">
-                <a:ea typeface="ＭＳ Ｐゴシック" panose="020B0600070205080204" pitchFamily="34" charset="-128"/>
-              </a:rPr>
-              <a:t>DON’T make a while loop that has the potential to run infinitely</a:t>
-            </a:r>
-          </a:p>
-          <a:p>
-            <a:endParaRPr lang="en-US" altLang="en-US" dirty="0">
-              <a:ea typeface="ＭＳ Ｐゴシック" panose="020B0600070205080204" pitchFamily="34" charset="-128"/>
-            </a:endParaRPr>
-          </a:p>
-          <a:p>
-            <a:r>
-              <a:rPr lang="en-US" altLang="en-US" dirty="0">
-                <a:ea typeface="ＭＳ Ｐゴシック" panose="020B0600070205080204" pitchFamily="34" charset="-128"/>
-              </a:rPr>
-              <a:t>Always have a timeout on your while loops when their ending is ambiguous</a:t>
-            </a:r>
-          </a:p>
-          <a:p>
-            <a:endParaRPr lang="en-US" altLang="en-US" dirty="0">
-              <a:ea typeface="ＭＳ Ｐゴシック" panose="020B0600070205080204" pitchFamily="34" charset="-128"/>
-            </a:endParaRPr>
-          </a:p>
-          <a:p>
-            <a:r>
-              <a:rPr lang="en-US" altLang="en-US" dirty="0">
-                <a:ea typeface="ＭＳ Ｐゴシック" panose="020B0600070205080204" pitchFamily="34" charset="-128"/>
-              </a:rPr>
-              <a:t>Overusing if/switch statements is a sign of bad programming</a:t>
-            </a:r>
-          </a:p>
-          <a:p>
-            <a:pPr marL="0" indent="0">
-              <a:buNone/>
-            </a:pPr>
-            <a:endParaRPr lang="en-US" altLang="en-US" dirty="0">
-              <a:ea typeface="ＭＳ Ｐゴシック" panose="020B0600070205080204" pitchFamily="34" charset="-128"/>
-            </a:endParaRPr>
-          </a:p>
-        </p:txBody>
-      </p:sp>
-      <p:sp>
-        <p:nvSpPr>
-          <p:cNvPr id="10" name="Footer Placeholder 9"/>
-          <p:cNvSpPr>
-            <a:spLocks noGrp="1"/>
-          </p:cNvSpPr>
-          <p:nvPr>
-            <p:ph type="ftr" sz="quarter" idx="3"/>
-          </p:nvPr>
-        </p:nvSpPr>
-        <p:spPr/>
-        <p:txBody>
-          <a:bodyPr/>
-          <a:lstStyle/>
-          <a:p>
-            <a:r>
-              <a:rPr lang="en-CA" dirty="0"/>
-              <a:t>CS321: Advanced Programming Techniques</a:t>
-            </a:r>
-          </a:p>
-        </p:txBody>
-      </p:sp>
-      <p:sp>
-        <p:nvSpPr>
-          <p:cNvPr id="12" name="Slide Number Placeholder 11"/>
-          <p:cNvSpPr>
-            <a:spLocks noGrp="1"/>
-          </p:cNvSpPr>
-          <p:nvPr>
-            <p:ph type="sldNum" sz="quarter" idx="4"/>
-          </p:nvPr>
-        </p:nvSpPr>
-        <p:spPr/>
-        <p:txBody>
-          <a:bodyPr/>
-          <a:lstStyle/>
-          <a:p>
-            <a:fld id="{5174927E-2439-42C0-9720-7BBCA09BF46F}" type="slidenum">
-              <a:rPr lang="en-CA" smtClean="0"/>
-              <a:pPr/>
-              <a:t>4</a:t>
-            </a:fld>
-            <a:r>
-              <a:rPr lang="en-CA" dirty="0"/>
-              <a:t> </a:t>
-            </a:r>
-          </a:p>
-        </p:txBody>
-      </p:sp>
-    </p:spTree>
-    <p:extLst>
-      <p:ext uri="{BB962C8B-B14F-4D97-AF65-F5344CB8AC3E}">
-        <p14:creationId xmlns:p14="http://schemas.microsoft.com/office/powerpoint/2010/main" xmlns="" val="224240828"/>
-      </p:ext>
-    </p:extLst>
-  </p:cSld>
-  <p:clrMapOvr>
-    <a:masterClrMapping/>
-  </p:clrMapOvr>
-</p:sld>
-</file>
-
-<file path=ppt/slides/slide40.xml><?xml version="1.0" encoding="utf-8"?>
-<p:sld xmlns:a="http://schemas.openxmlformats.org/drawingml/2006/main" xmlns:r="http://schemas.openxmlformats.org/officeDocument/2006/relationships" xmlns:p="http://schemas.openxmlformats.org/presentationml/2006/main">
-  <p:cSld>
-    <p:spTree>
-      <p:nvGrpSpPr>
-        <p:cNvPr id="1" name=""/>
-        <p:cNvGrpSpPr/>
-        <p:nvPr/>
-      </p:nvGrpSpPr>
-      <p:grpSpPr>
-        <a:xfrm>
-          <a:off x="0" y="0"/>
-          <a:ext cx="0" cy="0"/>
-          <a:chOff x="0" y="0"/>
-          <a:chExt cx="0" cy="0"/>
-        </a:xfrm>
-      </p:grpSpPr>
-      <p:sp>
-        <p:nvSpPr>
-          <p:cNvPr id="2" name="Title 1"/>
-          <p:cNvSpPr>
-            <a:spLocks noGrp="1"/>
-          </p:cNvSpPr>
-          <p:nvPr>
-            <p:ph type="title"/>
-          </p:nvPr>
-        </p:nvSpPr>
         <p:spPr>
           <a:xfrm>
             <a:off x="0" y="-157162"/>
@@ -15276,7 +15180,7 @@
             <a:fld id="{5174927E-2439-42C0-9720-7BBCA09BF46F}" type="slidenum">
               <a:rPr lang="en-CA" smtClean="0"/>
               <a:pPr/>
-              <a:t>40</a:t>
+              <a:t>39</a:t>
             </a:fld>
             <a:r>
               <a:rPr lang="en-CA" dirty="0"/>
@@ -15290,7 +15194,7 @@
           <p:cNvPr id="3" name="Content Placeholder 2">
             <a:extLst>
               <a:ext uri="{FF2B5EF4-FFF2-40B4-BE49-F238E27FC236}">
-                <a16:creationId xmlns:a16="http://schemas.microsoft.com/office/drawing/2014/main" xmlns="" id="{02D9390E-2D69-457A-8A63-8012338D7B7D}"/>
+                <a16:creationId xmlns="" xmlns:a16="http://schemas.microsoft.com/office/drawing/2014/main" id="{02D9390E-2D69-457A-8A63-8012338D7B7D}"/>
               </a:ext>
             </a:extLst>
           </p:cNvPr>
@@ -15321,7 +15225,7 @@
           <p:cNvPr id="7" name="Rectangle 3">
             <a:extLst>
               <a:ext uri="{FF2B5EF4-FFF2-40B4-BE49-F238E27FC236}">
-                <a16:creationId xmlns:a16="http://schemas.microsoft.com/office/drawing/2014/main" xmlns="" id="{03CC276D-5B37-4716-AE20-1AA4B3D1DC58}"/>
+                <a16:creationId xmlns="" xmlns:a16="http://schemas.microsoft.com/office/drawing/2014/main" id="{03CC276D-5B37-4716-AE20-1AA4B3D1DC58}"/>
               </a:ext>
             </a:extLst>
           </p:cNvPr>
@@ -15344,14 +15248,14 @@
           </a:ln>
           <a:extLst>
             <a:ext uri="{909E8E84-426E-40DD-AFC4-6F175D3DCCD1}">
-              <a14:hiddenFill xmlns:a14="http://schemas.microsoft.com/office/drawing/2010/main" xmlns="">
+              <a14:hiddenFill xmlns="" xmlns:a14="http://schemas.microsoft.com/office/drawing/2010/main">
                 <a:solidFill>
                   <a:srgbClr val="FFFFFF"/>
                 </a:solidFill>
               </a14:hiddenFill>
             </a:ext>
             <a:ext uri="{91240B29-F687-4F45-9708-019B960494DF}">
-              <a14:hiddenLine xmlns:a14="http://schemas.microsoft.com/office/drawing/2010/main" xmlns="" w="9525">
+              <a14:hiddenLine xmlns="" xmlns:a14="http://schemas.microsoft.com/office/drawing/2010/main" w="9525">
                 <a:solidFill>
                   <a:srgbClr val="000000"/>
                 </a:solidFill>
@@ -16261,7 +16165,7 @@
           <p:cNvPr id="8" name="Rectangle 4">
             <a:extLst>
               <a:ext uri="{FF2B5EF4-FFF2-40B4-BE49-F238E27FC236}">
-                <a16:creationId xmlns:a16="http://schemas.microsoft.com/office/drawing/2014/main" xmlns="" id="{22C667BB-BE1A-4E42-9202-F22A6A773D4C}"/>
+                <a16:creationId xmlns="" xmlns:a16="http://schemas.microsoft.com/office/drawing/2014/main" id="{22C667BB-BE1A-4E42-9202-F22A6A773D4C}"/>
               </a:ext>
             </a:extLst>
           </p:cNvPr>
@@ -16289,7 +16193,7 @@
           </a:ln>
           <a:extLst>
             <a:ext uri="{909E8E84-426E-40DD-AFC4-6F175D3DCCD1}">
-              <a14:hiddenFill xmlns:a14="http://schemas.microsoft.com/office/drawing/2010/main" xmlns="">
+              <a14:hiddenFill xmlns="" xmlns:a14="http://schemas.microsoft.com/office/drawing/2010/main">
                 <a:solidFill>
                   <a:srgbClr val="FFFFFF"/>
                 </a:solidFill>
@@ -16496,7 +16400,7 @@
           <p:cNvPr id="9" name="Rectangle 5">
             <a:extLst>
               <a:ext uri="{FF2B5EF4-FFF2-40B4-BE49-F238E27FC236}">
-                <a16:creationId xmlns:a16="http://schemas.microsoft.com/office/drawing/2014/main" xmlns="" id="{26416BC4-D089-4138-8185-34999288BB74}"/>
+                <a16:creationId xmlns="" xmlns:a16="http://schemas.microsoft.com/office/drawing/2014/main" id="{26416BC4-D089-4138-8185-34999288BB74}"/>
               </a:ext>
             </a:extLst>
           </p:cNvPr>
@@ -16725,7 +16629,7 @@
           <p:cNvPr id="11" name="AutoShape 6">
             <a:extLst>
               <a:ext uri="{FF2B5EF4-FFF2-40B4-BE49-F238E27FC236}">
-                <a16:creationId xmlns:a16="http://schemas.microsoft.com/office/drawing/2014/main" xmlns="" id="{ADBF95C5-E277-4203-9C8D-C04057A6329D}"/>
+                <a16:creationId xmlns="" xmlns:a16="http://schemas.microsoft.com/office/drawing/2014/main" id="{ADBF95C5-E277-4203-9C8D-C04057A6329D}"/>
               </a:ext>
             </a:extLst>
           </p:cNvPr>
@@ -16954,13 +16858,194 @@
     </p:spTree>
     <p:extLst>
       <p:ext uri="{BB962C8B-B14F-4D97-AF65-F5344CB8AC3E}">
-        <p14:creationId xmlns:p14="http://schemas.microsoft.com/office/powerpoint/2010/main" xmlns="" val="151665903"/>
+        <p14:creationId xmlns="" xmlns:p14="http://schemas.microsoft.com/office/powerpoint/2010/main" val="151665903"/>
       </p:ext>
     </p:extLst>
   </p:cSld>
   <p:clrMapOvr>
     <a:masterClrMapping/>
   </p:clrMapOvr>
+  <p:timing>
+    <p:tnLst>
+      <p:par>
+        <p:cTn id="1" dur="indefinite" restart="never" nodeType="tmRoot"/>
+      </p:par>
+    </p:tnLst>
+  </p:timing>
+</p:sld>
+</file>
+
+<file path=ppt/slides/slide4.xml><?xml version="1.0" encoding="utf-8"?>
+<p:sld xmlns:a="http://schemas.openxmlformats.org/drawingml/2006/main" xmlns:r="http://schemas.openxmlformats.org/officeDocument/2006/relationships" xmlns:p="http://schemas.openxmlformats.org/presentationml/2006/main">
+  <p:cSld>
+    <p:spTree>
+      <p:nvGrpSpPr>
+        <p:cNvPr id="1" name=""/>
+        <p:cNvGrpSpPr/>
+        <p:nvPr/>
+      </p:nvGrpSpPr>
+      <p:grpSpPr>
+        <a:xfrm>
+          <a:off x="0" y="0"/>
+          <a:ext cx="0" cy="0"/>
+          <a:chOff x="0" y="0"/>
+          <a:chExt cx="0" cy="0"/>
+        </a:xfrm>
+      </p:grpSpPr>
+      <p:sp>
+        <p:nvSpPr>
+          <p:cNvPr id="2" name="Title 1"/>
+          <p:cNvSpPr>
+            <a:spLocks noGrp="1"/>
+          </p:cNvSpPr>
+          <p:nvPr>
+            <p:ph type="title"/>
+          </p:nvPr>
+        </p:nvSpPr>
+        <p:spPr/>
+        <p:txBody>
+          <a:bodyPr/>
+          <a:lstStyle/>
+          <a:p>
+            <a:r>
+              <a:rPr lang="en-US" dirty="0"/>
+              <a:t>Basics</a:t>
+            </a:r>
+            <a:endParaRPr lang="en-CA" dirty="0"/>
+          </a:p>
+        </p:txBody>
+      </p:sp>
+      <p:sp>
+        <p:nvSpPr>
+          <p:cNvPr id="3" name="Content Placeholder 2"/>
+          <p:cNvSpPr>
+            <a:spLocks noGrp="1"/>
+          </p:cNvSpPr>
+          <p:nvPr>
+            <p:ph idx="1"/>
+          </p:nvPr>
+        </p:nvSpPr>
+        <p:spPr>
+          <a:xfrm>
+            <a:off x="640874" y="1168401"/>
+            <a:ext cx="10515600" cy="4399753"/>
+          </a:xfrm>
+        </p:spPr>
+        <p:txBody>
+          <a:bodyPr>
+            <a:normAutofit/>
+          </a:bodyPr>
+          <a:lstStyle/>
+          <a:p>
+            <a:r>
+              <a:rPr lang="en-US" altLang="en-US" dirty="0">
+                <a:ea typeface="ＭＳ Ｐゴシック" panose="020B0600070205080204" pitchFamily="34" charset="-128"/>
+              </a:rPr>
+              <a:t>DON’T make a while loop that has the potential to run infinitely</a:t>
+            </a:r>
+          </a:p>
+          <a:p>
+            <a:endParaRPr lang="en-US" altLang="en-US" dirty="0">
+              <a:ea typeface="ＭＳ Ｐゴシック" panose="020B0600070205080204" pitchFamily="34" charset="-128"/>
+            </a:endParaRPr>
+          </a:p>
+          <a:p>
+            <a:r>
+              <a:rPr lang="en-US" altLang="en-US" dirty="0">
+                <a:ea typeface="ＭＳ Ｐゴシック" panose="020B0600070205080204" pitchFamily="34" charset="-128"/>
+              </a:rPr>
+              <a:t>Always have a timeout on your while loops when their ending is ambiguous</a:t>
+            </a:r>
+          </a:p>
+          <a:p>
+            <a:endParaRPr lang="en-US" altLang="en-US" dirty="0">
+              <a:ea typeface="ＭＳ Ｐゴシック" panose="020B0600070205080204" pitchFamily="34" charset="-128"/>
+            </a:endParaRPr>
+          </a:p>
+          <a:p>
+            <a:r>
+              <a:rPr lang="en-US" altLang="en-US" dirty="0">
+                <a:ea typeface="ＭＳ Ｐゴシック" panose="020B0600070205080204" pitchFamily="34" charset="-128"/>
+              </a:rPr>
+              <a:t>Overusing if/switch statements is a sign of bad programming</a:t>
+            </a:r>
+          </a:p>
+          <a:p>
+            <a:pPr marL="0" indent="0">
+              <a:buNone/>
+            </a:pPr>
+            <a:endParaRPr lang="en-US" altLang="en-US" dirty="0">
+              <a:ea typeface="ＭＳ Ｐゴシック" panose="020B0600070205080204" pitchFamily="34" charset="-128"/>
+            </a:endParaRPr>
+          </a:p>
+        </p:txBody>
+      </p:sp>
+      <p:sp>
+        <p:nvSpPr>
+          <p:cNvPr id="10" name="Footer Placeholder 9"/>
+          <p:cNvSpPr>
+            <a:spLocks noGrp="1"/>
+          </p:cNvSpPr>
+          <p:nvPr>
+            <p:ph type="ftr" sz="quarter" idx="3"/>
+          </p:nvPr>
+        </p:nvSpPr>
+        <p:spPr/>
+        <p:txBody>
+          <a:bodyPr/>
+          <a:lstStyle/>
+          <a:p>
+            <a:r>
+              <a:rPr lang="en-CA" dirty="0"/>
+              <a:t>CS321: Advanced Programming Techniques</a:t>
+            </a:r>
+          </a:p>
+        </p:txBody>
+      </p:sp>
+      <p:sp>
+        <p:nvSpPr>
+          <p:cNvPr id="12" name="Slide Number Placeholder 11"/>
+          <p:cNvSpPr>
+            <a:spLocks noGrp="1"/>
+          </p:cNvSpPr>
+          <p:nvPr>
+            <p:ph type="sldNum" sz="quarter" idx="4"/>
+          </p:nvPr>
+        </p:nvSpPr>
+        <p:spPr/>
+        <p:txBody>
+          <a:bodyPr/>
+          <a:lstStyle/>
+          <a:p>
+            <a:fld id="{5174927E-2439-42C0-9720-7BBCA09BF46F}" type="slidenum">
+              <a:rPr lang="en-CA" smtClean="0"/>
+              <a:pPr/>
+              <a:t>4</a:t>
+            </a:fld>
+            <a:r>
+              <a:rPr lang="en-CA" dirty="0"/>
+              <a:t> </a:t>
+            </a:r>
+          </a:p>
+        </p:txBody>
+      </p:sp>
+    </p:spTree>
+    <p:extLst>
+      <p:ext uri="{BB962C8B-B14F-4D97-AF65-F5344CB8AC3E}">
+        <p14:creationId xmlns="" xmlns:p14="http://schemas.microsoft.com/office/powerpoint/2010/main" val="224240828"/>
+      </p:ext>
+    </p:extLst>
+  </p:cSld>
+  <p:clrMapOvr>
+    <a:masterClrMapping/>
+  </p:clrMapOvr>
+  <p:timing>
+    <p:tnLst>
+      <p:par>
+        <p:cTn id="1" dur="indefinite" restart="never" nodeType="tmRoot"/>
+      </p:par>
+    </p:tnLst>
+  </p:timing>
 </p:sld>
 </file>
 
@@ -17156,13 +17241,20 @@
     </p:spTree>
     <p:extLst>
       <p:ext uri="{BB962C8B-B14F-4D97-AF65-F5344CB8AC3E}">
-        <p14:creationId xmlns:p14="http://schemas.microsoft.com/office/powerpoint/2010/main" xmlns="" val="599512483"/>
+        <p14:creationId xmlns="" xmlns:p14="http://schemas.microsoft.com/office/powerpoint/2010/main" val="599512483"/>
       </p:ext>
     </p:extLst>
   </p:cSld>
   <p:clrMapOvr>
     <a:masterClrMapping/>
   </p:clrMapOvr>
+  <p:timing>
+    <p:tnLst>
+      <p:par>
+        <p:cTn id="1" dur="indefinite" restart="never" nodeType="tmRoot"/>
+      </p:par>
+    </p:tnLst>
+  </p:timing>
 </p:sld>
 </file>
 
@@ -17320,13 +17412,20 @@
     </p:spTree>
     <p:extLst>
       <p:ext uri="{BB962C8B-B14F-4D97-AF65-F5344CB8AC3E}">
-        <p14:creationId xmlns:p14="http://schemas.microsoft.com/office/powerpoint/2010/main" xmlns="" val="1244983263"/>
+        <p14:creationId xmlns="" xmlns:p14="http://schemas.microsoft.com/office/powerpoint/2010/main" val="1244983263"/>
       </p:ext>
     </p:extLst>
   </p:cSld>
   <p:clrMapOvr>
     <a:masterClrMapping/>
   </p:clrMapOvr>
+  <p:timing>
+    <p:tnLst>
+      <p:par>
+        <p:cTn id="1" dur="indefinite" restart="never" nodeType="tmRoot"/>
+      </p:par>
+    </p:tnLst>
+  </p:timing>
 </p:sld>
 </file>
 
@@ -17484,13 +17583,20 @@
     </p:spTree>
     <p:extLst>
       <p:ext uri="{BB962C8B-B14F-4D97-AF65-F5344CB8AC3E}">
-        <p14:creationId xmlns:p14="http://schemas.microsoft.com/office/powerpoint/2010/main" xmlns="" val="1819476712"/>
+        <p14:creationId xmlns="" xmlns:p14="http://schemas.microsoft.com/office/powerpoint/2010/main" val="1819476712"/>
       </p:ext>
     </p:extLst>
   </p:cSld>
   <p:clrMapOvr>
     <a:masterClrMapping/>
   </p:clrMapOvr>
+  <p:timing>
+    <p:tnLst>
+      <p:par>
+        <p:cTn id="1" dur="indefinite" restart="never" nodeType="tmRoot"/>
+      </p:par>
+    </p:tnLst>
+  </p:timing>
 </p:sld>
 </file>
 
@@ -17619,7 +17725,7 @@
           <p:cNvPr id="5" name="Picture 4">
             <a:extLst>
               <a:ext uri="{FF2B5EF4-FFF2-40B4-BE49-F238E27FC236}">
-                <a16:creationId xmlns:a16="http://schemas.microsoft.com/office/drawing/2014/main" xmlns="" id="{803B4936-45A2-413F-AB8F-8C23C7A392C9}"/>
+                <a16:creationId xmlns="" xmlns:a16="http://schemas.microsoft.com/office/drawing/2014/main" id="{803B4936-45A2-413F-AB8F-8C23C7A392C9}"/>
               </a:ext>
             </a:extLst>
           </p:cNvPr>
@@ -17632,10 +17738,10 @@
           <a:blip r:embed="rId2" cstate="print">
             <a:extLst>
               <a:ext uri="{28A0092B-C50C-407E-A947-70E740481C1C}">
-                <a14:useLocalDpi xmlns:a14="http://schemas.microsoft.com/office/drawing/2010/main" xmlns="" val="0"/>
+                <a14:useLocalDpi xmlns="" xmlns:a14="http://schemas.microsoft.com/office/drawing/2010/main" val="0"/>
               </a:ext>
               <a:ext uri="{837473B0-CC2E-450A-ABE3-18F120FF3D39}">
-                <a1611:picAttrSrcUrl xmlns:a1611="http://schemas.microsoft.com/office/drawing/2016/11/main" xmlns="" r:id="rId3"/>
+                <a1611:picAttrSrcUrl xmlns="" xmlns:a1611="http://schemas.microsoft.com/office/drawing/2016/11/main" r:id="rId3"/>
               </a:ext>
             </a:extLst>
           </a:blip>
@@ -17658,7 +17764,7 @@
           <p:cNvPr id="13" name="Picture 12">
             <a:extLst>
               <a:ext uri="{FF2B5EF4-FFF2-40B4-BE49-F238E27FC236}">
-                <a16:creationId xmlns:a16="http://schemas.microsoft.com/office/drawing/2014/main" xmlns="" id="{27FEF2F8-9EEA-48B5-B21F-E3999BCF99AB}"/>
+                <a16:creationId xmlns="" xmlns:a16="http://schemas.microsoft.com/office/drawing/2014/main" id="{27FEF2F8-9EEA-48B5-B21F-E3999BCF99AB}"/>
               </a:ext>
             </a:extLst>
           </p:cNvPr>
@@ -17671,10 +17777,10 @@
           <a:blip r:embed="rId4" cstate="print">
             <a:extLst>
               <a:ext uri="{28A0092B-C50C-407E-A947-70E740481C1C}">
-                <a14:useLocalDpi xmlns:a14="http://schemas.microsoft.com/office/drawing/2010/main" xmlns="" val="0"/>
+                <a14:useLocalDpi xmlns="" xmlns:a14="http://schemas.microsoft.com/office/drawing/2010/main" val="0"/>
               </a:ext>
               <a:ext uri="{837473B0-CC2E-450A-ABE3-18F120FF3D39}">
-                <a1611:picAttrSrcUrl xmlns:a1611="http://schemas.microsoft.com/office/drawing/2016/11/main" xmlns="" r:id="rId5"/>
+                <a1611:picAttrSrcUrl xmlns="" xmlns:a1611="http://schemas.microsoft.com/office/drawing/2016/11/main" r:id="rId5"/>
               </a:ext>
             </a:extLst>
           </a:blip>
@@ -17697,7 +17803,7 @@
           <p:cNvPr id="15" name="Picture 14">
             <a:extLst>
               <a:ext uri="{FF2B5EF4-FFF2-40B4-BE49-F238E27FC236}">
-                <a16:creationId xmlns:a16="http://schemas.microsoft.com/office/drawing/2014/main" xmlns="" id="{61C04142-3366-49EB-9FEC-88FF5368D17D}"/>
+                <a16:creationId xmlns="" xmlns:a16="http://schemas.microsoft.com/office/drawing/2014/main" id="{61C04142-3366-49EB-9FEC-88FF5368D17D}"/>
               </a:ext>
             </a:extLst>
           </p:cNvPr>
@@ -17710,10 +17816,10 @@
           <a:blip r:embed="rId6" cstate="print">
             <a:extLst>
               <a:ext uri="{28A0092B-C50C-407E-A947-70E740481C1C}">
-                <a14:useLocalDpi xmlns:a14="http://schemas.microsoft.com/office/drawing/2010/main" xmlns="" val="0"/>
+                <a14:useLocalDpi xmlns="" xmlns:a14="http://schemas.microsoft.com/office/drawing/2010/main" val="0"/>
               </a:ext>
               <a:ext uri="{837473B0-CC2E-450A-ABE3-18F120FF3D39}">
-                <a1611:picAttrSrcUrl xmlns:a1611="http://schemas.microsoft.com/office/drawing/2016/11/main" xmlns="" r:id="rId7"/>
+                <a1611:picAttrSrcUrl xmlns="" xmlns:a1611="http://schemas.microsoft.com/office/drawing/2016/11/main" r:id="rId7"/>
               </a:ext>
             </a:extLst>
           </a:blip>
@@ -17734,13 +17840,20 @@
     </p:spTree>
     <p:extLst>
       <p:ext uri="{BB962C8B-B14F-4D97-AF65-F5344CB8AC3E}">
-        <p14:creationId xmlns:p14="http://schemas.microsoft.com/office/powerpoint/2010/main" xmlns="" val="793235412"/>
+        <p14:creationId xmlns="" xmlns:p14="http://schemas.microsoft.com/office/powerpoint/2010/main" val="793235412"/>
       </p:ext>
     </p:extLst>
   </p:cSld>
   <p:clrMapOvr>
     <a:masterClrMapping/>
   </p:clrMapOvr>
+  <p:timing>
+    <p:tnLst>
+      <p:par>
+        <p:cTn id="1" dur="indefinite" restart="never" nodeType="tmRoot"/>
+      </p:par>
+    </p:tnLst>
+  </p:timing>
 </p:sld>
 </file>
 
@@ -17869,7 +17982,7 @@
           <p:cNvPr id="15" name="Picture 14">
             <a:extLst>
               <a:ext uri="{FF2B5EF4-FFF2-40B4-BE49-F238E27FC236}">
-                <a16:creationId xmlns:a16="http://schemas.microsoft.com/office/drawing/2014/main" xmlns="" id="{61C04142-3366-49EB-9FEC-88FF5368D17D}"/>
+                <a16:creationId xmlns="" xmlns:a16="http://schemas.microsoft.com/office/drawing/2014/main" id="{61C04142-3366-49EB-9FEC-88FF5368D17D}"/>
               </a:ext>
             </a:extLst>
           </p:cNvPr>
@@ -17882,10 +17995,10 @@
           <a:blip r:embed="rId2" cstate="print">
             <a:extLst>
               <a:ext uri="{28A0092B-C50C-407E-A947-70E740481C1C}">
-                <a14:useLocalDpi xmlns:a14="http://schemas.microsoft.com/office/drawing/2010/main" xmlns="" val="0"/>
+                <a14:useLocalDpi xmlns="" xmlns:a14="http://schemas.microsoft.com/office/drawing/2010/main" val="0"/>
               </a:ext>
               <a:ext uri="{837473B0-CC2E-450A-ABE3-18F120FF3D39}">
-                <a1611:picAttrSrcUrl xmlns:a1611="http://schemas.microsoft.com/office/drawing/2016/11/main" xmlns="" r:id="rId3"/>
+                <a1611:picAttrSrcUrl xmlns="" xmlns:a1611="http://schemas.microsoft.com/office/drawing/2016/11/main" r:id="rId3"/>
               </a:ext>
             </a:extLst>
           </a:blip>
@@ -17908,7 +18021,7 @@
           <p:cNvPr id="4" name="TextBox 3">
             <a:extLst>
               <a:ext uri="{FF2B5EF4-FFF2-40B4-BE49-F238E27FC236}">
-                <a16:creationId xmlns:a16="http://schemas.microsoft.com/office/drawing/2014/main" xmlns="" id="{065F8F52-C484-420F-8838-9BA9EB24F06F}"/>
+                <a16:creationId xmlns="" xmlns:a16="http://schemas.microsoft.com/office/drawing/2014/main" id="{065F8F52-C484-420F-8838-9BA9EB24F06F}"/>
               </a:ext>
             </a:extLst>
           </p:cNvPr>
@@ -17943,7 +18056,7 @@
           <p:cNvPr id="14" name="TextBox 13">
             <a:extLst>
               <a:ext uri="{FF2B5EF4-FFF2-40B4-BE49-F238E27FC236}">
-                <a16:creationId xmlns:a16="http://schemas.microsoft.com/office/drawing/2014/main" xmlns="" id="{545FB07B-3C17-49FB-8188-00D3D635E234}"/>
+                <a16:creationId xmlns="" xmlns:a16="http://schemas.microsoft.com/office/drawing/2014/main" id="{545FB07B-3C17-49FB-8188-00D3D635E234}"/>
               </a:ext>
             </a:extLst>
           </p:cNvPr>
@@ -17978,7 +18091,7 @@
           <p:cNvPr id="16" name="TextBox 15">
             <a:extLst>
               <a:ext uri="{FF2B5EF4-FFF2-40B4-BE49-F238E27FC236}">
-                <a16:creationId xmlns:a16="http://schemas.microsoft.com/office/drawing/2014/main" xmlns="" id="{FE719AD3-1761-492D-823C-0AA513693A5E}"/>
+                <a16:creationId xmlns="" xmlns:a16="http://schemas.microsoft.com/office/drawing/2014/main" id="{FE719AD3-1761-492D-823C-0AA513693A5E}"/>
               </a:ext>
             </a:extLst>
           </p:cNvPr>
@@ -18013,7 +18126,7 @@
           <p:cNvPr id="17" name="TextBox 16">
             <a:extLst>
               <a:ext uri="{FF2B5EF4-FFF2-40B4-BE49-F238E27FC236}">
-                <a16:creationId xmlns:a16="http://schemas.microsoft.com/office/drawing/2014/main" xmlns="" id="{0AECDDDD-9C69-4208-AA1C-905C5B95F22C}"/>
+                <a16:creationId xmlns="" xmlns:a16="http://schemas.microsoft.com/office/drawing/2014/main" id="{0AECDDDD-9C69-4208-AA1C-905C5B95F22C}"/>
               </a:ext>
             </a:extLst>
           </p:cNvPr>
@@ -18048,7 +18161,7 @@
           <p:cNvPr id="8" name="Straight Arrow Connector 7">
             <a:extLst>
               <a:ext uri="{FF2B5EF4-FFF2-40B4-BE49-F238E27FC236}">
-                <a16:creationId xmlns:a16="http://schemas.microsoft.com/office/drawing/2014/main" xmlns="" id="{8DDBEF33-54E1-493E-BF2F-6C758455DB2F}"/>
+                <a16:creationId xmlns="" xmlns:a16="http://schemas.microsoft.com/office/drawing/2014/main" id="{8DDBEF33-54E1-493E-BF2F-6C758455DB2F}"/>
               </a:ext>
             </a:extLst>
           </p:cNvPr>
@@ -18093,7 +18206,7 @@
           <p:cNvPr id="18" name="Straight Arrow Connector 17">
             <a:extLst>
               <a:ext uri="{FF2B5EF4-FFF2-40B4-BE49-F238E27FC236}">
-                <a16:creationId xmlns:a16="http://schemas.microsoft.com/office/drawing/2014/main" xmlns="" id="{F1E47557-78F8-4490-9DC2-B232D55FD35C}"/>
+                <a16:creationId xmlns="" xmlns:a16="http://schemas.microsoft.com/office/drawing/2014/main" id="{F1E47557-78F8-4490-9DC2-B232D55FD35C}"/>
               </a:ext>
             </a:extLst>
           </p:cNvPr>
@@ -18137,7 +18250,7 @@
           <p:cNvPr id="22" name="Straight Arrow Connector 21">
             <a:extLst>
               <a:ext uri="{FF2B5EF4-FFF2-40B4-BE49-F238E27FC236}">
-                <a16:creationId xmlns:a16="http://schemas.microsoft.com/office/drawing/2014/main" xmlns="" id="{54728F14-6E5A-45E2-AC4A-EFD14011F60B}"/>
+                <a16:creationId xmlns="" xmlns:a16="http://schemas.microsoft.com/office/drawing/2014/main" id="{54728F14-6E5A-45E2-AC4A-EFD14011F60B}"/>
               </a:ext>
             </a:extLst>
           </p:cNvPr>
@@ -18182,7 +18295,7 @@
           <p:cNvPr id="25" name="Straight Arrow Connector 24">
             <a:extLst>
               <a:ext uri="{FF2B5EF4-FFF2-40B4-BE49-F238E27FC236}">
-                <a16:creationId xmlns:a16="http://schemas.microsoft.com/office/drawing/2014/main" xmlns="" id="{D54D66D9-20DA-42BE-9E8F-546A8ED2AA32}"/>
+                <a16:creationId xmlns="" xmlns:a16="http://schemas.microsoft.com/office/drawing/2014/main" id="{D54D66D9-20DA-42BE-9E8F-546A8ED2AA32}"/>
               </a:ext>
             </a:extLst>
           </p:cNvPr>
@@ -18227,7 +18340,7 @@
           <p:cNvPr id="27" name="Straight Arrow Connector 26">
             <a:extLst>
               <a:ext uri="{FF2B5EF4-FFF2-40B4-BE49-F238E27FC236}">
-                <a16:creationId xmlns:a16="http://schemas.microsoft.com/office/drawing/2014/main" xmlns="" id="{104F6FC2-E13D-4097-9667-8F4A154A8D80}"/>
+                <a16:creationId xmlns="" xmlns:a16="http://schemas.microsoft.com/office/drawing/2014/main" id="{104F6FC2-E13D-4097-9667-8F4A154A8D80}"/>
               </a:ext>
             </a:extLst>
           </p:cNvPr>
@@ -18271,7 +18384,7 @@
           <p:cNvPr id="28" name="Straight Arrow Connector 27">
             <a:extLst>
               <a:ext uri="{FF2B5EF4-FFF2-40B4-BE49-F238E27FC236}">
-                <a16:creationId xmlns:a16="http://schemas.microsoft.com/office/drawing/2014/main" xmlns="" id="{29780F90-A07F-4BB0-9F2F-AAC340DC9D38}"/>
+                <a16:creationId xmlns="" xmlns:a16="http://schemas.microsoft.com/office/drawing/2014/main" id="{29780F90-A07F-4BB0-9F2F-AAC340DC9D38}"/>
               </a:ext>
             </a:extLst>
           </p:cNvPr>
@@ -18315,7 +18428,7 @@
           <p:cNvPr id="31" name="TextBox 30">
             <a:extLst>
               <a:ext uri="{FF2B5EF4-FFF2-40B4-BE49-F238E27FC236}">
-                <a16:creationId xmlns:a16="http://schemas.microsoft.com/office/drawing/2014/main" xmlns="" id="{4C6058E9-F453-4FCC-9697-02D88A979F2A}"/>
+                <a16:creationId xmlns="" xmlns:a16="http://schemas.microsoft.com/office/drawing/2014/main" id="{4C6058E9-F453-4FCC-9697-02D88A979F2A}"/>
               </a:ext>
             </a:extLst>
           </p:cNvPr>
@@ -18351,7 +18464,7 @@
           <p:cNvPr id="32" name="TextBox 31">
             <a:extLst>
               <a:ext uri="{FF2B5EF4-FFF2-40B4-BE49-F238E27FC236}">
-                <a16:creationId xmlns:a16="http://schemas.microsoft.com/office/drawing/2014/main" xmlns="" id="{78EDB91B-C071-4D7E-B239-6F5257BFA37A}"/>
+                <a16:creationId xmlns="" xmlns:a16="http://schemas.microsoft.com/office/drawing/2014/main" id="{78EDB91B-C071-4D7E-B239-6F5257BFA37A}"/>
               </a:ext>
             </a:extLst>
           </p:cNvPr>
@@ -18387,7 +18500,7 @@
           <p:cNvPr id="19" name="Group 18">
             <a:extLst>
               <a:ext uri="{FF2B5EF4-FFF2-40B4-BE49-F238E27FC236}">
-                <a16:creationId xmlns:a16="http://schemas.microsoft.com/office/drawing/2014/main" xmlns="" id="{6F513CEE-2FED-431E-B171-29AD4FD8073D}"/>
+                <a16:creationId xmlns="" xmlns:a16="http://schemas.microsoft.com/office/drawing/2014/main" id="{6F513CEE-2FED-431E-B171-29AD4FD8073D}"/>
               </a:ext>
             </a:extLst>
           </p:cNvPr>
@@ -18407,7 +18520,7 @@
             <p:cNvPr id="33" name="Straight Arrow Connector 32">
               <a:extLst>
                 <a:ext uri="{FF2B5EF4-FFF2-40B4-BE49-F238E27FC236}">
-                  <a16:creationId xmlns:a16="http://schemas.microsoft.com/office/drawing/2014/main" xmlns="" id="{760F0522-E927-4EF6-875E-2DADA29693AC}"/>
+                  <a16:creationId xmlns="" xmlns:a16="http://schemas.microsoft.com/office/drawing/2014/main" id="{760F0522-E927-4EF6-875E-2DADA29693AC}"/>
                 </a:ext>
               </a:extLst>
             </p:cNvPr>
@@ -18451,7 +18564,7 @@
             <p:cNvPr id="34" name="TextBox 33">
               <a:extLst>
                 <a:ext uri="{FF2B5EF4-FFF2-40B4-BE49-F238E27FC236}">
-                  <a16:creationId xmlns:a16="http://schemas.microsoft.com/office/drawing/2014/main" xmlns="" id="{E096BC95-CF89-477C-A149-CADD8535D70D}"/>
+                  <a16:creationId xmlns="" xmlns:a16="http://schemas.microsoft.com/office/drawing/2014/main" id="{E096BC95-CF89-477C-A149-CADD8535D70D}"/>
                 </a:ext>
               </a:extLst>
             </p:cNvPr>
@@ -18487,7 +18600,7 @@
             <p:cNvPr id="35" name="Straight Arrow Connector 34">
               <a:extLst>
                 <a:ext uri="{FF2B5EF4-FFF2-40B4-BE49-F238E27FC236}">
-                  <a16:creationId xmlns:a16="http://schemas.microsoft.com/office/drawing/2014/main" xmlns="" id="{16A5DB64-6D02-469B-8ECF-1AC120A06DE3}"/>
+                  <a16:creationId xmlns="" xmlns:a16="http://schemas.microsoft.com/office/drawing/2014/main" id="{16A5DB64-6D02-469B-8ECF-1AC120A06DE3}"/>
                 </a:ext>
               </a:extLst>
             </p:cNvPr>
@@ -18531,7 +18644,7 @@
             <p:cNvPr id="37" name="TextBox 36">
               <a:extLst>
                 <a:ext uri="{FF2B5EF4-FFF2-40B4-BE49-F238E27FC236}">
-                  <a16:creationId xmlns:a16="http://schemas.microsoft.com/office/drawing/2014/main" xmlns="" id="{85C4C53D-D5CB-4E7F-937C-C49212F44A70}"/>
+                  <a16:creationId xmlns="" xmlns:a16="http://schemas.microsoft.com/office/drawing/2014/main" id="{85C4C53D-D5CB-4E7F-937C-C49212F44A70}"/>
                 </a:ext>
               </a:extLst>
             </p:cNvPr>
@@ -18568,7 +18681,7 @@
           <p:cNvPr id="38" name="Straight Arrow Connector 37">
             <a:extLst>
               <a:ext uri="{FF2B5EF4-FFF2-40B4-BE49-F238E27FC236}">
-                <a16:creationId xmlns:a16="http://schemas.microsoft.com/office/drawing/2014/main" xmlns="" id="{5D867792-63F2-4767-BC8D-917B88AC05E1}"/>
+                <a16:creationId xmlns="" xmlns:a16="http://schemas.microsoft.com/office/drawing/2014/main" id="{5D867792-63F2-4767-BC8D-917B88AC05E1}"/>
               </a:ext>
             </a:extLst>
           </p:cNvPr>
@@ -18612,7 +18725,7 @@
           <p:cNvPr id="39" name="TextBox 38">
             <a:extLst>
               <a:ext uri="{FF2B5EF4-FFF2-40B4-BE49-F238E27FC236}">
-                <a16:creationId xmlns:a16="http://schemas.microsoft.com/office/drawing/2014/main" xmlns="" id="{94708DE2-B64C-48F4-8076-59A108D618A6}"/>
+                <a16:creationId xmlns="" xmlns:a16="http://schemas.microsoft.com/office/drawing/2014/main" id="{94708DE2-B64C-48F4-8076-59A108D618A6}"/>
               </a:ext>
             </a:extLst>
           </p:cNvPr>
@@ -18648,7 +18761,7 @@
           <p:cNvPr id="40" name="Straight Arrow Connector 39">
             <a:extLst>
               <a:ext uri="{FF2B5EF4-FFF2-40B4-BE49-F238E27FC236}">
-                <a16:creationId xmlns:a16="http://schemas.microsoft.com/office/drawing/2014/main" xmlns="" id="{5CA8617A-911B-4C68-B5F4-CED221D4F758}"/>
+                <a16:creationId xmlns="" xmlns:a16="http://schemas.microsoft.com/office/drawing/2014/main" id="{5CA8617A-911B-4C68-B5F4-CED221D4F758}"/>
               </a:ext>
             </a:extLst>
           </p:cNvPr>
@@ -18692,7 +18805,7 @@
           <p:cNvPr id="42" name="TextBox 41">
             <a:extLst>
               <a:ext uri="{FF2B5EF4-FFF2-40B4-BE49-F238E27FC236}">
-                <a16:creationId xmlns:a16="http://schemas.microsoft.com/office/drawing/2014/main" xmlns="" id="{10573C7C-31D3-4491-9B05-DACBB0B02145}"/>
+                <a16:creationId xmlns="" xmlns:a16="http://schemas.microsoft.com/office/drawing/2014/main" id="{10573C7C-31D3-4491-9B05-DACBB0B02145}"/>
               </a:ext>
             </a:extLst>
           </p:cNvPr>
@@ -18727,7 +18840,7 @@
           <p:cNvPr id="43" name="Straight Arrow Connector 42">
             <a:extLst>
               <a:ext uri="{FF2B5EF4-FFF2-40B4-BE49-F238E27FC236}">
-                <a16:creationId xmlns:a16="http://schemas.microsoft.com/office/drawing/2014/main" xmlns="" id="{BF01DE0F-75F5-4498-A057-FE68F1F8E4FB}"/>
+                <a16:creationId xmlns="" xmlns:a16="http://schemas.microsoft.com/office/drawing/2014/main" id="{BF01DE0F-75F5-4498-A057-FE68F1F8E4FB}"/>
               </a:ext>
             </a:extLst>
           </p:cNvPr>
@@ -18771,7 +18884,7 @@
           <p:cNvPr id="44" name="TextBox 43">
             <a:extLst>
               <a:ext uri="{FF2B5EF4-FFF2-40B4-BE49-F238E27FC236}">
-                <a16:creationId xmlns:a16="http://schemas.microsoft.com/office/drawing/2014/main" xmlns="" id="{21D961B1-8920-45A2-B7B6-24C52F68A83D}"/>
+                <a16:creationId xmlns="" xmlns:a16="http://schemas.microsoft.com/office/drawing/2014/main" id="{21D961B1-8920-45A2-B7B6-24C52F68A83D}"/>
               </a:ext>
             </a:extLst>
           </p:cNvPr>
@@ -18807,7 +18920,7 @@
           <p:cNvPr id="45" name="Straight Arrow Connector 44">
             <a:extLst>
               <a:ext uri="{FF2B5EF4-FFF2-40B4-BE49-F238E27FC236}">
-                <a16:creationId xmlns:a16="http://schemas.microsoft.com/office/drawing/2014/main" xmlns="" id="{C1FAEF9C-B2F6-4215-9812-69CE9F14BAFC}"/>
+                <a16:creationId xmlns="" xmlns:a16="http://schemas.microsoft.com/office/drawing/2014/main" id="{C1FAEF9C-B2F6-4215-9812-69CE9F14BAFC}"/>
               </a:ext>
             </a:extLst>
           </p:cNvPr>
@@ -18851,7 +18964,7 @@
           <p:cNvPr id="47" name="TextBox 46">
             <a:extLst>
               <a:ext uri="{FF2B5EF4-FFF2-40B4-BE49-F238E27FC236}">
-                <a16:creationId xmlns:a16="http://schemas.microsoft.com/office/drawing/2014/main" xmlns="" id="{5B05E545-DCBA-4D82-8B24-9CA55C349478}"/>
+                <a16:creationId xmlns="" xmlns:a16="http://schemas.microsoft.com/office/drawing/2014/main" id="{5B05E545-DCBA-4D82-8B24-9CA55C349478}"/>
               </a:ext>
             </a:extLst>
           </p:cNvPr>
@@ -18886,7 +18999,7 @@
           <p:cNvPr id="48" name="Straight Arrow Connector 47">
             <a:extLst>
               <a:ext uri="{FF2B5EF4-FFF2-40B4-BE49-F238E27FC236}">
-                <a16:creationId xmlns:a16="http://schemas.microsoft.com/office/drawing/2014/main" xmlns="" id="{3598B223-2123-426C-8451-717BE628A163}"/>
+                <a16:creationId xmlns="" xmlns:a16="http://schemas.microsoft.com/office/drawing/2014/main" id="{3598B223-2123-426C-8451-717BE628A163}"/>
               </a:ext>
             </a:extLst>
           </p:cNvPr>
@@ -18931,7 +19044,7 @@
           <p:cNvPr id="50" name="TextBox 49">
             <a:extLst>
               <a:ext uri="{FF2B5EF4-FFF2-40B4-BE49-F238E27FC236}">
-                <a16:creationId xmlns:a16="http://schemas.microsoft.com/office/drawing/2014/main" xmlns="" id="{548A5FC5-8E8D-4334-94CA-553E93958E21}"/>
+                <a16:creationId xmlns="" xmlns:a16="http://schemas.microsoft.com/office/drawing/2014/main" id="{548A5FC5-8E8D-4334-94CA-553E93958E21}"/>
               </a:ext>
             </a:extLst>
           </p:cNvPr>
@@ -18966,7 +19079,7 @@
           <p:cNvPr id="53" name="Straight Arrow Connector 52">
             <a:extLst>
               <a:ext uri="{FF2B5EF4-FFF2-40B4-BE49-F238E27FC236}">
-                <a16:creationId xmlns:a16="http://schemas.microsoft.com/office/drawing/2014/main" xmlns="" id="{90BB1FB3-601E-4C1C-B25F-639594D36DF0}"/>
+                <a16:creationId xmlns="" xmlns:a16="http://schemas.microsoft.com/office/drawing/2014/main" id="{90BB1FB3-601E-4C1C-B25F-639594D36DF0}"/>
               </a:ext>
             </a:extLst>
           </p:cNvPr>
@@ -19010,7 +19123,7 @@
           <p:cNvPr id="56" name="TextBox 55">
             <a:extLst>
               <a:ext uri="{FF2B5EF4-FFF2-40B4-BE49-F238E27FC236}">
-                <a16:creationId xmlns:a16="http://schemas.microsoft.com/office/drawing/2014/main" xmlns="" id="{126170BE-DBB8-41CA-A9D4-23D0210E7F14}"/>
+                <a16:creationId xmlns="" xmlns:a16="http://schemas.microsoft.com/office/drawing/2014/main" id="{126170BE-DBB8-41CA-A9D4-23D0210E7F14}"/>
               </a:ext>
             </a:extLst>
           </p:cNvPr>
@@ -19045,7 +19158,7 @@
           <p:cNvPr id="57" name="Straight Arrow Connector 56">
             <a:extLst>
               <a:ext uri="{FF2B5EF4-FFF2-40B4-BE49-F238E27FC236}">
-                <a16:creationId xmlns:a16="http://schemas.microsoft.com/office/drawing/2014/main" xmlns="" id="{B0C578F6-714B-4824-9ECE-5015FB620964}"/>
+                <a16:creationId xmlns="" xmlns:a16="http://schemas.microsoft.com/office/drawing/2014/main" id="{B0C578F6-714B-4824-9ECE-5015FB620964}"/>
               </a:ext>
             </a:extLst>
           </p:cNvPr>
@@ -19089,7 +19202,7 @@
           <p:cNvPr id="58" name="Straight Arrow Connector 57">
             <a:extLst>
               <a:ext uri="{FF2B5EF4-FFF2-40B4-BE49-F238E27FC236}">
-                <a16:creationId xmlns:a16="http://schemas.microsoft.com/office/drawing/2014/main" xmlns="" id="{850D419C-9C5F-43B0-9494-8C763B70C8D8}"/>
+                <a16:creationId xmlns="" xmlns:a16="http://schemas.microsoft.com/office/drawing/2014/main" id="{850D419C-9C5F-43B0-9494-8C763B70C8D8}"/>
               </a:ext>
             </a:extLst>
           </p:cNvPr>
@@ -19133,7 +19246,7 @@
           <p:cNvPr id="60" name="TextBox 59">
             <a:extLst>
               <a:ext uri="{FF2B5EF4-FFF2-40B4-BE49-F238E27FC236}">
-                <a16:creationId xmlns:a16="http://schemas.microsoft.com/office/drawing/2014/main" xmlns="" id="{00FCB261-BF63-40FC-B508-C6E3BDD9E269}"/>
+                <a16:creationId xmlns="" xmlns:a16="http://schemas.microsoft.com/office/drawing/2014/main" id="{00FCB261-BF63-40FC-B508-C6E3BDD9E269}"/>
               </a:ext>
             </a:extLst>
           </p:cNvPr>
@@ -19168,7 +19281,7 @@
           <p:cNvPr id="61" name="TextBox 60">
             <a:extLst>
               <a:ext uri="{FF2B5EF4-FFF2-40B4-BE49-F238E27FC236}">
-                <a16:creationId xmlns:a16="http://schemas.microsoft.com/office/drawing/2014/main" xmlns="" id="{9F61E270-C94A-40B7-A722-8E8BDDC11047}"/>
+                <a16:creationId xmlns="" xmlns:a16="http://schemas.microsoft.com/office/drawing/2014/main" id="{9F61E270-C94A-40B7-A722-8E8BDDC11047}"/>
               </a:ext>
             </a:extLst>
           </p:cNvPr>
@@ -19204,7 +19317,7 @@
           <p:cNvPr id="62" name="Straight Arrow Connector 61">
             <a:extLst>
               <a:ext uri="{FF2B5EF4-FFF2-40B4-BE49-F238E27FC236}">
-                <a16:creationId xmlns:a16="http://schemas.microsoft.com/office/drawing/2014/main" xmlns="" id="{CFF82DD4-5FF5-4264-902D-D7599D1875D6}"/>
+                <a16:creationId xmlns="" xmlns:a16="http://schemas.microsoft.com/office/drawing/2014/main" id="{CFF82DD4-5FF5-4264-902D-D7599D1875D6}"/>
               </a:ext>
             </a:extLst>
           </p:cNvPr>
@@ -19248,7 +19361,7 @@
           <p:cNvPr id="63" name="Straight Arrow Connector 62">
             <a:extLst>
               <a:ext uri="{FF2B5EF4-FFF2-40B4-BE49-F238E27FC236}">
-                <a16:creationId xmlns:a16="http://schemas.microsoft.com/office/drawing/2014/main" xmlns="" id="{D0F66810-2AF9-4236-95FB-FFBF82C4FD8E}"/>
+                <a16:creationId xmlns="" xmlns:a16="http://schemas.microsoft.com/office/drawing/2014/main" id="{D0F66810-2AF9-4236-95FB-FFBF82C4FD8E}"/>
               </a:ext>
             </a:extLst>
           </p:cNvPr>
@@ -19292,7 +19405,7 @@
           <p:cNvPr id="65" name="TextBox 64">
             <a:extLst>
               <a:ext uri="{FF2B5EF4-FFF2-40B4-BE49-F238E27FC236}">
-                <a16:creationId xmlns:a16="http://schemas.microsoft.com/office/drawing/2014/main" xmlns="" id="{83B2A0EA-96AE-46DE-9582-415750498B5B}"/>
+                <a16:creationId xmlns="" xmlns:a16="http://schemas.microsoft.com/office/drawing/2014/main" id="{83B2A0EA-96AE-46DE-9582-415750498B5B}"/>
               </a:ext>
             </a:extLst>
           </p:cNvPr>
@@ -19328,7 +19441,7 @@
           <p:cNvPr id="66" name="TextBox 65">
             <a:extLst>
               <a:ext uri="{FF2B5EF4-FFF2-40B4-BE49-F238E27FC236}">
-                <a16:creationId xmlns:a16="http://schemas.microsoft.com/office/drawing/2014/main" xmlns="" id="{D520A455-DE89-4DDE-8FC6-85DD4E5E4D49}"/>
+                <a16:creationId xmlns="" xmlns:a16="http://schemas.microsoft.com/office/drawing/2014/main" id="{D520A455-DE89-4DDE-8FC6-85DD4E5E4D49}"/>
               </a:ext>
             </a:extLst>
           </p:cNvPr>
@@ -19364,7 +19477,7 @@
           <p:cNvPr id="46" name="TextBox 45">
             <a:extLst>
               <a:ext uri="{FF2B5EF4-FFF2-40B4-BE49-F238E27FC236}">
-                <a16:creationId xmlns:a16="http://schemas.microsoft.com/office/drawing/2014/main" xmlns="" id="{AED62D3E-1C93-4BB9-81AF-99B4E63BC8E3}"/>
+                <a16:creationId xmlns="" xmlns:a16="http://schemas.microsoft.com/office/drawing/2014/main" id="{AED62D3E-1C93-4BB9-81AF-99B4E63BC8E3}"/>
               </a:ext>
             </a:extLst>
           </p:cNvPr>
@@ -19401,13 +19514,20 @@
     </p:spTree>
     <p:extLst>
       <p:ext uri="{BB962C8B-B14F-4D97-AF65-F5344CB8AC3E}">
-        <p14:creationId xmlns:p14="http://schemas.microsoft.com/office/powerpoint/2010/main" xmlns="" val="2779966150"/>
+        <p14:creationId xmlns="" xmlns:p14="http://schemas.microsoft.com/office/powerpoint/2010/main" val="2779966150"/>
       </p:ext>
     </p:extLst>
   </p:cSld>
   <p:clrMapOvr>
     <a:masterClrMapping/>
   </p:clrMapOvr>
+  <p:timing>
+    <p:tnLst>
+      <p:par>
+        <p:cTn id="1" dur="indefinite" restart="never" nodeType="tmRoot"/>
+      </p:par>
+    </p:tnLst>
+  </p:timing>
 </p:sld>
 </file>
 
@@ -19700,7 +19820,7 @@
   <a:extraClrSchemeLst/>
   <a:extLst>
     <a:ext uri="{05A4C25C-085E-4340-85A3-A5531E510DB2}">
-      <thm15:themeFamily xmlns:thm15="http://schemas.microsoft.com/office/thememl/2012/main" xmlns="" name="eye_tracker_presentation" id="{00ED1D97-A04B-46A0-BB71-88655A6B057F}" vid="{F36189FA-3966-4852-951E-5734674D1C7B}"/>
+      <thm15:themeFamily xmlns="" xmlns:thm15="http://schemas.microsoft.com/office/thememl/2012/main" name="eye_tracker_presentation" id="{00ED1D97-A04B-46A0-BB71-88655A6B057F}" vid="{F36189FA-3966-4852-951E-5734674D1C7B}"/>
     </a:ext>
   </a:extLst>
 </a:theme>
@@ -19995,7 +20115,7 @@
   <a:extraClrSchemeLst/>
   <a:extLst>
     <a:ext uri="{05A4C25C-085E-4340-85A3-A5531E510DB2}">
-      <thm15:themeFamily xmlns:thm15="http://schemas.microsoft.com/office/thememl/2012/main" xmlns="" name="Office Theme" id="{62F939B6-93AF-4DB8-9C6B-D6C7DFDC589F}" vid="{4A3C46E8-61CC-4603-A589-7422A47A8E4A}"/>
+      <thm15:themeFamily xmlns="" xmlns:thm15="http://schemas.microsoft.com/office/thememl/2012/main" name="Office Theme" id="{62F939B6-93AF-4DB8-9C6B-D6C7DFDC589F}" vid="{4A3C46E8-61CC-4603-A589-7422A47A8E4A}"/>
     </a:ext>
   </a:extLst>
 </a:theme>
